--- a/Presentation/Social Media Impact_final_ppt.pptx
+++ b/Presentation/Social Media Impact_final_ppt.pptx
@@ -8386,10 +8386,10 @@
       </p:grpSpPr>
       <p:sp useBgFill="1">
         <p:nvSpPr>
-          <p:cNvPr id="44" name="Rectangle 43">
+          <p:cNvPr id="141" name="Rectangle 124">
             <a:extLst>
               <a:ext uri="{FF2B5EF4-FFF2-40B4-BE49-F238E27FC236}">
-                <a16:creationId xmlns:a16="http://schemas.microsoft.com/office/drawing/2014/main" id="{3193BA5C-B8F3-4972-BA54-014C48FAFA42}"/>
+                <a16:creationId xmlns:a16="http://schemas.microsoft.com/office/drawing/2014/main" id="{AF38CBB2-04B5-4ED2-92CA-ABA779049DEA}"/>
               </a:ext>
               <a:ext uri="{C183D7F6-B498-43B3-948B-1728B52AA6E4}">
                 <adec:decorative xmlns:adec="http://schemas.microsoft.com/office/drawing/2017/decorative" val="1"/>
@@ -8446,10 +8446,10 @@
       </p:sp>
       <p:cxnSp>
         <p:nvCxnSpPr>
-          <p:cNvPr id="46" name="Straight Connector 45">
+          <p:cNvPr id="142" name="Straight Connector 126">
             <a:extLst>
               <a:ext uri="{FF2B5EF4-FFF2-40B4-BE49-F238E27FC236}">
-                <a16:creationId xmlns:a16="http://schemas.microsoft.com/office/drawing/2014/main" id="{D7162BAB-C25E-4CE9-B87C-F118DC7E7C22}"/>
+                <a16:creationId xmlns:a16="http://schemas.microsoft.com/office/drawing/2014/main" id="{99ECE436-E5C5-4600-9DAE-6A66A788E0DF}"/>
               </a:ext>
               <a:ext uri="{C183D7F6-B498-43B3-948B-1728B52AA6E4}">
                 <adec:decorative xmlns:adec="http://schemas.microsoft.com/office/drawing/2017/decorative" val="1"/>
@@ -8469,8 +8469,8 @@
         </p:nvCxnSpPr>
         <p:spPr>
           <a:xfrm>
-            <a:off x="1453896" y="1847088"/>
-            <a:ext cx="3530885" cy="0"/>
+            <a:off x="1453897" y="1847088"/>
+            <a:ext cx="5548039" cy="0"/>
           </a:xfrm>
           <a:prstGeom prst="line">
             <a:avLst/>
@@ -8510,8 +8510,8 @@
         </p:nvSpPr>
         <p:spPr>
           <a:xfrm>
-            <a:off x="1451580" y="804520"/>
-            <a:ext cx="3530157" cy="1049235"/>
+            <a:off x="1451579" y="804519"/>
+            <a:ext cx="5550357" cy="1049235"/>
           </a:xfrm>
         </p:spPr>
         <p:txBody>
@@ -8521,7 +8521,7 @@
           <a:lstStyle/>
           <a:p>
             <a:r>
-              <a:rPr lang="en-US" sz="2200" dirty="0"/>
+              <a:rPr lang="en-US" sz="2700"/>
               <a:t>Machine learning – random forest regressor model</a:t>
             </a:r>
           </a:p>
@@ -8529,10 +8529,10 @@
       </p:sp>
       <p:sp>
         <p:nvSpPr>
-          <p:cNvPr id="48" name="Rectangle 47">
+          <p:cNvPr id="143" name="Rectangle 128">
             <a:extLst>
               <a:ext uri="{FF2B5EF4-FFF2-40B4-BE49-F238E27FC236}">
-                <a16:creationId xmlns:a16="http://schemas.microsoft.com/office/drawing/2014/main" id="{05B93327-222A-4DAC-9163-371BF44CDB0C}"/>
+                <a16:creationId xmlns:a16="http://schemas.microsoft.com/office/drawing/2014/main" id="{A81BF76C-52E4-494B-86F2-4CBAC20E3856}"/>
               </a:ext>
               <a:ext uri="{C183D7F6-B498-43B3-948B-1728B52AA6E4}">
                 <adec:decorative xmlns:adec="http://schemas.microsoft.com/office/drawing/2017/decorative" val="1"/>
@@ -8619,8 +8619,8 @@
         </p:nvSpPr>
         <p:spPr>
           <a:xfrm>
-            <a:off x="1451581" y="2015732"/>
-            <a:ext cx="3526523" cy="3450613"/>
+            <a:off x="1451579" y="2015732"/>
+            <a:ext cx="5550357" cy="3450613"/>
           </a:xfrm>
         </p:spPr>
         <p:txBody>
@@ -8630,18 +8630,28 @@
           <a:lstStyle/>
           <a:p>
             <a:pPr marL="0" indent="0">
+              <a:lnSpc>
+                <a:spcPct val="110000"/>
+              </a:lnSpc>
               <a:buNone/>
             </a:pPr>
+            <a:r>
+              <a:rPr lang="en-US" b="0" i="0" dirty="0">
+                <a:effectLst/>
+                <a:latin typeface="-apple-system"/>
+              </a:rPr>
+              <a:t>The random forest regressor model also showed improvement in the residual plot. A residual plot shows the difference between the true value of y and the predicted values of y, ideally, we want our predictions to be close to zero on the y-axis. We can see in the linear regression residual plot; the difference is between the ranges of negative 15 to 10. In the random forest regressor residual plot, the ranges improve by decreasing to a range of negative 2 to 1.5.</a:t>
+            </a:r>
             <a:endParaRPr lang="en-US" dirty="0"/>
           </a:p>
         </p:txBody>
       </p:sp>
       <p:grpSp>
         <p:nvGrpSpPr>
-          <p:cNvPr id="50" name="Group 49">
+          <p:cNvPr id="144" name="Group 130">
             <a:extLst>
               <a:ext uri="{FF2B5EF4-FFF2-40B4-BE49-F238E27FC236}">
-                <a16:creationId xmlns:a16="http://schemas.microsoft.com/office/drawing/2014/main" id="{14EE34E3-F117-4487-8ACF-33DA65FA11B3}"/>
+                <a16:creationId xmlns:a16="http://schemas.microsoft.com/office/drawing/2014/main" id="{CD0703AE-95DE-4C43-8272-BB33A5AD46D3}"/>
               </a:ext>
               <a:ext uri="{C183D7F6-B498-43B3-948B-1728B52AA6E4}">
                 <adec:decorative xmlns:adec="http://schemas.microsoft.com/office/drawing/2017/decorative" val="1"/>
@@ -8661,18 +8671,18 @@
         </p:nvGrpSpPr>
         <p:grpSpPr>
           <a:xfrm>
-            <a:off x="5460131" y="482171"/>
-            <a:ext cx="6091791" cy="5149101"/>
-            <a:chOff x="5460131" y="482171"/>
-            <a:chExt cx="6091791" cy="5149101"/>
+            <a:off x="7477388" y="482171"/>
+            <a:ext cx="4074533" cy="5149101"/>
+            <a:chOff x="7463259" y="583365"/>
+            <a:chExt cx="4074533" cy="5181928"/>
           </a:xfrm>
         </p:grpSpPr>
         <p:sp>
           <p:nvSpPr>
-            <p:cNvPr id="51" name="Rectangle 50">
+            <p:cNvPr id="145" name="Rectangle 131">
               <a:extLst>
                 <a:ext uri="{FF2B5EF4-FFF2-40B4-BE49-F238E27FC236}">
-                  <a16:creationId xmlns:a16="http://schemas.microsoft.com/office/drawing/2014/main" id="{39ACC02C-6424-4165-93C4-E83C8E81D462}"/>
+                  <a16:creationId xmlns:a16="http://schemas.microsoft.com/office/drawing/2014/main" id="{2FF4B413-F360-4A9A-8F55-79C3961709A4}"/>
                 </a:ext>
                 <a:ext uri="{C183D7F6-B498-43B3-948B-1728B52AA6E4}">
                   <adec:decorative xmlns:adec="http://schemas.microsoft.com/office/drawing/2017/decorative" val="1"/>
@@ -8690,8 +8700,8 @@
           </p:nvSpPr>
           <p:spPr>
             <a:xfrm>
-              <a:off x="5460131" y="482171"/>
-              <a:ext cx="6091791" cy="5149101"/>
+              <a:off x="7463259" y="583365"/>
+              <a:ext cx="4074533" cy="5181928"/>
             </a:xfrm>
             <a:prstGeom prst="rect">
               <a:avLst/>
@@ -8750,10 +8760,10 @@
         </p:sp>
         <p:sp>
           <p:nvSpPr>
-            <p:cNvPr id="52" name="Rectangle 51">
+            <p:cNvPr id="146" name="Rectangle 132">
               <a:extLst>
                 <a:ext uri="{FF2B5EF4-FFF2-40B4-BE49-F238E27FC236}">
-                  <a16:creationId xmlns:a16="http://schemas.microsoft.com/office/drawing/2014/main" id="{C182CB9C-C978-4C9B-9AAD-8B1341897550}"/>
+                  <a16:creationId xmlns:a16="http://schemas.microsoft.com/office/drawing/2014/main" id="{D129C2B7-6BA1-4DC0-8ED1-044AFBE47E4C}"/>
                 </a:ext>
                 <a:ext uri="{C183D7F6-B498-43B3-948B-1728B52AA6E4}">
                   <adec:decorative xmlns:adec="http://schemas.microsoft.com/office/drawing/2017/decorative" val="1"/>
@@ -8771,8 +8781,8 @@
           </p:nvSpPr>
           <p:spPr>
             <a:xfrm>
-              <a:off x="5778956" y="812507"/>
-              <a:ext cx="5461780" cy="4466452"/>
+              <a:off x="7776318" y="915807"/>
+              <a:ext cx="3450289" cy="4494927"/>
             </a:xfrm>
             <a:prstGeom prst="rect">
               <a:avLst/>
@@ -8833,93 +8843,19 @@
           </p:txBody>
         </p:sp>
       </p:grpSp>
-      <p:sp>
-        <p:nvSpPr>
-          <p:cNvPr id="54" name="Rectangle 53">
+      <p:pic>
+        <p:nvPicPr>
+          <p:cNvPr id="16" name="Picture 15" descr="Chart, scatter chart&#10;&#10;Description automatically generated">
             <a:extLst>
               <a:ext uri="{FF2B5EF4-FFF2-40B4-BE49-F238E27FC236}">
-                <a16:creationId xmlns:a16="http://schemas.microsoft.com/office/drawing/2014/main" id="{56388820-A63D-463C-9DBC-060A5ABE33B6}"/>
-              </a:ext>
-              <a:ext uri="{C183D7F6-B498-43B3-948B-1728B52AA6E4}">
-                <adec:decorative xmlns:adec="http://schemas.microsoft.com/office/drawing/2017/decorative" val="1"/>
-              </a:ext>
-            </a:extLst>
-          </p:cNvPr>
-          <p:cNvSpPr>
-            <a:spLocks noGrp="1" noRot="1" noChangeAspect="1" noMove="1" noResize="1" noEditPoints="1" noAdjustHandles="1" noChangeArrowheads="1" noChangeShapeType="1" noTextEdit="1"/>
-          </p:cNvSpPr>
-          <p:nvPr>
-            <p:extLst>
-              <p:ext uri="{386F3935-93C4-4BCD-93E2-E3B085C9AB24}">
-                <p16:designElem xmlns:p16="http://schemas.microsoft.com/office/powerpoint/2015/main" val="1"/>
-              </p:ext>
-            </p:extLst>
-          </p:nvPr>
-        </p:nvSpPr>
-        <p:spPr>
-          <a:xfrm>
-            <a:off x="5942379" y="977965"/>
-            <a:ext cx="5134631" cy="4135339"/>
-          </a:xfrm>
-          <a:prstGeom prst="rect">
-            <a:avLst/>
-          </a:prstGeom>
-          <a:solidFill>
-            <a:schemeClr val="bg1"/>
-          </a:solidFill>
-          <a:ln w="6350">
-            <a:solidFill>
-              <a:schemeClr val="bg2"/>
-            </a:solidFill>
-          </a:ln>
-        </p:spPr>
-        <p:style>
-          <a:lnRef idx="2">
-            <a:schemeClr val="accent1">
-              <a:shade val="50000"/>
-            </a:schemeClr>
-          </a:lnRef>
-          <a:fillRef idx="1">
-            <a:schemeClr val="accent1"/>
-          </a:fillRef>
-          <a:effectRef idx="0">
-            <a:schemeClr val="accent1"/>
-          </a:effectRef>
-          <a:fontRef idx="minor">
-            <a:schemeClr val="lt1"/>
-          </a:fontRef>
-        </p:style>
-        <p:txBody>
-          <a:bodyPr rtlCol="0" anchor="ctr"/>
-          <a:lstStyle/>
-          <a:p>
-            <a:pPr algn="ctr"/>
-            <a:endParaRPr lang="en-US"/>
-          </a:p>
-        </p:txBody>
-      </p:sp>
-      <p:pic>
-        <p:nvPicPr>
-          <p:cNvPr id="56" name="Picture 55">
-            <a:extLst>
-              <a:ext uri="{FF2B5EF4-FFF2-40B4-BE49-F238E27FC236}">
-                <a16:creationId xmlns:a16="http://schemas.microsoft.com/office/drawing/2014/main" id="{C04ED70F-D6FD-4EB1-A171-D30F885FE73E}"/>
-              </a:ext>
-              <a:ext uri="{C183D7F6-B498-43B3-948B-1728B52AA6E4}">
-                <adec:decorative xmlns:adec="http://schemas.microsoft.com/office/drawing/2017/decorative" val="1"/>
+                <a16:creationId xmlns:a16="http://schemas.microsoft.com/office/drawing/2014/main" id="{9FA781DF-9250-46CB-A6DF-A3271E9B751E}"/>
               </a:ext>
             </a:extLst>
           </p:cNvPr>
           <p:cNvPicPr>
-            <a:picLocks noGrp="1" noRot="1" noChangeAspect="1" noMove="1" noResize="1" noEditPoints="1" noAdjustHandles="1" noChangeArrowheads="1" noChangeShapeType="1" noCrop="1"/>
+            <a:picLocks noChangeAspect="1"/>
           </p:cNvPicPr>
-          <p:nvPr>
-            <p:extLst>
-              <p:ext uri="{386F3935-93C4-4BCD-93E2-E3B085C9AB24}">
-                <p16:designElem xmlns:p16="http://schemas.microsoft.com/office/powerpoint/2015/main" val="1"/>
-              </p:ext>
-            </p:extLst>
-          </p:nvPr>
+          <p:nvPr/>
         </p:nvPicPr>
         <p:blipFill rotWithShape="1">
           <a:blip r:embed="rId2">
@@ -8929,6 +8865,85 @@
               </a:ext>
             </a:extLst>
           </a:blip>
+          <a:srcRect l="1713" r="4142" b="2"/>
+          <a:stretch/>
+        </p:blipFill>
+        <p:spPr>
+          <a:xfrm>
+            <a:off x="7828917" y="811445"/>
+            <a:ext cx="3310138" cy="2155688"/>
+          </a:xfrm>
+          <a:prstGeom prst="rect">
+            <a:avLst/>
+          </a:prstGeom>
+        </p:spPr>
+      </p:pic>
+      <p:pic>
+        <p:nvPicPr>
+          <p:cNvPr id="14" name="Picture 13" descr="Chart, scatter chart&#10;&#10;Description automatically generated">
+            <a:extLst>
+              <a:ext uri="{FF2B5EF4-FFF2-40B4-BE49-F238E27FC236}">
+                <a16:creationId xmlns:a16="http://schemas.microsoft.com/office/drawing/2014/main" id="{CE2BF7B1-B89F-4C9E-A69C-7B38A073F9BA}"/>
+              </a:ext>
+            </a:extLst>
+          </p:cNvPr>
+          <p:cNvPicPr>
+            <a:picLocks noChangeAspect="1"/>
+          </p:cNvPicPr>
+          <p:nvPr/>
+        </p:nvPicPr>
+        <p:blipFill rotWithShape="1">
+          <a:blip r:embed="rId3">
+            <a:extLst>
+              <a:ext uri="{28A0092B-C50C-407E-A947-70E740481C1C}">
+                <a14:useLocalDpi xmlns:a14="http://schemas.microsoft.com/office/drawing/2010/main" val="0"/>
+              </a:ext>
+            </a:extLst>
+          </a:blip>
+          <a:srcRect l="561" r="-3" b="-3"/>
+          <a:stretch/>
+        </p:blipFill>
+        <p:spPr>
+          <a:xfrm>
+            <a:off x="7828917" y="3131725"/>
+            <a:ext cx="3310138" cy="2040857"/>
+          </a:xfrm>
+          <a:prstGeom prst="rect">
+            <a:avLst/>
+          </a:prstGeom>
+        </p:spPr>
+      </p:pic>
+      <p:pic>
+        <p:nvPicPr>
+          <p:cNvPr id="147" name="Picture 134">
+            <a:extLst>
+              <a:ext uri="{FF2B5EF4-FFF2-40B4-BE49-F238E27FC236}">
+                <a16:creationId xmlns:a16="http://schemas.microsoft.com/office/drawing/2014/main" id="{0C24E7C2-F39B-4280-9B81-F15BBD93C3A9}"/>
+              </a:ext>
+              <a:ext uri="{C183D7F6-B498-43B3-948B-1728B52AA6E4}">
+                <adec:decorative xmlns:adec="http://schemas.microsoft.com/office/drawing/2017/decorative" val="1"/>
+              </a:ext>
+            </a:extLst>
+          </p:cNvPr>
+          <p:cNvPicPr>
+            <a:picLocks noGrp="1" noRot="1" noChangeAspect="1" noMove="1" noResize="1" noEditPoints="1" noAdjustHandles="1" noChangeArrowheads="1" noChangeShapeType="1" noCrop="1"/>
+          </p:cNvPicPr>
+          <p:nvPr>
+            <p:extLst>
+              <p:ext uri="{386F3935-93C4-4BCD-93E2-E3B085C9AB24}">
+                <p16:designElem xmlns:p16="http://schemas.microsoft.com/office/powerpoint/2015/main" val="1"/>
+              </p:ext>
+            </p:extLst>
+          </p:nvPr>
+        </p:nvPicPr>
+        <p:blipFill rotWithShape="1">
+          <a:blip r:embed="rId4">
+            <a:extLst>
+              <a:ext uri="{28A0092B-C50C-407E-A947-70E740481C1C}">
+                <a14:useLocalDpi xmlns:a14="http://schemas.microsoft.com/office/drawing/2010/main" val="0"/>
+              </a:ext>
+            </a:extLst>
+          </a:blip>
           <a:srcRect t="1538" b="-1538"/>
           <a:stretch/>
         </p:blipFill>
@@ -8944,10 +8959,10 @@
       </p:pic>
       <p:cxnSp>
         <p:nvCxnSpPr>
-          <p:cNvPr id="58" name="Straight Connector 57">
+          <p:cNvPr id="148" name="Straight Connector 136">
             <a:extLst>
               <a:ext uri="{FF2B5EF4-FFF2-40B4-BE49-F238E27FC236}">
-                <a16:creationId xmlns:a16="http://schemas.microsoft.com/office/drawing/2014/main" id="{DA26CAE9-74C4-4EDD-8A80-77F79EAA86F4}"/>
+                <a16:creationId xmlns:a16="http://schemas.microsoft.com/office/drawing/2014/main" id="{F381DAA9-C4BA-4BB3-8F4B-3BC4B43EB336}"/>
               </a:ext>
               <a:ext uri="{C183D7F6-B498-43B3-948B-1728B52AA6E4}">
                 <adec:decorative xmlns:adec="http://schemas.microsoft.com/office/drawing/2017/decorative" val="1"/>
@@ -8999,7 +9014,7 @@
     </p:spTree>
     <p:extLst>
       <p:ext uri="{BB962C8B-B14F-4D97-AF65-F5344CB8AC3E}">
-        <p14:creationId xmlns:p14="http://schemas.microsoft.com/office/powerpoint/2010/main" val="913417766"/>
+        <p14:creationId xmlns:p14="http://schemas.microsoft.com/office/powerpoint/2010/main" val="2724589346"/>
       </p:ext>
     </p:extLst>
   </p:cSld>

--- a/Presentation/Social Media Impact_final_ppt.pptx
+++ b/Presentation/Social Media Impact_final_ppt.pptx
@@ -7665,114 +7665,6 @@
           <a:chExt cx="0" cy="0"/>
         </a:xfrm>
       </p:grpSpPr>
-      <p:sp useBgFill="1">
-        <p:nvSpPr>
-          <p:cNvPr id="44" name="Rectangle 43">
-            <a:extLst>
-              <a:ext uri="{FF2B5EF4-FFF2-40B4-BE49-F238E27FC236}">
-                <a16:creationId xmlns:a16="http://schemas.microsoft.com/office/drawing/2014/main" id="{3193BA5C-B8F3-4972-BA54-014C48FAFA42}"/>
-              </a:ext>
-              <a:ext uri="{C183D7F6-B498-43B3-948B-1728B52AA6E4}">
-                <adec:decorative xmlns:adec="http://schemas.microsoft.com/office/drawing/2017/decorative" val="1"/>
-              </a:ext>
-            </a:extLst>
-          </p:cNvPr>
-          <p:cNvSpPr>
-            <a:spLocks noGrp="1" noRot="1" noChangeAspect="1" noMove="1" noResize="1" noEditPoints="1" noAdjustHandles="1" noChangeArrowheads="1" noChangeShapeType="1" noTextEdit="1"/>
-          </p:cNvSpPr>
-          <p:nvPr>
-            <p:extLst>
-              <p:ext uri="{386F3935-93C4-4BCD-93E2-E3B085C9AB24}">
-                <p16:designElem xmlns:p16="http://schemas.microsoft.com/office/powerpoint/2015/main" val="1"/>
-              </p:ext>
-            </p:extLst>
-          </p:nvPr>
-        </p:nvSpPr>
-        <p:spPr>
-          <a:xfrm>
-            <a:off x="2" y="0"/>
-            <a:ext cx="12191695" cy="6858000"/>
-          </a:xfrm>
-          <a:prstGeom prst="rect">
-            <a:avLst/>
-          </a:prstGeom>
-          <a:ln>
-            <a:noFill/>
-          </a:ln>
-        </p:spPr>
-        <p:style>
-          <a:lnRef idx="2">
-            <a:schemeClr val="accent1">
-              <a:shade val="50000"/>
-            </a:schemeClr>
-          </a:lnRef>
-          <a:fillRef idx="1">
-            <a:schemeClr val="accent1"/>
-          </a:fillRef>
-          <a:effectRef idx="0">
-            <a:schemeClr val="accent1"/>
-          </a:effectRef>
-          <a:fontRef idx="minor">
-            <a:schemeClr val="lt1"/>
-          </a:fontRef>
-        </p:style>
-        <p:txBody>
-          <a:bodyPr rtlCol="0" anchor="ctr"/>
-          <a:lstStyle/>
-          <a:p>
-            <a:pPr algn="ctr"/>
-            <a:endParaRPr lang="en-US"/>
-          </a:p>
-        </p:txBody>
-      </p:sp>
-      <p:cxnSp>
-        <p:nvCxnSpPr>
-          <p:cNvPr id="46" name="Straight Connector 45">
-            <a:extLst>
-              <a:ext uri="{FF2B5EF4-FFF2-40B4-BE49-F238E27FC236}">
-                <a16:creationId xmlns:a16="http://schemas.microsoft.com/office/drawing/2014/main" id="{D7162BAB-C25E-4CE9-B87C-F118DC7E7C22}"/>
-              </a:ext>
-              <a:ext uri="{C183D7F6-B498-43B3-948B-1728B52AA6E4}">
-                <adec:decorative xmlns:adec="http://schemas.microsoft.com/office/drawing/2017/decorative" val="1"/>
-              </a:ext>
-            </a:extLst>
-          </p:cNvPr>
-          <p:cNvCxnSpPr>
-            <a:cxnSpLocks noGrp="1" noRot="1" noChangeAspect="1" noMove="1" noResize="1" noEditPoints="1" noAdjustHandles="1" noChangeArrowheads="1" noChangeShapeType="1"/>
-          </p:cNvCxnSpPr>
-          <p:nvPr>
-            <p:extLst>
-              <p:ext uri="{386F3935-93C4-4BCD-93E2-E3B085C9AB24}">
-                <p16:designElem xmlns:p16="http://schemas.microsoft.com/office/powerpoint/2015/main" val="1"/>
-              </p:ext>
-            </p:extLst>
-          </p:nvPr>
-        </p:nvCxnSpPr>
-        <p:spPr>
-          <a:xfrm>
-            <a:off x="1453896" y="1847088"/>
-            <a:ext cx="3530885" cy="0"/>
-          </a:xfrm>
-          <a:prstGeom prst="line">
-            <a:avLst/>
-          </a:prstGeom>
-          <a:ln w="31750"/>
-        </p:spPr>
-        <p:style>
-          <a:lnRef idx="3">
-            <a:schemeClr val="accent1"/>
-          </a:lnRef>
-          <a:fillRef idx="0">
-            <a:schemeClr val="accent1"/>
-          </a:fillRef>
-          <a:effectRef idx="2">
-            <a:schemeClr val="accent1"/>
-          </a:effectRef>
-          <a:fontRef idx="minor">
-            <a:schemeClr val="tx1"/>
-          </a:fontRef>
-        </p:style>
-      </p:cxnSp>
       <p:sp>
         <p:nvSpPr>
           <p:cNvPr id="2" name="Title 1">
@@ -7791,8 +7683,8 @@
         </p:nvSpPr>
         <p:spPr>
           <a:xfrm>
-            <a:off x="1451580" y="804520"/>
-            <a:ext cx="3530157" cy="1049235"/>
+            <a:off x="1451579" y="804519"/>
+            <a:ext cx="9603275" cy="1049235"/>
           </a:xfrm>
         </p:spPr>
         <p:txBody>
@@ -7802,83 +7694,9 @@
           <a:lstStyle/>
           <a:p>
             <a:r>
-              <a:rPr lang="en-US" sz="2200"/>
+              <a:rPr lang="en-US"/>
               <a:t>Machine learning – linear regression model</a:t>
             </a:r>
-          </a:p>
-        </p:txBody>
-      </p:sp>
-      <p:sp>
-        <p:nvSpPr>
-          <p:cNvPr id="48" name="Rectangle 47">
-            <a:extLst>
-              <a:ext uri="{FF2B5EF4-FFF2-40B4-BE49-F238E27FC236}">
-                <a16:creationId xmlns:a16="http://schemas.microsoft.com/office/drawing/2014/main" id="{05B93327-222A-4DAC-9163-371BF44CDB0C}"/>
-              </a:ext>
-              <a:ext uri="{C183D7F6-B498-43B3-948B-1728B52AA6E4}">
-                <adec:decorative xmlns:adec="http://schemas.microsoft.com/office/drawing/2017/decorative" val="1"/>
-              </a:ext>
-            </a:extLst>
-          </p:cNvPr>
-          <p:cNvSpPr>
-            <a:spLocks noGrp="1" noRot="1" noChangeAspect="1" noMove="1" noResize="1" noEditPoints="1" noAdjustHandles="1" noChangeArrowheads="1" noChangeShapeType="1" noTextEdit="1"/>
-          </p:cNvSpPr>
-          <p:nvPr>
-            <p:extLst>
-              <p:ext uri="{386F3935-93C4-4BCD-93E2-E3B085C9AB24}">
-                <p16:designElem xmlns:p16="http://schemas.microsoft.com/office/powerpoint/2015/main" val="1"/>
-              </p:ext>
-            </p:extLst>
-          </p:nvPr>
-        </p:nvSpPr>
-        <p:spPr>
-          <a:xfrm>
-            <a:off x="0" y="2019476"/>
-            <a:ext cx="12192000" cy="4105941"/>
-          </a:xfrm>
-          <a:prstGeom prst="rect">
-            <a:avLst/>
-          </a:prstGeom>
-          <a:gradFill flip="none" rotWithShape="1">
-            <a:gsLst>
-              <a:gs pos="0">
-                <a:schemeClr val="bg2">
-                  <a:alpha val="0"/>
-                </a:schemeClr>
-              </a:gs>
-              <a:gs pos="100000">
-                <a:schemeClr val="bg2"/>
-              </a:gs>
-            </a:gsLst>
-            <a:lin ang="5400000" scaled="0"/>
-            <a:tileRect/>
-          </a:gradFill>
-          <a:ln>
-            <a:noFill/>
-          </a:ln>
-        </p:spPr>
-        <p:style>
-          <a:lnRef idx="2">
-            <a:schemeClr val="accent1">
-              <a:shade val="50000"/>
-            </a:schemeClr>
-          </a:lnRef>
-          <a:fillRef idx="1">
-            <a:schemeClr val="accent1"/>
-          </a:fillRef>
-          <a:effectRef idx="0">
-            <a:schemeClr val="accent1"/>
-          </a:effectRef>
-          <a:fontRef idx="minor">
-            <a:schemeClr val="lt1"/>
-          </a:fontRef>
-        </p:style>
-        <p:txBody>
-          <a:bodyPr rtlCol="0" anchor="ctr"/>
-          <a:lstStyle/>
-          <a:p>
-            <a:pPr lvl="0" algn="ctr"/>
-            <a:endParaRPr lang="en-US"/>
           </a:p>
         </p:txBody>
       </p:sp>
@@ -7900,8 +7718,8 @@
         </p:nvSpPr>
         <p:spPr>
           <a:xfrm>
-            <a:off x="1451581" y="2015732"/>
-            <a:ext cx="3526523" cy="3450613"/>
+            <a:off x="1451579" y="2015734"/>
+            <a:ext cx="4162555" cy="3450613"/>
           </a:xfrm>
         </p:spPr>
         <p:txBody>
@@ -7935,274 +7753,12 @@
           </a:p>
         </p:txBody>
       </p:sp>
-      <p:grpSp>
-        <p:nvGrpSpPr>
-          <p:cNvPr id="50" name="Group 49">
+      <p:pic>
+        <p:nvPicPr>
+          <p:cNvPr id="6" name="Picture 5" descr="Calendar&#10;&#10;Description automatically generated">
             <a:extLst>
               <a:ext uri="{FF2B5EF4-FFF2-40B4-BE49-F238E27FC236}">
-                <a16:creationId xmlns:a16="http://schemas.microsoft.com/office/drawing/2014/main" id="{14EE34E3-F117-4487-8ACF-33DA65FA11B3}"/>
-              </a:ext>
-              <a:ext uri="{C183D7F6-B498-43B3-948B-1728B52AA6E4}">
-                <adec:decorative xmlns:adec="http://schemas.microsoft.com/office/drawing/2017/decorative" val="1"/>
-              </a:ext>
-            </a:extLst>
-          </p:cNvPr>
-          <p:cNvGrpSpPr>
-            <a:grpSpLocks noGrp="1" noUngrp="1" noRot="1" noChangeAspect="1" noMove="1" noResize="1"/>
-          </p:cNvGrpSpPr>
-          <p:nvPr>
-            <p:extLst>
-              <p:ext uri="{386F3935-93C4-4BCD-93E2-E3B085C9AB24}">
-                <p16:designElem xmlns:p16="http://schemas.microsoft.com/office/powerpoint/2015/main" val="1"/>
-              </p:ext>
-            </p:extLst>
-          </p:nvPr>
-        </p:nvGrpSpPr>
-        <p:grpSpPr>
-          <a:xfrm>
-            <a:off x="5460131" y="482171"/>
-            <a:ext cx="6091791" cy="5149101"/>
-            <a:chOff x="5460131" y="482171"/>
-            <a:chExt cx="6091791" cy="5149101"/>
-          </a:xfrm>
-        </p:grpSpPr>
-        <p:sp>
-          <p:nvSpPr>
-            <p:cNvPr id="51" name="Rectangle 50">
-              <a:extLst>
-                <a:ext uri="{FF2B5EF4-FFF2-40B4-BE49-F238E27FC236}">
-                  <a16:creationId xmlns:a16="http://schemas.microsoft.com/office/drawing/2014/main" id="{39ACC02C-6424-4165-93C4-E83C8E81D462}"/>
-                </a:ext>
-                <a:ext uri="{C183D7F6-B498-43B3-948B-1728B52AA6E4}">
-                  <adec:decorative xmlns:adec="http://schemas.microsoft.com/office/drawing/2017/decorative" val="1"/>
-                </a:ext>
-              </a:extLst>
-            </p:cNvPr>
-            <p:cNvSpPr/>
-            <p:nvPr>
-              <p:extLst>
-                <p:ext uri="{386F3935-93C4-4BCD-93E2-E3B085C9AB24}">
-                  <p16:designElem xmlns:p16="http://schemas.microsoft.com/office/powerpoint/2015/main" val="1"/>
-                </p:ext>
-              </p:extLst>
-            </p:nvPr>
-          </p:nvSpPr>
-          <p:spPr>
-            <a:xfrm>
-              <a:off x="5460131" y="482171"/>
-              <a:ext cx="6091791" cy="5149101"/>
-            </a:xfrm>
-            <a:prstGeom prst="rect">
-              <a:avLst/>
-            </a:prstGeom>
-            <a:gradFill>
-              <a:gsLst>
-                <a:gs pos="0">
-                  <a:srgbClr val="000001"/>
-                </a:gs>
-                <a:gs pos="100000">
-                  <a:srgbClr val="191919"/>
-                </a:gs>
-              </a:gsLst>
-            </a:gradFill>
-            <a:ln w="76200" cmpd="sng">
-              <a:noFill/>
-              <a:miter lim="800000"/>
-            </a:ln>
-            <a:effectLst>
-              <a:outerShdw blurRad="127000" dist="228600" dir="4740000" sx="98000" sy="98000" algn="tl" rotWithShape="0">
-                <a:srgbClr val="000000">
-                  <a:alpha val="34000"/>
-                </a:srgbClr>
-              </a:outerShdw>
-            </a:effectLst>
-            <a:scene3d>
-              <a:camera prst="orthographicFront"/>
-              <a:lightRig rig="threePt" dir="t"/>
-            </a:scene3d>
-            <a:sp3d>
-              <a:bevelT w="152400" h="50800" prst="softRound"/>
-            </a:sp3d>
-          </p:spPr>
-          <p:style>
-            <a:lnRef idx="1">
-              <a:schemeClr val="accent1"/>
-            </a:lnRef>
-            <a:fillRef idx="3">
-              <a:schemeClr val="accent1"/>
-            </a:fillRef>
-            <a:effectRef idx="2">
-              <a:schemeClr val="accent1"/>
-            </a:effectRef>
-            <a:fontRef idx="minor">
-              <a:schemeClr val="lt1"/>
-            </a:fontRef>
-          </p:style>
-          <p:txBody>
-            <a:bodyPr rtlCol="0" anchor="ctr"/>
-            <a:lstStyle/>
-            <a:p>
-              <a:pPr algn="ctr"/>
-              <a:endParaRPr lang="en-US"/>
-            </a:p>
-          </p:txBody>
-        </p:sp>
-        <p:sp>
-          <p:nvSpPr>
-            <p:cNvPr id="52" name="Rectangle 51">
-              <a:extLst>
-                <a:ext uri="{FF2B5EF4-FFF2-40B4-BE49-F238E27FC236}">
-                  <a16:creationId xmlns:a16="http://schemas.microsoft.com/office/drawing/2014/main" id="{C182CB9C-C978-4C9B-9AAD-8B1341897550}"/>
-                </a:ext>
-                <a:ext uri="{C183D7F6-B498-43B3-948B-1728B52AA6E4}">
-                  <adec:decorative xmlns:adec="http://schemas.microsoft.com/office/drawing/2017/decorative" val="1"/>
-                </a:ext>
-              </a:extLst>
-            </p:cNvPr>
-            <p:cNvSpPr/>
-            <p:nvPr>
-              <p:extLst>
-                <p:ext uri="{386F3935-93C4-4BCD-93E2-E3B085C9AB24}">
-                  <p16:designElem xmlns:p16="http://schemas.microsoft.com/office/powerpoint/2015/main" val="1"/>
-                </p:ext>
-              </p:extLst>
-            </p:nvPr>
-          </p:nvSpPr>
-          <p:spPr>
-            <a:xfrm>
-              <a:off x="5778956" y="812507"/>
-              <a:ext cx="5461780" cy="4466452"/>
-            </a:xfrm>
-            <a:prstGeom prst="rect">
-              <a:avLst/>
-            </a:prstGeom>
-            <a:gradFill>
-              <a:gsLst>
-                <a:gs pos="0">
-                  <a:srgbClr val="DADADA"/>
-                </a:gs>
-                <a:gs pos="100000">
-                  <a:srgbClr val="FFFFFE"/>
-                </a:gs>
-              </a:gsLst>
-              <a:lin ang="16200000" scaled="0"/>
-            </a:gradFill>
-            <a:ln w="50800" cmpd="sng">
-              <a:solidFill>
-                <a:srgbClr val="191919"/>
-              </a:solidFill>
-              <a:miter lim="800000"/>
-            </a:ln>
-            <a:effectLst>
-              <a:innerShdw blurRad="63500" dist="88900" dir="14100000">
-                <a:srgbClr val="000000">
-                  <a:alpha val="30000"/>
-                </a:srgbClr>
-              </a:innerShdw>
-            </a:effectLst>
-            <a:scene3d>
-              <a:camera prst="orthographicFront"/>
-              <a:lightRig rig="threePt" dir="t"/>
-            </a:scene3d>
-            <a:sp3d>
-              <a:bevelT prst="relaxedInset"/>
-            </a:sp3d>
-          </p:spPr>
-          <p:style>
-            <a:lnRef idx="1">
-              <a:schemeClr val="accent1"/>
-            </a:lnRef>
-            <a:fillRef idx="3">
-              <a:schemeClr val="accent1"/>
-            </a:fillRef>
-            <a:effectRef idx="2">
-              <a:schemeClr val="accent1"/>
-            </a:effectRef>
-            <a:fontRef idx="minor">
-              <a:schemeClr val="lt1"/>
-            </a:fontRef>
-          </p:style>
-          <p:txBody>
-            <a:bodyPr rtlCol="0" anchor="ctr"/>
-            <a:lstStyle/>
-            <a:p>
-              <a:pPr algn="ctr"/>
-              <a:endParaRPr lang="en-US"/>
-            </a:p>
-          </p:txBody>
-        </p:sp>
-      </p:grpSp>
-      <p:sp>
-        <p:nvSpPr>
-          <p:cNvPr id="54" name="Rectangle 53">
-            <a:extLst>
-              <a:ext uri="{FF2B5EF4-FFF2-40B4-BE49-F238E27FC236}">
-                <a16:creationId xmlns:a16="http://schemas.microsoft.com/office/drawing/2014/main" id="{56388820-A63D-463C-9DBC-060A5ABE33B6}"/>
-              </a:ext>
-              <a:ext uri="{C183D7F6-B498-43B3-948B-1728B52AA6E4}">
-                <adec:decorative xmlns:adec="http://schemas.microsoft.com/office/drawing/2017/decorative" val="1"/>
-              </a:ext>
-            </a:extLst>
-          </p:cNvPr>
-          <p:cNvSpPr>
-            <a:spLocks noGrp="1" noRot="1" noChangeAspect="1" noMove="1" noResize="1" noEditPoints="1" noAdjustHandles="1" noChangeArrowheads="1" noChangeShapeType="1" noTextEdit="1"/>
-          </p:cNvSpPr>
-          <p:nvPr>
-            <p:extLst>
-              <p:ext uri="{386F3935-93C4-4BCD-93E2-E3B085C9AB24}">
-                <p16:designElem xmlns:p16="http://schemas.microsoft.com/office/powerpoint/2015/main" val="1"/>
-              </p:ext>
-            </p:extLst>
-          </p:nvPr>
-        </p:nvSpPr>
-        <p:spPr>
-          <a:xfrm>
-            <a:off x="5942379" y="977965"/>
-            <a:ext cx="5134631" cy="4135339"/>
-          </a:xfrm>
-          <a:prstGeom prst="rect">
-            <a:avLst/>
-          </a:prstGeom>
-          <a:solidFill>
-            <a:schemeClr val="bg1"/>
-          </a:solidFill>
-          <a:ln w="6350">
-            <a:solidFill>
-              <a:schemeClr val="bg2"/>
-            </a:solidFill>
-          </a:ln>
-        </p:spPr>
-        <p:style>
-          <a:lnRef idx="2">
-            <a:schemeClr val="accent1">
-              <a:shade val="50000"/>
-            </a:schemeClr>
-          </a:lnRef>
-          <a:fillRef idx="1">
-            <a:schemeClr val="accent1"/>
-          </a:fillRef>
-          <a:effectRef idx="0">
-            <a:schemeClr val="accent1"/>
-          </a:effectRef>
-          <a:fontRef idx="minor">
-            <a:schemeClr val="lt1"/>
-          </a:fontRef>
-        </p:style>
-        <p:txBody>
-          <a:bodyPr rtlCol="0" anchor="ctr"/>
-          <a:lstStyle/>
-          <a:p>
-            <a:pPr algn="ctr"/>
-            <a:endParaRPr lang="en-US"/>
-          </a:p>
-        </p:txBody>
-      </p:sp>
-      <p:pic>
-        <p:nvPicPr>
-          <p:cNvPr id="5" name="Picture 4" descr="Calendar&#10;&#10;Description automatically generated">
-            <a:extLst>
-              <a:ext uri="{FF2B5EF4-FFF2-40B4-BE49-F238E27FC236}">
-                <a16:creationId xmlns:a16="http://schemas.microsoft.com/office/drawing/2014/main" id="{AD833DA0-C308-4C48-9D74-3CEF77CD14A9}"/>
+                <a16:creationId xmlns:a16="http://schemas.microsoft.com/office/drawing/2014/main" id="{BC09FC19-CB4A-491B-BDF0-9A120B22F07F}"/>
               </a:ext>
             </a:extLst>
           </p:cNvPr>
@@ -8211,7 +7767,7 @@
           </p:cNvPicPr>
           <p:nvPr/>
         </p:nvPicPr>
-        <p:blipFill rotWithShape="1">
+        <p:blipFill>
           <a:blip r:embed="rId2">
             <a:extLst>
               <a:ext uri="{28A0092B-C50C-407E-A947-70E740481C1C}">
@@ -8219,117 +7775,20 @@
               </a:ext>
             </a:extLst>
           </a:blip>
-          <a:srcRect r="1" b="6490"/>
-          <a:stretch/>
+          <a:stretch>
+            <a:fillRect/>
+          </a:stretch>
         </p:blipFill>
         <p:spPr>
           <a:xfrm>
-            <a:off x="6093938" y="1116345"/>
-            <a:ext cx="4821527" cy="3866172"/>
+            <a:off x="5614134" y="2054490"/>
+            <a:ext cx="6027211" cy="3736710"/>
           </a:xfrm>
           <a:prstGeom prst="rect">
             <a:avLst/>
           </a:prstGeom>
         </p:spPr>
       </p:pic>
-      <p:pic>
-        <p:nvPicPr>
-          <p:cNvPr id="56" name="Picture 55">
-            <a:extLst>
-              <a:ext uri="{FF2B5EF4-FFF2-40B4-BE49-F238E27FC236}">
-                <a16:creationId xmlns:a16="http://schemas.microsoft.com/office/drawing/2014/main" id="{C04ED70F-D6FD-4EB1-A171-D30F885FE73E}"/>
-              </a:ext>
-              <a:ext uri="{C183D7F6-B498-43B3-948B-1728B52AA6E4}">
-                <adec:decorative xmlns:adec="http://schemas.microsoft.com/office/drawing/2017/decorative" val="1"/>
-              </a:ext>
-            </a:extLst>
-          </p:cNvPr>
-          <p:cNvPicPr>
-            <a:picLocks noGrp="1" noRot="1" noChangeAspect="1" noMove="1" noResize="1" noEditPoints="1" noAdjustHandles="1" noChangeArrowheads="1" noChangeShapeType="1" noCrop="1"/>
-          </p:cNvPicPr>
-          <p:nvPr>
-            <p:extLst>
-              <p:ext uri="{386F3935-93C4-4BCD-93E2-E3B085C9AB24}">
-                <p16:designElem xmlns:p16="http://schemas.microsoft.com/office/powerpoint/2015/main" val="1"/>
-              </p:ext>
-            </p:extLst>
-          </p:nvPr>
-        </p:nvPicPr>
-        <p:blipFill rotWithShape="1">
-          <a:blip r:embed="rId3">
-            <a:extLst>
-              <a:ext uri="{28A0092B-C50C-407E-A947-70E740481C1C}">
-                <a14:useLocalDpi xmlns:a14="http://schemas.microsoft.com/office/drawing/2010/main" val="0"/>
-              </a:ext>
-            </a:extLst>
-          </a:blip>
-          <a:srcRect t="1538" b="-1538"/>
-          <a:stretch/>
-        </p:blipFill>
-        <p:spPr bwMode="black">
-          <a:xfrm>
-            <a:off x="0" y="6126480"/>
-            <a:ext cx="12192000" cy="742950"/>
-          </a:xfrm>
-          <a:prstGeom prst="rect">
-            <a:avLst/>
-          </a:prstGeom>
-        </p:spPr>
-      </p:pic>
-      <p:cxnSp>
-        <p:nvCxnSpPr>
-          <p:cNvPr id="58" name="Straight Connector 57">
-            <a:extLst>
-              <a:ext uri="{FF2B5EF4-FFF2-40B4-BE49-F238E27FC236}">
-                <a16:creationId xmlns:a16="http://schemas.microsoft.com/office/drawing/2014/main" id="{DA26CAE9-74C4-4EDD-8A80-77F79EAA86F4}"/>
-              </a:ext>
-              <a:ext uri="{C183D7F6-B498-43B3-948B-1728B52AA6E4}">
-                <adec:decorative xmlns:adec="http://schemas.microsoft.com/office/drawing/2017/decorative" val="1"/>
-              </a:ext>
-            </a:extLst>
-          </p:cNvPr>
-          <p:cNvCxnSpPr>
-            <a:cxnSpLocks noGrp="1" noRot="1" noChangeAspect="1" noMove="1" noResize="1" noEditPoints="1" noAdjustHandles="1" noChangeArrowheads="1" noChangeShapeType="1"/>
-          </p:cNvCxnSpPr>
-          <p:nvPr>
-            <p:extLst>
-              <p:ext uri="{386F3935-93C4-4BCD-93E2-E3B085C9AB24}">
-                <p16:designElem xmlns:p16="http://schemas.microsoft.com/office/powerpoint/2015/main" val="1"/>
-              </p:ext>
-            </p:extLst>
-          </p:nvPr>
-        </p:nvCxnSpPr>
-        <p:spPr>
-          <a:xfrm>
-            <a:off x="0" y="6128413"/>
-            <a:ext cx="12192000" cy="0"/>
-          </a:xfrm>
-          <a:prstGeom prst="line">
-            <a:avLst/>
-          </a:prstGeom>
-          <a:ln w="12700">
-            <a:solidFill>
-              <a:srgbClr val="000001">
-                <a:alpha val="20000"/>
-              </a:srgbClr>
-            </a:solidFill>
-          </a:ln>
-        </p:spPr>
-        <p:style>
-          <a:lnRef idx="1">
-            <a:schemeClr val="accent1"/>
-          </a:lnRef>
-          <a:fillRef idx="0">
-            <a:schemeClr val="accent1"/>
-          </a:fillRef>
-          <a:effectRef idx="0">
-            <a:schemeClr val="accent1"/>
-          </a:effectRef>
-          <a:fontRef idx="minor">
-            <a:schemeClr val="tx1"/>
-          </a:fontRef>
-        </p:style>
-      </p:cxnSp>
     </p:spTree>
     <p:extLst>
       <p:ext uri="{BB962C8B-B14F-4D97-AF65-F5344CB8AC3E}">
@@ -8386,10 +7845,10 @@
       </p:grpSpPr>
       <p:sp useBgFill="1">
         <p:nvSpPr>
-          <p:cNvPr id="141" name="Rectangle 124">
+          <p:cNvPr id="21" name="Rectangle 20">
             <a:extLst>
               <a:ext uri="{FF2B5EF4-FFF2-40B4-BE49-F238E27FC236}">
-                <a16:creationId xmlns:a16="http://schemas.microsoft.com/office/drawing/2014/main" id="{AF38CBB2-04B5-4ED2-92CA-ABA779049DEA}"/>
+                <a16:creationId xmlns:a16="http://schemas.microsoft.com/office/drawing/2014/main" id="{742C14A9-3617-46DD-9FC4-ED828A7D3E6F}"/>
               </a:ext>
               <a:ext uri="{C183D7F6-B498-43B3-948B-1728B52AA6E4}">
                 <adec:decorative xmlns:adec="http://schemas.microsoft.com/office/drawing/2017/decorative" val="1"/>
@@ -8446,10 +7905,10 @@
       </p:sp>
       <p:cxnSp>
         <p:nvCxnSpPr>
-          <p:cNvPr id="142" name="Straight Connector 126">
+          <p:cNvPr id="23" name="Straight Connector 22">
             <a:extLst>
               <a:ext uri="{FF2B5EF4-FFF2-40B4-BE49-F238E27FC236}">
-                <a16:creationId xmlns:a16="http://schemas.microsoft.com/office/drawing/2014/main" id="{99ECE436-E5C5-4600-9DAE-6A66A788E0DF}"/>
+                <a16:creationId xmlns:a16="http://schemas.microsoft.com/office/drawing/2014/main" id="{19AB0109-1C89-41F0-9EDF-3DE017BE3F27}"/>
               </a:ext>
               <a:ext uri="{C183D7F6-B498-43B3-948B-1728B52AA6E4}">
                 <adec:decorative xmlns:adec="http://schemas.microsoft.com/office/drawing/2017/decorative" val="1"/>
@@ -8511,7 +7970,7 @@
         <p:spPr>
           <a:xfrm>
             <a:off x="1451579" y="804519"/>
-            <a:ext cx="5550357" cy="1049235"/>
+            <a:ext cx="5355621" cy="1120712"/>
           </a:xfrm>
         </p:spPr>
         <p:txBody>
@@ -8521,7 +7980,7 @@
           <a:lstStyle/>
           <a:p>
             <a:r>
-              <a:rPr lang="en-US" sz="2700"/>
+              <a:rPr lang="en-US" sz="2700" dirty="0"/>
               <a:t>Machine learning – random forest regressor model</a:t>
             </a:r>
           </a:p>
@@ -8529,10 +7988,10 @@
       </p:sp>
       <p:sp>
         <p:nvSpPr>
-          <p:cNvPr id="143" name="Rectangle 128">
+          <p:cNvPr id="25" name="Rectangle 24">
             <a:extLst>
               <a:ext uri="{FF2B5EF4-FFF2-40B4-BE49-F238E27FC236}">
-                <a16:creationId xmlns:a16="http://schemas.microsoft.com/office/drawing/2014/main" id="{A81BF76C-52E4-494B-86F2-4CBAC20E3856}"/>
+                <a16:creationId xmlns:a16="http://schemas.microsoft.com/office/drawing/2014/main" id="{19E5CB6C-D5A1-44AB-BAD0-E76C67ED2802}"/>
               </a:ext>
               <a:ext uri="{C183D7F6-B498-43B3-948B-1728B52AA6E4}">
                 <adec:decorative xmlns:adec="http://schemas.microsoft.com/office/drawing/2017/decorative" val="1"/>
@@ -8619,8 +8078,8 @@
         </p:nvSpPr>
         <p:spPr>
           <a:xfrm>
-            <a:off x="1451579" y="2015732"/>
-            <a:ext cx="5550357" cy="3450613"/>
+            <a:off x="1451579" y="2117332"/>
+            <a:ext cx="5355621" cy="3460508"/>
           </a:xfrm>
         </p:spPr>
         <p:txBody>
@@ -8646,209 +8105,12 @@
           </a:p>
         </p:txBody>
       </p:sp>
-      <p:grpSp>
-        <p:nvGrpSpPr>
-          <p:cNvPr id="144" name="Group 130">
+      <p:pic>
+        <p:nvPicPr>
+          <p:cNvPr id="14" name="Picture 13" descr="Chart, scatter chart&#10;&#10;Description automatically generated">
             <a:extLst>
               <a:ext uri="{FF2B5EF4-FFF2-40B4-BE49-F238E27FC236}">
-                <a16:creationId xmlns:a16="http://schemas.microsoft.com/office/drawing/2014/main" id="{CD0703AE-95DE-4C43-8272-BB33A5AD46D3}"/>
-              </a:ext>
-              <a:ext uri="{C183D7F6-B498-43B3-948B-1728B52AA6E4}">
-                <adec:decorative xmlns:adec="http://schemas.microsoft.com/office/drawing/2017/decorative" val="1"/>
-              </a:ext>
-            </a:extLst>
-          </p:cNvPr>
-          <p:cNvGrpSpPr>
-            <a:grpSpLocks noGrp="1" noUngrp="1" noRot="1" noChangeAspect="1" noMove="1" noResize="1"/>
-          </p:cNvGrpSpPr>
-          <p:nvPr>
-            <p:extLst>
-              <p:ext uri="{386F3935-93C4-4BCD-93E2-E3B085C9AB24}">
-                <p16:designElem xmlns:p16="http://schemas.microsoft.com/office/powerpoint/2015/main" val="1"/>
-              </p:ext>
-            </p:extLst>
-          </p:nvPr>
-        </p:nvGrpSpPr>
-        <p:grpSpPr>
-          <a:xfrm>
-            <a:off x="7477388" y="482171"/>
-            <a:ext cx="4074533" cy="5149101"/>
-            <a:chOff x="7463259" y="583365"/>
-            <a:chExt cx="4074533" cy="5181928"/>
-          </a:xfrm>
-        </p:grpSpPr>
-        <p:sp>
-          <p:nvSpPr>
-            <p:cNvPr id="145" name="Rectangle 131">
-              <a:extLst>
-                <a:ext uri="{FF2B5EF4-FFF2-40B4-BE49-F238E27FC236}">
-                  <a16:creationId xmlns:a16="http://schemas.microsoft.com/office/drawing/2014/main" id="{2FF4B413-F360-4A9A-8F55-79C3961709A4}"/>
-                </a:ext>
-                <a:ext uri="{C183D7F6-B498-43B3-948B-1728B52AA6E4}">
-                  <adec:decorative xmlns:adec="http://schemas.microsoft.com/office/drawing/2017/decorative" val="1"/>
-                </a:ext>
-              </a:extLst>
-            </p:cNvPr>
-            <p:cNvSpPr/>
-            <p:nvPr>
-              <p:extLst>
-                <p:ext uri="{386F3935-93C4-4BCD-93E2-E3B085C9AB24}">
-                  <p16:designElem xmlns:p16="http://schemas.microsoft.com/office/powerpoint/2015/main" val="1"/>
-                </p:ext>
-              </p:extLst>
-            </p:nvPr>
-          </p:nvSpPr>
-          <p:spPr>
-            <a:xfrm>
-              <a:off x="7463259" y="583365"/>
-              <a:ext cx="4074533" cy="5181928"/>
-            </a:xfrm>
-            <a:prstGeom prst="rect">
-              <a:avLst/>
-            </a:prstGeom>
-            <a:gradFill>
-              <a:gsLst>
-                <a:gs pos="0">
-                  <a:srgbClr val="000001"/>
-                </a:gs>
-                <a:gs pos="100000">
-                  <a:srgbClr val="191919"/>
-                </a:gs>
-              </a:gsLst>
-            </a:gradFill>
-            <a:ln w="76200" cmpd="sng">
-              <a:noFill/>
-              <a:miter lim="800000"/>
-            </a:ln>
-            <a:effectLst>
-              <a:outerShdw blurRad="127000" dist="228600" dir="4740000" sx="98000" sy="98000" algn="tl" rotWithShape="0">
-                <a:srgbClr val="000000">
-                  <a:alpha val="34000"/>
-                </a:srgbClr>
-              </a:outerShdw>
-            </a:effectLst>
-            <a:scene3d>
-              <a:camera prst="orthographicFront"/>
-              <a:lightRig rig="threePt" dir="t"/>
-            </a:scene3d>
-            <a:sp3d>
-              <a:bevelT w="152400" h="50800" prst="softRound"/>
-            </a:sp3d>
-          </p:spPr>
-          <p:style>
-            <a:lnRef idx="1">
-              <a:schemeClr val="accent1"/>
-            </a:lnRef>
-            <a:fillRef idx="3">
-              <a:schemeClr val="accent1"/>
-            </a:fillRef>
-            <a:effectRef idx="2">
-              <a:schemeClr val="accent1"/>
-            </a:effectRef>
-            <a:fontRef idx="minor">
-              <a:schemeClr val="lt1"/>
-            </a:fontRef>
-          </p:style>
-          <p:txBody>
-            <a:bodyPr rtlCol="0" anchor="ctr"/>
-            <a:lstStyle/>
-            <a:p>
-              <a:pPr algn="ctr"/>
-              <a:endParaRPr lang="en-US"/>
-            </a:p>
-          </p:txBody>
-        </p:sp>
-        <p:sp>
-          <p:nvSpPr>
-            <p:cNvPr id="146" name="Rectangle 132">
-              <a:extLst>
-                <a:ext uri="{FF2B5EF4-FFF2-40B4-BE49-F238E27FC236}">
-                  <a16:creationId xmlns:a16="http://schemas.microsoft.com/office/drawing/2014/main" id="{D129C2B7-6BA1-4DC0-8ED1-044AFBE47E4C}"/>
-                </a:ext>
-                <a:ext uri="{C183D7F6-B498-43B3-948B-1728B52AA6E4}">
-                  <adec:decorative xmlns:adec="http://schemas.microsoft.com/office/drawing/2017/decorative" val="1"/>
-                </a:ext>
-              </a:extLst>
-            </p:cNvPr>
-            <p:cNvSpPr/>
-            <p:nvPr>
-              <p:extLst>
-                <p:ext uri="{386F3935-93C4-4BCD-93E2-E3B085C9AB24}">
-                  <p16:designElem xmlns:p16="http://schemas.microsoft.com/office/powerpoint/2015/main" val="1"/>
-                </p:ext>
-              </p:extLst>
-            </p:nvPr>
-          </p:nvSpPr>
-          <p:spPr>
-            <a:xfrm>
-              <a:off x="7776318" y="915807"/>
-              <a:ext cx="3450289" cy="4494927"/>
-            </a:xfrm>
-            <a:prstGeom prst="rect">
-              <a:avLst/>
-            </a:prstGeom>
-            <a:gradFill>
-              <a:gsLst>
-                <a:gs pos="0">
-                  <a:srgbClr val="DADADA"/>
-                </a:gs>
-                <a:gs pos="100000">
-                  <a:srgbClr val="FFFFFE"/>
-                </a:gs>
-              </a:gsLst>
-              <a:lin ang="16200000" scaled="0"/>
-            </a:gradFill>
-            <a:ln w="50800" cmpd="sng">
-              <a:solidFill>
-                <a:srgbClr val="191919"/>
-              </a:solidFill>
-              <a:miter lim="800000"/>
-            </a:ln>
-            <a:effectLst>
-              <a:innerShdw blurRad="63500" dist="88900" dir="14100000">
-                <a:srgbClr val="000000">
-                  <a:alpha val="30000"/>
-                </a:srgbClr>
-              </a:innerShdw>
-            </a:effectLst>
-            <a:scene3d>
-              <a:camera prst="orthographicFront"/>
-              <a:lightRig rig="threePt" dir="t"/>
-            </a:scene3d>
-            <a:sp3d>
-              <a:bevelT prst="relaxedInset"/>
-            </a:sp3d>
-          </p:spPr>
-          <p:style>
-            <a:lnRef idx="1">
-              <a:schemeClr val="accent1"/>
-            </a:lnRef>
-            <a:fillRef idx="3">
-              <a:schemeClr val="accent1"/>
-            </a:fillRef>
-            <a:effectRef idx="2">
-              <a:schemeClr val="accent1"/>
-            </a:effectRef>
-            <a:fontRef idx="minor">
-              <a:schemeClr val="lt1"/>
-            </a:fontRef>
-          </p:style>
-          <p:txBody>
-            <a:bodyPr rtlCol="0" anchor="ctr"/>
-            <a:lstStyle/>
-            <a:p>
-              <a:pPr algn="ctr"/>
-              <a:endParaRPr lang="en-US"/>
-            </a:p>
-          </p:txBody>
-        </p:sp>
-      </p:grpSp>
-      <p:pic>
-        <p:nvPicPr>
-          <p:cNvPr id="16" name="Picture 15" descr="Chart, scatter chart&#10;&#10;Description automatically generated">
-            <a:extLst>
-              <a:ext uri="{FF2B5EF4-FFF2-40B4-BE49-F238E27FC236}">
-                <a16:creationId xmlns:a16="http://schemas.microsoft.com/office/drawing/2014/main" id="{9FA781DF-9250-46CB-A6DF-A3271E9B751E}"/>
+                <a16:creationId xmlns:a16="http://schemas.microsoft.com/office/drawing/2014/main" id="{CE2BF7B1-B89F-4C9E-A69C-7B38A073F9BA}"/>
               </a:ext>
             </a:extLst>
           </p:cNvPr>
@@ -8865,13 +8127,13 @@
               </a:ext>
             </a:extLst>
           </a:blip>
-          <a:srcRect l="1713" r="4142" b="2"/>
+          <a:srcRect l="561" r="-3" b="-3"/>
           <a:stretch/>
         </p:blipFill>
         <p:spPr>
           <a:xfrm>
-            <a:off x="7828917" y="811445"/>
-            <a:ext cx="3310138" cy="2155688"/>
+            <a:off x="7001936" y="399828"/>
+            <a:ext cx="4875103" cy="2729451"/>
           </a:xfrm>
           <a:prstGeom prst="rect">
             <a:avLst/>
@@ -8880,10 +8142,10 @@
       </p:pic>
       <p:pic>
         <p:nvPicPr>
-          <p:cNvPr id="14" name="Picture 13" descr="Chart, scatter chart&#10;&#10;Description automatically generated">
+          <p:cNvPr id="16" name="Picture 15" descr="Chart, scatter chart&#10;&#10;Description automatically generated">
             <a:extLst>
               <a:ext uri="{FF2B5EF4-FFF2-40B4-BE49-F238E27FC236}">
-                <a16:creationId xmlns:a16="http://schemas.microsoft.com/office/drawing/2014/main" id="{CE2BF7B1-B89F-4C9E-A69C-7B38A073F9BA}"/>
+                <a16:creationId xmlns:a16="http://schemas.microsoft.com/office/drawing/2014/main" id="{9FA781DF-9250-46CB-A6DF-A3271E9B751E}"/>
               </a:ext>
             </a:extLst>
           </p:cNvPr>
@@ -8900,13 +8162,13 @@
               </a:ext>
             </a:extLst>
           </a:blip>
-          <a:srcRect l="561" r="-3" b="-3"/>
+          <a:srcRect l="1713" r="4142" b="2"/>
           <a:stretch/>
         </p:blipFill>
         <p:spPr>
           <a:xfrm>
-            <a:off x="7828917" y="3131725"/>
-            <a:ext cx="3310138" cy="2040857"/>
+            <a:off x="7001936" y="3321366"/>
+            <a:ext cx="4875103" cy="2729451"/>
           </a:xfrm>
           <a:prstGeom prst="rect">
             <a:avLst/>
@@ -8915,10 +8177,10 @@
       </p:pic>
       <p:pic>
         <p:nvPicPr>
-          <p:cNvPr id="147" name="Picture 134">
+          <p:cNvPr id="27" name="Picture 26">
             <a:extLst>
               <a:ext uri="{FF2B5EF4-FFF2-40B4-BE49-F238E27FC236}">
-                <a16:creationId xmlns:a16="http://schemas.microsoft.com/office/drawing/2014/main" id="{0C24E7C2-F39B-4280-9B81-F15BBD93C3A9}"/>
+                <a16:creationId xmlns:a16="http://schemas.microsoft.com/office/drawing/2014/main" id="{D5A16967-5C32-4A48-9F02-4F0228AC8DBA}"/>
               </a:ext>
               <a:ext uri="{C183D7F6-B498-43B3-948B-1728B52AA6E4}">
                 <adec:decorative xmlns:adec="http://schemas.microsoft.com/office/drawing/2017/decorative" val="1"/>
@@ -8959,10 +8221,10 @@
       </p:pic>
       <p:cxnSp>
         <p:nvCxnSpPr>
-          <p:cNvPr id="148" name="Straight Connector 136">
+          <p:cNvPr id="29" name="Straight Connector 28">
             <a:extLst>
               <a:ext uri="{FF2B5EF4-FFF2-40B4-BE49-F238E27FC236}">
-                <a16:creationId xmlns:a16="http://schemas.microsoft.com/office/drawing/2014/main" id="{F381DAA9-C4BA-4BB3-8F4B-3BC4B43EB336}"/>
+                <a16:creationId xmlns:a16="http://schemas.microsoft.com/office/drawing/2014/main" id="{942D078B-EF20-4DB1-AA1B-87F212C56A9A}"/>
               </a:ext>
               <a:ext uri="{C183D7F6-B498-43B3-948B-1728B52AA6E4}">
                 <adec:decorative xmlns:adec="http://schemas.microsoft.com/office/drawing/2017/decorative" val="1"/>

--- a/Presentation/Social Media Impact_final_ppt.pptx
+++ b/Presentation/Social Media Impact_final_ppt.pptx
@@ -5,13 +5,26 @@
     <p:sldMasterId id="2147483674" r:id="rId1"/>
   </p:sldMasterIdLst>
   <p:sldIdLst>
-    <p:sldId id="256" r:id="rId2"/>
-    <p:sldId id="258" r:id="rId3"/>
-    <p:sldId id="260" r:id="rId4"/>
-    <p:sldId id="262" r:id="rId5"/>
-    <p:sldId id="261" r:id="rId6"/>
-    <p:sldId id="263" r:id="rId7"/>
-    <p:sldId id="264" r:id="rId8"/>
+    <p:sldId id="265" r:id="rId2"/>
+    <p:sldId id="256" r:id="rId3"/>
+    <p:sldId id="266" r:id="rId4"/>
+    <p:sldId id="258" r:id="rId5"/>
+    <p:sldId id="267" r:id="rId6"/>
+    <p:sldId id="260" r:id="rId7"/>
+    <p:sldId id="262" r:id="rId8"/>
+    <p:sldId id="268" r:id="rId9"/>
+    <p:sldId id="269" r:id="rId10"/>
+    <p:sldId id="270" r:id="rId11"/>
+    <p:sldId id="263" r:id="rId12"/>
+    <p:sldId id="273" r:id="rId13"/>
+    <p:sldId id="264" r:id="rId14"/>
+    <p:sldId id="272" r:id="rId15"/>
+    <p:sldId id="274" r:id="rId16"/>
+    <p:sldId id="261" r:id="rId17"/>
+    <p:sldId id="275" r:id="rId18"/>
+    <p:sldId id="276" r:id="rId19"/>
+    <p:sldId id="277" r:id="rId20"/>
+    <p:sldId id="278" r:id="rId21"/>
   </p:sldIdLst>
   <p:sldSz cx="12192000" cy="6858000"/>
   <p:notesSz cx="6858000" cy="9144000"/>
@@ -259,7 +272,7 @@
             <a:fld id="{3F9AFA87-1417-4992-ABD9-27C3BC8CC883}" type="datetimeFigureOut">
               <a:rPr lang="en-US" smtClean="0"/>
               <a:pPr algn="r"/>
-              <a:t>2022-03-29</a:t>
+              <a:t>2022-03-30</a:t>
             </a:fld>
             <a:endParaRPr lang="en-US" dirty="0"/>
           </a:p>
@@ -471,7 +484,7 @@
           <a:p>
             <a:fld id="{3F9AFA87-1417-4992-ABD9-27C3BC8CC883}" type="datetimeFigureOut">
               <a:rPr lang="en-US" smtClean="0"/>
-              <a:t>2022-03-29</a:t>
+              <a:t>2022-03-30</a:t>
             </a:fld>
             <a:endParaRPr lang="en-US"/>
           </a:p>
@@ -686,7 +699,7 @@
           <a:p>
             <a:fld id="{3F9AFA87-1417-4992-ABD9-27C3BC8CC883}" type="datetimeFigureOut">
               <a:rPr lang="en-US" smtClean="0"/>
-              <a:t>2022-03-29</a:t>
+              <a:t>2022-03-30</a:t>
             </a:fld>
             <a:endParaRPr lang="en-US"/>
           </a:p>
@@ -887,7 +900,7 @@
           <a:p>
             <a:fld id="{3F9AFA87-1417-4992-ABD9-27C3BC8CC883}" type="datetimeFigureOut">
               <a:rPr lang="en-US" smtClean="0"/>
-              <a:t>2022-03-29</a:t>
+              <a:t>2022-03-30</a:t>
             </a:fld>
             <a:endParaRPr lang="en-US"/>
           </a:p>
@@ -1166,7 +1179,7 @@
           <a:p>
             <a:fld id="{3F9AFA87-1417-4992-ABD9-27C3BC8CC883}" type="datetimeFigureOut">
               <a:rPr lang="en-US" smtClean="0"/>
-              <a:t>2022-03-29</a:t>
+              <a:t>2022-03-30</a:t>
             </a:fld>
             <a:endParaRPr lang="en-US"/>
           </a:p>
@@ -1434,7 +1447,7 @@
           <a:p>
             <a:fld id="{3F9AFA87-1417-4992-ABD9-27C3BC8CC883}" type="datetimeFigureOut">
               <a:rPr lang="en-US" smtClean="0"/>
-              <a:t>2022-03-29</a:t>
+              <a:t>2022-03-30</a:t>
             </a:fld>
             <a:endParaRPr lang="en-US" dirty="0"/>
           </a:p>
@@ -1850,7 +1863,7 @@
           <a:p>
             <a:fld id="{3F9AFA87-1417-4992-ABD9-27C3BC8CC883}" type="datetimeFigureOut">
               <a:rPr lang="en-US" smtClean="0"/>
-              <a:t>2022-03-29</a:t>
+              <a:t>2022-03-30</a:t>
             </a:fld>
             <a:endParaRPr lang="en-US"/>
           </a:p>
@@ -1999,7 +2012,7 @@
           <a:p>
             <a:fld id="{3F9AFA87-1417-4992-ABD9-27C3BC8CC883}" type="datetimeFigureOut">
               <a:rPr lang="en-US" smtClean="0"/>
-              <a:t>2022-03-29</a:t>
+              <a:t>2022-03-30</a:t>
             </a:fld>
             <a:endParaRPr lang="en-US"/>
           </a:p>
@@ -2125,7 +2138,7 @@
           <a:p>
             <a:fld id="{3F9AFA87-1417-4992-ABD9-27C3BC8CC883}" type="datetimeFigureOut">
               <a:rPr lang="en-US" smtClean="0"/>
-              <a:t>2022-03-29</a:t>
+              <a:t>2022-03-30</a:t>
             </a:fld>
             <a:endParaRPr lang="en-US"/>
           </a:p>
@@ -2376,7 +2389,7 @@
           <a:p>
             <a:fld id="{3F9AFA87-1417-4992-ABD9-27C3BC8CC883}" type="datetimeFigureOut">
               <a:rPr lang="en-US" smtClean="0"/>
-              <a:t>2022-03-29</a:t>
+              <a:t>2022-03-30</a:t>
             </a:fld>
             <a:endParaRPr lang="en-US"/>
           </a:p>
@@ -2821,7 +2834,7 @@
           <a:p>
             <a:fld id="{3F9AFA87-1417-4992-ABD9-27C3BC8CC883}" type="datetimeFigureOut">
               <a:rPr lang="en-US" smtClean="0"/>
-              <a:t>2022-03-29</a:t>
+              <a:t>2022-03-30</a:t>
             </a:fld>
             <a:endParaRPr lang="en-US"/>
           </a:p>
@@ -3150,7 +3163,7 @@
             <a:fld id="{3F9AFA87-1417-4992-ABD9-27C3BC8CC883}" type="datetimeFigureOut">
               <a:rPr lang="en-US" smtClean="0"/>
               <a:pPr algn="r"/>
-              <a:t>2022-03-29</a:t>
+              <a:t>2022-03-30</a:t>
             </a:fld>
             <a:endParaRPr lang="en-US" dirty="0"/>
           </a:p>
@@ -3621,6 +3634,4126 @@
 </file>
 
 <file path=ppt/slides/slide1.xml><?xml version="1.0" encoding="utf-8"?>
+<p:sld xmlns:a="http://schemas.openxmlformats.org/drawingml/2006/main" xmlns:r="http://schemas.openxmlformats.org/officeDocument/2006/relationships" xmlns:p="http://schemas.openxmlformats.org/presentationml/2006/main">
+  <p:cSld>
+    <p:bg>
+      <p:bgPr>
+        <a:gradFill rotWithShape="1">
+          <a:gsLst>
+            <a:gs pos="0">
+              <a:schemeClr val="bg1">
+                <a:tint val="94000"/>
+                <a:satMod val="80000"/>
+                <a:lumMod val="106000"/>
+              </a:schemeClr>
+            </a:gs>
+            <a:gs pos="100000">
+              <a:schemeClr val="bg1">
+                <a:shade val="80000"/>
+              </a:schemeClr>
+            </a:gs>
+          </a:gsLst>
+          <a:path path="circle">
+            <a:fillToRect l="50000" t="50000" r="50000" b="50000"/>
+          </a:path>
+        </a:gradFill>
+        <a:effectLst/>
+      </p:bgPr>
+    </p:bg>
+    <p:spTree>
+      <p:nvGrpSpPr>
+        <p:cNvPr id="1" name=""/>
+        <p:cNvGrpSpPr/>
+        <p:nvPr/>
+      </p:nvGrpSpPr>
+      <p:grpSpPr>
+        <a:xfrm>
+          <a:off x="0" y="0"/>
+          <a:ext cx="0" cy="0"/>
+          <a:chOff x="0" y="0"/>
+          <a:chExt cx="0" cy="0"/>
+        </a:xfrm>
+      </p:grpSpPr>
+      <p:sp>
+        <p:nvSpPr>
+          <p:cNvPr id="7" name="Rectangle 6">
+            <a:extLst>
+              <a:ext uri="{FF2B5EF4-FFF2-40B4-BE49-F238E27FC236}">
+                <a16:creationId xmlns:a16="http://schemas.microsoft.com/office/drawing/2014/main" id="{23522FE7-5A29-4EF6-B1EF-2CA55748A772}"/>
+              </a:ext>
+              <a:ext uri="{C183D7F6-B498-43B3-948B-1728B52AA6E4}">
+                <adec:decorative xmlns:adec="http://schemas.microsoft.com/office/drawing/2017/decorative" val="1"/>
+              </a:ext>
+            </a:extLst>
+          </p:cNvPr>
+          <p:cNvSpPr>
+            <a:spLocks noGrp="1" noRot="1" noChangeAspect="1" noMove="1" noResize="1" noEditPoints="1" noAdjustHandles="1" noChangeArrowheads="1" noChangeShapeType="1" noTextEdit="1"/>
+          </p:cNvSpPr>
+          <p:nvPr>
+            <p:extLst>
+              <p:ext uri="{386F3935-93C4-4BCD-93E2-E3B085C9AB24}">
+                <p16:designElem xmlns:p16="http://schemas.microsoft.com/office/powerpoint/2015/main" val="1"/>
+              </p:ext>
+            </p:extLst>
+          </p:nvPr>
+        </p:nvSpPr>
+        <p:spPr>
+          <a:xfrm>
+            <a:off x="0" y="2019476"/>
+            <a:ext cx="12192000" cy="4105941"/>
+          </a:xfrm>
+          <a:prstGeom prst="rect">
+            <a:avLst/>
+          </a:prstGeom>
+          <a:gradFill flip="none" rotWithShape="1">
+            <a:gsLst>
+              <a:gs pos="0">
+                <a:schemeClr val="bg2">
+                  <a:alpha val="0"/>
+                </a:schemeClr>
+              </a:gs>
+              <a:gs pos="100000">
+                <a:schemeClr val="bg2"/>
+              </a:gs>
+            </a:gsLst>
+            <a:lin ang="5400000" scaled="0"/>
+            <a:tileRect/>
+          </a:gradFill>
+          <a:ln>
+            <a:noFill/>
+          </a:ln>
+        </p:spPr>
+        <p:style>
+          <a:lnRef idx="2">
+            <a:schemeClr val="accent1">
+              <a:shade val="50000"/>
+            </a:schemeClr>
+          </a:lnRef>
+          <a:fillRef idx="1">
+            <a:schemeClr val="accent1"/>
+          </a:fillRef>
+          <a:effectRef idx="0">
+            <a:schemeClr val="accent1"/>
+          </a:effectRef>
+          <a:fontRef idx="minor">
+            <a:schemeClr val="lt1"/>
+          </a:fontRef>
+        </p:style>
+      </p:sp>
+      <p:pic>
+        <p:nvPicPr>
+          <p:cNvPr id="9" name="Picture 8">
+            <a:extLst>
+              <a:ext uri="{FF2B5EF4-FFF2-40B4-BE49-F238E27FC236}">
+                <a16:creationId xmlns:a16="http://schemas.microsoft.com/office/drawing/2014/main" id="{C2192E09-EBC7-416C-B887-DFF915D7F43D}"/>
+              </a:ext>
+              <a:ext uri="{C183D7F6-B498-43B3-948B-1728B52AA6E4}">
+                <adec:decorative xmlns:adec="http://schemas.microsoft.com/office/drawing/2017/decorative" val="1"/>
+              </a:ext>
+            </a:extLst>
+          </p:cNvPr>
+          <p:cNvPicPr>
+            <a:picLocks noGrp="1" noRot="1" noChangeAspect="1" noMove="1" noResize="1" noEditPoints="1" noAdjustHandles="1" noChangeArrowheads="1" noChangeShapeType="1" noCrop="1"/>
+          </p:cNvPicPr>
+          <p:nvPr>
+            <p:extLst>
+              <p:ext uri="{386F3935-93C4-4BCD-93E2-E3B085C9AB24}">
+                <p16:designElem xmlns:p16="http://schemas.microsoft.com/office/powerpoint/2015/main" val="1"/>
+              </p:ext>
+            </p:extLst>
+          </p:nvPr>
+        </p:nvPicPr>
+        <p:blipFill rotWithShape="1">
+          <a:blip r:embed="rId2">
+            <a:extLst>
+              <a:ext uri="{28A0092B-C50C-407E-A947-70E740481C1C}">
+                <a14:useLocalDpi xmlns:a14="http://schemas.microsoft.com/office/drawing/2010/main" val="0"/>
+              </a:ext>
+            </a:extLst>
+          </a:blip>
+          <a:srcRect t="1538" b="-1538"/>
+          <a:stretch/>
+        </p:blipFill>
+        <p:spPr bwMode="black">
+          <a:xfrm>
+            <a:off x="0" y="6126480"/>
+            <a:ext cx="12192000" cy="742950"/>
+          </a:xfrm>
+          <a:prstGeom prst="rect">
+            <a:avLst/>
+          </a:prstGeom>
+        </p:spPr>
+      </p:pic>
+      <p:cxnSp>
+        <p:nvCxnSpPr>
+          <p:cNvPr id="11" name="Straight Connector 10">
+            <a:extLst>
+              <a:ext uri="{FF2B5EF4-FFF2-40B4-BE49-F238E27FC236}">
+                <a16:creationId xmlns:a16="http://schemas.microsoft.com/office/drawing/2014/main" id="{2924498D-E084-44BE-A196-CFCE35564350}"/>
+              </a:ext>
+              <a:ext uri="{C183D7F6-B498-43B3-948B-1728B52AA6E4}">
+                <adec:decorative xmlns:adec="http://schemas.microsoft.com/office/drawing/2017/decorative" val="1"/>
+              </a:ext>
+            </a:extLst>
+          </p:cNvPr>
+          <p:cNvCxnSpPr>
+            <a:cxnSpLocks noGrp="1" noRot="1" noChangeAspect="1" noMove="1" noResize="1" noEditPoints="1" noAdjustHandles="1" noChangeArrowheads="1" noChangeShapeType="1"/>
+          </p:cNvCxnSpPr>
+          <p:nvPr>
+            <p:extLst>
+              <p:ext uri="{386F3935-93C4-4BCD-93E2-E3B085C9AB24}">
+                <p16:designElem xmlns:p16="http://schemas.microsoft.com/office/powerpoint/2015/main" val="1"/>
+              </p:ext>
+            </p:extLst>
+          </p:nvPr>
+        </p:nvCxnSpPr>
+        <p:spPr>
+          <a:xfrm>
+            <a:off x="0" y="6128413"/>
+            <a:ext cx="12192000" cy="0"/>
+          </a:xfrm>
+          <a:prstGeom prst="line">
+            <a:avLst/>
+          </a:prstGeom>
+          <a:ln w="12700">
+            <a:solidFill>
+              <a:srgbClr val="000001">
+                <a:alpha val="20000"/>
+              </a:srgbClr>
+            </a:solidFill>
+          </a:ln>
+        </p:spPr>
+        <p:style>
+          <a:lnRef idx="1">
+            <a:schemeClr val="accent1"/>
+          </a:lnRef>
+          <a:fillRef idx="0">
+            <a:schemeClr val="accent1"/>
+          </a:fillRef>
+          <a:effectRef idx="0">
+            <a:schemeClr val="accent1"/>
+          </a:effectRef>
+          <a:fontRef idx="minor">
+            <a:schemeClr val="tx1"/>
+          </a:fontRef>
+        </p:style>
+      </p:cxnSp>
+      <p:cxnSp>
+        <p:nvCxnSpPr>
+          <p:cNvPr id="13" name="Straight Connector 12">
+            <a:extLst>
+              <a:ext uri="{FF2B5EF4-FFF2-40B4-BE49-F238E27FC236}">
+                <a16:creationId xmlns:a16="http://schemas.microsoft.com/office/drawing/2014/main" id="{3BBC7667-C352-4842-9AFD-E5C16AD002F4}"/>
+              </a:ext>
+              <a:ext uri="{C183D7F6-B498-43B3-948B-1728B52AA6E4}">
+                <adec:decorative xmlns:adec="http://schemas.microsoft.com/office/drawing/2017/decorative" val="1"/>
+              </a:ext>
+            </a:extLst>
+          </p:cNvPr>
+          <p:cNvCxnSpPr>
+            <a:cxnSpLocks noGrp="1" noRot="1" noChangeAspect="1" noMove="1" noResize="1" noEditPoints="1" noAdjustHandles="1" noChangeArrowheads="1" noChangeShapeType="1"/>
+          </p:cNvCxnSpPr>
+          <p:nvPr>
+            <p:extLst>
+              <p:ext uri="{386F3935-93C4-4BCD-93E2-E3B085C9AB24}">
+                <p16:designElem xmlns:p16="http://schemas.microsoft.com/office/powerpoint/2015/main" val="1"/>
+              </p:ext>
+            </p:extLst>
+          </p:nvPr>
+        </p:nvCxnSpPr>
+        <p:spPr>
+          <a:xfrm>
+            <a:off x="2417780" y="3528542"/>
+            <a:ext cx="8637072" cy="0"/>
+          </a:xfrm>
+          <a:prstGeom prst="line">
+            <a:avLst/>
+          </a:prstGeom>
+          <a:ln w="31750"/>
+        </p:spPr>
+        <p:style>
+          <a:lnRef idx="3">
+            <a:schemeClr val="accent1"/>
+          </a:lnRef>
+          <a:fillRef idx="0">
+            <a:schemeClr val="accent1"/>
+          </a:fillRef>
+          <a:effectRef idx="2">
+            <a:schemeClr val="accent1"/>
+          </a:effectRef>
+          <a:fontRef idx="minor">
+            <a:schemeClr val="tx1"/>
+          </a:fontRef>
+        </p:style>
+      </p:cxnSp>
+      <p:sp useBgFill="1">
+        <p:nvSpPr>
+          <p:cNvPr id="15" name="Rectangle 14">
+            <a:extLst>
+              <a:ext uri="{FF2B5EF4-FFF2-40B4-BE49-F238E27FC236}">
+                <a16:creationId xmlns:a16="http://schemas.microsoft.com/office/drawing/2014/main" id="{F0AB17F6-592B-45CB-96F6-705C9825AFBC}"/>
+              </a:ext>
+              <a:ext uri="{C183D7F6-B498-43B3-948B-1728B52AA6E4}">
+                <adec:decorative xmlns:adec="http://schemas.microsoft.com/office/drawing/2017/decorative" val="1"/>
+              </a:ext>
+            </a:extLst>
+          </p:cNvPr>
+          <p:cNvSpPr>
+            <a:spLocks noGrp="1" noRot="1" noChangeAspect="1" noMove="1" noResize="1" noEditPoints="1" noAdjustHandles="1" noChangeArrowheads="1" noChangeShapeType="1" noTextEdit="1"/>
+          </p:cNvSpPr>
+          <p:nvPr>
+            <p:extLst>
+              <p:ext uri="{386F3935-93C4-4BCD-93E2-E3B085C9AB24}">
+                <p16:designElem xmlns:p16="http://schemas.microsoft.com/office/powerpoint/2015/main" val="1"/>
+              </p:ext>
+            </p:extLst>
+          </p:nvPr>
+        </p:nvSpPr>
+        <p:spPr>
+          <a:xfrm>
+            <a:off x="2" y="0"/>
+            <a:ext cx="12191695" cy="6858000"/>
+          </a:xfrm>
+          <a:prstGeom prst="rect">
+            <a:avLst/>
+          </a:prstGeom>
+          <a:ln>
+            <a:noFill/>
+          </a:ln>
+        </p:spPr>
+        <p:style>
+          <a:lnRef idx="2">
+            <a:schemeClr val="accent1">
+              <a:shade val="50000"/>
+            </a:schemeClr>
+          </a:lnRef>
+          <a:fillRef idx="1">
+            <a:schemeClr val="accent1"/>
+          </a:fillRef>
+          <a:effectRef idx="0">
+            <a:schemeClr val="accent1"/>
+          </a:effectRef>
+          <a:fontRef idx="minor">
+            <a:schemeClr val="lt1"/>
+          </a:fontRef>
+        </p:style>
+        <p:txBody>
+          <a:bodyPr rtlCol="0" anchor="ctr"/>
+          <a:lstStyle/>
+          <a:p>
+            <a:pPr algn="ctr"/>
+            <a:endParaRPr lang="en-US"/>
+          </a:p>
+        </p:txBody>
+      </p:sp>
+      <p:sp>
+        <p:nvSpPr>
+          <p:cNvPr id="2" name="Title 1">
+            <a:extLst>
+              <a:ext uri="{FF2B5EF4-FFF2-40B4-BE49-F238E27FC236}">
+                <a16:creationId xmlns:a16="http://schemas.microsoft.com/office/drawing/2014/main" id="{6FC29038-DDBC-4BFF-89F4-CE1EC9E6EEB3}"/>
+              </a:ext>
+            </a:extLst>
+          </p:cNvPr>
+          <p:cNvSpPr>
+            <a:spLocks noGrp="1"/>
+          </p:cNvSpPr>
+          <p:nvPr>
+            <p:ph type="title"/>
+          </p:nvPr>
+        </p:nvSpPr>
+        <p:spPr>
+          <a:xfrm>
+            <a:off x="5039068" y="802298"/>
+            <a:ext cx="6015784" cy="5116985"/>
+          </a:xfrm>
+        </p:spPr>
+        <p:txBody>
+          <a:bodyPr vert="horz" lIns="91440" tIns="45720" rIns="91440" bIns="0" rtlCol="0" anchor="ctr">
+            <a:normAutofit/>
+          </a:bodyPr>
+          <a:lstStyle/>
+          <a:p>
+            <a:pPr marL="1143000" indent="-1143000"/>
+            <a:r>
+              <a:rPr lang="en-US" sz="6600" dirty="0"/>
+              <a:t>1. Selected Topic</a:t>
+            </a:r>
+          </a:p>
+        </p:txBody>
+      </p:sp>
+      <p:cxnSp>
+        <p:nvCxnSpPr>
+          <p:cNvPr id="17" name="Straight Connector 16">
+            <a:extLst>
+              <a:ext uri="{FF2B5EF4-FFF2-40B4-BE49-F238E27FC236}">
+                <a16:creationId xmlns:a16="http://schemas.microsoft.com/office/drawing/2014/main" id="{5A9284E7-0823-472D-9963-18D89DFEB8B4}"/>
+              </a:ext>
+              <a:ext uri="{C183D7F6-B498-43B3-948B-1728B52AA6E4}">
+                <adec:decorative xmlns:adec="http://schemas.microsoft.com/office/drawing/2017/decorative" val="1"/>
+              </a:ext>
+            </a:extLst>
+          </p:cNvPr>
+          <p:cNvCxnSpPr>
+            <a:cxnSpLocks noGrp="1" noRot="1" noChangeAspect="1" noMove="1" noResize="1" noEditPoints="1" noAdjustHandles="1" noChangeArrowheads="1" noChangeShapeType="1"/>
+          </p:cNvCxnSpPr>
+          <p:nvPr>
+            <p:extLst>
+              <p:ext uri="{386F3935-93C4-4BCD-93E2-E3B085C9AB24}">
+                <p16:designElem xmlns:p16="http://schemas.microsoft.com/office/powerpoint/2015/main" val="1"/>
+              </p:ext>
+            </p:extLst>
+          </p:nvPr>
+        </p:nvCxnSpPr>
+        <p:spPr>
+          <a:xfrm>
+            <a:off x="4654296" y="1760590"/>
+            <a:ext cx="0" cy="3200400"/>
+          </a:xfrm>
+          <a:prstGeom prst="line">
+            <a:avLst/>
+          </a:prstGeom>
+          <a:ln w="34925"/>
+        </p:spPr>
+        <p:style>
+          <a:lnRef idx="1">
+            <a:schemeClr val="accent1"/>
+          </a:lnRef>
+          <a:fillRef idx="0">
+            <a:schemeClr val="accent1"/>
+          </a:fillRef>
+          <a:effectRef idx="0">
+            <a:schemeClr val="accent1"/>
+          </a:effectRef>
+          <a:fontRef idx="minor">
+            <a:schemeClr val="tx1"/>
+          </a:fontRef>
+        </p:style>
+      </p:cxnSp>
+    </p:spTree>
+    <p:extLst>
+      <p:ext uri="{BB962C8B-B14F-4D97-AF65-F5344CB8AC3E}">
+        <p14:creationId xmlns:p14="http://schemas.microsoft.com/office/powerpoint/2010/main" val="922279972"/>
+      </p:ext>
+    </p:extLst>
+  </p:cSld>
+  <p:clrMapOvr>
+    <a:overrideClrMapping bg1="dk1" tx1="lt1" bg2="dk2" tx2="lt2" accent1="accent1" accent2="accent2" accent3="accent3" accent4="accent4" accent5="accent5" accent6="accent6" hlink="hlink" folHlink="folHlink"/>
+  </p:clrMapOvr>
+</p:sld>
+</file>
+
+<file path=ppt/slides/slide10.xml><?xml version="1.0" encoding="utf-8"?>
+<p:sld xmlns:a="http://schemas.openxmlformats.org/drawingml/2006/main" xmlns:r="http://schemas.openxmlformats.org/officeDocument/2006/relationships" xmlns:p="http://schemas.openxmlformats.org/presentationml/2006/main">
+  <p:cSld>
+    <p:bg>
+      <p:bgPr>
+        <a:gradFill rotWithShape="1">
+          <a:gsLst>
+            <a:gs pos="0">
+              <a:schemeClr val="bg1">
+                <a:tint val="94000"/>
+                <a:satMod val="80000"/>
+                <a:lumMod val="106000"/>
+              </a:schemeClr>
+            </a:gs>
+            <a:gs pos="100000">
+              <a:schemeClr val="bg1">
+                <a:shade val="80000"/>
+              </a:schemeClr>
+            </a:gs>
+          </a:gsLst>
+          <a:path path="circle">
+            <a:fillToRect l="50000" t="50000" r="50000" b="50000"/>
+          </a:path>
+        </a:gradFill>
+        <a:effectLst/>
+      </p:bgPr>
+    </p:bg>
+    <p:spTree>
+      <p:nvGrpSpPr>
+        <p:cNvPr id="1" name=""/>
+        <p:cNvGrpSpPr/>
+        <p:nvPr/>
+      </p:nvGrpSpPr>
+      <p:grpSpPr>
+        <a:xfrm>
+          <a:off x="0" y="0"/>
+          <a:ext cx="0" cy="0"/>
+          <a:chOff x="0" y="0"/>
+          <a:chExt cx="0" cy="0"/>
+        </a:xfrm>
+      </p:grpSpPr>
+      <p:sp>
+        <p:nvSpPr>
+          <p:cNvPr id="7" name="Rectangle 6">
+            <a:extLst>
+              <a:ext uri="{FF2B5EF4-FFF2-40B4-BE49-F238E27FC236}">
+                <a16:creationId xmlns:a16="http://schemas.microsoft.com/office/drawing/2014/main" id="{23522FE7-5A29-4EF6-B1EF-2CA55748A772}"/>
+              </a:ext>
+              <a:ext uri="{C183D7F6-B498-43B3-948B-1728B52AA6E4}">
+                <adec:decorative xmlns:adec="http://schemas.microsoft.com/office/drawing/2017/decorative" val="1"/>
+              </a:ext>
+            </a:extLst>
+          </p:cNvPr>
+          <p:cNvSpPr>
+            <a:spLocks noGrp="1" noRot="1" noChangeAspect="1" noMove="1" noResize="1" noEditPoints="1" noAdjustHandles="1" noChangeArrowheads="1" noChangeShapeType="1" noTextEdit="1"/>
+          </p:cNvSpPr>
+          <p:nvPr>
+            <p:extLst>
+              <p:ext uri="{386F3935-93C4-4BCD-93E2-E3B085C9AB24}">
+                <p16:designElem xmlns:p16="http://schemas.microsoft.com/office/powerpoint/2015/main" val="1"/>
+              </p:ext>
+            </p:extLst>
+          </p:nvPr>
+        </p:nvSpPr>
+        <p:spPr>
+          <a:xfrm>
+            <a:off x="0" y="2019476"/>
+            <a:ext cx="12192000" cy="4105941"/>
+          </a:xfrm>
+          <a:prstGeom prst="rect">
+            <a:avLst/>
+          </a:prstGeom>
+          <a:gradFill flip="none" rotWithShape="1">
+            <a:gsLst>
+              <a:gs pos="0">
+                <a:schemeClr val="bg2">
+                  <a:alpha val="0"/>
+                </a:schemeClr>
+              </a:gs>
+              <a:gs pos="100000">
+                <a:schemeClr val="bg2"/>
+              </a:gs>
+            </a:gsLst>
+            <a:lin ang="5400000" scaled="0"/>
+            <a:tileRect/>
+          </a:gradFill>
+          <a:ln>
+            <a:noFill/>
+          </a:ln>
+        </p:spPr>
+        <p:style>
+          <a:lnRef idx="2">
+            <a:schemeClr val="accent1">
+              <a:shade val="50000"/>
+            </a:schemeClr>
+          </a:lnRef>
+          <a:fillRef idx="1">
+            <a:schemeClr val="accent1"/>
+          </a:fillRef>
+          <a:effectRef idx="0">
+            <a:schemeClr val="accent1"/>
+          </a:effectRef>
+          <a:fontRef idx="minor">
+            <a:schemeClr val="lt1"/>
+          </a:fontRef>
+        </p:style>
+      </p:sp>
+      <p:pic>
+        <p:nvPicPr>
+          <p:cNvPr id="9" name="Picture 8">
+            <a:extLst>
+              <a:ext uri="{FF2B5EF4-FFF2-40B4-BE49-F238E27FC236}">
+                <a16:creationId xmlns:a16="http://schemas.microsoft.com/office/drawing/2014/main" id="{C2192E09-EBC7-416C-B887-DFF915D7F43D}"/>
+              </a:ext>
+              <a:ext uri="{C183D7F6-B498-43B3-948B-1728B52AA6E4}">
+                <adec:decorative xmlns:adec="http://schemas.microsoft.com/office/drawing/2017/decorative" val="1"/>
+              </a:ext>
+            </a:extLst>
+          </p:cNvPr>
+          <p:cNvPicPr>
+            <a:picLocks noGrp="1" noRot="1" noChangeAspect="1" noMove="1" noResize="1" noEditPoints="1" noAdjustHandles="1" noChangeArrowheads="1" noChangeShapeType="1" noCrop="1"/>
+          </p:cNvPicPr>
+          <p:nvPr>
+            <p:extLst>
+              <p:ext uri="{386F3935-93C4-4BCD-93E2-E3B085C9AB24}">
+                <p16:designElem xmlns:p16="http://schemas.microsoft.com/office/powerpoint/2015/main" val="1"/>
+              </p:ext>
+            </p:extLst>
+          </p:nvPr>
+        </p:nvPicPr>
+        <p:blipFill rotWithShape="1">
+          <a:blip r:embed="rId2">
+            <a:extLst>
+              <a:ext uri="{28A0092B-C50C-407E-A947-70E740481C1C}">
+                <a14:useLocalDpi xmlns:a14="http://schemas.microsoft.com/office/drawing/2010/main" val="0"/>
+              </a:ext>
+            </a:extLst>
+          </a:blip>
+          <a:srcRect t="1538" b="-1538"/>
+          <a:stretch/>
+        </p:blipFill>
+        <p:spPr bwMode="black">
+          <a:xfrm>
+            <a:off x="0" y="6126480"/>
+            <a:ext cx="12192000" cy="742950"/>
+          </a:xfrm>
+          <a:prstGeom prst="rect">
+            <a:avLst/>
+          </a:prstGeom>
+        </p:spPr>
+      </p:pic>
+      <p:cxnSp>
+        <p:nvCxnSpPr>
+          <p:cNvPr id="11" name="Straight Connector 10">
+            <a:extLst>
+              <a:ext uri="{FF2B5EF4-FFF2-40B4-BE49-F238E27FC236}">
+                <a16:creationId xmlns:a16="http://schemas.microsoft.com/office/drawing/2014/main" id="{2924498D-E084-44BE-A196-CFCE35564350}"/>
+              </a:ext>
+              <a:ext uri="{C183D7F6-B498-43B3-948B-1728B52AA6E4}">
+                <adec:decorative xmlns:adec="http://schemas.microsoft.com/office/drawing/2017/decorative" val="1"/>
+              </a:ext>
+            </a:extLst>
+          </p:cNvPr>
+          <p:cNvCxnSpPr>
+            <a:cxnSpLocks noGrp="1" noRot="1" noChangeAspect="1" noMove="1" noResize="1" noEditPoints="1" noAdjustHandles="1" noChangeArrowheads="1" noChangeShapeType="1"/>
+          </p:cNvCxnSpPr>
+          <p:nvPr>
+            <p:extLst>
+              <p:ext uri="{386F3935-93C4-4BCD-93E2-E3B085C9AB24}">
+                <p16:designElem xmlns:p16="http://schemas.microsoft.com/office/powerpoint/2015/main" val="1"/>
+              </p:ext>
+            </p:extLst>
+          </p:nvPr>
+        </p:nvCxnSpPr>
+        <p:spPr>
+          <a:xfrm>
+            <a:off x="0" y="6128413"/>
+            <a:ext cx="12192000" cy="0"/>
+          </a:xfrm>
+          <a:prstGeom prst="line">
+            <a:avLst/>
+          </a:prstGeom>
+          <a:ln w="12700">
+            <a:solidFill>
+              <a:srgbClr val="000001">
+                <a:alpha val="20000"/>
+              </a:srgbClr>
+            </a:solidFill>
+          </a:ln>
+        </p:spPr>
+        <p:style>
+          <a:lnRef idx="1">
+            <a:schemeClr val="accent1"/>
+          </a:lnRef>
+          <a:fillRef idx="0">
+            <a:schemeClr val="accent1"/>
+          </a:fillRef>
+          <a:effectRef idx="0">
+            <a:schemeClr val="accent1"/>
+          </a:effectRef>
+          <a:fontRef idx="minor">
+            <a:schemeClr val="tx1"/>
+          </a:fontRef>
+        </p:style>
+      </p:cxnSp>
+      <p:cxnSp>
+        <p:nvCxnSpPr>
+          <p:cNvPr id="13" name="Straight Connector 12">
+            <a:extLst>
+              <a:ext uri="{FF2B5EF4-FFF2-40B4-BE49-F238E27FC236}">
+                <a16:creationId xmlns:a16="http://schemas.microsoft.com/office/drawing/2014/main" id="{3BBC7667-C352-4842-9AFD-E5C16AD002F4}"/>
+              </a:ext>
+              <a:ext uri="{C183D7F6-B498-43B3-948B-1728B52AA6E4}">
+                <adec:decorative xmlns:adec="http://schemas.microsoft.com/office/drawing/2017/decorative" val="1"/>
+              </a:ext>
+            </a:extLst>
+          </p:cNvPr>
+          <p:cNvCxnSpPr>
+            <a:cxnSpLocks noGrp="1" noRot="1" noChangeAspect="1" noMove="1" noResize="1" noEditPoints="1" noAdjustHandles="1" noChangeArrowheads="1" noChangeShapeType="1"/>
+          </p:cNvCxnSpPr>
+          <p:nvPr>
+            <p:extLst>
+              <p:ext uri="{386F3935-93C4-4BCD-93E2-E3B085C9AB24}">
+                <p16:designElem xmlns:p16="http://schemas.microsoft.com/office/powerpoint/2015/main" val="1"/>
+              </p:ext>
+            </p:extLst>
+          </p:nvPr>
+        </p:nvCxnSpPr>
+        <p:spPr>
+          <a:xfrm>
+            <a:off x="2417780" y="3528542"/>
+            <a:ext cx="8637072" cy="0"/>
+          </a:xfrm>
+          <a:prstGeom prst="line">
+            <a:avLst/>
+          </a:prstGeom>
+          <a:ln w="31750"/>
+        </p:spPr>
+        <p:style>
+          <a:lnRef idx="3">
+            <a:schemeClr val="accent1"/>
+          </a:lnRef>
+          <a:fillRef idx="0">
+            <a:schemeClr val="accent1"/>
+          </a:fillRef>
+          <a:effectRef idx="2">
+            <a:schemeClr val="accent1"/>
+          </a:effectRef>
+          <a:fontRef idx="minor">
+            <a:schemeClr val="tx1"/>
+          </a:fontRef>
+        </p:style>
+      </p:cxnSp>
+      <p:sp useBgFill="1">
+        <p:nvSpPr>
+          <p:cNvPr id="15" name="Rectangle 14">
+            <a:extLst>
+              <a:ext uri="{FF2B5EF4-FFF2-40B4-BE49-F238E27FC236}">
+                <a16:creationId xmlns:a16="http://schemas.microsoft.com/office/drawing/2014/main" id="{F0AB17F6-592B-45CB-96F6-705C9825AFBC}"/>
+              </a:ext>
+              <a:ext uri="{C183D7F6-B498-43B3-948B-1728B52AA6E4}">
+                <adec:decorative xmlns:adec="http://schemas.microsoft.com/office/drawing/2017/decorative" val="1"/>
+              </a:ext>
+            </a:extLst>
+          </p:cNvPr>
+          <p:cNvSpPr>
+            <a:spLocks noGrp="1" noRot="1" noChangeAspect="1" noMove="1" noResize="1" noEditPoints="1" noAdjustHandles="1" noChangeArrowheads="1" noChangeShapeType="1" noTextEdit="1"/>
+          </p:cNvSpPr>
+          <p:nvPr>
+            <p:extLst>
+              <p:ext uri="{386F3935-93C4-4BCD-93E2-E3B085C9AB24}">
+                <p16:designElem xmlns:p16="http://schemas.microsoft.com/office/powerpoint/2015/main" val="1"/>
+              </p:ext>
+            </p:extLst>
+          </p:nvPr>
+        </p:nvSpPr>
+        <p:spPr>
+          <a:xfrm>
+            <a:off x="2" y="0"/>
+            <a:ext cx="12191695" cy="6858000"/>
+          </a:xfrm>
+          <a:prstGeom prst="rect">
+            <a:avLst/>
+          </a:prstGeom>
+          <a:ln>
+            <a:noFill/>
+          </a:ln>
+        </p:spPr>
+        <p:style>
+          <a:lnRef idx="2">
+            <a:schemeClr val="accent1">
+              <a:shade val="50000"/>
+            </a:schemeClr>
+          </a:lnRef>
+          <a:fillRef idx="1">
+            <a:schemeClr val="accent1"/>
+          </a:fillRef>
+          <a:effectRef idx="0">
+            <a:schemeClr val="accent1"/>
+          </a:effectRef>
+          <a:fontRef idx="minor">
+            <a:schemeClr val="lt1"/>
+          </a:fontRef>
+        </p:style>
+        <p:txBody>
+          <a:bodyPr rtlCol="0" anchor="ctr"/>
+          <a:lstStyle/>
+          <a:p>
+            <a:pPr algn="ctr"/>
+            <a:endParaRPr lang="en-US"/>
+          </a:p>
+        </p:txBody>
+      </p:sp>
+      <p:sp>
+        <p:nvSpPr>
+          <p:cNvPr id="2" name="Title 1">
+            <a:extLst>
+              <a:ext uri="{FF2B5EF4-FFF2-40B4-BE49-F238E27FC236}">
+                <a16:creationId xmlns:a16="http://schemas.microsoft.com/office/drawing/2014/main" id="{6FC29038-DDBC-4BFF-89F4-CE1EC9E6EEB3}"/>
+              </a:ext>
+            </a:extLst>
+          </p:cNvPr>
+          <p:cNvSpPr>
+            <a:spLocks noGrp="1"/>
+          </p:cNvSpPr>
+          <p:nvPr>
+            <p:ph type="title"/>
+          </p:nvPr>
+        </p:nvSpPr>
+        <p:spPr>
+          <a:xfrm>
+            <a:off x="4880114" y="802298"/>
+            <a:ext cx="6261652" cy="5116985"/>
+          </a:xfrm>
+        </p:spPr>
+        <p:txBody>
+          <a:bodyPr vert="horz" lIns="91440" tIns="45720" rIns="91440" bIns="0" rtlCol="0" anchor="ctr">
+            <a:normAutofit/>
+          </a:bodyPr>
+          <a:lstStyle/>
+          <a:p>
+            <a:pPr marL="1143000" indent="-1143000"/>
+            <a:r>
+              <a:rPr lang="en-US" sz="6600" dirty="0"/>
+              <a:t>5. </a:t>
+            </a:r>
+            <a:r>
+              <a:rPr lang="en-US" sz="5800" dirty="0"/>
+              <a:t>Data analysis</a:t>
+            </a:r>
+          </a:p>
+        </p:txBody>
+      </p:sp>
+      <p:cxnSp>
+        <p:nvCxnSpPr>
+          <p:cNvPr id="17" name="Straight Connector 16">
+            <a:extLst>
+              <a:ext uri="{FF2B5EF4-FFF2-40B4-BE49-F238E27FC236}">
+                <a16:creationId xmlns:a16="http://schemas.microsoft.com/office/drawing/2014/main" id="{5A9284E7-0823-472D-9963-18D89DFEB8B4}"/>
+              </a:ext>
+              <a:ext uri="{C183D7F6-B498-43B3-948B-1728B52AA6E4}">
+                <adec:decorative xmlns:adec="http://schemas.microsoft.com/office/drawing/2017/decorative" val="1"/>
+              </a:ext>
+            </a:extLst>
+          </p:cNvPr>
+          <p:cNvCxnSpPr>
+            <a:cxnSpLocks noGrp="1" noRot="1" noChangeAspect="1" noMove="1" noResize="1" noEditPoints="1" noAdjustHandles="1" noChangeArrowheads="1" noChangeShapeType="1"/>
+          </p:cNvCxnSpPr>
+          <p:nvPr>
+            <p:extLst>
+              <p:ext uri="{386F3935-93C4-4BCD-93E2-E3B085C9AB24}">
+                <p16:designElem xmlns:p16="http://schemas.microsoft.com/office/powerpoint/2015/main" val="1"/>
+              </p:ext>
+            </p:extLst>
+          </p:nvPr>
+        </p:nvCxnSpPr>
+        <p:spPr>
+          <a:xfrm>
+            <a:off x="4654296" y="1760590"/>
+            <a:ext cx="0" cy="3200400"/>
+          </a:xfrm>
+          <a:prstGeom prst="line">
+            <a:avLst/>
+          </a:prstGeom>
+          <a:ln w="34925"/>
+        </p:spPr>
+        <p:style>
+          <a:lnRef idx="1">
+            <a:schemeClr val="accent1"/>
+          </a:lnRef>
+          <a:fillRef idx="0">
+            <a:schemeClr val="accent1"/>
+          </a:fillRef>
+          <a:effectRef idx="0">
+            <a:schemeClr val="accent1"/>
+          </a:effectRef>
+          <a:fontRef idx="minor">
+            <a:schemeClr val="tx1"/>
+          </a:fontRef>
+        </p:style>
+      </p:cxnSp>
+    </p:spTree>
+    <p:extLst>
+      <p:ext uri="{BB962C8B-B14F-4D97-AF65-F5344CB8AC3E}">
+        <p14:creationId xmlns:p14="http://schemas.microsoft.com/office/powerpoint/2010/main" val="1047180839"/>
+      </p:ext>
+    </p:extLst>
+  </p:cSld>
+  <p:clrMapOvr>
+    <a:overrideClrMapping bg1="dk1" tx1="lt1" bg2="dk2" tx2="lt2" accent1="accent1" accent2="accent2" accent3="accent3" accent4="accent4" accent5="accent5" accent6="accent6" hlink="hlink" folHlink="folHlink"/>
+  </p:clrMapOvr>
+</p:sld>
+</file>
+
+<file path=ppt/slides/slide11.xml><?xml version="1.0" encoding="utf-8"?>
+<p:sld xmlns:a="http://schemas.openxmlformats.org/drawingml/2006/main" xmlns:r="http://schemas.openxmlformats.org/officeDocument/2006/relationships" xmlns:p="http://schemas.openxmlformats.org/presentationml/2006/main">
+  <p:cSld>
+    <p:bg>
+      <p:bgPr>
+        <a:gradFill rotWithShape="1">
+          <a:gsLst>
+            <a:gs pos="0">
+              <a:schemeClr val="bg2">
+                <a:tint val="94000"/>
+                <a:satMod val="80000"/>
+                <a:lumMod val="106000"/>
+              </a:schemeClr>
+            </a:gs>
+            <a:gs pos="100000">
+              <a:schemeClr val="bg2">
+                <a:shade val="80000"/>
+              </a:schemeClr>
+            </a:gs>
+          </a:gsLst>
+          <a:path path="circle">
+            <a:fillToRect l="43000" r="43000" b="100000"/>
+          </a:path>
+        </a:gradFill>
+        <a:effectLst/>
+      </p:bgPr>
+    </p:bg>
+    <p:spTree>
+      <p:nvGrpSpPr>
+        <p:cNvPr id="1" name=""/>
+        <p:cNvGrpSpPr/>
+        <p:nvPr/>
+      </p:nvGrpSpPr>
+      <p:grpSpPr>
+        <a:xfrm>
+          <a:off x="0" y="0"/>
+          <a:ext cx="0" cy="0"/>
+          <a:chOff x="0" y="0"/>
+          <a:chExt cx="0" cy="0"/>
+        </a:xfrm>
+      </p:grpSpPr>
+      <p:sp useBgFill="1">
+        <p:nvSpPr>
+          <p:cNvPr id="26" name="Rectangle 25">
+            <a:extLst>
+              <a:ext uri="{FF2B5EF4-FFF2-40B4-BE49-F238E27FC236}">
+                <a16:creationId xmlns:a16="http://schemas.microsoft.com/office/drawing/2014/main" id="{01E8EC89-86BC-4558-B010-53DF36A5AB2E}"/>
+              </a:ext>
+              <a:ext uri="{C183D7F6-B498-43B3-948B-1728B52AA6E4}">
+                <adec:decorative xmlns:adec="http://schemas.microsoft.com/office/drawing/2017/decorative" val="1"/>
+              </a:ext>
+            </a:extLst>
+          </p:cNvPr>
+          <p:cNvSpPr>
+            <a:spLocks noGrp="1" noRot="1" noChangeAspect="1" noMove="1" noResize="1" noEditPoints="1" noAdjustHandles="1" noChangeArrowheads="1" noChangeShapeType="1" noTextEdit="1"/>
+          </p:cNvSpPr>
+          <p:nvPr>
+            <p:extLst>
+              <p:ext uri="{386F3935-93C4-4BCD-93E2-E3B085C9AB24}">
+                <p16:designElem xmlns:p16="http://schemas.microsoft.com/office/powerpoint/2015/main" val="1"/>
+              </p:ext>
+            </p:extLst>
+          </p:nvPr>
+        </p:nvSpPr>
+        <p:spPr>
+          <a:xfrm>
+            <a:off x="2" y="0"/>
+            <a:ext cx="12191695" cy="6858000"/>
+          </a:xfrm>
+          <a:prstGeom prst="rect">
+            <a:avLst/>
+          </a:prstGeom>
+          <a:ln>
+            <a:noFill/>
+          </a:ln>
+        </p:spPr>
+        <p:style>
+          <a:lnRef idx="2">
+            <a:schemeClr val="accent1">
+              <a:shade val="50000"/>
+            </a:schemeClr>
+          </a:lnRef>
+          <a:fillRef idx="1">
+            <a:schemeClr val="accent1"/>
+          </a:fillRef>
+          <a:effectRef idx="0">
+            <a:schemeClr val="accent1"/>
+          </a:effectRef>
+          <a:fontRef idx="minor">
+            <a:schemeClr val="lt1"/>
+          </a:fontRef>
+        </p:style>
+        <p:txBody>
+          <a:bodyPr rtlCol="0" anchor="ctr"/>
+          <a:lstStyle/>
+          <a:p>
+            <a:pPr algn="ctr"/>
+            <a:endParaRPr lang="en-US"/>
+          </a:p>
+        </p:txBody>
+      </p:sp>
+      <p:cxnSp>
+        <p:nvCxnSpPr>
+          <p:cNvPr id="28" name="Straight Connector 27">
+            <a:extLst>
+              <a:ext uri="{FF2B5EF4-FFF2-40B4-BE49-F238E27FC236}">
+                <a16:creationId xmlns:a16="http://schemas.microsoft.com/office/drawing/2014/main" id="{4CCCDDFF-B9CC-494C-8BEE-2451CD79A093}"/>
+              </a:ext>
+              <a:ext uri="{C183D7F6-B498-43B3-948B-1728B52AA6E4}">
+                <adec:decorative xmlns:adec="http://schemas.microsoft.com/office/drawing/2017/decorative" val="1"/>
+              </a:ext>
+            </a:extLst>
+          </p:cNvPr>
+          <p:cNvCxnSpPr>
+            <a:cxnSpLocks noGrp="1" noRot="1" noChangeAspect="1" noMove="1" noResize="1" noEditPoints="1" noAdjustHandles="1" noChangeArrowheads="1" noChangeShapeType="1"/>
+          </p:cNvCxnSpPr>
+          <p:nvPr>
+            <p:extLst>
+              <p:ext uri="{386F3935-93C4-4BCD-93E2-E3B085C9AB24}">
+                <p16:designElem xmlns:p16="http://schemas.microsoft.com/office/powerpoint/2015/main" val="1"/>
+              </p:ext>
+            </p:extLst>
+          </p:nvPr>
+        </p:nvCxnSpPr>
+        <p:spPr>
+          <a:xfrm>
+            <a:off x="1453897" y="1847088"/>
+            <a:ext cx="3523712" cy="0"/>
+          </a:xfrm>
+          <a:prstGeom prst="line">
+            <a:avLst/>
+          </a:prstGeom>
+          <a:ln w="31750"/>
+        </p:spPr>
+        <p:style>
+          <a:lnRef idx="3">
+            <a:schemeClr val="accent1"/>
+          </a:lnRef>
+          <a:fillRef idx="0">
+            <a:schemeClr val="accent1"/>
+          </a:fillRef>
+          <a:effectRef idx="2">
+            <a:schemeClr val="accent1"/>
+          </a:effectRef>
+          <a:fontRef idx="minor">
+            <a:schemeClr val="tx1"/>
+          </a:fontRef>
+        </p:style>
+      </p:cxnSp>
+      <p:sp>
+        <p:nvSpPr>
+          <p:cNvPr id="2" name="Title 1">
+            <a:extLst>
+              <a:ext uri="{FF2B5EF4-FFF2-40B4-BE49-F238E27FC236}">
+                <a16:creationId xmlns:a16="http://schemas.microsoft.com/office/drawing/2014/main" id="{F01D79B6-8945-4B13-8E99-94D3944484CC}"/>
+              </a:ext>
+            </a:extLst>
+          </p:cNvPr>
+          <p:cNvSpPr>
+            <a:spLocks noGrp="1"/>
+          </p:cNvSpPr>
+          <p:nvPr>
+            <p:ph type="title"/>
+          </p:nvPr>
+        </p:nvSpPr>
+        <p:spPr>
+          <a:xfrm>
+            <a:off x="1451580" y="729587"/>
+            <a:ext cx="3525184" cy="1124168"/>
+          </a:xfrm>
+        </p:spPr>
+        <p:txBody>
+          <a:bodyPr>
+            <a:normAutofit/>
+          </a:bodyPr>
+          <a:lstStyle/>
+          <a:p>
+            <a:r>
+              <a:rPr lang="en-US" sz="2200" b="0" i="0" cap="none" dirty="0">
+                <a:effectLst/>
+                <a:latin typeface="-apple-system"/>
+              </a:rPr>
+              <a:t>Data info on each columns non-null count and its data type</a:t>
+            </a:r>
+            <a:endParaRPr lang="en-US" sz="2200" cap="none" dirty="0"/>
+          </a:p>
+        </p:txBody>
+      </p:sp>
+      <p:sp>
+        <p:nvSpPr>
+          <p:cNvPr id="30" name="Rectangle 29">
+            <a:extLst>
+              <a:ext uri="{FF2B5EF4-FFF2-40B4-BE49-F238E27FC236}">
+                <a16:creationId xmlns:a16="http://schemas.microsoft.com/office/drawing/2014/main" id="{54977EF3-E0BF-4719-9C15-8564B7D68F83}"/>
+              </a:ext>
+              <a:ext uri="{C183D7F6-B498-43B3-948B-1728B52AA6E4}">
+                <adec:decorative xmlns:adec="http://schemas.microsoft.com/office/drawing/2017/decorative" val="1"/>
+              </a:ext>
+            </a:extLst>
+          </p:cNvPr>
+          <p:cNvSpPr>
+            <a:spLocks noGrp="1" noRot="1" noChangeAspect="1" noMove="1" noResize="1" noEditPoints="1" noAdjustHandles="1" noChangeArrowheads="1" noChangeShapeType="1" noTextEdit="1"/>
+          </p:cNvSpPr>
+          <p:nvPr>
+            <p:extLst>
+              <p:ext uri="{386F3935-93C4-4BCD-93E2-E3B085C9AB24}">
+                <p16:designElem xmlns:p16="http://schemas.microsoft.com/office/powerpoint/2015/main" val="1"/>
+              </p:ext>
+            </p:extLst>
+          </p:nvPr>
+        </p:nvSpPr>
+        <p:spPr>
+          <a:xfrm>
+            <a:off x="0" y="2019476"/>
+            <a:ext cx="12192000" cy="4105941"/>
+          </a:xfrm>
+          <a:prstGeom prst="rect">
+            <a:avLst/>
+          </a:prstGeom>
+          <a:gradFill flip="none" rotWithShape="1">
+            <a:gsLst>
+              <a:gs pos="0">
+                <a:schemeClr val="bg2">
+                  <a:alpha val="0"/>
+                </a:schemeClr>
+              </a:gs>
+              <a:gs pos="100000">
+                <a:schemeClr val="bg2"/>
+              </a:gs>
+            </a:gsLst>
+            <a:lin ang="5400000" scaled="0"/>
+            <a:tileRect/>
+          </a:gradFill>
+          <a:ln>
+            <a:noFill/>
+          </a:ln>
+        </p:spPr>
+        <p:style>
+          <a:lnRef idx="2">
+            <a:schemeClr val="accent1">
+              <a:shade val="50000"/>
+            </a:schemeClr>
+          </a:lnRef>
+          <a:fillRef idx="1">
+            <a:schemeClr val="accent1"/>
+          </a:fillRef>
+          <a:effectRef idx="0">
+            <a:schemeClr val="accent1"/>
+          </a:effectRef>
+          <a:fontRef idx="minor">
+            <a:schemeClr val="lt1"/>
+          </a:fontRef>
+        </p:style>
+        <p:txBody>
+          <a:bodyPr rtlCol="0" anchor="ctr"/>
+          <a:lstStyle/>
+          <a:p>
+            <a:pPr lvl="0" algn="ctr"/>
+            <a:endParaRPr lang="en-US"/>
+          </a:p>
+        </p:txBody>
+      </p:sp>
+      <p:sp>
+        <p:nvSpPr>
+          <p:cNvPr id="10" name="Content Placeholder 9">
+            <a:extLst>
+              <a:ext uri="{FF2B5EF4-FFF2-40B4-BE49-F238E27FC236}">
+                <a16:creationId xmlns:a16="http://schemas.microsoft.com/office/drawing/2014/main" id="{BF3D4BDB-C234-0377-1D91-5643AE4A049F}"/>
+              </a:ext>
+            </a:extLst>
+          </p:cNvPr>
+          <p:cNvSpPr>
+            <a:spLocks noGrp="1"/>
+          </p:cNvSpPr>
+          <p:nvPr>
+            <p:ph idx="1"/>
+          </p:nvPr>
+        </p:nvSpPr>
+        <p:spPr>
+          <a:xfrm>
+            <a:off x="5078064" y="1789312"/>
+            <a:ext cx="3017002" cy="3654898"/>
+          </a:xfrm>
+        </p:spPr>
+        <p:txBody>
+          <a:bodyPr>
+            <a:normAutofit/>
+          </a:bodyPr>
+          <a:lstStyle/>
+          <a:p>
+            <a:pPr marL="0" indent="0">
+              <a:buNone/>
+            </a:pPr>
+            <a:r>
+              <a:rPr lang="en-US" b="0" i="0" dirty="0">
+                <a:solidFill>
+                  <a:srgbClr val="24292F"/>
+                </a:solidFill>
+                <a:effectLst/>
+                <a:latin typeface="-apple-system"/>
+              </a:rPr>
+              <a:t>we plotted “year” versus “suicides_100k_pop” on a scatter plot to determine any trend. Based on the scatter plot, we saw a linear trend, which is best suited for machine learning regression models.</a:t>
+            </a:r>
+            <a:endParaRPr lang="en-US" dirty="0"/>
+          </a:p>
+        </p:txBody>
+      </p:sp>
+      <p:pic>
+        <p:nvPicPr>
+          <p:cNvPr id="5" name="Content Placeholder 4" descr="Table&#10;&#10;Description automatically generated">
+            <a:extLst>
+              <a:ext uri="{FF2B5EF4-FFF2-40B4-BE49-F238E27FC236}">
+                <a16:creationId xmlns:a16="http://schemas.microsoft.com/office/drawing/2014/main" id="{B66ECBA2-6CC1-43EB-AEAB-30D59388E228}"/>
+              </a:ext>
+            </a:extLst>
+          </p:cNvPr>
+          <p:cNvPicPr>
+            <a:picLocks noChangeAspect="1"/>
+          </p:cNvPicPr>
+          <p:nvPr/>
+        </p:nvPicPr>
+        <p:blipFill>
+          <a:blip r:embed="rId2">
+            <a:extLst>
+              <a:ext uri="{28A0092B-C50C-407E-A947-70E740481C1C}">
+                <a14:useLocalDpi xmlns:a14="http://schemas.microsoft.com/office/drawing/2010/main" val="0"/>
+              </a:ext>
+            </a:extLst>
+          </a:blip>
+          <a:stretch>
+            <a:fillRect/>
+          </a:stretch>
+        </p:blipFill>
+        <p:spPr>
+          <a:xfrm>
+            <a:off x="1451580" y="1902620"/>
+            <a:ext cx="3588448" cy="3654898"/>
+          </a:xfrm>
+          <a:prstGeom prst="rect">
+            <a:avLst/>
+          </a:prstGeom>
+        </p:spPr>
+      </p:pic>
+      <p:pic>
+        <p:nvPicPr>
+          <p:cNvPr id="6" name="Picture 5" descr="Calendar&#10;&#10;Description automatically generated">
+            <a:extLst>
+              <a:ext uri="{FF2B5EF4-FFF2-40B4-BE49-F238E27FC236}">
+                <a16:creationId xmlns:a16="http://schemas.microsoft.com/office/drawing/2014/main" id="{E00F78D9-AED0-4D9F-A82E-8C6FCAFD1729}"/>
+              </a:ext>
+            </a:extLst>
+          </p:cNvPr>
+          <p:cNvPicPr>
+            <a:picLocks noChangeAspect="1"/>
+          </p:cNvPicPr>
+          <p:nvPr/>
+        </p:nvPicPr>
+        <p:blipFill>
+          <a:blip r:embed="rId3">
+            <a:extLst>
+              <a:ext uri="{28A0092B-C50C-407E-A947-70E740481C1C}">
+                <a14:useLocalDpi xmlns:a14="http://schemas.microsoft.com/office/drawing/2010/main" val="0"/>
+              </a:ext>
+            </a:extLst>
+          </a:blip>
+          <a:stretch>
+            <a:fillRect/>
+          </a:stretch>
+        </p:blipFill>
+        <p:spPr>
+          <a:xfrm>
+            <a:off x="8158330" y="602439"/>
+            <a:ext cx="3850790" cy="4945140"/>
+          </a:xfrm>
+          <a:prstGeom prst="rect">
+            <a:avLst/>
+          </a:prstGeom>
+        </p:spPr>
+      </p:pic>
+      <p:pic>
+        <p:nvPicPr>
+          <p:cNvPr id="32" name="Picture 31">
+            <a:extLst>
+              <a:ext uri="{FF2B5EF4-FFF2-40B4-BE49-F238E27FC236}">
+                <a16:creationId xmlns:a16="http://schemas.microsoft.com/office/drawing/2014/main" id="{A5DC397C-2B77-4200-B02F-47CA26CA2AC4}"/>
+              </a:ext>
+              <a:ext uri="{C183D7F6-B498-43B3-948B-1728B52AA6E4}">
+                <adec:decorative xmlns:adec="http://schemas.microsoft.com/office/drawing/2017/decorative" val="1"/>
+              </a:ext>
+            </a:extLst>
+          </p:cNvPr>
+          <p:cNvPicPr>
+            <a:picLocks noGrp="1" noRot="1" noChangeAspect="1" noMove="1" noResize="1" noEditPoints="1" noAdjustHandles="1" noChangeArrowheads="1" noChangeShapeType="1" noCrop="1"/>
+          </p:cNvPicPr>
+          <p:nvPr>
+            <p:extLst>
+              <p:ext uri="{386F3935-93C4-4BCD-93E2-E3B085C9AB24}">
+                <p16:designElem xmlns:p16="http://schemas.microsoft.com/office/powerpoint/2015/main" val="1"/>
+              </p:ext>
+            </p:extLst>
+          </p:nvPr>
+        </p:nvPicPr>
+        <p:blipFill rotWithShape="1">
+          <a:blip r:embed="rId4">
+            <a:extLst>
+              <a:ext uri="{28A0092B-C50C-407E-A947-70E740481C1C}">
+                <a14:useLocalDpi xmlns:a14="http://schemas.microsoft.com/office/drawing/2010/main" val="0"/>
+              </a:ext>
+            </a:extLst>
+          </a:blip>
+          <a:srcRect t="1538" b="-1538"/>
+          <a:stretch/>
+        </p:blipFill>
+        <p:spPr bwMode="black">
+          <a:xfrm>
+            <a:off x="0" y="6126480"/>
+            <a:ext cx="12192000" cy="742950"/>
+          </a:xfrm>
+          <a:prstGeom prst="rect">
+            <a:avLst/>
+          </a:prstGeom>
+        </p:spPr>
+      </p:pic>
+      <p:cxnSp>
+        <p:nvCxnSpPr>
+          <p:cNvPr id="34" name="Straight Connector 33">
+            <a:extLst>
+              <a:ext uri="{FF2B5EF4-FFF2-40B4-BE49-F238E27FC236}">
+                <a16:creationId xmlns:a16="http://schemas.microsoft.com/office/drawing/2014/main" id="{13AFA304-05B8-441F-BA73-B92E08BD6E04}"/>
+              </a:ext>
+              <a:ext uri="{C183D7F6-B498-43B3-948B-1728B52AA6E4}">
+                <adec:decorative xmlns:adec="http://schemas.microsoft.com/office/drawing/2017/decorative" val="1"/>
+              </a:ext>
+            </a:extLst>
+          </p:cNvPr>
+          <p:cNvCxnSpPr>
+            <a:cxnSpLocks noGrp="1" noRot="1" noChangeAspect="1" noMove="1" noResize="1" noEditPoints="1" noAdjustHandles="1" noChangeArrowheads="1" noChangeShapeType="1"/>
+          </p:cNvCxnSpPr>
+          <p:nvPr>
+            <p:extLst>
+              <p:ext uri="{386F3935-93C4-4BCD-93E2-E3B085C9AB24}">
+                <p16:designElem xmlns:p16="http://schemas.microsoft.com/office/powerpoint/2015/main" val="1"/>
+              </p:ext>
+            </p:extLst>
+          </p:nvPr>
+        </p:nvCxnSpPr>
+        <p:spPr>
+          <a:xfrm>
+            <a:off x="0" y="6128413"/>
+            <a:ext cx="12192000" cy="0"/>
+          </a:xfrm>
+          <a:prstGeom prst="line">
+            <a:avLst/>
+          </a:prstGeom>
+          <a:ln w="12700">
+            <a:solidFill>
+              <a:srgbClr val="000001">
+                <a:alpha val="20000"/>
+              </a:srgbClr>
+            </a:solidFill>
+          </a:ln>
+        </p:spPr>
+        <p:style>
+          <a:lnRef idx="1">
+            <a:schemeClr val="accent1"/>
+          </a:lnRef>
+          <a:fillRef idx="0">
+            <a:schemeClr val="accent1"/>
+          </a:fillRef>
+          <a:effectRef idx="0">
+            <a:schemeClr val="accent1"/>
+          </a:effectRef>
+          <a:fontRef idx="minor">
+            <a:schemeClr val="tx1"/>
+          </a:fontRef>
+        </p:style>
+      </p:cxnSp>
+    </p:spTree>
+    <p:extLst>
+      <p:ext uri="{BB962C8B-B14F-4D97-AF65-F5344CB8AC3E}">
+        <p14:creationId xmlns:p14="http://schemas.microsoft.com/office/powerpoint/2010/main" val="4080826630"/>
+      </p:ext>
+    </p:extLst>
+  </p:cSld>
+  <p:clrMapOvr>
+    <a:masterClrMapping/>
+  </p:clrMapOvr>
+</p:sld>
+</file>
+
+<file path=ppt/slides/slide12.xml><?xml version="1.0" encoding="utf-8"?>
+<p:sld xmlns:a="http://schemas.openxmlformats.org/drawingml/2006/main" xmlns:r="http://schemas.openxmlformats.org/officeDocument/2006/relationships" xmlns:p="http://schemas.openxmlformats.org/presentationml/2006/main">
+  <p:cSld>
+    <p:bg>
+      <p:bgPr>
+        <a:gradFill rotWithShape="1">
+          <a:gsLst>
+            <a:gs pos="0">
+              <a:schemeClr val="bg1">
+                <a:tint val="94000"/>
+                <a:satMod val="80000"/>
+                <a:lumMod val="106000"/>
+              </a:schemeClr>
+            </a:gs>
+            <a:gs pos="100000">
+              <a:schemeClr val="bg1">
+                <a:shade val="80000"/>
+              </a:schemeClr>
+            </a:gs>
+          </a:gsLst>
+          <a:path path="circle">
+            <a:fillToRect l="50000" t="50000" r="50000" b="50000"/>
+          </a:path>
+        </a:gradFill>
+        <a:effectLst/>
+      </p:bgPr>
+    </p:bg>
+    <p:spTree>
+      <p:nvGrpSpPr>
+        <p:cNvPr id="1" name=""/>
+        <p:cNvGrpSpPr/>
+        <p:nvPr/>
+      </p:nvGrpSpPr>
+      <p:grpSpPr>
+        <a:xfrm>
+          <a:off x="0" y="0"/>
+          <a:ext cx="0" cy="0"/>
+          <a:chOff x="0" y="0"/>
+          <a:chExt cx="0" cy="0"/>
+        </a:xfrm>
+      </p:grpSpPr>
+      <p:sp>
+        <p:nvSpPr>
+          <p:cNvPr id="7" name="Rectangle 6">
+            <a:extLst>
+              <a:ext uri="{FF2B5EF4-FFF2-40B4-BE49-F238E27FC236}">
+                <a16:creationId xmlns:a16="http://schemas.microsoft.com/office/drawing/2014/main" id="{23522FE7-5A29-4EF6-B1EF-2CA55748A772}"/>
+              </a:ext>
+              <a:ext uri="{C183D7F6-B498-43B3-948B-1728B52AA6E4}">
+                <adec:decorative xmlns:adec="http://schemas.microsoft.com/office/drawing/2017/decorative" val="1"/>
+              </a:ext>
+            </a:extLst>
+          </p:cNvPr>
+          <p:cNvSpPr>
+            <a:spLocks noGrp="1" noRot="1" noChangeAspect="1" noMove="1" noResize="1" noEditPoints="1" noAdjustHandles="1" noChangeArrowheads="1" noChangeShapeType="1" noTextEdit="1"/>
+          </p:cNvSpPr>
+          <p:nvPr>
+            <p:extLst>
+              <p:ext uri="{386F3935-93C4-4BCD-93E2-E3B085C9AB24}">
+                <p16:designElem xmlns:p16="http://schemas.microsoft.com/office/powerpoint/2015/main" val="1"/>
+              </p:ext>
+            </p:extLst>
+          </p:nvPr>
+        </p:nvSpPr>
+        <p:spPr>
+          <a:xfrm>
+            <a:off x="0" y="2019476"/>
+            <a:ext cx="12192000" cy="4105941"/>
+          </a:xfrm>
+          <a:prstGeom prst="rect">
+            <a:avLst/>
+          </a:prstGeom>
+          <a:gradFill flip="none" rotWithShape="1">
+            <a:gsLst>
+              <a:gs pos="0">
+                <a:schemeClr val="bg2">
+                  <a:alpha val="0"/>
+                </a:schemeClr>
+              </a:gs>
+              <a:gs pos="100000">
+                <a:schemeClr val="bg2"/>
+              </a:gs>
+            </a:gsLst>
+            <a:lin ang="5400000" scaled="0"/>
+            <a:tileRect/>
+          </a:gradFill>
+          <a:ln>
+            <a:noFill/>
+          </a:ln>
+        </p:spPr>
+        <p:style>
+          <a:lnRef idx="2">
+            <a:schemeClr val="accent1">
+              <a:shade val="50000"/>
+            </a:schemeClr>
+          </a:lnRef>
+          <a:fillRef idx="1">
+            <a:schemeClr val="accent1"/>
+          </a:fillRef>
+          <a:effectRef idx="0">
+            <a:schemeClr val="accent1"/>
+          </a:effectRef>
+          <a:fontRef idx="minor">
+            <a:schemeClr val="lt1"/>
+          </a:fontRef>
+        </p:style>
+      </p:sp>
+      <p:pic>
+        <p:nvPicPr>
+          <p:cNvPr id="9" name="Picture 8">
+            <a:extLst>
+              <a:ext uri="{FF2B5EF4-FFF2-40B4-BE49-F238E27FC236}">
+                <a16:creationId xmlns:a16="http://schemas.microsoft.com/office/drawing/2014/main" id="{C2192E09-EBC7-416C-B887-DFF915D7F43D}"/>
+              </a:ext>
+              <a:ext uri="{C183D7F6-B498-43B3-948B-1728B52AA6E4}">
+                <adec:decorative xmlns:adec="http://schemas.microsoft.com/office/drawing/2017/decorative" val="1"/>
+              </a:ext>
+            </a:extLst>
+          </p:cNvPr>
+          <p:cNvPicPr>
+            <a:picLocks noGrp="1" noRot="1" noChangeAspect="1" noMove="1" noResize="1" noEditPoints="1" noAdjustHandles="1" noChangeArrowheads="1" noChangeShapeType="1" noCrop="1"/>
+          </p:cNvPicPr>
+          <p:nvPr>
+            <p:extLst>
+              <p:ext uri="{386F3935-93C4-4BCD-93E2-E3B085C9AB24}">
+                <p16:designElem xmlns:p16="http://schemas.microsoft.com/office/powerpoint/2015/main" val="1"/>
+              </p:ext>
+            </p:extLst>
+          </p:nvPr>
+        </p:nvPicPr>
+        <p:blipFill rotWithShape="1">
+          <a:blip r:embed="rId2">
+            <a:extLst>
+              <a:ext uri="{28A0092B-C50C-407E-A947-70E740481C1C}">
+                <a14:useLocalDpi xmlns:a14="http://schemas.microsoft.com/office/drawing/2010/main" val="0"/>
+              </a:ext>
+            </a:extLst>
+          </a:blip>
+          <a:srcRect t="1538" b="-1538"/>
+          <a:stretch/>
+        </p:blipFill>
+        <p:spPr bwMode="black">
+          <a:xfrm>
+            <a:off x="0" y="6126480"/>
+            <a:ext cx="12192000" cy="742950"/>
+          </a:xfrm>
+          <a:prstGeom prst="rect">
+            <a:avLst/>
+          </a:prstGeom>
+        </p:spPr>
+      </p:pic>
+      <p:cxnSp>
+        <p:nvCxnSpPr>
+          <p:cNvPr id="11" name="Straight Connector 10">
+            <a:extLst>
+              <a:ext uri="{FF2B5EF4-FFF2-40B4-BE49-F238E27FC236}">
+                <a16:creationId xmlns:a16="http://schemas.microsoft.com/office/drawing/2014/main" id="{2924498D-E084-44BE-A196-CFCE35564350}"/>
+              </a:ext>
+              <a:ext uri="{C183D7F6-B498-43B3-948B-1728B52AA6E4}">
+                <adec:decorative xmlns:adec="http://schemas.microsoft.com/office/drawing/2017/decorative" val="1"/>
+              </a:ext>
+            </a:extLst>
+          </p:cNvPr>
+          <p:cNvCxnSpPr>
+            <a:cxnSpLocks noGrp="1" noRot="1" noChangeAspect="1" noMove="1" noResize="1" noEditPoints="1" noAdjustHandles="1" noChangeArrowheads="1" noChangeShapeType="1"/>
+          </p:cNvCxnSpPr>
+          <p:nvPr>
+            <p:extLst>
+              <p:ext uri="{386F3935-93C4-4BCD-93E2-E3B085C9AB24}">
+                <p16:designElem xmlns:p16="http://schemas.microsoft.com/office/powerpoint/2015/main" val="1"/>
+              </p:ext>
+            </p:extLst>
+          </p:nvPr>
+        </p:nvCxnSpPr>
+        <p:spPr>
+          <a:xfrm>
+            <a:off x="0" y="6128413"/>
+            <a:ext cx="12192000" cy="0"/>
+          </a:xfrm>
+          <a:prstGeom prst="line">
+            <a:avLst/>
+          </a:prstGeom>
+          <a:ln w="12700">
+            <a:solidFill>
+              <a:srgbClr val="000001">
+                <a:alpha val="20000"/>
+              </a:srgbClr>
+            </a:solidFill>
+          </a:ln>
+        </p:spPr>
+        <p:style>
+          <a:lnRef idx="1">
+            <a:schemeClr val="accent1"/>
+          </a:lnRef>
+          <a:fillRef idx="0">
+            <a:schemeClr val="accent1"/>
+          </a:fillRef>
+          <a:effectRef idx="0">
+            <a:schemeClr val="accent1"/>
+          </a:effectRef>
+          <a:fontRef idx="minor">
+            <a:schemeClr val="tx1"/>
+          </a:fontRef>
+        </p:style>
+      </p:cxnSp>
+      <p:cxnSp>
+        <p:nvCxnSpPr>
+          <p:cNvPr id="13" name="Straight Connector 12">
+            <a:extLst>
+              <a:ext uri="{FF2B5EF4-FFF2-40B4-BE49-F238E27FC236}">
+                <a16:creationId xmlns:a16="http://schemas.microsoft.com/office/drawing/2014/main" id="{3BBC7667-C352-4842-9AFD-E5C16AD002F4}"/>
+              </a:ext>
+              <a:ext uri="{C183D7F6-B498-43B3-948B-1728B52AA6E4}">
+                <adec:decorative xmlns:adec="http://schemas.microsoft.com/office/drawing/2017/decorative" val="1"/>
+              </a:ext>
+            </a:extLst>
+          </p:cNvPr>
+          <p:cNvCxnSpPr>
+            <a:cxnSpLocks noGrp="1" noRot="1" noChangeAspect="1" noMove="1" noResize="1" noEditPoints="1" noAdjustHandles="1" noChangeArrowheads="1" noChangeShapeType="1"/>
+          </p:cNvCxnSpPr>
+          <p:nvPr>
+            <p:extLst>
+              <p:ext uri="{386F3935-93C4-4BCD-93E2-E3B085C9AB24}">
+                <p16:designElem xmlns:p16="http://schemas.microsoft.com/office/powerpoint/2015/main" val="1"/>
+              </p:ext>
+            </p:extLst>
+          </p:nvPr>
+        </p:nvCxnSpPr>
+        <p:spPr>
+          <a:xfrm>
+            <a:off x="2417780" y="3528542"/>
+            <a:ext cx="8637072" cy="0"/>
+          </a:xfrm>
+          <a:prstGeom prst="line">
+            <a:avLst/>
+          </a:prstGeom>
+          <a:ln w="31750"/>
+        </p:spPr>
+        <p:style>
+          <a:lnRef idx="3">
+            <a:schemeClr val="accent1"/>
+          </a:lnRef>
+          <a:fillRef idx="0">
+            <a:schemeClr val="accent1"/>
+          </a:fillRef>
+          <a:effectRef idx="2">
+            <a:schemeClr val="accent1"/>
+          </a:effectRef>
+          <a:fontRef idx="minor">
+            <a:schemeClr val="tx1"/>
+          </a:fontRef>
+        </p:style>
+      </p:cxnSp>
+      <p:sp useBgFill="1">
+        <p:nvSpPr>
+          <p:cNvPr id="15" name="Rectangle 14">
+            <a:extLst>
+              <a:ext uri="{FF2B5EF4-FFF2-40B4-BE49-F238E27FC236}">
+                <a16:creationId xmlns:a16="http://schemas.microsoft.com/office/drawing/2014/main" id="{F0AB17F6-592B-45CB-96F6-705C9825AFBC}"/>
+              </a:ext>
+              <a:ext uri="{C183D7F6-B498-43B3-948B-1728B52AA6E4}">
+                <adec:decorative xmlns:adec="http://schemas.microsoft.com/office/drawing/2017/decorative" val="1"/>
+              </a:ext>
+            </a:extLst>
+          </p:cNvPr>
+          <p:cNvSpPr>
+            <a:spLocks noGrp="1" noRot="1" noChangeAspect="1" noMove="1" noResize="1" noEditPoints="1" noAdjustHandles="1" noChangeArrowheads="1" noChangeShapeType="1" noTextEdit="1"/>
+          </p:cNvSpPr>
+          <p:nvPr>
+            <p:extLst>
+              <p:ext uri="{386F3935-93C4-4BCD-93E2-E3B085C9AB24}">
+                <p16:designElem xmlns:p16="http://schemas.microsoft.com/office/powerpoint/2015/main" val="1"/>
+              </p:ext>
+            </p:extLst>
+          </p:nvPr>
+        </p:nvSpPr>
+        <p:spPr>
+          <a:xfrm>
+            <a:off x="2" y="0"/>
+            <a:ext cx="12191695" cy="6858000"/>
+          </a:xfrm>
+          <a:prstGeom prst="rect">
+            <a:avLst/>
+          </a:prstGeom>
+          <a:ln>
+            <a:noFill/>
+          </a:ln>
+        </p:spPr>
+        <p:style>
+          <a:lnRef idx="2">
+            <a:schemeClr val="accent1">
+              <a:shade val="50000"/>
+            </a:schemeClr>
+          </a:lnRef>
+          <a:fillRef idx="1">
+            <a:schemeClr val="accent1"/>
+          </a:fillRef>
+          <a:effectRef idx="0">
+            <a:schemeClr val="accent1"/>
+          </a:effectRef>
+          <a:fontRef idx="minor">
+            <a:schemeClr val="lt1"/>
+          </a:fontRef>
+        </p:style>
+        <p:txBody>
+          <a:bodyPr rtlCol="0" anchor="ctr"/>
+          <a:lstStyle/>
+          <a:p>
+            <a:pPr algn="ctr"/>
+            <a:endParaRPr lang="en-US"/>
+          </a:p>
+        </p:txBody>
+      </p:sp>
+      <p:sp>
+        <p:nvSpPr>
+          <p:cNvPr id="2" name="Title 1">
+            <a:extLst>
+              <a:ext uri="{FF2B5EF4-FFF2-40B4-BE49-F238E27FC236}">
+                <a16:creationId xmlns:a16="http://schemas.microsoft.com/office/drawing/2014/main" id="{6FC29038-DDBC-4BFF-89F4-CE1EC9E6EEB3}"/>
+              </a:ext>
+            </a:extLst>
+          </p:cNvPr>
+          <p:cNvSpPr>
+            <a:spLocks noGrp="1"/>
+          </p:cNvSpPr>
+          <p:nvPr>
+            <p:ph type="title"/>
+          </p:nvPr>
+        </p:nvSpPr>
+        <p:spPr>
+          <a:xfrm>
+            <a:off x="4880114" y="802298"/>
+            <a:ext cx="6261652" cy="5116985"/>
+          </a:xfrm>
+        </p:spPr>
+        <p:txBody>
+          <a:bodyPr vert="horz" lIns="91440" tIns="45720" rIns="91440" bIns="0" rtlCol="0" anchor="ctr">
+            <a:normAutofit/>
+          </a:bodyPr>
+          <a:lstStyle/>
+          <a:p>
+            <a:pPr marL="1143000" indent="-1143000"/>
+            <a:r>
+              <a:rPr lang="en-US" sz="6600" dirty="0"/>
+              <a:t>6. </a:t>
+            </a:r>
+            <a:r>
+              <a:rPr lang="en-US" sz="5800" dirty="0"/>
+              <a:t>Data exploration</a:t>
+            </a:r>
+          </a:p>
+        </p:txBody>
+      </p:sp>
+      <p:cxnSp>
+        <p:nvCxnSpPr>
+          <p:cNvPr id="17" name="Straight Connector 16">
+            <a:extLst>
+              <a:ext uri="{FF2B5EF4-FFF2-40B4-BE49-F238E27FC236}">
+                <a16:creationId xmlns:a16="http://schemas.microsoft.com/office/drawing/2014/main" id="{5A9284E7-0823-472D-9963-18D89DFEB8B4}"/>
+              </a:ext>
+              <a:ext uri="{C183D7F6-B498-43B3-948B-1728B52AA6E4}">
+                <adec:decorative xmlns:adec="http://schemas.microsoft.com/office/drawing/2017/decorative" val="1"/>
+              </a:ext>
+            </a:extLst>
+          </p:cNvPr>
+          <p:cNvCxnSpPr>
+            <a:cxnSpLocks noGrp="1" noRot="1" noChangeAspect="1" noMove="1" noResize="1" noEditPoints="1" noAdjustHandles="1" noChangeArrowheads="1" noChangeShapeType="1"/>
+          </p:cNvCxnSpPr>
+          <p:nvPr>
+            <p:extLst>
+              <p:ext uri="{386F3935-93C4-4BCD-93E2-E3B085C9AB24}">
+                <p16:designElem xmlns:p16="http://schemas.microsoft.com/office/powerpoint/2015/main" val="1"/>
+              </p:ext>
+            </p:extLst>
+          </p:nvPr>
+        </p:nvCxnSpPr>
+        <p:spPr>
+          <a:xfrm>
+            <a:off x="4654296" y="1760590"/>
+            <a:ext cx="0" cy="3200400"/>
+          </a:xfrm>
+          <a:prstGeom prst="line">
+            <a:avLst/>
+          </a:prstGeom>
+          <a:ln w="34925"/>
+        </p:spPr>
+        <p:style>
+          <a:lnRef idx="1">
+            <a:schemeClr val="accent1"/>
+          </a:lnRef>
+          <a:fillRef idx="0">
+            <a:schemeClr val="accent1"/>
+          </a:fillRef>
+          <a:effectRef idx="0">
+            <a:schemeClr val="accent1"/>
+          </a:effectRef>
+          <a:fontRef idx="minor">
+            <a:schemeClr val="tx1"/>
+          </a:fontRef>
+        </p:style>
+      </p:cxnSp>
+    </p:spTree>
+    <p:extLst>
+      <p:ext uri="{BB962C8B-B14F-4D97-AF65-F5344CB8AC3E}">
+        <p14:creationId xmlns:p14="http://schemas.microsoft.com/office/powerpoint/2010/main" val="3962991913"/>
+      </p:ext>
+    </p:extLst>
+  </p:cSld>
+  <p:clrMapOvr>
+    <a:overrideClrMapping bg1="dk1" tx1="lt1" bg2="dk2" tx2="lt2" accent1="accent1" accent2="accent2" accent3="accent3" accent4="accent4" accent5="accent5" accent6="accent6" hlink="hlink" folHlink="folHlink"/>
+  </p:clrMapOvr>
+</p:sld>
+</file>
+
+<file path=ppt/slides/slide13.xml><?xml version="1.0" encoding="utf-8"?>
+<p:sld xmlns:a="http://schemas.openxmlformats.org/drawingml/2006/main" xmlns:r="http://schemas.openxmlformats.org/officeDocument/2006/relationships" xmlns:p="http://schemas.openxmlformats.org/presentationml/2006/main">
+  <p:cSld>
+    <p:bg>
+      <p:bgPr>
+        <a:gradFill rotWithShape="1">
+          <a:gsLst>
+            <a:gs pos="0">
+              <a:schemeClr val="bg2">
+                <a:tint val="94000"/>
+                <a:satMod val="80000"/>
+                <a:lumMod val="106000"/>
+              </a:schemeClr>
+            </a:gs>
+            <a:gs pos="100000">
+              <a:schemeClr val="bg2">
+                <a:shade val="80000"/>
+              </a:schemeClr>
+            </a:gs>
+          </a:gsLst>
+          <a:path path="circle">
+            <a:fillToRect l="43000" r="43000" b="100000"/>
+          </a:path>
+        </a:gradFill>
+        <a:effectLst/>
+      </p:bgPr>
+    </p:bg>
+    <p:spTree>
+      <p:nvGrpSpPr>
+        <p:cNvPr id="1" name=""/>
+        <p:cNvGrpSpPr/>
+        <p:nvPr/>
+      </p:nvGrpSpPr>
+      <p:grpSpPr>
+        <a:xfrm>
+          <a:off x="0" y="0"/>
+          <a:ext cx="0" cy="0"/>
+          <a:chOff x="0" y="0"/>
+          <a:chExt cx="0" cy="0"/>
+        </a:xfrm>
+      </p:grpSpPr>
+      <p:sp>
+        <p:nvSpPr>
+          <p:cNvPr id="2" name="Title 1">
+            <a:extLst>
+              <a:ext uri="{FF2B5EF4-FFF2-40B4-BE49-F238E27FC236}">
+                <a16:creationId xmlns:a16="http://schemas.microsoft.com/office/drawing/2014/main" id="{F01D79B6-8945-4B13-8E99-94D3944484CC}"/>
+              </a:ext>
+            </a:extLst>
+          </p:cNvPr>
+          <p:cNvSpPr>
+            <a:spLocks noGrp="1"/>
+          </p:cNvSpPr>
+          <p:nvPr>
+            <p:ph type="title"/>
+          </p:nvPr>
+        </p:nvSpPr>
+        <p:spPr>
+          <a:xfrm>
+            <a:off x="1451579" y="804519"/>
+            <a:ext cx="9603275" cy="1049235"/>
+          </a:xfrm>
+        </p:spPr>
+        <p:txBody>
+          <a:bodyPr>
+            <a:normAutofit/>
+          </a:bodyPr>
+          <a:lstStyle/>
+          <a:p>
+            <a:r>
+              <a:rPr lang="en-US"/>
+              <a:t>Machine learning –linear Regression Model</a:t>
+            </a:r>
+          </a:p>
+        </p:txBody>
+      </p:sp>
+      <p:sp>
+        <p:nvSpPr>
+          <p:cNvPr id="62" name="Content Placeholder 61">
+            <a:extLst>
+              <a:ext uri="{FF2B5EF4-FFF2-40B4-BE49-F238E27FC236}">
+                <a16:creationId xmlns:a16="http://schemas.microsoft.com/office/drawing/2014/main" id="{197D4776-45F9-93C9-A54F-76CB03469F81}"/>
+              </a:ext>
+            </a:extLst>
+          </p:cNvPr>
+          <p:cNvSpPr>
+            <a:spLocks noGrp="1"/>
+          </p:cNvSpPr>
+          <p:nvPr>
+            <p:ph idx="1"/>
+          </p:nvPr>
+        </p:nvSpPr>
+        <p:spPr>
+          <a:xfrm>
+            <a:off x="1451579" y="2015734"/>
+            <a:ext cx="4162555" cy="3450613"/>
+          </a:xfrm>
+        </p:spPr>
+        <p:txBody>
+          <a:bodyPr>
+            <a:normAutofit/>
+          </a:bodyPr>
+          <a:lstStyle/>
+          <a:p>
+            <a:pPr marL="0" indent="0">
+              <a:buNone/>
+            </a:pPr>
+            <a:r>
+              <a:rPr lang="en-US" b="0" i="0" dirty="0">
+                <a:effectLst/>
+                <a:latin typeface="-apple-system"/>
+              </a:rPr>
+              <a:t>We can see in the linear regression residual plot; the difference is between the ranges of negative 15 to 10.</a:t>
+            </a:r>
+            <a:endParaRPr lang="en-US" dirty="0"/>
+          </a:p>
+        </p:txBody>
+      </p:sp>
+      <p:pic>
+        <p:nvPicPr>
+          <p:cNvPr id="5" name="Content Placeholder 4" descr="Chart, scatter chart&#10;&#10;Description automatically generated">
+            <a:extLst>
+              <a:ext uri="{FF2B5EF4-FFF2-40B4-BE49-F238E27FC236}">
+                <a16:creationId xmlns:a16="http://schemas.microsoft.com/office/drawing/2014/main" id="{8DF5F5DF-264C-46CB-AECF-330259D40938}"/>
+              </a:ext>
+            </a:extLst>
+          </p:cNvPr>
+          <p:cNvPicPr>
+            <a:picLocks noChangeAspect="1"/>
+          </p:cNvPicPr>
+          <p:nvPr/>
+        </p:nvPicPr>
+        <p:blipFill>
+          <a:blip r:embed="rId2">
+            <a:extLst>
+              <a:ext uri="{28A0092B-C50C-407E-A947-70E740481C1C}">
+                <a14:useLocalDpi xmlns:a14="http://schemas.microsoft.com/office/drawing/2010/main" val="0"/>
+              </a:ext>
+            </a:extLst>
+          </a:blip>
+          <a:stretch>
+            <a:fillRect/>
+          </a:stretch>
+        </p:blipFill>
+        <p:spPr>
+          <a:xfrm>
+            <a:off x="5394960" y="2015734"/>
+            <a:ext cx="5659895" cy="3450613"/>
+          </a:xfrm>
+          <a:prstGeom prst="rect">
+            <a:avLst/>
+          </a:prstGeom>
+        </p:spPr>
+      </p:pic>
+    </p:spTree>
+    <p:extLst>
+      <p:ext uri="{BB962C8B-B14F-4D97-AF65-F5344CB8AC3E}">
+        <p14:creationId xmlns:p14="http://schemas.microsoft.com/office/powerpoint/2010/main" val="913417766"/>
+      </p:ext>
+    </p:extLst>
+  </p:cSld>
+  <p:clrMapOvr>
+    <a:masterClrMapping/>
+  </p:clrMapOvr>
+</p:sld>
+</file>
+
+<file path=ppt/slides/slide14.xml><?xml version="1.0" encoding="utf-8"?>
+<p:sld xmlns:a="http://schemas.openxmlformats.org/drawingml/2006/main" xmlns:r="http://schemas.openxmlformats.org/officeDocument/2006/relationships" xmlns:p="http://schemas.openxmlformats.org/presentationml/2006/main">
+  <p:cSld>
+    <p:bg>
+      <p:bgPr>
+        <a:gradFill rotWithShape="1">
+          <a:gsLst>
+            <a:gs pos="0">
+              <a:schemeClr val="bg2">
+                <a:tint val="94000"/>
+                <a:satMod val="80000"/>
+                <a:lumMod val="106000"/>
+              </a:schemeClr>
+            </a:gs>
+            <a:gs pos="100000">
+              <a:schemeClr val="bg2">
+                <a:shade val="80000"/>
+              </a:schemeClr>
+            </a:gs>
+          </a:gsLst>
+          <a:path path="circle">
+            <a:fillToRect l="43000" r="43000" b="100000"/>
+          </a:path>
+        </a:gradFill>
+        <a:effectLst/>
+      </p:bgPr>
+    </p:bg>
+    <p:spTree>
+      <p:nvGrpSpPr>
+        <p:cNvPr id="1" name=""/>
+        <p:cNvGrpSpPr/>
+        <p:nvPr/>
+      </p:nvGrpSpPr>
+      <p:grpSpPr>
+        <a:xfrm>
+          <a:off x="0" y="0"/>
+          <a:ext cx="0" cy="0"/>
+          <a:chOff x="0" y="0"/>
+          <a:chExt cx="0" cy="0"/>
+        </a:xfrm>
+      </p:grpSpPr>
+      <p:sp>
+        <p:nvSpPr>
+          <p:cNvPr id="2" name="Title 1">
+            <a:extLst>
+              <a:ext uri="{FF2B5EF4-FFF2-40B4-BE49-F238E27FC236}">
+                <a16:creationId xmlns:a16="http://schemas.microsoft.com/office/drawing/2014/main" id="{F01D79B6-8945-4B13-8E99-94D3944484CC}"/>
+              </a:ext>
+            </a:extLst>
+          </p:cNvPr>
+          <p:cNvSpPr>
+            <a:spLocks noGrp="1"/>
+          </p:cNvSpPr>
+          <p:nvPr>
+            <p:ph type="title"/>
+          </p:nvPr>
+        </p:nvSpPr>
+        <p:spPr>
+          <a:xfrm>
+            <a:off x="1451579" y="804519"/>
+            <a:ext cx="9603275" cy="1049235"/>
+          </a:xfrm>
+        </p:spPr>
+        <p:txBody>
+          <a:bodyPr>
+            <a:normAutofit/>
+          </a:bodyPr>
+          <a:lstStyle/>
+          <a:p>
+            <a:r>
+              <a:rPr lang="en-US" dirty="0"/>
+              <a:t>Machine learning –random forest regressor Model</a:t>
+            </a:r>
+          </a:p>
+        </p:txBody>
+      </p:sp>
+      <p:sp>
+        <p:nvSpPr>
+          <p:cNvPr id="62" name="Content Placeholder 61">
+            <a:extLst>
+              <a:ext uri="{FF2B5EF4-FFF2-40B4-BE49-F238E27FC236}">
+                <a16:creationId xmlns:a16="http://schemas.microsoft.com/office/drawing/2014/main" id="{197D4776-45F9-93C9-A54F-76CB03469F81}"/>
+              </a:ext>
+            </a:extLst>
+          </p:cNvPr>
+          <p:cNvSpPr>
+            <a:spLocks noGrp="1"/>
+          </p:cNvSpPr>
+          <p:nvPr>
+            <p:ph idx="1"/>
+          </p:nvPr>
+        </p:nvSpPr>
+        <p:spPr>
+          <a:xfrm>
+            <a:off x="1451579" y="2015734"/>
+            <a:ext cx="4162555" cy="3450613"/>
+          </a:xfrm>
+        </p:spPr>
+        <p:txBody>
+          <a:bodyPr>
+            <a:normAutofit/>
+          </a:bodyPr>
+          <a:lstStyle/>
+          <a:p>
+            <a:pPr marL="0" indent="0" algn="l">
+              <a:buNone/>
+            </a:pPr>
+            <a:r>
+              <a:rPr lang="en-US" b="0" i="0" dirty="0">
+                <a:solidFill>
+                  <a:srgbClr val="24292F"/>
+                </a:solidFill>
+                <a:effectLst/>
+                <a:latin typeface="-apple-system"/>
+              </a:rPr>
+              <a:t>In the random forest regressor residual plot, the ranges improve by decreasing to a range of negative 2 to 1.5.</a:t>
+            </a:r>
+          </a:p>
+          <a:p>
+            <a:pPr marL="0" indent="0">
+              <a:buNone/>
+            </a:pPr>
+            <a:br>
+              <a:rPr lang="en-US" dirty="0"/>
+            </a:br>
+            <a:endParaRPr lang="en-US" dirty="0"/>
+          </a:p>
+        </p:txBody>
+      </p:sp>
+      <p:pic>
+        <p:nvPicPr>
+          <p:cNvPr id="4" name="Picture 3" descr="Chart, scatter chart&#10;&#10;Description automatically generated">
+            <a:extLst>
+              <a:ext uri="{FF2B5EF4-FFF2-40B4-BE49-F238E27FC236}">
+                <a16:creationId xmlns:a16="http://schemas.microsoft.com/office/drawing/2014/main" id="{74EA0B39-7E39-4FC2-8E61-8E72EA5FA64B}"/>
+              </a:ext>
+            </a:extLst>
+          </p:cNvPr>
+          <p:cNvPicPr>
+            <a:picLocks noChangeAspect="1"/>
+          </p:cNvPicPr>
+          <p:nvPr/>
+        </p:nvPicPr>
+        <p:blipFill>
+          <a:blip r:embed="rId2">
+            <a:extLst>
+              <a:ext uri="{28A0092B-C50C-407E-A947-70E740481C1C}">
+                <a14:useLocalDpi xmlns:a14="http://schemas.microsoft.com/office/drawing/2010/main" val="0"/>
+              </a:ext>
+            </a:extLst>
+          </a:blip>
+          <a:stretch>
+            <a:fillRect/>
+          </a:stretch>
+        </p:blipFill>
+        <p:spPr>
+          <a:xfrm>
+            <a:off x="5496560" y="2015734"/>
+            <a:ext cx="5558295" cy="3623066"/>
+          </a:xfrm>
+          <a:prstGeom prst="rect">
+            <a:avLst/>
+          </a:prstGeom>
+        </p:spPr>
+      </p:pic>
+    </p:spTree>
+    <p:extLst>
+      <p:ext uri="{BB962C8B-B14F-4D97-AF65-F5344CB8AC3E}">
+        <p14:creationId xmlns:p14="http://schemas.microsoft.com/office/powerpoint/2010/main" val="1814485948"/>
+      </p:ext>
+    </p:extLst>
+  </p:cSld>
+  <p:clrMapOvr>
+    <a:masterClrMapping/>
+  </p:clrMapOvr>
+</p:sld>
+</file>
+
+<file path=ppt/slides/slide15.xml><?xml version="1.0" encoding="utf-8"?>
+<p:sld xmlns:a="http://schemas.openxmlformats.org/drawingml/2006/main" xmlns:r="http://schemas.openxmlformats.org/officeDocument/2006/relationships" xmlns:p="http://schemas.openxmlformats.org/presentationml/2006/main">
+  <p:cSld>
+    <p:bg>
+      <p:bgPr>
+        <a:gradFill rotWithShape="1">
+          <a:gsLst>
+            <a:gs pos="0">
+              <a:schemeClr val="bg1">
+                <a:tint val="94000"/>
+                <a:satMod val="80000"/>
+                <a:lumMod val="106000"/>
+              </a:schemeClr>
+            </a:gs>
+            <a:gs pos="100000">
+              <a:schemeClr val="bg1">
+                <a:shade val="80000"/>
+              </a:schemeClr>
+            </a:gs>
+          </a:gsLst>
+          <a:path path="circle">
+            <a:fillToRect l="50000" t="50000" r="50000" b="50000"/>
+          </a:path>
+        </a:gradFill>
+        <a:effectLst/>
+      </p:bgPr>
+    </p:bg>
+    <p:spTree>
+      <p:nvGrpSpPr>
+        <p:cNvPr id="1" name=""/>
+        <p:cNvGrpSpPr/>
+        <p:nvPr/>
+      </p:nvGrpSpPr>
+      <p:grpSpPr>
+        <a:xfrm>
+          <a:off x="0" y="0"/>
+          <a:ext cx="0" cy="0"/>
+          <a:chOff x="0" y="0"/>
+          <a:chExt cx="0" cy="0"/>
+        </a:xfrm>
+      </p:grpSpPr>
+      <p:sp>
+        <p:nvSpPr>
+          <p:cNvPr id="7" name="Rectangle 6">
+            <a:extLst>
+              <a:ext uri="{FF2B5EF4-FFF2-40B4-BE49-F238E27FC236}">
+                <a16:creationId xmlns:a16="http://schemas.microsoft.com/office/drawing/2014/main" id="{23522FE7-5A29-4EF6-B1EF-2CA55748A772}"/>
+              </a:ext>
+              <a:ext uri="{C183D7F6-B498-43B3-948B-1728B52AA6E4}">
+                <adec:decorative xmlns:adec="http://schemas.microsoft.com/office/drawing/2017/decorative" val="1"/>
+              </a:ext>
+            </a:extLst>
+          </p:cNvPr>
+          <p:cNvSpPr>
+            <a:spLocks noGrp="1" noRot="1" noChangeAspect="1" noMove="1" noResize="1" noEditPoints="1" noAdjustHandles="1" noChangeArrowheads="1" noChangeShapeType="1" noTextEdit="1"/>
+          </p:cNvSpPr>
+          <p:nvPr>
+            <p:extLst>
+              <p:ext uri="{386F3935-93C4-4BCD-93E2-E3B085C9AB24}">
+                <p16:designElem xmlns:p16="http://schemas.microsoft.com/office/powerpoint/2015/main" val="1"/>
+              </p:ext>
+            </p:extLst>
+          </p:nvPr>
+        </p:nvSpPr>
+        <p:spPr>
+          <a:xfrm>
+            <a:off x="0" y="2019476"/>
+            <a:ext cx="12192000" cy="4105941"/>
+          </a:xfrm>
+          <a:prstGeom prst="rect">
+            <a:avLst/>
+          </a:prstGeom>
+          <a:gradFill flip="none" rotWithShape="1">
+            <a:gsLst>
+              <a:gs pos="0">
+                <a:schemeClr val="bg2">
+                  <a:alpha val="0"/>
+                </a:schemeClr>
+              </a:gs>
+              <a:gs pos="100000">
+                <a:schemeClr val="bg2"/>
+              </a:gs>
+            </a:gsLst>
+            <a:lin ang="5400000" scaled="0"/>
+            <a:tileRect/>
+          </a:gradFill>
+          <a:ln>
+            <a:noFill/>
+          </a:ln>
+        </p:spPr>
+        <p:style>
+          <a:lnRef idx="2">
+            <a:schemeClr val="accent1">
+              <a:shade val="50000"/>
+            </a:schemeClr>
+          </a:lnRef>
+          <a:fillRef idx="1">
+            <a:schemeClr val="accent1"/>
+          </a:fillRef>
+          <a:effectRef idx="0">
+            <a:schemeClr val="accent1"/>
+          </a:effectRef>
+          <a:fontRef idx="minor">
+            <a:schemeClr val="lt1"/>
+          </a:fontRef>
+        </p:style>
+      </p:sp>
+      <p:pic>
+        <p:nvPicPr>
+          <p:cNvPr id="9" name="Picture 8">
+            <a:extLst>
+              <a:ext uri="{FF2B5EF4-FFF2-40B4-BE49-F238E27FC236}">
+                <a16:creationId xmlns:a16="http://schemas.microsoft.com/office/drawing/2014/main" id="{C2192E09-EBC7-416C-B887-DFF915D7F43D}"/>
+              </a:ext>
+              <a:ext uri="{C183D7F6-B498-43B3-948B-1728B52AA6E4}">
+                <adec:decorative xmlns:adec="http://schemas.microsoft.com/office/drawing/2017/decorative" val="1"/>
+              </a:ext>
+            </a:extLst>
+          </p:cNvPr>
+          <p:cNvPicPr>
+            <a:picLocks noGrp="1" noRot="1" noChangeAspect="1" noMove="1" noResize="1" noEditPoints="1" noAdjustHandles="1" noChangeArrowheads="1" noChangeShapeType="1" noCrop="1"/>
+          </p:cNvPicPr>
+          <p:nvPr>
+            <p:extLst>
+              <p:ext uri="{386F3935-93C4-4BCD-93E2-E3B085C9AB24}">
+                <p16:designElem xmlns:p16="http://schemas.microsoft.com/office/powerpoint/2015/main" val="1"/>
+              </p:ext>
+            </p:extLst>
+          </p:nvPr>
+        </p:nvPicPr>
+        <p:blipFill rotWithShape="1">
+          <a:blip r:embed="rId2">
+            <a:extLst>
+              <a:ext uri="{28A0092B-C50C-407E-A947-70E740481C1C}">
+                <a14:useLocalDpi xmlns:a14="http://schemas.microsoft.com/office/drawing/2010/main" val="0"/>
+              </a:ext>
+            </a:extLst>
+          </a:blip>
+          <a:srcRect t="1538" b="-1538"/>
+          <a:stretch/>
+        </p:blipFill>
+        <p:spPr bwMode="black">
+          <a:xfrm>
+            <a:off x="0" y="6126480"/>
+            <a:ext cx="12192000" cy="742950"/>
+          </a:xfrm>
+          <a:prstGeom prst="rect">
+            <a:avLst/>
+          </a:prstGeom>
+        </p:spPr>
+      </p:pic>
+      <p:cxnSp>
+        <p:nvCxnSpPr>
+          <p:cNvPr id="11" name="Straight Connector 10">
+            <a:extLst>
+              <a:ext uri="{FF2B5EF4-FFF2-40B4-BE49-F238E27FC236}">
+                <a16:creationId xmlns:a16="http://schemas.microsoft.com/office/drawing/2014/main" id="{2924498D-E084-44BE-A196-CFCE35564350}"/>
+              </a:ext>
+              <a:ext uri="{C183D7F6-B498-43B3-948B-1728B52AA6E4}">
+                <adec:decorative xmlns:adec="http://schemas.microsoft.com/office/drawing/2017/decorative" val="1"/>
+              </a:ext>
+            </a:extLst>
+          </p:cNvPr>
+          <p:cNvCxnSpPr>
+            <a:cxnSpLocks noGrp="1" noRot="1" noChangeAspect="1" noMove="1" noResize="1" noEditPoints="1" noAdjustHandles="1" noChangeArrowheads="1" noChangeShapeType="1"/>
+          </p:cNvCxnSpPr>
+          <p:nvPr>
+            <p:extLst>
+              <p:ext uri="{386F3935-93C4-4BCD-93E2-E3B085C9AB24}">
+                <p16:designElem xmlns:p16="http://schemas.microsoft.com/office/powerpoint/2015/main" val="1"/>
+              </p:ext>
+            </p:extLst>
+          </p:nvPr>
+        </p:nvCxnSpPr>
+        <p:spPr>
+          <a:xfrm>
+            <a:off x="0" y="6128413"/>
+            <a:ext cx="12192000" cy="0"/>
+          </a:xfrm>
+          <a:prstGeom prst="line">
+            <a:avLst/>
+          </a:prstGeom>
+          <a:ln w="12700">
+            <a:solidFill>
+              <a:srgbClr val="000001">
+                <a:alpha val="20000"/>
+              </a:srgbClr>
+            </a:solidFill>
+          </a:ln>
+        </p:spPr>
+        <p:style>
+          <a:lnRef idx="1">
+            <a:schemeClr val="accent1"/>
+          </a:lnRef>
+          <a:fillRef idx="0">
+            <a:schemeClr val="accent1"/>
+          </a:fillRef>
+          <a:effectRef idx="0">
+            <a:schemeClr val="accent1"/>
+          </a:effectRef>
+          <a:fontRef idx="minor">
+            <a:schemeClr val="tx1"/>
+          </a:fontRef>
+        </p:style>
+      </p:cxnSp>
+      <p:cxnSp>
+        <p:nvCxnSpPr>
+          <p:cNvPr id="13" name="Straight Connector 12">
+            <a:extLst>
+              <a:ext uri="{FF2B5EF4-FFF2-40B4-BE49-F238E27FC236}">
+                <a16:creationId xmlns:a16="http://schemas.microsoft.com/office/drawing/2014/main" id="{3BBC7667-C352-4842-9AFD-E5C16AD002F4}"/>
+              </a:ext>
+              <a:ext uri="{C183D7F6-B498-43B3-948B-1728B52AA6E4}">
+                <adec:decorative xmlns:adec="http://schemas.microsoft.com/office/drawing/2017/decorative" val="1"/>
+              </a:ext>
+            </a:extLst>
+          </p:cNvPr>
+          <p:cNvCxnSpPr>
+            <a:cxnSpLocks noGrp="1" noRot="1" noChangeAspect="1" noMove="1" noResize="1" noEditPoints="1" noAdjustHandles="1" noChangeArrowheads="1" noChangeShapeType="1"/>
+          </p:cNvCxnSpPr>
+          <p:nvPr>
+            <p:extLst>
+              <p:ext uri="{386F3935-93C4-4BCD-93E2-E3B085C9AB24}">
+                <p16:designElem xmlns:p16="http://schemas.microsoft.com/office/powerpoint/2015/main" val="1"/>
+              </p:ext>
+            </p:extLst>
+          </p:nvPr>
+        </p:nvCxnSpPr>
+        <p:spPr>
+          <a:xfrm>
+            <a:off x="2417780" y="3528542"/>
+            <a:ext cx="8637072" cy="0"/>
+          </a:xfrm>
+          <a:prstGeom prst="line">
+            <a:avLst/>
+          </a:prstGeom>
+          <a:ln w="31750"/>
+        </p:spPr>
+        <p:style>
+          <a:lnRef idx="3">
+            <a:schemeClr val="accent1"/>
+          </a:lnRef>
+          <a:fillRef idx="0">
+            <a:schemeClr val="accent1"/>
+          </a:fillRef>
+          <a:effectRef idx="2">
+            <a:schemeClr val="accent1"/>
+          </a:effectRef>
+          <a:fontRef idx="minor">
+            <a:schemeClr val="tx1"/>
+          </a:fontRef>
+        </p:style>
+      </p:cxnSp>
+      <p:sp useBgFill="1">
+        <p:nvSpPr>
+          <p:cNvPr id="15" name="Rectangle 14">
+            <a:extLst>
+              <a:ext uri="{FF2B5EF4-FFF2-40B4-BE49-F238E27FC236}">
+                <a16:creationId xmlns:a16="http://schemas.microsoft.com/office/drawing/2014/main" id="{F0AB17F6-592B-45CB-96F6-705C9825AFBC}"/>
+              </a:ext>
+              <a:ext uri="{C183D7F6-B498-43B3-948B-1728B52AA6E4}">
+                <adec:decorative xmlns:adec="http://schemas.microsoft.com/office/drawing/2017/decorative" val="1"/>
+              </a:ext>
+            </a:extLst>
+          </p:cNvPr>
+          <p:cNvSpPr>
+            <a:spLocks noGrp="1" noRot="1" noChangeAspect="1" noMove="1" noResize="1" noEditPoints="1" noAdjustHandles="1" noChangeArrowheads="1" noChangeShapeType="1" noTextEdit="1"/>
+          </p:cNvSpPr>
+          <p:nvPr>
+            <p:extLst>
+              <p:ext uri="{386F3935-93C4-4BCD-93E2-E3B085C9AB24}">
+                <p16:designElem xmlns:p16="http://schemas.microsoft.com/office/powerpoint/2015/main" val="1"/>
+              </p:ext>
+            </p:extLst>
+          </p:nvPr>
+        </p:nvSpPr>
+        <p:spPr>
+          <a:xfrm>
+            <a:off x="2" y="0"/>
+            <a:ext cx="12191695" cy="6858000"/>
+          </a:xfrm>
+          <a:prstGeom prst="rect">
+            <a:avLst/>
+          </a:prstGeom>
+          <a:ln>
+            <a:noFill/>
+          </a:ln>
+        </p:spPr>
+        <p:style>
+          <a:lnRef idx="2">
+            <a:schemeClr val="accent1">
+              <a:shade val="50000"/>
+            </a:schemeClr>
+          </a:lnRef>
+          <a:fillRef idx="1">
+            <a:schemeClr val="accent1"/>
+          </a:fillRef>
+          <a:effectRef idx="0">
+            <a:schemeClr val="accent1"/>
+          </a:effectRef>
+          <a:fontRef idx="minor">
+            <a:schemeClr val="lt1"/>
+          </a:fontRef>
+        </p:style>
+        <p:txBody>
+          <a:bodyPr rtlCol="0" anchor="ctr"/>
+          <a:lstStyle/>
+          <a:p>
+            <a:pPr algn="ctr"/>
+            <a:endParaRPr lang="en-US"/>
+          </a:p>
+        </p:txBody>
+      </p:sp>
+      <p:sp>
+        <p:nvSpPr>
+          <p:cNvPr id="2" name="Title 1">
+            <a:extLst>
+              <a:ext uri="{FF2B5EF4-FFF2-40B4-BE49-F238E27FC236}">
+                <a16:creationId xmlns:a16="http://schemas.microsoft.com/office/drawing/2014/main" id="{6FC29038-DDBC-4BFF-89F4-CE1EC9E6EEB3}"/>
+              </a:ext>
+            </a:extLst>
+          </p:cNvPr>
+          <p:cNvSpPr>
+            <a:spLocks noGrp="1"/>
+          </p:cNvSpPr>
+          <p:nvPr>
+            <p:ph type="title"/>
+          </p:nvPr>
+        </p:nvSpPr>
+        <p:spPr>
+          <a:xfrm>
+            <a:off x="4750904" y="802298"/>
+            <a:ext cx="6639329" cy="5116985"/>
+          </a:xfrm>
+        </p:spPr>
+        <p:txBody>
+          <a:bodyPr vert="horz" lIns="91440" tIns="45720" rIns="91440" bIns="0" rtlCol="0" anchor="ctr">
+            <a:normAutofit/>
+          </a:bodyPr>
+          <a:lstStyle/>
+          <a:p>
+            <a:pPr marL="1143000" indent="-1143000"/>
+            <a:r>
+              <a:rPr lang="en-US" sz="6600" dirty="0"/>
+              <a:t>7. </a:t>
+            </a:r>
+            <a:r>
+              <a:rPr lang="en-US" sz="5600" dirty="0"/>
+              <a:t>Applied technologies</a:t>
+            </a:r>
+          </a:p>
+        </p:txBody>
+      </p:sp>
+      <p:cxnSp>
+        <p:nvCxnSpPr>
+          <p:cNvPr id="17" name="Straight Connector 16">
+            <a:extLst>
+              <a:ext uri="{FF2B5EF4-FFF2-40B4-BE49-F238E27FC236}">
+                <a16:creationId xmlns:a16="http://schemas.microsoft.com/office/drawing/2014/main" id="{5A9284E7-0823-472D-9963-18D89DFEB8B4}"/>
+              </a:ext>
+              <a:ext uri="{C183D7F6-B498-43B3-948B-1728B52AA6E4}">
+                <adec:decorative xmlns:adec="http://schemas.microsoft.com/office/drawing/2017/decorative" val="1"/>
+              </a:ext>
+            </a:extLst>
+          </p:cNvPr>
+          <p:cNvCxnSpPr>
+            <a:cxnSpLocks noGrp="1" noRot="1" noChangeAspect="1" noMove="1" noResize="1" noEditPoints="1" noAdjustHandles="1" noChangeArrowheads="1" noChangeShapeType="1"/>
+          </p:cNvCxnSpPr>
+          <p:nvPr>
+            <p:extLst>
+              <p:ext uri="{386F3935-93C4-4BCD-93E2-E3B085C9AB24}">
+                <p16:designElem xmlns:p16="http://schemas.microsoft.com/office/powerpoint/2015/main" val="1"/>
+              </p:ext>
+            </p:extLst>
+          </p:nvPr>
+        </p:nvCxnSpPr>
+        <p:spPr>
+          <a:xfrm>
+            <a:off x="4654296" y="1760590"/>
+            <a:ext cx="0" cy="3200400"/>
+          </a:xfrm>
+          <a:prstGeom prst="line">
+            <a:avLst/>
+          </a:prstGeom>
+          <a:ln w="34925"/>
+        </p:spPr>
+        <p:style>
+          <a:lnRef idx="1">
+            <a:schemeClr val="accent1"/>
+          </a:lnRef>
+          <a:fillRef idx="0">
+            <a:schemeClr val="accent1"/>
+          </a:fillRef>
+          <a:effectRef idx="0">
+            <a:schemeClr val="accent1"/>
+          </a:effectRef>
+          <a:fontRef idx="minor">
+            <a:schemeClr val="tx1"/>
+          </a:fontRef>
+        </p:style>
+      </p:cxnSp>
+    </p:spTree>
+    <p:extLst>
+      <p:ext uri="{BB962C8B-B14F-4D97-AF65-F5344CB8AC3E}">
+        <p14:creationId xmlns:p14="http://schemas.microsoft.com/office/powerpoint/2010/main" val="259698725"/>
+      </p:ext>
+    </p:extLst>
+  </p:cSld>
+  <p:clrMapOvr>
+    <a:overrideClrMapping bg1="dk1" tx1="lt1" bg2="dk2" tx2="lt2" accent1="accent1" accent2="accent2" accent3="accent3" accent4="accent4" accent5="accent5" accent6="accent6" hlink="hlink" folHlink="folHlink"/>
+  </p:clrMapOvr>
+</p:sld>
+</file>
+
+<file path=ppt/slides/slide16.xml><?xml version="1.0" encoding="utf-8"?>
+<p:sld xmlns:a="http://schemas.openxmlformats.org/drawingml/2006/main" xmlns:r="http://schemas.openxmlformats.org/officeDocument/2006/relationships" xmlns:p="http://schemas.openxmlformats.org/presentationml/2006/main">
+  <p:cSld>
+    <p:bg>
+      <p:bgPr>
+        <a:gradFill rotWithShape="1">
+          <a:gsLst>
+            <a:gs pos="0">
+              <a:schemeClr val="bg2">
+                <a:tint val="94000"/>
+                <a:satMod val="80000"/>
+                <a:lumMod val="106000"/>
+              </a:schemeClr>
+            </a:gs>
+            <a:gs pos="100000">
+              <a:schemeClr val="bg2">
+                <a:shade val="80000"/>
+              </a:schemeClr>
+            </a:gs>
+          </a:gsLst>
+          <a:path path="circle">
+            <a:fillToRect l="43000" r="43000" b="100000"/>
+          </a:path>
+        </a:gradFill>
+        <a:effectLst/>
+      </p:bgPr>
+    </p:bg>
+    <p:spTree>
+      <p:nvGrpSpPr>
+        <p:cNvPr id="1" name=""/>
+        <p:cNvGrpSpPr/>
+        <p:nvPr/>
+      </p:nvGrpSpPr>
+      <p:grpSpPr>
+        <a:xfrm>
+          <a:off x="0" y="0"/>
+          <a:ext cx="0" cy="0"/>
+          <a:chOff x="0" y="0"/>
+          <a:chExt cx="0" cy="0"/>
+        </a:xfrm>
+      </p:grpSpPr>
+      <p:sp>
+        <p:nvSpPr>
+          <p:cNvPr id="64" name="Rectangle 63">
+            <a:extLst>
+              <a:ext uri="{FF2B5EF4-FFF2-40B4-BE49-F238E27FC236}">
+                <a16:creationId xmlns:a16="http://schemas.microsoft.com/office/drawing/2014/main" id="{84C75E2B-CACA-478C-B26B-182AF87A18E3}"/>
+              </a:ext>
+              <a:ext uri="{C183D7F6-B498-43B3-948B-1728B52AA6E4}">
+                <adec:decorative xmlns:adec="http://schemas.microsoft.com/office/drawing/2017/decorative" val="1"/>
+              </a:ext>
+            </a:extLst>
+          </p:cNvPr>
+          <p:cNvSpPr>
+            <a:spLocks noGrp="1" noRot="1" noChangeAspect="1" noMove="1" noResize="1" noEditPoints="1" noAdjustHandles="1" noChangeArrowheads="1" noChangeShapeType="1" noTextEdit="1"/>
+          </p:cNvSpPr>
+          <p:nvPr>
+            <p:extLst>
+              <p:ext uri="{386F3935-93C4-4BCD-93E2-E3B085C9AB24}">
+                <p16:designElem xmlns:p16="http://schemas.microsoft.com/office/powerpoint/2015/main" val="1"/>
+              </p:ext>
+            </p:extLst>
+          </p:nvPr>
+        </p:nvSpPr>
+        <p:spPr>
+          <a:xfrm>
+            <a:off x="0" y="2019476"/>
+            <a:ext cx="12192000" cy="4105941"/>
+          </a:xfrm>
+          <a:prstGeom prst="rect">
+            <a:avLst/>
+          </a:prstGeom>
+          <a:gradFill flip="none" rotWithShape="1">
+            <a:gsLst>
+              <a:gs pos="0">
+                <a:schemeClr val="bg2">
+                  <a:alpha val="0"/>
+                </a:schemeClr>
+              </a:gs>
+              <a:gs pos="100000">
+                <a:schemeClr val="bg2"/>
+              </a:gs>
+            </a:gsLst>
+            <a:lin ang="5400000" scaled="0"/>
+            <a:tileRect/>
+          </a:gradFill>
+          <a:ln>
+            <a:noFill/>
+          </a:ln>
+        </p:spPr>
+        <p:style>
+          <a:lnRef idx="2">
+            <a:schemeClr val="accent1">
+              <a:shade val="50000"/>
+            </a:schemeClr>
+          </a:lnRef>
+          <a:fillRef idx="1">
+            <a:schemeClr val="accent1"/>
+          </a:fillRef>
+          <a:effectRef idx="0">
+            <a:schemeClr val="accent1"/>
+          </a:effectRef>
+          <a:fontRef idx="minor">
+            <a:schemeClr val="lt1"/>
+          </a:fontRef>
+        </p:style>
+      </p:sp>
+      <p:pic>
+        <p:nvPicPr>
+          <p:cNvPr id="66" name="Picture 65">
+            <a:extLst>
+              <a:ext uri="{FF2B5EF4-FFF2-40B4-BE49-F238E27FC236}">
+                <a16:creationId xmlns:a16="http://schemas.microsoft.com/office/drawing/2014/main" id="{50FF2874-547C-4D14-9E18-28B19002FB8C}"/>
+              </a:ext>
+              <a:ext uri="{C183D7F6-B498-43B3-948B-1728B52AA6E4}">
+                <adec:decorative xmlns:adec="http://schemas.microsoft.com/office/drawing/2017/decorative" val="1"/>
+              </a:ext>
+            </a:extLst>
+          </p:cNvPr>
+          <p:cNvPicPr>
+            <a:picLocks noGrp="1" noRot="1" noChangeAspect="1" noMove="1" noResize="1" noEditPoints="1" noAdjustHandles="1" noChangeArrowheads="1" noChangeShapeType="1" noCrop="1"/>
+          </p:cNvPicPr>
+          <p:nvPr>
+            <p:extLst>
+              <p:ext uri="{386F3935-93C4-4BCD-93E2-E3B085C9AB24}">
+                <p16:designElem xmlns:p16="http://schemas.microsoft.com/office/powerpoint/2015/main" val="1"/>
+              </p:ext>
+            </p:extLst>
+          </p:nvPr>
+        </p:nvPicPr>
+        <p:blipFill rotWithShape="1">
+          <a:blip r:embed="rId2">
+            <a:extLst>
+              <a:ext uri="{28A0092B-C50C-407E-A947-70E740481C1C}">
+                <a14:useLocalDpi xmlns:a14="http://schemas.microsoft.com/office/drawing/2010/main" val="0"/>
+              </a:ext>
+            </a:extLst>
+          </a:blip>
+          <a:srcRect t="1538" b="-1538"/>
+          <a:stretch/>
+        </p:blipFill>
+        <p:spPr bwMode="black">
+          <a:xfrm>
+            <a:off x="0" y="6126480"/>
+            <a:ext cx="12192000" cy="742950"/>
+          </a:xfrm>
+          <a:prstGeom prst="rect">
+            <a:avLst/>
+          </a:prstGeom>
+        </p:spPr>
+      </p:pic>
+      <p:cxnSp>
+        <p:nvCxnSpPr>
+          <p:cNvPr id="68" name="Straight Connector 67">
+            <a:extLst>
+              <a:ext uri="{FF2B5EF4-FFF2-40B4-BE49-F238E27FC236}">
+                <a16:creationId xmlns:a16="http://schemas.microsoft.com/office/drawing/2014/main" id="{36CF827D-A163-47F7-BD87-34EB4FA7D696}"/>
+              </a:ext>
+              <a:ext uri="{C183D7F6-B498-43B3-948B-1728B52AA6E4}">
+                <adec:decorative xmlns:adec="http://schemas.microsoft.com/office/drawing/2017/decorative" val="1"/>
+              </a:ext>
+            </a:extLst>
+          </p:cNvPr>
+          <p:cNvCxnSpPr>
+            <a:cxnSpLocks noGrp="1" noRot="1" noChangeAspect="1" noMove="1" noResize="1" noEditPoints="1" noAdjustHandles="1" noChangeArrowheads="1" noChangeShapeType="1"/>
+          </p:cNvCxnSpPr>
+          <p:nvPr>
+            <p:extLst>
+              <p:ext uri="{386F3935-93C4-4BCD-93E2-E3B085C9AB24}">
+                <p16:designElem xmlns:p16="http://schemas.microsoft.com/office/powerpoint/2015/main" val="1"/>
+              </p:ext>
+            </p:extLst>
+          </p:nvPr>
+        </p:nvCxnSpPr>
+        <p:spPr>
+          <a:xfrm>
+            <a:off x="0" y="6128413"/>
+            <a:ext cx="12192000" cy="0"/>
+          </a:xfrm>
+          <a:prstGeom prst="line">
+            <a:avLst/>
+          </a:prstGeom>
+          <a:ln w="12700">
+            <a:solidFill>
+              <a:srgbClr val="000001">
+                <a:alpha val="20000"/>
+              </a:srgbClr>
+            </a:solidFill>
+          </a:ln>
+        </p:spPr>
+        <p:style>
+          <a:lnRef idx="1">
+            <a:schemeClr val="accent1"/>
+          </a:lnRef>
+          <a:fillRef idx="0">
+            <a:schemeClr val="accent1"/>
+          </a:fillRef>
+          <a:effectRef idx="0">
+            <a:schemeClr val="accent1"/>
+          </a:effectRef>
+          <a:fontRef idx="minor">
+            <a:schemeClr val="tx1"/>
+          </a:fontRef>
+        </p:style>
+      </p:cxnSp>
+      <p:cxnSp>
+        <p:nvCxnSpPr>
+          <p:cNvPr id="70" name="Straight Connector 69">
+            <a:extLst>
+              <a:ext uri="{FF2B5EF4-FFF2-40B4-BE49-F238E27FC236}">
+                <a16:creationId xmlns:a16="http://schemas.microsoft.com/office/drawing/2014/main" id="{D299D9A9-1DA8-433D-A9BC-FB48D93D4217}"/>
+              </a:ext>
+              <a:ext uri="{C183D7F6-B498-43B3-948B-1728B52AA6E4}">
+                <adec:decorative xmlns:adec="http://schemas.microsoft.com/office/drawing/2017/decorative" val="1"/>
+              </a:ext>
+            </a:extLst>
+          </p:cNvPr>
+          <p:cNvCxnSpPr>
+            <a:cxnSpLocks noGrp="1" noRot="1" noChangeAspect="1" noMove="1" noResize="1" noEditPoints="1" noAdjustHandles="1" noChangeArrowheads="1" noChangeShapeType="1"/>
+          </p:cNvCxnSpPr>
+          <p:nvPr>
+            <p:extLst>
+              <p:ext uri="{386F3935-93C4-4BCD-93E2-E3B085C9AB24}">
+                <p16:designElem xmlns:p16="http://schemas.microsoft.com/office/powerpoint/2015/main" val="1"/>
+              </p:ext>
+            </p:extLst>
+          </p:nvPr>
+        </p:nvCxnSpPr>
+        <p:spPr>
+          <a:xfrm>
+            <a:off x="1453896" y="1847088"/>
+            <a:ext cx="9607522" cy="0"/>
+          </a:xfrm>
+          <a:prstGeom prst="line">
+            <a:avLst/>
+          </a:prstGeom>
+          <a:ln w="31750"/>
+        </p:spPr>
+        <p:style>
+          <a:lnRef idx="3">
+            <a:schemeClr val="accent1"/>
+          </a:lnRef>
+          <a:fillRef idx="0">
+            <a:schemeClr val="accent1"/>
+          </a:fillRef>
+          <a:effectRef idx="2">
+            <a:schemeClr val="accent1"/>
+          </a:effectRef>
+          <a:fontRef idx="minor">
+            <a:schemeClr val="tx1"/>
+          </a:fontRef>
+        </p:style>
+      </p:cxnSp>
+      <p:sp useBgFill="1">
+        <p:nvSpPr>
+          <p:cNvPr id="72" name="Rectangle 71">
+            <a:extLst>
+              <a:ext uri="{FF2B5EF4-FFF2-40B4-BE49-F238E27FC236}">
+                <a16:creationId xmlns:a16="http://schemas.microsoft.com/office/drawing/2014/main" id="{593D0D1F-C0CE-416A-883C-BF1E03F63B4B}"/>
+              </a:ext>
+              <a:ext uri="{C183D7F6-B498-43B3-948B-1728B52AA6E4}">
+                <adec:decorative xmlns:adec="http://schemas.microsoft.com/office/drawing/2017/decorative" val="1"/>
+              </a:ext>
+            </a:extLst>
+          </p:cNvPr>
+          <p:cNvSpPr>
+            <a:spLocks noGrp="1" noRot="1" noChangeAspect="1" noMove="1" noResize="1" noEditPoints="1" noAdjustHandles="1" noChangeArrowheads="1" noChangeShapeType="1" noTextEdit="1"/>
+          </p:cNvSpPr>
+          <p:nvPr>
+            <p:extLst>
+              <p:ext uri="{386F3935-93C4-4BCD-93E2-E3B085C9AB24}">
+                <p16:designElem xmlns:p16="http://schemas.microsoft.com/office/powerpoint/2015/main" val="1"/>
+              </p:ext>
+            </p:extLst>
+          </p:nvPr>
+        </p:nvSpPr>
+        <p:spPr>
+          <a:xfrm>
+            <a:off x="2" y="0"/>
+            <a:ext cx="12191695" cy="6858000"/>
+          </a:xfrm>
+          <a:prstGeom prst="rect">
+            <a:avLst/>
+          </a:prstGeom>
+          <a:ln>
+            <a:noFill/>
+          </a:ln>
+        </p:spPr>
+        <p:style>
+          <a:lnRef idx="2">
+            <a:schemeClr val="accent1">
+              <a:shade val="50000"/>
+            </a:schemeClr>
+          </a:lnRef>
+          <a:fillRef idx="1">
+            <a:schemeClr val="accent1"/>
+          </a:fillRef>
+          <a:effectRef idx="0">
+            <a:schemeClr val="accent1"/>
+          </a:effectRef>
+          <a:fontRef idx="minor">
+            <a:schemeClr val="lt1"/>
+          </a:fontRef>
+        </p:style>
+        <p:txBody>
+          <a:bodyPr rtlCol="0" anchor="ctr"/>
+          <a:lstStyle/>
+          <a:p>
+            <a:pPr algn="ctr"/>
+            <a:endParaRPr lang="en-US"/>
+          </a:p>
+        </p:txBody>
+      </p:sp>
+      <p:sp>
+        <p:nvSpPr>
+          <p:cNvPr id="74" name="Rectangle 73">
+            <a:extLst>
+              <a:ext uri="{FF2B5EF4-FFF2-40B4-BE49-F238E27FC236}">
+                <a16:creationId xmlns:a16="http://schemas.microsoft.com/office/drawing/2014/main" id="{94BB6862-3393-46CC-9A80-E400B3206A09}"/>
+              </a:ext>
+              <a:ext uri="{C183D7F6-B498-43B3-948B-1728B52AA6E4}">
+                <adec:decorative xmlns:adec="http://schemas.microsoft.com/office/drawing/2017/decorative" val="1"/>
+              </a:ext>
+            </a:extLst>
+          </p:cNvPr>
+          <p:cNvSpPr>
+            <a:spLocks noGrp="1" noRot="1" noChangeAspect="1" noMove="1" noResize="1" noEditPoints="1" noAdjustHandles="1" noChangeArrowheads="1" noChangeShapeType="1" noTextEdit="1"/>
+          </p:cNvSpPr>
+          <p:nvPr>
+            <p:extLst>
+              <p:ext uri="{386F3935-93C4-4BCD-93E2-E3B085C9AB24}">
+                <p16:designElem xmlns:p16="http://schemas.microsoft.com/office/powerpoint/2015/main" val="1"/>
+              </p:ext>
+            </p:extLst>
+          </p:nvPr>
+        </p:nvSpPr>
+        <p:spPr>
+          <a:xfrm>
+            <a:off x="0" y="2019476"/>
+            <a:ext cx="12192000" cy="4105941"/>
+          </a:xfrm>
+          <a:prstGeom prst="rect">
+            <a:avLst/>
+          </a:prstGeom>
+          <a:gradFill flip="none" rotWithShape="1">
+            <a:gsLst>
+              <a:gs pos="0">
+                <a:schemeClr val="bg2">
+                  <a:alpha val="0"/>
+                </a:schemeClr>
+              </a:gs>
+              <a:gs pos="100000">
+                <a:schemeClr val="bg2"/>
+              </a:gs>
+            </a:gsLst>
+            <a:lin ang="5400000" scaled="0"/>
+            <a:tileRect/>
+          </a:gradFill>
+          <a:ln>
+            <a:noFill/>
+          </a:ln>
+        </p:spPr>
+        <p:style>
+          <a:lnRef idx="2">
+            <a:schemeClr val="accent1">
+              <a:shade val="50000"/>
+            </a:schemeClr>
+          </a:lnRef>
+          <a:fillRef idx="1">
+            <a:schemeClr val="accent1"/>
+          </a:fillRef>
+          <a:effectRef idx="0">
+            <a:schemeClr val="accent1"/>
+          </a:effectRef>
+          <a:fontRef idx="minor">
+            <a:schemeClr val="lt1"/>
+          </a:fontRef>
+        </p:style>
+        <p:txBody>
+          <a:bodyPr rtlCol="0" anchor="ctr"/>
+          <a:lstStyle/>
+          <a:p>
+            <a:pPr lvl="0" algn="ctr"/>
+            <a:endParaRPr lang="en-US"/>
+          </a:p>
+        </p:txBody>
+      </p:sp>
+      <p:sp>
+        <p:nvSpPr>
+          <p:cNvPr id="2" name="Title 1">
+            <a:extLst>
+              <a:ext uri="{FF2B5EF4-FFF2-40B4-BE49-F238E27FC236}">
+                <a16:creationId xmlns:a16="http://schemas.microsoft.com/office/drawing/2014/main" id="{9C888BC2-5FB8-4A00-9D2C-ABE5250D796C}"/>
+              </a:ext>
+            </a:extLst>
+          </p:cNvPr>
+          <p:cNvSpPr>
+            <a:spLocks noGrp="1"/>
+          </p:cNvSpPr>
+          <p:nvPr>
+            <p:ph type="title"/>
+          </p:nvPr>
+        </p:nvSpPr>
+        <p:spPr>
+          <a:xfrm>
+            <a:off x="661251" y="1474970"/>
+            <a:ext cx="2821967" cy="3144914"/>
+          </a:xfrm>
+        </p:spPr>
+        <p:txBody>
+          <a:bodyPr vert="horz" lIns="91440" tIns="45720" rIns="91440" bIns="45720" rtlCol="0" anchor="ctr">
+            <a:normAutofit/>
+          </a:bodyPr>
+          <a:lstStyle/>
+          <a:p>
+            <a:r>
+              <a:rPr lang="en-US" sz="2200"/>
+              <a:t>Technologies, languages, tools, and algorithms used throughout the project</a:t>
+            </a:r>
+            <a:br>
+              <a:rPr lang="en-US" sz="2200"/>
+            </a:br>
+            <a:br>
+              <a:rPr lang="en-US" sz="2200"/>
+            </a:br>
+            <a:endParaRPr lang="en-US" sz="2200"/>
+          </a:p>
+        </p:txBody>
+      </p:sp>
+      <p:grpSp>
+        <p:nvGrpSpPr>
+          <p:cNvPr id="76" name="Group 75">
+            <a:extLst>
+              <a:ext uri="{FF2B5EF4-FFF2-40B4-BE49-F238E27FC236}">
+                <a16:creationId xmlns:a16="http://schemas.microsoft.com/office/drawing/2014/main" id="{ECD36A4A-123D-46E3-8A64-13B8B3F019BD}"/>
+              </a:ext>
+              <a:ext uri="{C183D7F6-B498-43B3-948B-1728B52AA6E4}">
+                <adec:decorative xmlns:adec="http://schemas.microsoft.com/office/drawing/2017/decorative" val="1"/>
+              </a:ext>
+            </a:extLst>
+          </p:cNvPr>
+          <p:cNvGrpSpPr>
+            <a:grpSpLocks noGrp="1" noUngrp="1" noRot="1" noChangeAspect="1" noMove="1" noResize="1"/>
+          </p:cNvGrpSpPr>
+          <p:nvPr>
+            <p:extLst>
+              <p:ext uri="{386F3935-93C4-4BCD-93E2-E3B085C9AB24}">
+                <p16:designElem xmlns:p16="http://schemas.microsoft.com/office/powerpoint/2015/main" val="1"/>
+              </p:ext>
+            </p:extLst>
+          </p:nvPr>
+        </p:nvGrpSpPr>
+        <p:grpSpPr>
+          <a:xfrm>
+            <a:off x="3979388" y="482170"/>
+            <a:ext cx="7560115" cy="5149101"/>
+            <a:chOff x="7463258" y="583365"/>
+            <a:chExt cx="7560115" cy="5181928"/>
+          </a:xfrm>
+        </p:grpSpPr>
+        <p:sp>
+          <p:nvSpPr>
+            <p:cNvPr id="77" name="Rectangle 76">
+              <a:extLst>
+                <a:ext uri="{FF2B5EF4-FFF2-40B4-BE49-F238E27FC236}">
+                  <a16:creationId xmlns:a16="http://schemas.microsoft.com/office/drawing/2014/main" id="{612E2361-DAF1-4420-BBBD-218F4138ED2F}"/>
+                </a:ext>
+                <a:ext uri="{C183D7F6-B498-43B3-948B-1728B52AA6E4}">
+                  <adec:decorative xmlns:adec="http://schemas.microsoft.com/office/drawing/2017/decorative" val="1"/>
+                </a:ext>
+              </a:extLst>
+            </p:cNvPr>
+            <p:cNvSpPr/>
+            <p:nvPr>
+              <p:extLst>
+                <p:ext uri="{386F3935-93C4-4BCD-93E2-E3B085C9AB24}">
+                  <p16:designElem xmlns:p16="http://schemas.microsoft.com/office/powerpoint/2015/main" val="1"/>
+                </p:ext>
+              </p:extLst>
+            </p:nvPr>
+          </p:nvSpPr>
+          <p:spPr>
+            <a:xfrm>
+              <a:off x="7463258" y="583365"/>
+              <a:ext cx="7560115" cy="5181928"/>
+            </a:xfrm>
+            <a:prstGeom prst="rect">
+              <a:avLst/>
+            </a:prstGeom>
+            <a:gradFill>
+              <a:gsLst>
+                <a:gs pos="0">
+                  <a:srgbClr val="000001"/>
+                </a:gs>
+                <a:gs pos="100000">
+                  <a:srgbClr val="191919"/>
+                </a:gs>
+              </a:gsLst>
+            </a:gradFill>
+            <a:ln w="76200" cmpd="sng">
+              <a:noFill/>
+              <a:miter lim="800000"/>
+            </a:ln>
+            <a:effectLst>
+              <a:outerShdw blurRad="127000" dist="228600" dir="4740000" sx="98000" sy="98000" algn="tl" rotWithShape="0">
+                <a:srgbClr val="000000">
+                  <a:alpha val="34000"/>
+                </a:srgbClr>
+              </a:outerShdw>
+            </a:effectLst>
+            <a:scene3d>
+              <a:camera prst="orthographicFront"/>
+              <a:lightRig rig="threePt" dir="t"/>
+            </a:scene3d>
+            <a:sp3d>
+              <a:bevelT w="152400" h="50800" prst="softRound"/>
+            </a:sp3d>
+          </p:spPr>
+          <p:style>
+            <a:lnRef idx="1">
+              <a:schemeClr val="accent1"/>
+            </a:lnRef>
+            <a:fillRef idx="3">
+              <a:schemeClr val="accent1"/>
+            </a:fillRef>
+            <a:effectRef idx="2">
+              <a:schemeClr val="accent1"/>
+            </a:effectRef>
+            <a:fontRef idx="minor">
+              <a:schemeClr val="lt1"/>
+            </a:fontRef>
+          </p:style>
+          <p:txBody>
+            <a:bodyPr rtlCol="0" anchor="ctr"/>
+            <a:lstStyle/>
+            <a:p>
+              <a:pPr algn="ctr"/>
+              <a:endParaRPr lang="en-US"/>
+            </a:p>
+          </p:txBody>
+        </p:sp>
+        <p:sp>
+          <p:nvSpPr>
+            <p:cNvPr id="78" name="Rectangle 77">
+              <a:extLst>
+                <a:ext uri="{FF2B5EF4-FFF2-40B4-BE49-F238E27FC236}">
+                  <a16:creationId xmlns:a16="http://schemas.microsoft.com/office/drawing/2014/main" id="{1D6F994B-14BC-49BA-B34D-17DF3069A404}"/>
+                </a:ext>
+                <a:ext uri="{C183D7F6-B498-43B3-948B-1728B52AA6E4}">
+                  <adec:decorative xmlns:adec="http://schemas.microsoft.com/office/drawing/2017/decorative" val="1"/>
+                </a:ext>
+              </a:extLst>
+            </p:cNvPr>
+            <p:cNvSpPr/>
+            <p:nvPr>
+              <p:extLst>
+                <p:ext uri="{386F3935-93C4-4BCD-93E2-E3B085C9AB24}">
+                  <p16:designElem xmlns:p16="http://schemas.microsoft.com/office/powerpoint/2015/main" val="1"/>
+                </p:ext>
+              </p:extLst>
+            </p:nvPr>
+          </p:nvSpPr>
+          <p:spPr>
+            <a:xfrm>
+              <a:off x="7776317" y="915807"/>
+              <a:ext cx="6928279" cy="4494927"/>
+            </a:xfrm>
+            <a:prstGeom prst="rect">
+              <a:avLst/>
+            </a:prstGeom>
+            <a:gradFill>
+              <a:gsLst>
+                <a:gs pos="0">
+                  <a:srgbClr val="DADADA"/>
+                </a:gs>
+                <a:gs pos="100000">
+                  <a:srgbClr val="FFFFFE"/>
+                </a:gs>
+              </a:gsLst>
+              <a:lin ang="16200000" scaled="0"/>
+            </a:gradFill>
+            <a:ln w="50800" cmpd="sng">
+              <a:solidFill>
+                <a:srgbClr val="191919"/>
+              </a:solidFill>
+              <a:miter lim="800000"/>
+            </a:ln>
+            <a:effectLst>
+              <a:innerShdw blurRad="63500" dist="88900" dir="14100000">
+                <a:srgbClr val="000000">
+                  <a:alpha val="30000"/>
+                </a:srgbClr>
+              </a:innerShdw>
+            </a:effectLst>
+            <a:scene3d>
+              <a:camera prst="orthographicFront"/>
+              <a:lightRig rig="threePt" dir="t"/>
+            </a:scene3d>
+            <a:sp3d>
+              <a:bevelT prst="relaxedInset"/>
+            </a:sp3d>
+          </p:spPr>
+          <p:style>
+            <a:lnRef idx="1">
+              <a:schemeClr val="accent1"/>
+            </a:lnRef>
+            <a:fillRef idx="3">
+              <a:schemeClr val="accent1"/>
+            </a:fillRef>
+            <a:effectRef idx="2">
+              <a:schemeClr val="accent1"/>
+            </a:effectRef>
+            <a:fontRef idx="minor">
+              <a:schemeClr val="lt1"/>
+            </a:fontRef>
+          </p:style>
+          <p:txBody>
+            <a:bodyPr rtlCol="0" anchor="ctr"/>
+            <a:lstStyle/>
+            <a:p>
+              <a:pPr algn="ctr"/>
+              <a:endParaRPr lang="en-US"/>
+            </a:p>
+          </p:txBody>
+        </p:sp>
+      </p:grpSp>
+      <p:pic>
+        <p:nvPicPr>
+          <p:cNvPr id="5" name="Content Placeholder 4" descr="Graphical user interface, website&#10;&#10;Description automatically generated">
+            <a:extLst>
+              <a:ext uri="{FF2B5EF4-FFF2-40B4-BE49-F238E27FC236}">
+                <a16:creationId xmlns:a16="http://schemas.microsoft.com/office/drawing/2014/main" id="{7384D192-A3C5-452B-AF13-8700E7B80ADF}"/>
+              </a:ext>
+            </a:extLst>
+          </p:cNvPr>
+          <p:cNvPicPr>
+            <a:picLocks noGrp="1" noChangeAspect="1"/>
+          </p:cNvPicPr>
+          <p:nvPr>
+            <p:ph idx="1"/>
+          </p:nvPr>
+        </p:nvPicPr>
+        <p:blipFill>
+          <a:blip r:embed="rId3">
+            <a:extLst>
+              <a:ext uri="{28A0092B-C50C-407E-A947-70E740481C1C}">
+                <a14:useLocalDpi xmlns:a14="http://schemas.microsoft.com/office/drawing/2010/main" val="0"/>
+              </a:ext>
+            </a:extLst>
+          </a:blip>
+          <a:stretch>
+            <a:fillRect/>
+          </a:stretch>
+        </p:blipFill>
+        <p:spPr>
+          <a:xfrm>
+            <a:off x="4618374" y="1274506"/>
+            <a:ext cx="6282919" cy="3549849"/>
+          </a:xfrm>
+          <a:prstGeom prst="rect">
+            <a:avLst/>
+          </a:prstGeom>
+        </p:spPr>
+      </p:pic>
+      <p:pic>
+        <p:nvPicPr>
+          <p:cNvPr id="80" name="Picture 79">
+            <a:extLst>
+              <a:ext uri="{FF2B5EF4-FFF2-40B4-BE49-F238E27FC236}">
+                <a16:creationId xmlns:a16="http://schemas.microsoft.com/office/drawing/2014/main" id="{55EC7096-D0A6-471D-AE28-B68D70388E32}"/>
+              </a:ext>
+              <a:ext uri="{C183D7F6-B498-43B3-948B-1728B52AA6E4}">
+                <adec:decorative xmlns:adec="http://schemas.microsoft.com/office/drawing/2017/decorative" val="1"/>
+              </a:ext>
+            </a:extLst>
+          </p:cNvPr>
+          <p:cNvPicPr>
+            <a:picLocks noGrp="1" noRot="1" noChangeAspect="1" noMove="1" noResize="1" noEditPoints="1" noAdjustHandles="1" noChangeArrowheads="1" noChangeShapeType="1" noCrop="1"/>
+          </p:cNvPicPr>
+          <p:nvPr>
+            <p:extLst>
+              <p:ext uri="{386F3935-93C4-4BCD-93E2-E3B085C9AB24}">
+                <p16:designElem xmlns:p16="http://schemas.microsoft.com/office/powerpoint/2015/main" val="1"/>
+              </p:ext>
+            </p:extLst>
+          </p:nvPr>
+        </p:nvPicPr>
+        <p:blipFill rotWithShape="1">
+          <a:blip r:embed="rId2">
+            <a:extLst>
+              <a:ext uri="{28A0092B-C50C-407E-A947-70E740481C1C}">
+                <a14:useLocalDpi xmlns:a14="http://schemas.microsoft.com/office/drawing/2010/main" val="0"/>
+              </a:ext>
+            </a:extLst>
+          </a:blip>
+          <a:srcRect t="1538" b="-1538"/>
+          <a:stretch/>
+        </p:blipFill>
+        <p:spPr bwMode="black">
+          <a:xfrm>
+            <a:off x="0" y="6126480"/>
+            <a:ext cx="12192000" cy="742950"/>
+          </a:xfrm>
+          <a:prstGeom prst="rect">
+            <a:avLst/>
+          </a:prstGeom>
+        </p:spPr>
+      </p:pic>
+      <p:cxnSp>
+        <p:nvCxnSpPr>
+          <p:cNvPr id="82" name="Straight Connector 81">
+            <a:extLst>
+              <a:ext uri="{FF2B5EF4-FFF2-40B4-BE49-F238E27FC236}">
+                <a16:creationId xmlns:a16="http://schemas.microsoft.com/office/drawing/2014/main" id="{2E98EB88-99B6-483D-B203-0D5D63100504}"/>
+              </a:ext>
+              <a:ext uri="{C183D7F6-B498-43B3-948B-1728B52AA6E4}">
+                <adec:decorative xmlns:adec="http://schemas.microsoft.com/office/drawing/2017/decorative" val="1"/>
+              </a:ext>
+            </a:extLst>
+          </p:cNvPr>
+          <p:cNvCxnSpPr>
+            <a:cxnSpLocks noGrp="1" noRot="1" noChangeAspect="1" noMove="1" noResize="1" noEditPoints="1" noAdjustHandles="1" noChangeArrowheads="1" noChangeShapeType="1"/>
+          </p:cNvCxnSpPr>
+          <p:nvPr>
+            <p:extLst>
+              <p:ext uri="{386F3935-93C4-4BCD-93E2-E3B085C9AB24}">
+                <p16:designElem xmlns:p16="http://schemas.microsoft.com/office/powerpoint/2015/main" val="1"/>
+              </p:ext>
+            </p:extLst>
+          </p:nvPr>
+        </p:nvCxnSpPr>
+        <p:spPr>
+          <a:xfrm>
+            <a:off x="0" y="6128413"/>
+            <a:ext cx="12192000" cy="0"/>
+          </a:xfrm>
+          <a:prstGeom prst="line">
+            <a:avLst/>
+          </a:prstGeom>
+          <a:ln w="12700">
+            <a:solidFill>
+              <a:srgbClr val="000001">
+                <a:alpha val="20000"/>
+              </a:srgbClr>
+            </a:solidFill>
+          </a:ln>
+        </p:spPr>
+        <p:style>
+          <a:lnRef idx="1">
+            <a:schemeClr val="accent1"/>
+          </a:lnRef>
+          <a:fillRef idx="0">
+            <a:schemeClr val="accent1"/>
+          </a:fillRef>
+          <a:effectRef idx="0">
+            <a:schemeClr val="accent1"/>
+          </a:effectRef>
+          <a:fontRef idx="minor">
+            <a:schemeClr val="tx1"/>
+          </a:fontRef>
+        </p:style>
+      </p:cxnSp>
+    </p:spTree>
+    <p:extLst>
+      <p:ext uri="{BB962C8B-B14F-4D97-AF65-F5344CB8AC3E}">
+        <p14:creationId xmlns:p14="http://schemas.microsoft.com/office/powerpoint/2010/main" val="288336247"/>
+      </p:ext>
+    </p:extLst>
+  </p:cSld>
+  <p:clrMapOvr>
+    <a:masterClrMapping/>
+  </p:clrMapOvr>
+</p:sld>
+</file>
+
+<file path=ppt/slides/slide17.xml><?xml version="1.0" encoding="utf-8"?>
+<p:sld xmlns:a="http://schemas.openxmlformats.org/drawingml/2006/main" xmlns:r="http://schemas.openxmlformats.org/officeDocument/2006/relationships" xmlns:p="http://schemas.openxmlformats.org/presentationml/2006/main">
+  <p:cSld>
+    <p:bg>
+      <p:bgPr>
+        <a:gradFill rotWithShape="1">
+          <a:gsLst>
+            <a:gs pos="0">
+              <a:schemeClr val="bg1">
+                <a:tint val="94000"/>
+                <a:satMod val="80000"/>
+                <a:lumMod val="106000"/>
+              </a:schemeClr>
+            </a:gs>
+            <a:gs pos="100000">
+              <a:schemeClr val="bg1">
+                <a:shade val="80000"/>
+              </a:schemeClr>
+            </a:gs>
+          </a:gsLst>
+          <a:path path="circle">
+            <a:fillToRect l="50000" t="50000" r="50000" b="50000"/>
+          </a:path>
+        </a:gradFill>
+        <a:effectLst/>
+      </p:bgPr>
+    </p:bg>
+    <p:spTree>
+      <p:nvGrpSpPr>
+        <p:cNvPr id="1" name=""/>
+        <p:cNvGrpSpPr/>
+        <p:nvPr/>
+      </p:nvGrpSpPr>
+      <p:grpSpPr>
+        <a:xfrm>
+          <a:off x="0" y="0"/>
+          <a:ext cx="0" cy="0"/>
+          <a:chOff x="0" y="0"/>
+          <a:chExt cx="0" cy="0"/>
+        </a:xfrm>
+      </p:grpSpPr>
+      <p:sp>
+        <p:nvSpPr>
+          <p:cNvPr id="7" name="Rectangle 6">
+            <a:extLst>
+              <a:ext uri="{FF2B5EF4-FFF2-40B4-BE49-F238E27FC236}">
+                <a16:creationId xmlns:a16="http://schemas.microsoft.com/office/drawing/2014/main" id="{23522FE7-5A29-4EF6-B1EF-2CA55748A772}"/>
+              </a:ext>
+              <a:ext uri="{C183D7F6-B498-43B3-948B-1728B52AA6E4}">
+                <adec:decorative xmlns:adec="http://schemas.microsoft.com/office/drawing/2017/decorative" val="1"/>
+              </a:ext>
+            </a:extLst>
+          </p:cNvPr>
+          <p:cNvSpPr>
+            <a:spLocks noGrp="1" noRot="1" noChangeAspect="1" noMove="1" noResize="1" noEditPoints="1" noAdjustHandles="1" noChangeArrowheads="1" noChangeShapeType="1" noTextEdit="1"/>
+          </p:cNvSpPr>
+          <p:nvPr>
+            <p:extLst>
+              <p:ext uri="{386F3935-93C4-4BCD-93E2-E3B085C9AB24}">
+                <p16:designElem xmlns:p16="http://schemas.microsoft.com/office/powerpoint/2015/main" val="1"/>
+              </p:ext>
+            </p:extLst>
+          </p:nvPr>
+        </p:nvSpPr>
+        <p:spPr>
+          <a:xfrm>
+            <a:off x="0" y="2019476"/>
+            <a:ext cx="12192000" cy="4105941"/>
+          </a:xfrm>
+          <a:prstGeom prst="rect">
+            <a:avLst/>
+          </a:prstGeom>
+          <a:gradFill flip="none" rotWithShape="1">
+            <a:gsLst>
+              <a:gs pos="0">
+                <a:schemeClr val="bg2">
+                  <a:alpha val="0"/>
+                </a:schemeClr>
+              </a:gs>
+              <a:gs pos="100000">
+                <a:schemeClr val="bg2"/>
+              </a:gs>
+            </a:gsLst>
+            <a:lin ang="5400000" scaled="0"/>
+            <a:tileRect/>
+          </a:gradFill>
+          <a:ln>
+            <a:noFill/>
+          </a:ln>
+        </p:spPr>
+        <p:style>
+          <a:lnRef idx="2">
+            <a:schemeClr val="accent1">
+              <a:shade val="50000"/>
+            </a:schemeClr>
+          </a:lnRef>
+          <a:fillRef idx="1">
+            <a:schemeClr val="accent1"/>
+          </a:fillRef>
+          <a:effectRef idx="0">
+            <a:schemeClr val="accent1"/>
+          </a:effectRef>
+          <a:fontRef idx="minor">
+            <a:schemeClr val="lt1"/>
+          </a:fontRef>
+        </p:style>
+      </p:sp>
+      <p:pic>
+        <p:nvPicPr>
+          <p:cNvPr id="9" name="Picture 8">
+            <a:extLst>
+              <a:ext uri="{FF2B5EF4-FFF2-40B4-BE49-F238E27FC236}">
+                <a16:creationId xmlns:a16="http://schemas.microsoft.com/office/drawing/2014/main" id="{C2192E09-EBC7-416C-B887-DFF915D7F43D}"/>
+              </a:ext>
+              <a:ext uri="{C183D7F6-B498-43B3-948B-1728B52AA6E4}">
+                <adec:decorative xmlns:adec="http://schemas.microsoft.com/office/drawing/2017/decorative" val="1"/>
+              </a:ext>
+            </a:extLst>
+          </p:cNvPr>
+          <p:cNvPicPr>
+            <a:picLocks noGrp="1" noRot="1" noChangeAspect="1" noMove="1" noResize="1" noEditPoints="1" noAdjustHandles="1" noChangeArrowheads="1" noChangeShapeType="1" noCrop="1"/>
+          </p:cNvPicPr>
+          <p:nvPr>
+            <p:extLst>
+              <p:ext uri="{386F3935-93C4-4BCD-93E2-E3B085C9AB24}">
+                <p16:designElem xmlns:p16="http://schemas.microsoft.com/office/powerpoint/2015/main" val="1"/>
+              </p:ext>
+            </p:extLst>
+          </p:nvPr>
+        </p:nvPicPr>
+        <p:blipFill rotWithShape="1">
+          <a:blip r:embed="rId2">
+            <a:extLst>
+              <a:ext uri="{28A0092B-C50C-407E-A947-70E740481C1C}">
+                <a14:useLocalDpi xmlns:a14="http://schemas.microsoft.com/office/drawing/2010/main" val="0"/>
+              </a:ext>
+            </a:extLst>
+          </a:blip>
+          <a:srcRect t="1538" b="-1538"/>
+          <a:stretch/>
+        </p:blipFill>
+        <p:spPr bwMode="black">
+          <a:xfrm>
+            <a:off x="0" y="6126480"/>
+            <a:ext cx="12192000" cy="742950"/>
+          </a:xfrm>
+          <a:prstGeom prst="rect">
+            <a:avLst/>
+          </a:prstGeom>
+        </p:spPr>
+      </p:pic>
+      <p:cxnSp>
+        <p:nvCxnSpPr>
+          <p:cNvPr id="11" name="Straight Connector 10">
+            <a:extLst>
+              <a:ext uri="{FF2B5EF4-FFF2-40B4-BE49-F238E27FC236}">
+                <a16:creationId xmlns:a16="http://schemas.microsoft.com/office/drawing/2014/main" id="{2924498D-E084-44BE-A196-CFCE35564350}"/>
+              </a:ext>
+              <a:ext uri="{C183D7F6-B498-43B3-948B-1728B52AA6E4}">
+                <adec:decorative xmlns:adec="http://schemas.microsoft.com/office/drawing/2017/decorative" val="1"/>
+              </a:ext>
+            </a:extLst>
+          </p:cNvPr>
+          <p:cNvCxnSpPr>
+            <a:cxnSpLocks noGrp="1" noRot="1" noChangeAspect="1" noMove="1" noResize="1" noEditPoints="1" noAdjustHandles="1" noChangeArrowheads="1" noChangeShapeType="1"/>
+          </p:cNvCxnSpPr>
+          <p:nvPr>
+            <p:extLst>
+              <p:ext uri="{386F3935-93C4-4BCD-93E2-E3B085C9AB24}">
+                <p16:designElem xmlns:p16="http://schemas.microsoft.com/office/powerpoint/2015/main" val="1"/>
+              </p:ext>
+            </p:extLst>
+          </p:nvPr>
+        </p:nvCxnSpPr>
+        <p:spPr>
+          <a:xfrm>
+            <a:off x="0" y="6128413"/>
+            <a:ext cx="12192000" cy="0"/>
+          </a:xfrm>
+          <a:prstGeom prst="line">
+            <a:avLst/>
+          </a:prstGeom>
+          <a:ln w="12700">
+            <a:solidFill>
+              <a:srgbClr val="000001">
+                <a:alpha val="20000"/>
+              </a:srgbClr>
+            </a:solidFill>
+          </a:ln>
+        </p:spPr>
+        <p:style>
+          <a:lnRef idx="1">
+            <a:schemeClr val="accent1"/>
+          </a:lnRef>
+          <a:fillRef idx="0">
+            <a:schemeClr val="accent1"/>
+          </a:fillRef>
+          <a:effectRef idx="0">
+            <a:schemeClr val="accent1"/>
+          </a:effectRef>
+          <a:fontRef idx="minor">
+            <a:schemeClr val="tx1"/>
+          </a:fontRef>
+        </p:style>
+      </p:cxnSp>
+      <p:cxnSp>
+        <p:nvCxnSpPr>
+          <p:cNvPr id="13" name="Straight Connector 12">
+            <a:extLst>
+              <a:ext uri="{FF2B5EF4-FFF2-40B4-BE49-F238E27FC236}">
+                <a16:creationId xmlns:a16="http://schemas.microsoft.com/office/drawing/2014/main" id="{3BBC7667-C352-4842-9AFD-E5C16AD002F4}"/>
+              </a:ext>
+              <a:ext uri="{C183D7F6-B498-43B3-948B-1728B52AA6E4}">
+                <adec:decorative xmlns:adec="http://schemas.microsoft.com/office/drawing/2017/decorative" val="1"/>
+              </a:ext>
+            </a:extLst>
+          </p:cNvPr>
+          <p:cNvCxnSpPr>
+            <a:cxnSpLocks noGrp="1" noRot="1" noChangeAspect="1" noMove="1" noResize="1" noEditPoints="1" noAdjustHandles="1" noChangeArrowheads="1" noChangeShapeType="1"/>
+          </p:cNvCxnSpPr>
+          <p:nvPr>
+            <p:extLst>
+              <p:ext uri="{386F3935-93C4-4BCD-93E2-E3B085C9AB24}">
+                <p16:designElem xmlns:p16="http://schemas.microsoft.com/office/powerpoint/2015/main" val="1"/>
+              </p:ext>
+            </p:extLst>
+          </p:nvPr>
+        </p:nvCxnSpPr>
+        <p:spPr>
+          <a:xfrm>
+            <a:off x="2417780" y="3528542"/>
+            <a:ext cx="8637072" cy="0"/>
+          </a:xfrm>
+          <a:prstGeom prst="line">
+            <a:avLst/>
+          </a:prstGeom>
+          <a:ln w="31750"/>
+        </p:spPr>
+        <p:style>
+          <a:lnRef idx="3">
+            <a:schemeClr val="accent1"/>
+          </a:lnRef>
+          <a:fillRef idx="0">
+            <a:schemeClr val="accent1"/>
+          </a:fillRef>
+          <a:effectRef idx="2">
+            <a:schemeClr val="accent1"/>
+          </a:effectRef>
+          <a:fontRef idx="minor">
+            <a:schemeClr val="tx1"/>
+          </a:fontRef>
+        </p:style>
+      </p:cxnSp>
+      <p:sp useBgFill="1">
+        <p:nvSpPr>
+          <p:cNvPr id="15" name="Rectangle 14">
+            <a:extLst>
+              <a:ext uri="{FF2B5EF4-FFF2-40B4-BE49-F238E27FC236}">
+                <a16:creationId xmlns:a16="http://schemas.microsoft.com/office/drawing/2014/main" id="{F0AB17F6-592B-45CB-96F6-705C9825AFBC}"/>
+              </a:ext>
+              <a:ext uri="{C183D7F6-B498-43B3-948B-1728B52AA6E4}">
+                <adec:decorative xmlns:adec="http://schemas.microsoft.com/office/drawing/2017/decorative" val="1"/>
+              </a:ext>
+            </a:extLst>
+          </p:cNvPr>
+          <p:cNvSpPr>
+            <a:spLocks noGrp="1" noRot="1" noChangeAspect="1" noMove="1" noResize="1" noEditPoints="1" noAdjustHandles="1" noChangeArrowheads="1" noChangeShapeType="1" noTextEdit="1"/>
+          </p:cNvSpPr>
+          <p:nvPr>
+            <p:extLst>
+              <p:ext uri="{386F3935-93C4-4BCD-93E2-E3B085C9AB24}">
+                <p16:designElem xmlns:p16="http://schemas.microsoft.com/office/powerpoint/2015/main" val="1"/>
+              </p:ext>
+            </p:extLst>
+          </p:nvPr>
+        </p:nvSpPr>
+        <p:spPr>
+          <a:xfrm>
+            <a:off x="2" y="0"/>
+            <a:ext cx="12191695" cy="6858000"/>
+          </a:xfrm>
+          <a:prstGeom prst="rect">
+            <a:avLst/>
+          </a:prstGeom>
+          <a:ln>
+            <a:noFill/>
+          </a:ln>
+        </p:spPr>
+        <p:style>
+          <a:lnRef idx="2">
+            <a:schemeClr val="accent1">
+              <a:shade val="50000"/>
+            </a:schemeClr>
+          </a:lnRef>
+          <a:fillRef idx="1">
+            <a:schemeClr val="accent1"/>
+          </a:fillRef>
+          <a:effectRef idx="0">
+            <a:schemeClr val="accent1"/>
+          </a:effectRef>
+          <a:fontRef idx="minor">
+            <a:schemeClr val="lt1"/>
+          </a:fontRef>
+        </p:style>
+        <p:txBody>
+          <a:bodyPr rtlCol="0" anchor="ctr"/>
+          <a:lstStyle/>
+          <a:p>
+            <a:pPr algn="ctr"/>
+            <a:endParaRPr lang="en-US"/>
+          </a:p>
+        </p:txBody>
+      </p:sp>
+      <p:sp>
+        <p:nvSpPr>
+          <p:cNvPr id="2" name="Title 1">
+            <a:extLst>
+              <a:ext uri="{FF2B5EF4-FFF2-40B4-BE49-F238E27FC236}">
+                <a16:creationId xmlns:a16="http://schemas.microsoft.com/office/drawing/2014/main" id="{6FC29038-DDBC-4BFF-89F4-CE1EC9E6EEB3}"/>
+              </a:ext>
+            </a:extLst>
+          </p:cNvPr>
+          <p:cNvSpPr>
+            <a:spLocks noGrp="1"/>
+          </p:cNvSpPr>
+          <p:nvPr>
+            <p:ph type="title"/>
+          </p:nvPr>
+        </p:nvSpPr>
+        <p:spPr>
+          <a:xfrm>
+            <a:off x="4890051" y="802298"/>
+            <a:ext cx="5536097" cy="5116985"/>
+          </a:xfrm>
+        </p:spPr>
+        <p:txBody>
+          <a:bodyPr vert="horz" lIns="91440" tIns="45720" rIns="91440" bIns="0" rtlCol="0" anchor="ctr">
+            <a:normAutofit/>
+          </a:bodyPr>
+          <a:lstStyle/>
+          <a:p>
+            <a:pPr marL="1143000" indent="-1143000"/>
+            <a:r>
+              <a:rPr lang="en-US" sz="6600" dirty="0"/>
+              <a:t>8. </a:t>
+            </a:r>
+            <a:r>
+              <a:rPr lang="en-US" sz="5800" dirty="0"/>
+              <a:t>Results of analysis</a:t>
+            </a:r>
+          </a:p>
+        </p:txBody>
+      </p:sp>
+      <p:cxnSp>
+        <p:nvCxnSpPr>
+          <p:cNvPr id="17" name="Straight Connector 16">
+            <a:extLst>
+              <a:ext uri="{FF2B5EF4-FFF2-40B4-BE49-F238E27FC236}">
+                <a16:creationId xmlns:a16="http://schemas.microsoft.com/office/drawing/2014/main" id="{5A9284E7-0823-472D-9963-18D89DFEB8B4}"/>
+              </a:ext>
+              <a:ext uri="{C183D7F6-B498-43B3-948B-1728B52AA6E4}">
+                <adec:decorative xmlns:adec="http://schemas.microsoft.com/office/drawing/2017/decorative" val="1"/>
+              </a:ext>
+            </a:extLst>
+          </p:cNvPr>
+          <p:cNvCxnSpPr>
+            <a:cxnSpLocks noGrp="1" noRot="1" noChangeAspect="1" noMove="1" noResize="1" noEditPoints="1" noAdjustHandles="1" noChangeArrowheads="1" noChangeShapeType="1"/>
+          </p:cNvCxnSpPr>
+          <p:nvPr>
+            <p:extLst>
+              <p:ext uri="{386F3935-93C4-4BCD-93E2-E3B085C9AB24}">
+                <p16:designElem xmlns:p16="http://schemas.microsoft.com/office/powerpoint/2015/main" val="1"/>
+              </p:ext>
+            </p:extLst>
+          </p:nvPr>
+        </p:nvCxnSpPr>
+        <p:spPr>
+          <a:xfrm>
+            <a:off x="4654296" y="1760590"/>
+            <a:ext cx="0" cy="3200400"/>
+          </a:xfrm>
+          <a:prstGeom prst="line">
+            <a:avLst/>
+          </a:prstGeom>
+          <a:ln w="34925"/>
+        </p:spPr>
+        <p:style>
+          <a:lnRef idx="1">
+            <a:schemeClr val="accent1"/>
+          </a:lnRef>
+          <a:fillRef idx="0">
+            <a:schemeClr val="accent1"/>
+          </a:fillRef>
+          <a:effectRef idx="0">
+            <a:schemeClr val="accent1"/>
+          </a:effectRef>
+          <a:fontRef idx="minor">
+            <a:schemeClr val="tx1"/>
+          </a:fontRef>
+        </p:style>
+      </p:cxnSp>
+    </p:spTree>
+    <p:extLst>
+      <p:ext uri="{BB962C8B-B14F-4D97-AF65-F5344CB8AC3E}">
+        <p14:creationId xmlns:p14="http://schemas.microsoft.com/office/powerpoint/2010/main" val="3801121056"/>
+      </p:ext>
+    </p:extLst>
+  </p:cSld>
+  <p:clrMapOvr>
+    <a:overrideClrMapping bg1="dk1" tx1="lt1" bg2="dk2" tx2="lt2" accent1="accent1" accent2="accent2" accent3="accent3" accent4="accent4" accent5="accent5" accent6="accent6" hlink="hlink" folHlink="folHlink"/>
+  </p:clrMapOvr>
+</p:sld>
+</file>
+
+<file path=ppt/slides/slide18.xml><?xml version="1.0" encoding="utf-8"?>
+<p:sld xmlns:a="http://schemas.openxmlformats.org/drawingml/2006/main" xmlns:r="http://schemas.openxmlformats.org/officeDocument/2006/relationships" xmlns:p="http://schemas.openxmlformats.org/presentationml/2006/main">
+  <p:cSld>
+    <p:spTree>
+      <p:nvGrpSpPr>
+        <p:cNvPr id="1" name=""/>
+        <p:cNvGrpSpPr/>
+        <p:nvPr/>
+      </p:nvGrpSpPr>
+      <p:grpSpPr>
+        <a:xfrm>
+          <a:off x="0" y="0"/>
+          <a:ext cx="0" cy="0"/>
+          <a:chOff x="0" y="0"/>
+          <a:chExt cx="0" cy="0"/>
+        </a:xfrm>
+      </p:grpSpPr>
+    </p:spTree>
+    <p:extLst>
+      <p:ext uri="{BB962C8B-B14F-4D97-AF65-F5344CB8AC3E}">
+        <p14:creationId xmlns:p14="http://schemas.microsoft.com/office/powerpoint/2010/main" val="2978256746"/>
+      </p:ext>
+    </p:extLst>
+  </p:cSld>
+  <p:clrMapOvr>
+    <a:masterClrMapping/>
+  </p:clrMapOvr>
+</p:sld>
+</file>
+
+<file path=ppt/slides/slide19.xml><?xml version="1.0" encoding="utf-8"?>
+<p:sld xmlns:a="http://schemas.openxmlformats.org/drawingml/2006/main" xmlns:r="http://schemas.openxmlformats.org/officeDocument/2006/relationships" xmlns:p="http://schemas.openxmlformats.org/presentationml/2006/main">
+  <p:cSld>
+    <p:bg>
+      <p:bgPr>
+        <a:gradFill rotWithShape="1">
+          <a:gsLst>
+            <a:gs pos="0">
+              <a:schemeClr val="bg1">
+                <a:tint val="94000"/>
+                <a:satMod val="80000"/>
+                <a:lumMod val="106000"/>
+              </a:schemeClr>
+            </a:gs>
+            <a:gs pos="100000">
+              <a:schemeClr val="bg1">
+                <a:shade val="80000"/>
+              </a:schemeClr>
+            </a:gs>
+          </a:gsLst>
+          <a:path path="circle">
+            <a:fillToRect l="50000" t="50000" r="50000" b="50000"/>
+          </a:path>
+        </a:gradFill>
+        <a:effectLst/>
+      </p:bgPr>
+    </p:bg>
+    <p:spTree>
+      <p:nvGrpSpPr>
+        <p:cNvPr id="1" name=""/>
+        <p:cNvGrpSpPr/>
+        <p:nvPr/>
+      </p:nvGrpSpPr>
+      <p:grpSpPr>
+        <a:xfrm>
+          <a:off x="0" y="0"/>
+          <a:ext cx="0" cy="0"/>
+          <a:chOff x="0" y="0"/>
+          <a:chExt cx="0" cy="0"/>
+        </a:xfrm>
+      </p:grpSpPr>
+      <p:sp>
+        <p:nvSpPr>
+          <p:cNvPr id="7" name="Rectangle 6">
+            <a:extLst>
+              <a:ext uri="{FF2B5EF4-FFF2-40B4-BE49-F238E27FC236}">
+                <a16:creationId xmlns:a16="http://schemas.microsoft.com/office/drawing/2014/main" id="{23522FE7-5A29-4EF6-B1EF-2CA55748A772}"/>
+              </a:ext>
+              <a:ext uri="{C183D7F6-B498-43B3-948B-1728B52AA6E4}">
+                <adec:decorative xmlns:adec="http://schemas.microsoft.com/office/drawing/2017/decorative" val="1"/>
+              </a:ext>
+            </a:extLst>
+          </p:cNvPr>
+          <p:cNvSpPr>
+            <a:spLocks noGrp="1" noRot="1" noChangeAspect="1" noMove="1" noResize="1" noEditPoints="1" noAdjustHandles="1" noChangeArrowheads="1" noChangeShapeType="1" noTextEdit="1"/>
+          </p:cNvSpPr>
+          <p:nvPr>
+            <p:extLst>
+              <p:ext uri="{386F3935-93C4-4BCD-93E2-E3B085C9AB24}">
+                <p16:designElem xmlns:p16="http://schemas.microsoft.com/office/powerpoint/2015/main" val="1"/>
+              </p:ext>
+            </p:extLst>
+          </p:nvPr>
+        </p:nvSpPr>
+        <p:spPr>
+          <a:xfrm>
+            <a:off x="0" y="2019476"/>
+            <a:ext cx="12192000" cy="4105941"/>
+          </a:xfrm>
+          <a:prstGeom prst="rect">
+            <a:avLst/>
+          </a:prstGeom>
+          <a:gradFill flip="none" rotWithShape="1">
+            <a:gsLst>
+              <a:gs pos="0">
+                <a:schemeClr val="bg2">
+                  <a:alpha val="0"/>
+                </a:schemeClr>
+              </a:gs>
+              <a:gs pos="100000">
+                <a:schemeClr val="bg2"/>
+              </a:gs>
+            </a:gsLst>
+            <a:lin ang="5400000" scaled="0"/>
+            <a:tileRect/>
+          </a:gradFill>
+          <a:ln>
+            <a:noFill/>
+          </a:ln>
+        </p:spPr>
+        <p:style>
+          <a:lnRef idx="2">
+            <a:schemeClr val="accent1">
+              <a:shade val="50000"/>
+            </a:schemeClr>
+          </a:lnRef>
+          <a:fillRef idx="1">
+            <a:schemeClr val="accent1"/>
+          </a:fillRef>
+          <a:effectRef idx="0">
+            <a:schemeClr val="accent1"/>
+          </a:effectRef>
+          <a:fontRef idx="minor">
+            <a:schemeClr val="lt1"/>
+          </a:fontRef>
+        </p:style>
+      </p:sp>
+      <p:pic>
+        <p:nvPicPr>
+          <p:cNvPr id="9" name="Picture 8">
+            <a:extLst>
+              <a:ext uri="{FF2B5EF4-FFF2-40B4-BE49-F238E27FC236}">
+                <a16:creationId xmlns:a16="http://schemas.microsoft.com/office/drawing/2014/main" id="{C2192E09-EBC7-416C-B887-DFF915D7F43D}"/>
+              </a:ext>
+              <a:ext uri="{C183D7F6-B498-43B3-948B-1728B52AA6E4}">
+                <adec:decorative xmlns:adec="http://schemas.microsoft.com/office/drawing/2017/decorative" val="1"/>
+              </a:ext>
+            </a:extLst>
+          </p:cNvPr>
+          <p:cNvPicPr>
+            <a:picLocks noGrp="1" noRot="1" noChangeAspect="1" noMove="1" noResize="1" noEditPoints="1" noAdjustHandles="1" noChangeArrowheads="1" noChangeShapeType="1" noCrop="1"/>
+          </p:cNvPicPr>
+          <p:nvPr>
+            <p:extLst>
+              <p:ext uri="{386F3935-93C4-4BCD-93E2-E3B085C9AB24}">
+                <p16:designElem xmlns:p16="http://schemas.microsoft.com/office/powerpoint/2015/main" val="1"/>
+              </p:ext>
+            </p:extLst>
+          </p:nvPr>
+        </p:nvPicPr>
+        <p:blipFill rotWithShape="1">
+          <a:blip r:embed="rId2">
+            <a:extLst>
+              <a:ext uri="{28A0092B-C50C-407E-A947-70E740481C1C}">
+                <a14:useLocalDpi xmlns:a14="http://schemas.microsoft.com/office/drawing/2010/main" val="0"/>
+              </a:ext>
+            </a:extLst>
+          </a:blip>
+          <a:srcRect t="1538" b="-1538"/>
+          <a:stretch/>
+        </p:blipFill>
+        <p:spPr bwMode="black">
+          <a:xfrm>
+            <a:off x="0" y="6126480"/>
+            <a:ext cx="12192000" cy="742950"/>
+          </a:xfrm>
+          <a:prstGeom prst="rect">
+            <a:avLst/>
+          </a:prstGeom>
+        </p:spPr>
+      </p:pic>
+      <p:cxnSp>
+        <p:nvCxnSpPr>
+          <p:cNvPr id="11" name="Straight Connector 10">
+            <a:extLst>
+              <a:ext uri="{FF2B5EF4-FFF2-40B4-BE49-F238E27FC236}">
+                <a16:creationId xmlns:a16="http://schemas.microsoft.com/office/drawing/2014/main" id="{2924498D-E084-44BE-A196-CFCE35564350}"/>
+              </a:ext>
+              <a:ext uri="{C183D7F6-B498-43B3-948B-1728B52AA6E4}">
+                <adec:decorative xmlns:adec="http://schemas.microsoft.com/office/drawing/2017/decorative" val="1"/>
+              </a:ext>
+            </a:extLst>
+          </p:cNvPr>
+          <p:cNvCxnSpPr>
+            <a:cxnSpLocks noGrp="1" noRot="1" noChangeAspect="1" noMove="1" noResize="1" noEditPoints="1" noAdjustHandles="1" noChangeArrowheads="1" noChangeShapeType="1"/>
+          </p:cNvCxnSpPr>
+          <p:nvPr>
+            <p:extLst>
+              <p:ext uri="{386F3935-93C4-4BCD-93E2-E3B085C9AB24}">
+                <p16:designElem xmlns:p16="http://schemas.microsoft.com/office/powerpoint/2015/main" val="1"/>
+              </p:ext>
+            </p:extLst>
+          </p:nvPr>
+        </p:nvCxnSpPr>
+        <p:spPr>
+          <a:xfrm>
+            <a:off x="0" y="6128413"/>
+            <a:ext cx="12192000" cy="0"/>
+          </a:xfrm>
+          <a:prstGeom prst="line">
+            <a:avLst/>
+          </a:prstGeom>
+          <a:ln w="12700">
+            <a:solidFill>
+              <a:srgbClr val="000001">
+                <a:alpha val="20000"/>
+              </a:srgbClr>
+            </a:solidFill>
+          </a:ln>
+        </p:spPr>
+        <p:style>
+          <a:lnRef idx="1">
+            <a:schemeClr val="accent1"/>
+          </a:lnRef>
+          <a:fillRef idx="0">
+            <a:schemeClr val="accent1"/>
+          </a:fillRef>
+          <a:effectRef idx="0">
+            <a:schemeClr val="accent1"/>
+          </a:effectRef>
+          <a:fontRef idx="minor">
+            <a:schemeClr val="tx1"/>
+          </a:fontRef>
+        </p:style>
+      </p:cxnSp>
+      <p:cxnSp>
+        <p:nvCxnSpPr>
+          <p:cNvPr id="13" name="Straight Connector 12">
+            <a:extLst>
+              <a:ext uri="{FF2B5EF4-FFF2-40B4-BE49-F238E27FC236}">
+                <a16:creationId xmlns:a16="http://schemas.microsoft.com/office/drawing/2014/main" id="{3BBC7667-C352-4842-9AFD-E5C16AD002F4}"/>
+              </a:ext>
+              <a:ext uri="{C183D7F6-B498-43B3-948B-1728B52AA6E4}">
+                <adec:decorative xmlns:adec="http://schemas.microsoft.com/office/drawing/2017/decorative" val="1"/>
+              </a:ext>
+            </a:extLst>
+          </p:cNvPr>
+          <p:cNvCxnSpPr>
+            <a:cxnSpLocks noGrp="1" noRot="1" noChangeAspect="1" noMove="1" noResize="1" noEditPoints="1" noAdjustHandles="1" noChangeArrowheads="1" noChangeShapeType="1"/>
+          </p:cNvCxnSpPr>
+          <p:nvPr>
+            <p:extLst>
+              <p:ext uri="{386F3935-93C4-4BCD-93E2-E3B085C9AB24}">
+                <p16:designElem xmlns:p16="http://schemas.microsoft.com/office/powerpoint/2015/main" val="1"/>
+              </p:ext>
+            </p:extLst>
+          </p:nvPr>
+        </p:nvCxnSpPr>
+        <p:spPr>
+          <a:xfrm>
+            <a:off x="2417780" y="3528542"/>
+            <a:ext cx="8637072" cy="0"/>
+          </a:xfrm>
+          <a:prstGeom prst="line">
+            <a:avLst/>
+          </a:prstGeom>
+          <a:ln w="31750"/>
+        </p:spPr>
+        <p:style>
+          <a:lnRef idx="3">
+            <a:schemeClr val="accent1"/>
+          </a:lnRef>
+          <a:fillRef idx="0">
+            <a:schemeClr val="accent1"/>
+          </a:fillRef>
+          <a:effectRef idx="2">
+            <a:schemeClr val="accent1"/>
+          </a:effectRef>
+          <a:fontRef idx="minor">
+            <a:schemeClr val="tx1"/>
+          </a:fontRef>
+        </p:style>
+      </p:cxnSp>
+      <p:sp useBgFill="1">
+        <p:nvSpPr>
+          <p:cNvPr id="15" name="Rectangle 14">
+            <a:extLst>
+              <a:ext uri="{FF2B5EF4-FFF2-40B4-BE49-F238E27FC236}">
+                <a16:creationId xmlns:a16="http://schemas.microsoft.com/office/drawing/2014/main" id="{F0AB17F6-592B-45CB-96F6-705C9825AFBC}"/>
+              </a:ext>
+              <a:ext uri="{C183D7F6-B498-43B3-948B-1728B52AA6E4}">
+                <adec:decorative xmlns:adec="http://schemas.microsoft.com/office/drawing/2017/decorative" val="1"/>
+              </a:ext>
+            </a:extLst>
+          </p:cNvPr>
+          <p:cNvSpPr>
+            <a:spLocks noGrp="1" noRot="1" noChangeAspect="1" noMove="1" noResize="1" noEditPoints="1" noAdjustHandles="1" noChangeArrowheads="1" noChangeShapeType="1" noTextEdit="1"/>
+          </p:cNvSpPr>
+          <p:nvPr>
+            <p:extLst>
+              <p:ext uri="{386F3935-93C4-4BCD-93E2-E3B085C9AB24}">
+                <p16:designElem xmlns:p16="http://schemas.microsoft.com/office/powerpoint/2015/main" val="1"/>
+              </p:ext>
+            </p:extLst>
+          </p:nvPr>
+        </p:nvSpPr>
+        <p:spPr>
+          <a:xfrm>
+            <a:off x="2" y="0"/>
+            <a:ext cx="12191695" cy="6858000"/>
+          </a:xfrm>
+          <a:prstGeom prst="rect">
+            <a:avLst/>
+          </a:prstGeom>
+          <a:ln>
+            <a:noFill/>
+          </a:ln>
+        </p:spPr>
+        <p:style>
+          <a:lnRef idx="2">
+            <a:schemeClr val="accent1">
+              <a:shade val="50000"/>
+            </a:schemeClr>
+          </a:lnRef>
+          <a:fillRef idx="1">
+            <a:schemeClr val="accent1"/>
+          </a:fillRef>
+          <a:effectRef idx="0">
+            <a:schemeClr val="accent1"/>
+          </a:effectRef>
+          <a:fontRef idx="minor">
+            <a:schemeClr val="lt1"/>
+          </a:fontRef>
+        </p:style>
+        <p:txBody>
+          <a:bodyPr rtlCol="0" anchor="ctr"/>
+          <a:lstStyle/>
+          <a:p>
+            <a:pPr algn="ctr"/>
+            <a:endParaRPr lang="en-US"/>
+          </a:p>
+        </p:txBody>
+      </p:sp>
+      <p:sp>
+        <p:nvSpPr>
+          <p:cNvPr id="2" name="Title 1">
+            <a:extLst>
+              <a:ext uri="{FF2B5EF4-FFF2-40B4-BE49-F238E27FC236}">
+                <a16:creationId xmlns:a16="http://schemas.microsoft.com/office/drawing/2014/main" id="{6FC29038-DDBC-4BFF-89F4-CE1EC9E6EEB3}"/>
+              </a:ext>
+            </a:extLst>
+          </p:cNvPr>
+          <p:cNvSpPr>
+            <a:spLocks noGrp="1"/>
+          </p:cNvSpPr>
+          <p:nvPr>
+            <p:ph type="title"/>
+          </p:nvPr>
+        </p:nvSpPr>
+        <p:spPr>
+          <a:xfrm>
+            <a:off x="4780727" y="802298"/>
+            <a:ext cx="5923716" cy="5116985"/>
+          </a:xfrm>
+        </p:spPr>
+        <p:txBody>
+          <a:bodyPr vert="horz" lIns="91440" tIns="45720" rIns="91440" bIns="0" rtlCol="0" anchor="ctr">
+            <a:normAutofit/>
+          </a:bodyPr>
+          <a:lstStyle/>
+          <a:p>
+            <a:pPr marL="1143000" indent="-1143000"/>
+            <a:r>
+              <a:rPr lang="en-US" sz="6600" dirty="0"/>
+              <a:t>9. </a:t>
+            </a:r>
+            <a:r>
+              <a:rPr lang="en-US" sz="3500" dirty="0"/>
+              <a:t>Recommendations for future analysis</a:t>
+            </a:r>
+          </a:p>
+        </p:txBody>
+      </p:sp>
+      <p:cxnSp>
+        <p:nvCxnSpPr>
+          <p:cNvPr id="17" name="Straight Connector 16">
+            <a:extLst>
+              <a:ext uri="{FF2B5EF4-FFF2-40B4-BE49-F238E27FC236}">
+                <a16:creationId xmlns:a16="http://schemas.microsoft.com/office/drawing/2014/main" id="{5A9284E7-0823-472D-9963-18D89DFEB8B4}"/>
+              </a:ext>
+              <a:ext uri="{C183D7F6-B498-43B3-948B-1728B52AA6E4}">
+                <adec:decorative xmlns:adec="http://schemas.microsoft.com/office/drawing/2017/decorative" val="1"/>
+              </a:ext>
+            </a:extLst>
+          </p:cNvPr>
+          <p:cNvCxnSpPr>
+            <a:cxnSpLocks noGrp="1" noRot="1" noChangeAspect="1" noMove="1" noResize="1" noEditPoints="1" noAdjustHandles="1" noChangeArrowheads="1" noChangeShapeType="1"/>
+          </p:cNvCxnSpPr>
+          <p:nvPr>
+            <p:extLst>
+              <p:ext uri="{386F3935-93C4-4BCD-93E2-E3B085C9AB24}">
+                <p16:designElem xmlns:p16="http://schemas.microsoft.com/office/powerpoint/2015/main" val="1"/>
+              </p:ext>
+            </p:extLst>
+          </p:nvPr>
+        </p:nvCxnSpPr>
+        <p:spPr>
+          <a:xfrm>
+            <a:off x="4654296" y="1760590"/>
+            <a:ext cx="0" cy="3200400"/>
+          </a:xfrm>
+          <a:prstGeom prst="line">
+            <a:avLst/>
+          </a:prstGeom>
+          <a:ln w="34925"/>
+        </p:spPr>
+        <p:style>
+          <a:lnRef idx="1">
+            <a:schemeClr val="accent1"/>
+          </a:lnRef>
+          <a:fillRef idx="0">
+            <a:schemeClr val="accent1"/>
+          </a:fillRef>
+          <a:effectRef idx="0">
+            <a:schemeClr val="accent1"/>
+          </a:effectRef>
+          <a:fontRef idx="minor">
+            <a:schemeClr val="tx1"/>
+          </a:fontRef>
+        </p:style>
+      </p:cxnSp>
+    </p:spTree>
+    <p:extLst>
+      <p:ext uri="{BB962C8B-B14F-4D97-AF65-F5344CB8AC3E}">
+        <p14:creationId xmlns:p14="http://schemas.microsoft.com/office/powerpoint/2010/main" val="3686660874"/>
+      </p:ext>
+    </p:extLst>
+  </p:cSld>
+  <p:clrMapOvr>
+    <a:overrideClrMapping bg1="dk1" tx1="lt1" bg2="dk2" tx2="lt2" accent1="accent1" accent2="accent2" accent3="accent3" accent4="accent4" accent5="accent5" accent6="accent6" hlink="hlink" folHlink="folHlink"/>
+  </p:clrMapOvr>
+</p:sld>
+</file>
+
+<file path=ppt/slides/slide2.xml><?xml version="1.0" encoding="utf-8"?>
 <p:sld xmlns:a="http://schemas.openxmlformats.org/drawingml/2006/main" xmlns:r="http://schemas.openxmlformats.org/officeDocument/2006/relationships" xmlns:p="http://schemas.openxmlformats.org/presentationml/2006/main">
   <p:cSld>
     <p:bg>
@@ -4865,7 +8998,835 @@
 </p:sld>
 </file>
 
-<file path=ppt/slides/slide2.xml><?xml version="1.0" encoding="utf-8"?>
+<file path=ppt/slides/slide20.xml><?xml version="1.0" encoding="utf-8"?>
+<p:sld xmlns:a="http://schemas.openxmlformats.org/drawingml/2006/main" xmlns:r="http://schemas.openxmlformats.org/officeDocument/2006/relationships" xmlns:p="http://schemas.openxmlformats.org/presentationml/2006/main">
+  <p:cSld>
+    <p:bg>
+      <p:bgPr>
+        <a:gradFill rotWithShape="1">
+          <a:gsLst>
+            <a:gs pos="0">
+              <a:schemeClr val="bg1">
+                <a:tint val="94000"/>
+                <a:satMod val="80000"/>
+                <a:lumMod val="106000"/>
+              </a:schemeClr>
+            </a:gs>
+            <a:gs pos="100000">
+              <a:schemeClr val="bg1">
+                <a:shade val="80000"/>
+              </a:schemeClr>
+            </a:gs>
+          </a:gsLst>
+          <a:path path="circle">
+            <a:fillToRect l="50000" t="50000" r="50000" b="50000"/>
+          </a:path>
+        </a:gradFill>
+        <a:effectLst/>
+      </p:bgPr>
+    </p:bg>
+    <p:spTree>
+      <p:nvGrpSpPr>
+        <p:cNvPr id="1" name=""/>
+        <p:cNvGrpSpPr/>
+        <p:nvPr/>
+      </p:nvGrpSpPr>
+      <p:grpSpPr>
+        <a:xfrm>
+          <a:off x="0" y="0"/>
+          <a:ext cx="0" cy="0"/>
+          <a:chOff x="0" y="0"/>
+          <a:chExt cx="0" cy="0"/>
+        </a:xfrm>
+      </p:grpSpPr>
+      <p:sp>
+        <p:nvSpPr>
+          <p:cNvPr id="7" name="Rectangle 6">
+            <a:extLst>
+              <a:ext uri="{FF2B5EF4-FFF2-40B4-BE49-F238E27FC236}">
+                <a16:creationId xmlns:a16="http://schemas.microsoft.com/office/drawing/2014/main" id="{23522FE7-5A29-4EF6-B1EF-2CA55748A772}"/>
+              </a:ext>
+              <a:ext uri="{C183D7F6-B498-43B3-948B-1728B52AA6E4}">
+                <adec:decorative xmlns:adec="http://schemas.microsoft.com/office/drawing/2017/decorative" val="1"/>
+              </a:ext>
+            </a:extLst>
+          </p:cNvPr>
+          <p:cNvSpPr>
+            <a:spLocks noGrp="1" noRot="1" noChangeAspect="1" noMove="1" noResize="1" noEditPoints="1" noAdjustHandles="1" noChangeArrowheads="1" noChangeShapeType="1" noTextEdit="1"/>
+          </p:cNvSpPr>
+          <p:nvPr>
+            <p:extLst>
+              <p:ext uri="{386F3935-93C4-4BCD-93E2-E3B085C9AB24}">
+                <p16:designElem xmlns:p16="http://schemas.microsoft.com/office/powerpoint/2015/main" val="1"/>
+              </p:ext>
+            </p:extLst>
+          </p:nvPr>
+        </p:nvSpPr>
+        <p:spPr>
+          <a:xfrm>
+            <a:off x="0" y="2019476"/>
+            <a:ext cx="12192000" cy="4105941"/>
+          </a:xfrm>
+          <a:prstGeom prst="rect">
+            <a:avLst/>
+          </a:prstGeom>
+          <a:gradFill flip="none" rotWithShape="1">
+            <a:gsLst>
+              <a:gs pos="0">
+                <a:schemeClr val="bg2">
+                  <a:alpha val="0"/>
+                </a:schemeClr>
+              </a:gs>
+              <a:gs pos="100000">
+                <a:schemeClr val="bg2"/>
+              </a:gs>
+            </a:gsLst>
+            <a:lin ang="5400000" scaled="0"/>
+            <a:tileRect/>
+          </a:gradFill>
+          <a:ln>
+            <a:noFill/>
+          </a:ln>
+        </p:spPr>
+        <p:style>
+          <a:lnRef idx="2">
+            <a:schemeClr val="accent1">
+              <a:shade val="50000"/>
+            </a:schemeClr>
+          </a:lnRef>
+          <a:fillRef idx="1">
+            <a:schemeClr val="accent1"/>
+          </a:fillRef>
+          <a:effectRef idx="0">
+            <a:schemeClr val="accent1"/>
+          </a:effectRef>
+          <a:fontRef idx="minor">
+            <a:schemeClr val="lt1"/>
+          </a:fontRef>
+        </p:style>
+      </p:sp>
+      <p:pic>
+        <p:nvPicPr>
+          <p:cNvPr id="9" name="Picture 8">
+            <a:extLst>
+              <a:ext uri="{FF2B5EF4-FFF2-40B4-BE49-F238E27FC236}">
+                <a16:creationId xmlns:a16="http://schemas.microsoft.com/office/drawing/2014/main" id="{C2192E09-EBC7-416C-B887-DFF915D7F43D}"/>
+              </a:ext>
+              <a:ext uri="{C183D7F6-B498-43B3-948B-1728B52AA6E4}">
+                <adec:decorative xmlns:adec="http://schemas.microsoft.com/office/drawing/2017/decorative" val="1"/>
+              </a:ext>
+            </a:extLst>
+          </p:cNvPr>
+          <p:cNvPicPr>
+            <a:picLocks noGrp="1" noRot="1" noChangeAspect="1" noMove="1" noResize="1" noEditPoints="1" noAdjustHandles="1" noChangeArrowheads="1" noChangeShapeType="1" noCrop="1"/>
+          </p:cNvPicPr>
+          <p:nvPr>
+            <p:extLst>
+              <p:ext uri="{386F3935-93C4-4BCD-93E2-E3B085C9AB24}">
+                <p16:designElem xmlns:p16="http://schemas.microsoft.com/office/powerpoint/2015/main" val="1"/>
+              </p:ext>
+            </p:extLst>
+          </p:nvPr>
+        </p:nvPicPr>
+        <p:blipFill rotWithShape="1">
+          <a:blip r:embed="rId2">
+            <a:extLst>
+              <a:ext uri="{28A0092B-C50C-407E-A947-70E740481C1C}">
+                <a14:useLocalDpi xmlns:a14="http://schemas.microsoft.com/office/drawing/2010/main" val="0"/>
+              </a:ext>
+            </a:extLst>
+          </a:blip>
+          <a:srcRect t="1538" b="-1538"/>
+          <a:stretch/>
+        </p:blipFill>
+        <p:spPr bwMode="black">
+          <a:xfrm>
+            <a:off x="0" y="6126480"/>
+            <a:ext cx="12192000" cy="742950"/>
+          </a:xfrm>
+          <a:prstGeom prst="rect">
+            <a:avLst/>
+          </a:prstGeom>
+        </p:spPr>
+      </p:pic>
+      <p:cxnSp>
+        <p:nvCxnSpPr>
+          <p:cNvPr id="11" name="Straight Connector 10">
+            <a:extLst>
+              <a:ext uri="{FF2B5EF4-FFF2-40B4-BE49-F238E27FC236}">
+                <a16:creationId xmlns:a16="http://schemas.microsoft.com/office/drawing/2014/main" id="{2924498D-E084-44BE-A196-CFCE35564350}"/>
+              </a:ext>
+              <a:ext uri="{C183D7F6-B498-43B3-948B-1728B52AA6E4}">
+                <adec:decorative xmlns:adec="http://schemas.microsoft.com/office/drawing/2017/decorative" val="1"/>
+              </a:ext>
+            </a:extLst>
+          </p:cNvPr>
+          <p:cNvCxnSpPr>
+            <a:cxnSpLocks noGrp="1" noRot="1" noChangeAspect="1" noMove="1" noResize="1" noEditPoints="1" noAdjustHandles="1" noChangeArrowheads="1" noChangeShapeType="1"/>
+          </p:cNvCxnSpPr>
+          <p:nvPr>
+            <p:extLst>
+              <p:ext uri="{386F3935-93C4-4BCD-93E2-E3B085C9AB24}">
+                <p16:designElem xmlns:p16="http://schemas.microsoft.com/office/powerpoint/2015/main" val="1"/>
+              </p:ext>
+            </p:extLst>
+          </p:nvPr>
+        </p:nvCxnSpPr>
+        <p:spPr>
+          <a:xfrm>
+            <a:off x="0" y="6128413"/>
+            <a:ext cx="12192000" cy="0"/>
+          </a:xfrm>
+          <a:prstGeom prst="line">
+            <a:avLst/>
+          </a:prstGeom>
+          <a:ln w="12700">
+            <a:solidFill>
+              <a:srgbClr val="000001">
+                <a:alpha val="20000"/>
+              </a:srgbClr>
+            </a:solidFill>
+          </a:ln>
+        </p:spPr>
+        <p:style>
+          <a:lnRef idx="1">
+            <a:schemeClr val="accent1"/>
+          </a:lnRef>
+          <a:fillRef idx="0">
+            <a:schemeClr val="accent1"/>
+          </a:fillRef>
+          <a:effectRef idx="0">
+            <a:schemeClr val="accent1"/>
+          </a:effectRef>
+          <a:fontRef idx="minor">
+            <a:schemeClr val="tx1"/>
+          </a:fontRef>
+        </p:style>
+      </p:cxnSp>
+      <p:cxnSp>
+        <p:nvCxnSpPr>
+          <p:cNvPr id="13" name="Straight Connector 12">
+            <a:extLst>
+              <a:ext uri="{FF2B5EF4-FFF2-40B4-BE49-F238E27FC236}">
+                <a16:creationId xmlns:a16="http://schemas.microsoft.com/office/drawing/2014/main" id="{3BBC7667-C352-4842-9AFD-E5C16AD002F4}"/>
+              </a:ext>
+              <a:ext uri="{C183D7F6-B498-43B3-948B-1728B52AA6E4}">
+                <adec:decorative xmlns:adec="http://schemas.microsoft.com/office/drawing/2017/decorative" val="1"/>
+              </a:ext>
+            </a:extLst>
+          </p:cNvPr>
+          <p:cNvCxnSpPr>
+            <a:cxnSpLocks noGrp="1" noRot="1" noChangeAspect="1" noMove="1" noResize="1" noEditPoints="1" noAdjustHandles="1" noChangeArrowheads="1" noChangeShapeType="1"/>
+          </p:cNvCxnSpPr>
+          <p:nvPr>
+            <p:extLst>
+              <p:ext uri="{386F3935-93C4-4BCD-93E2-E3B085C9AB24}">
+                <p16:designElem xmlns:p16="http://schemas.microsoft.com/office/powerpoint/2015/main" val="1"/>
+              </p:ext>
+            </p:extLst>
+          </p:nvPr>
+        </p:nvCxnSpPr>
+        <p:spPr>
+          <a:xfrm>
+            <a:off x="2417780" y="3528542"/>
+            <a:ext cx="8637072" cy="0"/>
+          </a:xfrm>
+          <a:prstGeom prst="line">
+            <a:avLst/>
+          </a:prstGeom>
+          <a:ln w="31750"/>
+        </p:spPr>
+        <p:style>
+          <a:lnRef idx="3">
+            <a:schemeClr val="accent1"/>
+          </a:lnRef>
+          <a:fillRef idx="0">
+            <a:schemeClr val="accent1"/>
+          </a:fillRef>
+          <a:effectRef idx="2">
+            <a:schemeClr val="accent1"/>
+          </a:effectRef>
+          <a:fontRef idx="minor">
+            <a:schemeClr val="tx1"/>
+          </a:fontRef>
+        </p:style>
+      </p:cxnSp>
+      <p:sp useBgFill="1">
+        <p:nvSpPr>
+          <p:cNvPr id="15" name="Rectangle 14">
+            <a:extLst>
+              <a:ext uri="{FF2B5EF4-FFF2-40B4-BE49-F238E27FC236}">
+                <a16:creationId xmlns:a16="http://schemas.microsoft.com/office/drawing/2014/main" id="{F0AB17F6-592B-45CB-96F6-705C9825AFBC}"/>
+              </a:ext>
+              <a:ext uri="{C183D7F6-B498-43B3-948B-1728B52AA6E4}">
+                <adec:decorative xmlns:adec="http://schemas.microsoft.com/office/drawing/2017/decorative" val="1"/>
+              </a:ext>
+            </a:extLst>
+          </p:cNvPr>
+          <p:cNvSpPr>
+            <a:spLocks noGrp="1" noRot="1" noChangeAspect="1" noMove="1" noResize="1" noEditPoints="1" noAdjustHandles="1" noChangeArrowheads="1" noChangeShapeType="1" noTextEdit="1"/>
+          </p:cNvSpPr>
+          <p:nvPr>
+            <p:extLst>
+              <p:ext uri="{386F3935-93C4-4BCD-93E2-E3B085C9AB24}">
+                <p16:designElem xmlns:p16="http://schemas.microsoft.com/office/powerpoint/2015/main" val="1"/>
+              </p:ext>
+            </p:extLst>
+          </p:nvPr>
+        </p:nvSpPr>
+        <p:spPr>
+          <a:xfrm>
+            <a:off x="2" y="0"/>
+            <a:ext cx="12191695" cy="6858000"/>
+          </a:xfrm>
+          <a:prstGeom prst="rect">
+            <a:avLst/>
+          </a:prstGeom>
+          <a:ln>
+            <a:noFill/>
+          </a:ln>
+        </p:spPr>
+        <p:style>
+          <a:lnRef idx="2">
+            <a:schemeClr val="accent1">
+              <a:shade val="50000"/>
+            </a:schemeClr>
+          </a:lnRef>
+          <a:fillRef idx="1">
+            <a:schemeClr val="accent1"/>
+          </a:fillRef>
+          <a:effectRef idx="0">
+            <a:schemeClr val="accent1"/>
+          </a:effectRef>
+          <a:fontRef idx="minor">
+            <a:schemeClr val="lt1"/>
+          </a:fontRef>
+        </p:style>
+        <p:txBody>
+          <a:bodyPr rtlCol="0" anchor="ctr"/>
+          <a:lstStyle/>
+          <a:p>
+            <a:pPr algn="ctr"/>
+            <a:endParaRPr lang="en-US"/>
+          </a:p>
+        </p:txBody>
+      </p:sp>
+      <p:sp>
+        <p:nvSpPr>
+          <p:cNvPr id="2" name="Title 1">
+            <a:extLst>
+              <a:ext uri="{FF2B5EF4-FFF2-40B4-BE49-F238E27FC236}">
+                <a16:creationId xmlns:a16="http://schemas.microsoft.com/office/drawing/2014/main" id="{6FC29038-DDBC-4BFF-89F4-CE1EC9E6EEB3}"/>
+              </a:ext>
+            </a:extLst>
+          </p:cNvPr>
+          <p:cNvSpPr>
+            <a:spLocks noGrp="1"/>
+          </p:cNvSpPr>
+          <p:nvPr>
+            <p:ph type="title"/>
+          </p:nvPr>
+        </p:nvSpPr>
+        <p:spPr>
+          <a:xfrm>
+            <a:off x="4780727" y="802298"/>
+            <a:ext cx="5923716" cy="5116985"/>
+          </a:xfrm>
+        </p:spPr>
+        <p:txBody>
+          <a:bodyPr vert="horz" lIns="91440" tIns="45720" rIns="91440" bIns="0" rtlCol="0" anchor="ctr">
+            <a:normAutofit/>
+          </a:bodyPr>
+          <a:lstStyle/>
+          <a:p>
+            <a:pPr marL="1143000" indent="-1143000"/>
+            <a:r>
+              <a:rPr lang="en-US" sz="6600" dirty="0"/>
+              <a:t>10. </a:t>
+            </a:r>
+            <a:r>
+              <a:rPr lang="en-US" sz="6000" dirty="0"/>
+              <a:t>Other Aspects</a:t>
+            </a:r>
+          </a:p>
+        </p:txBody>
+      </p:sp>
+      <p:cxnSp>
+        <p:nvCxnSpPr>
+          <p:cNvPr id="17" name="Straight Connector 16">
+            <a:extLst>
+              <a:ext uri="{FF2B5EF4-FFF2-40B4-BE49-F238E27FC236}">
+                <a16:creationId xmlns:a16="http://schemas.microsoft.com/office/drawing/2014/main" id="{5A9284E7-0823-472D-9963-18D89DFEB8B4}"/>
+              </a:ext>
+              <a:ext uri="{C183D7F6-B498-43B3-948B-1728B52AA6E4}">
+                <adec:decorative xmlns:adec="http://schemas.microsoft.com/office/drawing/2017/decorative" val="1"/>
+              </a:ext>
+            </a:extLst>
+          </p:cNvPr>
+          <p:cNvCxnSpPr>
+            <a:cxnSpLocks noGrp="1" noRot="1" noChangeAspect="1" noMove="1" noResize="1" noEditPoints="1" noAdjustHandles="1" noChangeArrowheads="1" noChangeShapeType="1"/>
+          </p:cNvCxnSpPr>
+          <p:nvPr>
+            <p:extLst>
+              <p:ext uri="{386F3935-93C4-4BCD-93E2-E3B085C9AB24}">
+                <p16:designElem xmlns:p16="http://schemas.microsoft.com/office/powerpoint/2015/main" val="1"/>
+              </p:ext>
+            </p:extLst>
+          </p:nvPr>
+        </p:nvCxnSpPr>
+        <p:spPr>
+          <a:xfrm>
+            <a:off x="4654296" y="1760590"/>
+            <a:ext cx="0" cy="3200400"/>
+          </a:xfrm>
+          <a:prstGeom prst="line">
+            <a:avLst/>
+          </a:prstGeom>
+          <a:ln w="34925"/>
+        </p:spPr>
+        <p:style>
+          <a:lnRef idx="1">
+            <a:schemeClr val="accent1"/>
+          </a:lnRef>
+          <a:fillRef idx="0">
+            <a:schemeClr val="accent1"/>
+          </a:fillRef>
+          <a:effectRef idx="0">
+            <a:schemeClr val="accent1"/>
+          </a:effectRef>
+          <a:fontRef idx="minor">
+            <a:schemeClr val="tx1"/>
+          </a:fontRef>
+        </p:style>
+      </p:cxnSp>
+    </p:spTree>
+    <p:extLst>
+      <p:ext uri="{BB962C8B-B14F-4D97-AF65-F5344CB8AC3E}">
+        <p14:creationId xmlns:p14="http://schemas.microsoft.com/office/powerpoint/2010/main" val="2435367869"/>
+      </p:ext>
+    </p:extLst>
+  </p:cSld>
+  <p:clrMapOvr>
+    <a:overrideClrMapping bg1="dk1" tx1="lt1" bg2="dk2" tx2="lt2" accent1="accent1" accent2="accent2" accent3="accent3" accent4="accent4" accent5="accent5" accent6="accent6" hlink="hlink" folHlink="folHlink"/>
+  </p:clrMapOvr>
+</p:sld>
+</file>
+
+<file path=ppt/slides/slide3.xml><?xml version="1.0" encoding="utf-8"?>
+<p:sld xmlns:a="http://schemas.openxmlformats.org/drawingml/2006/main" xmlns:r="http://schemas.openxmlformats.org/officeDocument/2006/relationships" xmlns:p="http://schemas.openxmlformats.org/presentationml/2006/main">
+  <p:cSld>
+    <p:bg>
+      <p:bgPr>
+        <a:gradFill rotWithShape="1">
+          <a:gsLst>
+            <a:gs pos="0">
+              <a:schemeClr val="bg1">
+                <a:tint val="94000"/>
+                <a:satMod val="80000"/>
+                <a:lumMod val="106000"/>
+              </a:schemeClr>
+            </a:gs>
+            <a:gs pos="100000">
+              <a:schemeClr val="bg1">
+                <a:shade val="80000"/>
+              </a:schemeClr>
+            </a:gs>
+          </a:gsLst>
+          <a:path path="circle">
+            <a:fillToRect l="50000" t="50000" r="50000" b="50000"/>
+          </a:path>
+        </a:gradFill>
+        <a:effectLst/>
+      </p:bgPr>
+    </p:bg>
+    <p:spTree>
+      <p:nvGrpSpPr>
+        <p:cNvPr id="1" name=""/>
+        <p:cNvGrpSpPr/>
+        <p:nvPr/>
+      </p:nvGrpSpPr>
+      <p:grpSpPr>
+        <a:xfrm>
+          <a:off x="0" y="0"/>
+          <a:ext cx="0" cy="0"/>
+          <a:chOff x="0" y="0"/>
+          <a:chExt cx="0" cy="0"/>
+        </a:xfrm>
+      </p:grpSpPr>
+      <p:sp>
+        <p:nvSpPr>
+          <p:cNvPr id="7" name="Rectangle 6">
+            <a:extLst>
+              <a:ext uri="{FF2B5EF4-FFF2-40B4-BE49-F238E27FC236}">
+                <a16:creationId xmlns:a16="http://schemas.microsoft.com/office/drawing/2014/main" id="{23522FE7-5A29-4EF6-B1EF-2CA55748A772}"/>
+              </a:ext>
+              <a:ext uri="{C183D7F6-B498-43B3-948B-1728B52AA6E4}">
+                <adec:decorative xmlns:adec="http://schemas.microsoft.com/office/drawing/2017/decorative" val="1"/>
+              </a:ext>
+            </a:extLst>
+          </p:cNvPr>
+          <p:cNvSpPr>
+            <a:spLocks noGrp="1" noRot="1" noChangeAspect="1" noMove="1" noResize="1" noEditPoints="1" noAdjustHandles="1" noChangeArrowheads="1" noChangeShapeType="1" noTextEdit="1"/>
+          </p:cNvSpPr>
+          <p:nvPr>
+            <p:extLst>
+              <p:ext uri="{386F3935-93C4-4BCD-93E2-E3B085C9AB24}">
+                <p16:designElem xmlns:p16="http://schemas.microsoft.com/office/powerpoint/2015/main" val="1"/>
+              </p:ext>
+            </p:extLst>
+          </p:nvPr>
+        </p:nvSpPr>
+        <p:spPr>
+          <a:xfrm>
+            <a:off x="0" y="2019476"/>
+            <a:ext cx="12192000" cy="4105941"/>
+          </a:xfrm>
+          <a:prstGeom prst="rect">
+            <a:avLst/>
+          </a:prstGeom>
+          <a:gradFill flip="none" rotWithShape="1">
+            <a:gsLst>
+              <a:gs pos="0">
+                <a:schemeClr val="bg2">
+                  <a:alpha val="0"/>
+                </a:schemeClr>
+              </a:gs>
+              <a:gs pos="100000">
+                <a:schemeClr val="bg2"/>
+              </a:gs>
+            </a:gsLst>
+            <a:lin ang="5400000" scaled="0"/>
+            <a:tileRect/>
+          </a:gradFill>
+          <a:ln>
+            <a:noFill/>
+          </a:ln>
+        </p:spPr>
+        <p:style>
+          <a:lnRef idx="2">
+            <a:schemeClr val="accent1">
+              <a:shade val="50000"/>
+            </a:schemeClr>
+          </a:lnRef>
+          <a:fillRef idx="1">
+            <a:schemeClr val="accent1"/>
+          </a:fillRef>
+          <a:effectRef idx="0">
+            <a:schemeClr val="accent1"/>
+          </a:effectRef>
+          <a:fontRef idx="minor">
+            <a:schemeClr val="lt1"/>
+          </a:fontRef>
+        </p:style>
+      </p:sp>
+      <p:pic>
+        <p:nvPicPr>
+          <p:cNvPr id="9" name="Picture 8">
+            <a:extLst>
+              <a:ext uri="{FF2B5EF4-FFF2-40B4-BE49-F238E27FC236}">
+                <a16:creationId xmlns:a16="http://schemas.microsoft.com/office/drawing/2014/main" id="{C2192E09-EBC7-416C-B887-DFF915D7F43D}"/>
+              </a:ext>
+              <a:ext uri="{C183D7F6-B498-43B3-948B-1728B52AA6E4}">
+                <adec:decorative xmlns:adec="http://schemas.microsoft.com/office/drawing/2017/decorative" val="1"/>
+              </a:ext>
+            </a:extLst>
+          </p:cNvPr>
+          <p:cNvPicPr>
+            <a:picLocks noGrp="1" noRot="1" noChangeAspect="1" noMove="1" noResize="1" noEditPoints="1" noAdjustHandles="1" noChangeArrowheads="1" noChangeShapeType="1" noCrop="1"/>
+          </p:cNvPicPr>
+          <p:nvPr>
+            <p:extLst>
+              <p:ext uri="{386F3935-93C4-4BCD-93E2-E3B085C9AB24}">
+                <p16:designElem xmlns:p16="http://schemas.microsoft.com/office/powerpoint/2015/main" val="1"/>
+              </p:ext>
+            </p:extLst>
+          </p:nvPr>
+        </p:nvPicPr>
+        <p:blipFill rotWithShape="1">
+          <a:blip r:embed="rId2">
+            <a:extLst>
+              <a:ext uri="{28A0092B-C50C-407E-A947-70E740481C1C}">
+                <a14:useLocalDpi xmlns:a14="http://schemas.microsoft.com/office/drawing/2010/main" val="0"/>
+              </a:ext>
+            </a:extLst>
+          </a:blip>
+          <a:srcRect t="1538" b="-1538"/>
+          <a:stretch/>
+        </p:blipFill>
+        <p:spPr bwMode="black">
+          <a:xfrm>
+            <a:off x="0" y="6126480"/>
+            <a:ext cx="12192000" cy="742950"/>
+          </a:xfrm>
+          <a:prstGeom prst="rect">
+            <a:avLst/>
+          </a:prstGeom>
+        </p:spPr>
+      </p:pic>
+      <p:cxnSp>
+        <p:nvCxnSpPr>
+          <p:cNvPr id="11" name="Straight Connector 10">
+            <a:extLst>
+              <a:ext uri="{FF2B5EF4-FFF2-40B4-BE49-F238E27FC236}">
+                <a16:creationId xmlns:a16="http://schemas.microsoft.com/office/drawing/2014/main" id="{2924498D-E084-44BE-A196-CFCE35564350}"/>
+              </a:ext>
+              <a:ext uri="{C183D7F6-B498-43B3-948B-1728B52AA6E4}">
+                <adec:decorative xmlns:adec="http://schemas.microsoft.com/office/drawing/2017/decorative" val="1"/>
+              </a:ext>
+            </a:extLst>
+          </p:cNvPr>
+          <p:cNvCxnSpPr>
+            <a:cxnSpLocks noGrp="1" noRot="1" noChangeAspect="1" noMove="1" noResize="1" noEditPoints="1" noAdjustHandles="1" noChangeArrowheads="1" noChangeShapeType="1"/>
+          </p:cNvCxnSpPr>
+          <p:nvPr>
+            <p:extLst>
+              <p:ext uri="{386F3935-93C4-4BCD-93E2-E3B085C9AB24}">
+                <p16:designElem xmlns:p16="http://schemas.microsoft.com/office/powerpoint/2015/main" val="1"/>
+              </p:ext>
+            </p:extLst>
+          </p:nvPr>
+        </p:nvCxnSpPr>
+        <p:spPr>
+          <a:xfrm>
+            <a:off x="0" y="6128413"/>
+            <a:ext cx="12192000" cy="0"/>
+          </a:xfrm>
+          <a:prstGeom prst="line">
+            <a:avLst/>
+          </a:prstGeom>
+          <a:ln w="12700">
+            <a:solidFill>
+              <a:srgbClr val="000001">
+                <a:alpha val="20000"/>
+              </a:srgbClr>
+            </a:solidFill>
+          </a:ln>
+        </p:spPr>
+        <p:style>
+          <a:lnRef idx="1">
+            <a:schemeClr val="accent1"/>
+          </a:lnRef>
+          <a:fillRef idx="0">
+            <a:schemeClr val="accent1"/>
+          </a:fillRef>
+          <a:effectRef idx="0">
+            <a:schemeClr val="accent1"/>
+          </a:effectRef>
+          <a:fontRef idx="minor">
+            <a:schemeClr val="tx1"/>
+          </a:fontRef>
+        </p:style>
+      </p:cxnSp>
+      <p:cxnSp>
+        <p:nvCxnSpPr>
+          <p:cNvPr id="13" name="Straight Connector 12">
+            <a:extLst>
+              <a:ext uri="{FF2B5EF4-FFF2-40B4-BE49-F238E27FC236}">
+                <a16:creationId xmlns:a16="http://schemas.microsoft.com/office/drawing/2014/main" id="{3BBC7667-C352-4842-9AFD-E5C16AD002F4}"/>
+              </a:ext>
+              <a:ext uri="{C183D7F6-B498-43B3-948B-1728B52AA6E4}">
+                <adec:decorative xmlns:adec="http://schemas.microsoft.com/office/drawing/2017/decorative" val="1"/>
+              </a:ext>
+            </a:extLst>
+          </p:cNvPr>
+          <p:cNvCxnSpPr>
+            <a:cxnSpLocks noGrp="1" noRot="1" noChangeAspect="1" noMove="1" noResize="1" noEditPoints="1" noAdjustHandles="1" noChangeArrowheads="1" noChangeShapeType="1"/>
+          </p:cNvCxnSpPr>
+          <p:nvPr>
+            <p:extLst>
+              <p:ext uri="{386F3935-93C4-4BCD-93E2-E3B085C9AB24}">
+                <p16:designElem xmlns:p16="http://schemas.microsoft.com/office/powerpoint/2015/main" val="1"/>
+              </p:ext>
+            </p:extLst>
+          </p:nvPr>
+        </p:nvCxnSpPr>
+        <p:spPr>
+          <a:xfrm>
+            <a:off x="2417780" y="3528542"/>
+            <a:ext cx="8637072" cy="0"/>
+          </a:xfrm>
+          <a:prstGeom prst="line">
+            <a:avLst/>
+          </a:prstGeom>
+          <a:ln w="31750"/>
+        </p:spPr>
+        <p:style>
+          <a:lnRef idx="3">
+            <a:schemeClr val="accent1"/>
+          </a:lnRef>
+          <a:fillRef idx="0">
+            <a:schemeClr val="accent1"/>
+          </a:fillRef>
+          <a:effectRef idx="2">
+            <a:schemeClr val="accent1"/>
+          </a:effectRef>
+          <a:fontRef idx="minor">
+            <a:schemeClr val="tx1"/>
+          </a:fontRef>
+        </p:style>
+      </p:cxnSp>
+      <p:sp useBgFill="1">
+        <p:nvSpPr>
+          <p:cNvPr id="15" name="Rectangle 14">
+            <a:extLst>
+              <a:ext uri="{FF2B5EF4-FFF2-40B4-BE49-F238E27FC236}">
+                <a16:creationId xmlns:a16="http://schemas.microsoft.com/office/drawing/2014/main" id="{F0AB17F6-592B-45CB-96F6-705C9825AFBC}"/>
+              </a:ext>
+              <a:ext uri="{C183D7F6-B498-43B3-948B-1728B52AA6E4}">
+                <adec:decorative xmlns:adec="http://schemas.microsoft.com/office/drawing/2017/decorative" val="1"/>
+              </a:ext>
+            </a:extLst>
+          </p:cNvPr>
+          <p:cNvSpPr>
+            <a:spLocks noGrp="1" noRot="1" noChangeAspect="1" noMove="1" noResize="1" noEditPoints="1" noAdjustHandles="1" noChangeArrowheads="1" noChangeShapeType="1" noTextEdit="1"/>
+          </p:cNvSpPr>
+          <p:nvPr>
+            <p:extLst>
+              <p:ext uri="{386F3935-93C4-4BCD-93E2-E3B085C9AB24}">
+                <p16:designElem xmlns:p16="http://schemas.microsoft.com/office/powerpoint/2015/main" val="1"/>
+              </p:ext>
+            </p:extLst>
+          </p:nvPr>
+        </p:nvSpPr>
+        <p:spPr>
+          <a:xfrm>
+            <a:off x="2" y="0"/>
+            <a:ext cx="12191695" cy="6858000"/>
+          </a:xfrm>
+          <a:prstGeom prst="rect">
+            <a:avLst/>
+          </a:prstGeom>
+          <a:ln>
+            <a:noFill/>
+          </a:ln>
+        </p:spPr>
+        <p:style>
+          <a:lnRef idx="2">
+            <a:schemeClr val="accent1">
+              <a:shade val="50000"/>
+            </a:schemeClr>
+          </a:lnRef>
+          <a:fillRef idx="1">
+            <a:schemeClr val="accent1"/>
+          </a:fillRef>
+          <a:effectRef idx="0">
+            <a:schemeClr val="accent1"/>
+          </a:effectRef>
+          <a:fontRef idx="minor">
+            <a:schemeClr val="lt1"/>
+          </a:fontRef>
+        </p:style>
+        <p:txBody>
+          <a:bodyPr rtlCol="0" anchor="ctr"/>
+          <a:lstStyle/>
+          <a:p>
+            <a:pPr algn="ctr"/>
+            <a:endParaRPr lang="en-US"/>
+          </a:p>
+        </p:txBody>
+      </p:sp>
+      <p:sp>
+        <p:nvSpPr>
+          <p:cNvPr id="2" name="Title 1">
+            <a:extLst>
+              <a:ext uri="{FF2B5EF4-FFF2-40B4-BE49-F238E27FC236}">
+                <a16:creationId xmlns:a16="http://schemas.microsoft.com/office/drawing/2014/main" id="{6FC29038-DDBC-4BFF-89F4-CE1EC9E6EEB3}"/>
+              </a:ext>
+            </a:extLst>
+          </p:cNvPr>
+          <p:cNvSpPr>
+            <a:spLocks noGrp="1"/>
+          </p:cNvSpPr>
+          <p:nvPr>
+            <p:ph type="title"/>
+          </p:nvPr>
+        </p:nvSpPr>
+        <p:spPr>
+          <a:xfrm>
+            <a:off x="5039068" y="802298"/>
+            <a:ext cx="6015784" cy="5116985"/>
+          </a:xfrm>
+        </p:spPr>
+        <p:txBody>
+          <a:bodyPr vert="horz" lIns="91440" tIns="45720" rIns="91440" bIns="0" rtlCol="0" anchor="ctr">
+            <a:normAutofit/>
+          </a:bodyPr>
+          <a:lstStyle/>
+          <a:p>
+            <a:pPr marL="1143000" indent="-1143000"/>
+            <a:r>
+              <a:rPr lang="en-US" sz="6600" dirty="0"/>
+              <a:t>2. </a:t>
+            </a:r>
+            <a:r>
+              <a:rPr lang="en-US" sz="5800" dirty="0"/>
+              <a:t>Reason for topic selection</a:t>
+            </a:r>
+          </a:p>
+        </p:txBody>
+      </p:sp>
+      <p:cxnSp>
+        <p:nvCxnSpPr>
+          <p:cNvPr id="17" name="Straight Connector 16">
+            <a:extLst>
+              <a:ext uri="{FF2B5EF4-FFF2-40B4-BE49-F238E27FC236}">
+                <a16:creationId xmlns:a16="http://schemas.microsoft.com/office/drawing/2014/main" id="{5A9284E7-0823-472D-9963-18D89DFEB8B4}"/>
+              </a:ext>
+              <a:ext uri="{C183D7F6-B498-43B3-948B-1728B52AA6E4}">
+                <adec:decorative xmlns:adec="http://schemas.microsoft.com/office/drawing/2017/decorative" val="1"/>
+              </a:ext>
+            </a:extLst>
+          </p:cNvPr>
+          <p:cNvCxnSpPr>
+            <a:cxnSpLocks noGrp="1" noRot="1" noChangeAspect="1" noMove="1" noResize="1" noEditPoints="1" noAdjustHandles="1" noChangeArrowheads="1" noChangeShapeType="1"/>
+          </p:cNvCxnSpPr>
+          <p:nvPr>
+            <p:extLst>
+              <p:ext uri="{386F3935-93C4-4BCD-93E2-E3B085C9AB24}">
+                <p16:designElem xmlns:p16="http://schemas.microsoft.com/office/powerpoint/2015/main" val="1"/>
+              </p:ext>
+            </p:extLst>
+          </p:nvPr>
+        </p:nvCxnSpPr>
+        <p:spPr>
+          <a:xfrm>
+            <a:off x="4654296" y="1760590"/>
+            <a:ext cx="0" cy="3200400"/>
+          </a:xfrm>
+          <a:prstGeom prst="line">
+            <a:avLst/>
+          </a:prstGeom>
+          <a:ln w="34925"/>
+        </p:spPr>
+        <p:style>
+          <a:lnRef idx="1">
+            <a:schemeClr val="accent1"/>
+          </a:lnRef>
+          <a:fillRef idx="0">
+            <a:schemeClr val="accent1"/>
+          </a:fillRef>
+          <a:effectRef idx="0">
+            <a:schemeClr val="accent1"/>
+          </a:effectRef>
+          <a:fontRef idx="minor">
+            <a:schemeClr val="tx1"/>
+          </a:fontRef>
+        </p:style>
+      </p:cxnSp>
+    </p:spTree>
+    <p:extLst>
+      <p:ext uri="{BB962C8B-B14F-4D97-AF65-F5344CB8AC3E}">
+        <p14:creationId xmlns:p14="http://schemas.microsoft.com/office/powerpoint/2010/main" val="4215987037"/>
+      </p:ext>
+    </p:extLst>
+  </p:cSld>
+  <p:clrMapOvr>
+    <a:overrideClrMapping bg1="dk1" tx1="lt1" bg2="dk2" tx2="lt2" accent1="accent1" accent2="accent2" accent3="accent3" accent4="accent4" accent5="accent5" accent6="accent6" hlink="hlink" folHlink="folHlink"/>
+  </p:clrMapOvr>
+</p:sld>
+</file>
+
+<file path=ppt/slides/slide4.xml><?xml version="1.0" encoding="utf-8"?>
 <p:sld xmlns:a="http://schemas.openxmlformats.org/drawingml/2006/main" xmlns:r="http://schemas.openxmlformats.org/officeDocument/2006/relationships" xmlns:p="http://schemas.openxmlformats.org/presentationml/2006/main">
   <p:cSld>
     <p:bg>
@@ -4908,10 +9869,10 @@
       </p:grpSpPr>
       <p:sp useBgFill="1">
         <p:nvSpPr>
-          <p:cNvPr id="10" name="Rectangle 9">
-            <a:extLst>
-              <a:ext uri="{FF2B5EF4-FFF2-40B4-BE49-F238E27FC236}">
-                <a16:creationId xmlns:a16="http://schemas.microsoft.com/office/drawing/2014/main" id="{35C3D674-3D59-4E93-80CA-0C0A9095E816}"/>
+          <p:cNvPr id="49" name="Rectangle 28">
+            <a:extLst>
+              <a:ext uri="{FF2B5EF4-FFF2-40B4-BE49-F238E27FC236}">
+                <a16:creationId xmlns:a16="http://schemas.microsoft.com/office/drawing/2014/main" id="{021A4066-B261-49FE-952E-A0FE3EE75CD2}"/>
               </a:ext>
               <a:ext uri="{C183D7F6-B498-43B3-948B-1728B52AA6E4}">
                 <adec:decorative xmlns:adec="http://schemas.microsoft.com/office/drawing/2017/decorative" val="1"/>
@@ -4968,10 +9929,10 @@
       </p:sp>
       <p:cxnSp>
         <p:nvCxnSpPr>
-          <p:cNvPr id="12" name="Straight Connector 11">
-            <a:extLst>
-              <a:ext uri="{FF2B5EF4-FFF2-40B4-BE49-F238E27FC236}">
-                <a16:creationId xmlns:a16="http://schemas.microsoft.com/office/drawing/2014/main" id="{C884B8F8-FDC9-498B-9960-5D7260AFCB03}"/>
+          <p:cNvPr id="50" name="Straight Connector 30">
+            <a:extLst>
+              <a:ext uri="{FF2B5EF4-FFF2-40B4-BE49-F238E27FC236}">
+                <a16:creationId xmlns:a16="http://schemas.microsoft.com/office/drawing/2014/main" id="{381B4579-E2EA-4BD7-94FF-0A0BEE135C6B}"/>
               </a:ext>
               <a:ext uri="{C183D7F6-B498-43B3-948B-1728B52AA6E4}">
                 <adec:decorative xmlns:adec="http://schemas.microsoft.com/office/drawing/2017/decorative" val="1"/>
@@ -4992,7 +9953,7 @@
         <p:spPr>
           <a:xfrm>
             <a:off x="1453896" y="1847088"/>
-            <a:ext cx="4177373" cy="0"/>
+            <a:ext cx="3530885" cy="0"/>
           </a:xfrm>
           <a:prstGeom prst="line">
             <a:avLst/>
@@ -5033,7 +9994,7 @@
         <p:spPr>
           <a:xfrm>
             <a:off x="1451580" y="804520"/>
-            <a:ext cx="4176511" cy="1049235"/>
+            <a:ext cx="3530157" cy="1049235"/>
           </a:xfrm>
         </p:spPr>
         <p:txBody>
@@ -5051,10 +10012,10 @@
       </p:sp>
       <p:sp>
         <p:nvSpPr>
-          <p:cNvPr id="14" name="Rectangle 13">
-            <a:extLst>
-              <a:ext uri="{FF2B5EF4-FFF2-40B4-BE49-F238E27FC236}">
-                <a16:creationId xmlns:a16="http://schemas.microsoft.com/office/drawing/2014/main" id="{EF2A81E1-BCBE-426B-8C09-33274E69409D}"/>
+          <p:cNvPr id="51" name="Rectangle 32">
+            <a:extLst>
+              <a:ext uri="{FF2B5EF4-FFF2-40B4-BE49-F238E27FC236}">
+                <a16:creationId xmlns:a16="http://schemas.microsoft.com/office/drawing/2014/main" id="{81958111-BC13-4D45-AB27-0C2C83F9BA64}"/>
               </a:ext>
               <a:ext uri="{C183D7F6-B498-43B3-948B-1728B52AA6E4}">
                 <adec:decorative xmlns:adec="http://schemas.microsoft.com/office/drawing/2017/decorative" val="1"/>
@@ -5125,10 +10086,10 @@
       </p:sp>
       <p:sp>
         <p:nvSpPr>
-          <p:cNvPr id="3" name="Content Placeholder 2">
-            <a:extLst>
-              <a:ext uri="{FF2B5EF4-FFF2-40B4-BE49-F238E27FC236}">
-                <a16:creationId xmlns:a16="http://schemas.microsoft.com/office/drawing/2014/main" id="{1FE3A7CB-3CDB-4047-A039-5488B8AC30F9}"/>
+          <p:cNvPr id="26" name="Content Placeholder 25">
+            <a:extLst>
+              <a:ext uri="{FF2B5EF4-FFF2-40B4-BE49-F238E27FC236}">
+                <a16:creationId xmlns:a16="http://schemas.microsoft.com/office/drawing/2014/main" id="{EEEC9B65-B358-AE16-2919-517F7129E7C2}"/>
               </a:ext>
             </a:extLst>
           </p:cNvPr>
@@ -5142,37 +10103,235 @@
         <p:spPr>
           <a:xfrm>
             <a:off x="1451581" y="2015732"/>
-            <a:ext cx="4172212" cy="3450613"/>
+            <a:ext cx="3526523" cy="3450613"/>
           </a:xfrm>
         </p:spPr>
         <p:txBody>
           <a:bodyPr>
-            <a:normAutofit/>
+            <a:normAutofit lnSpcReduction="10000"/>
           </a:bodyPr>
           <a:lstStyle/>
           <a:p>
+            <a:pPr marL="0" indent="0">
+              <a:buNone/>
+            </a:pPr>
             <a:r>
-              <a:rPr lang="en-US" b="0" i="0">
+              <a:rPr lang="en-US" b="0" i="0" dirty="0">
+                <a:solidFill>
+                  <a:srgbClr val="24292F"/>
+                </a:solidFill>
                 <a:effectLst/>
                 <a:latin typeface="-apple-system"/>
               </a:rPr>
               <a:t>Suicide is a serious societal problem and the result of complex socioeconomic and cultural factors. Even if our analysis should show that social media use only has a minimal impact, we believe any measure to decrease risk and increase suicide prevention is worth pursuing.</a:t>
             </a:r>
-          </a:p>
-          <a:p>
-            <a:pPr marL="0" indent="0">
-              <a:buNone/>
-            </a:pPr>
-            <a:endParaRPr lang="en-US"/>
+            <a:endParaRPr lang="en-US" dirty="0"/>
           </a:p>
         </p:txBody>
       </p:sp>
+      <p:grpSp>
+        <p:nvGrpSpPr>
+          <p:cNvPr id="52" name="Group 34">
+            <a:extLst>
+              <a:ext uri="{FF2B5EF4-FFF2-40B4-BE49-F238E27FC236}">
+                <a16:creationId xmlns:a16="http://schemas.microsoft.com/office/drawing/2014/main" id="{82188758-E18A-4CE5-9D03-F4BF5D887C3F}"/>
+              </a:ext>
+              <a:ext uri="{C183D7F6-B498-43B3-948B-1728B52AA6E4}">
+                <adec:decorative xmlns:adec="http://schemas.microsoft.com/office/drawing/2017/decorative" val="1"/>
+              </a:ext>
+            </a:extLst>
+          </p:cNvPr>
+          <p:cNvGrpSpPr>
+            <a:grpSpLocks noGrp="1" noUngrp="1" noRot="1" noChangeAspect="1" noMove="1" noResize="1"/>
+          </p:cNvGrpSpPr>
+          <p:nvPr>
+            <p:extLst>
+              <p:ext uri="{386F3935-93C4-4BCD-93E2-E3B085C9AB24}">
+                <p16:designElem xmlns:p16="http://schemas.microsoft.com/office/powerpoint/2015/main" val="1"/>
+              </p:ext>
+            </p:extLst>
+          </p:nvPr>
+        </p:nvGrpSpPr>
+        <p:grpSpPr>
+          <a:xfrm>
+            <a:off x="5460131" y="482171"/>
+            <a:ext cx="6091791" cy="5149101"/>
+            <a:chOff x="5446003" y="583365"/>
+            <a:chExt cx="6091790" cy="5181928"/>
+          </a:xfrm>
+        </p:grpSpPr>
+        <p:sp>
+          <p:nvSpPr>
+            <p:cNvPr id="36" name="Rectangle 35">
+              <a:extLst>
+                <a:ext uri="{FF2B5EF4-FFF2-40B4-BE49-F238E27FC236}">
+                  <a16:creationId xmlns:a16="http://schemas.microsoft.com/office/drawing/2014/main" id="{821513DD-C15F-4381-AEA6-ED9E5E218CA6}"/>
+                </a:ext>
+                <a:ext uri="{C183D7F6-B498-43B3-948B-1728B52AA6E4}">
+                  <adec:decorative xmlns:adec="http://schemas.microsoft.com/office/drawing/2017/decorative" val="1"/>
+                </a:ext>
+              </a:extLst>
+            </p:cNvPr>
+            <p:cNvSpPr/>
+            <p:nvPr>
+              <p:extLst>
+                <p:ext uri="{386F3935-93C4-4BCD-93E2-E3B085C9AB24}">
+                  <p16:designElem xmlns:p16="http://schemas.microsoft.com/office/powerpoint/2015/main" val="1"/>
+                </p:ext>
+              </p:extLst>
+            </p:nvPr>
+          </p:nvSpPr>
+          <p:spPr>
+            <a:xfrm>
+              <a:off x="5446003" y="583365"/>
+              <a:ext cx="6091790" cy="5181928"/>
+            </a:xfrm>
+            <a:prstGeom prst="rect">
+              <a:avLst/>
+            </a:prstGeom>
+            <a:gradFill>
+              <a:gsLst>
+                <a:gs pos="0">
+                  <a:srgbClr val="000001"/>
+                </a:gs>
+                <a:gs pos="100000">
+                  <a:srgbClr val="191919"/>
+                </a:gs>
+              </a:gsLst>
+            </a:gradFill>
+            <a:ln w="76200" cmpd="sng">
+              <a:noFill/>
+              <a:miter lim="800000"/>
+            </a:ln>
+            <a:effectLst>
+              <a:outerShdw blurRad="127000" dist="228600" dir="4740000" sx="98000" sy="98000" algn="tl" rotWithShape="0">
+                <a:srgbClr val="000000">
+                  <a:alpha val="34000"/>
+                </a:srgbClr>
+              </a:outerShdw>
+            </a:effectLst>
+            <a:scene3d>
+              <a:camera prst="orthographicFront"/>
+              <a:lightRig rig="threePt" dir="t"/>
+            </a:scene3d>
+            <a:sp3d>
+              <a:bevelT w="152400" h="50800" prst="softRound"/>
+            </a:sp3d>
+          </p:spPr>
+          <p:style>
+            <a:lnRef idx="1">
+              <a:schemeClr val="accent1"/>
+            </a:lnRef>
+            <a:fillRef idx="3">
+              <a:schemeClr val="accent1"/>
+            </a:fillRef>
+            <a:effectRef idx="2">
+              <a:schemeClr val="accent1"/>
+            </a:effectRef>
+            <a:fontRef idx="minor">
+              <a:schemeClr val="lt1"/>
+            </a:fontRef>
+          </p:style>
+          <p:txBody>
+            <a:bodyPr rtlCol="0" anchor="ctr"/>
+            <a:lstStyle/>
+            <a:p>
+              <a:pPr algn="ctr"/>
+              <a:endParaRPr lang="en-US"/>
+            </a:p>
+          </p:txBody>
+        </p:sp>
+        <p:sp>
+          <p:nvSpPr>
+            <p:cNvPr id="53" name="Rectangle 36">
+              <a:extLst>
+                <a:ext uri="{FF2B5EF4-FFF2-40B4-BE49-F238E27FC236}">
+                  <a16:creationId xmlns:a16="http://schemas.microsoft.com/office/drawing/2014/main" id="{CED2DE01-7F43-4858-85FC-27022DA78120}"/>
+                </a:ext>
+                <a:ext uri="{C183D7F6-B498-43B3-948B-1728B52AA6E4}">
+                  <adec:decorative xmlns:adec="http://schemas.microsoft.com/office/drawing/2017/decorative" val="1"/>
+                </a:ext>
+              </a:extLst>
+            </p:cNvPr>
+            <p:cNvSpPr/>
+            <p:nvPr>
+              <p:extLst>
+                <p:ext uri="{386F3935-93C4-4BCD-93E2-E3B085C9AB24}">
+                  <p16:designElem xmlns:p16="http://schemas.microsoft.com/office/powerpoint/2015/main" val="1"/>
+                </p:ext>
+              </p:extLst>
+            </p:nvPr>
+          </p:nvSpPr>
+          <p:spPr>
+            <a:xfrm>
+              <a:off x="5764828" y="915807"/>
+              <a:ext cx="5461779" cy="4494927"/>
+            </a:xfrm>
+            <a:prstGeom prst="rect">
+              <a:avLst/>
+            </a:prstGeom>
+            <a:gradFill>
+              <a:gsLst>
+                <a:gs pos="0">
+                  <a:srgbClr val="DADADA"/>
+                </a:gs>
+                <a:gs pos="100000">
+                  <a:srgbClr val="FFFFFE"/>
+                </a:gs>
+              </a:gsLst>
+              <a:lin ang="16200000" scaled="0"/>
+            </a:gradFill>
+            <a:ln w="50800" cmpd="sng">
+              <a:solidFill>
+                <a:srgbClr val="191919"/>
+              </a:solidFill>
+              <a:miter lim="800000"/>
+            </a:ln>
+            <a:effectLst>
+              <a:innerShdw blurRad="63500" dist="88900" dir="14100000">
+                <a:srgbClr val="000000">
+                  <a:alpha val="30000"/>
+                </a:srgbClr>
+              </a:innerShdw>
+            </a:effectLst>
+            <a:scene3d>
+              <a:camera prst="orthographicFront"/>
+              <a:lightRig rig="threePt" dir="t"/>
+            </a:scene3d>
+            <a:sp3d>
+              <a:bevelT prst="relaxedInset"/>
+            </a:sp3d>
+          </p:spPr>
+          <p:style>
+            <a:lnRef idx="1">
+              <a:schemeClr val="accent1"/>
+            </a:lnRef>
+            <a:fillRef idx="3">
+              <a:schemeClr val="accent1"/>
+            </a:fillRef>
+            <a:effectRef idx="2">
+              <a:schemeClr val="accent1"/>
+            </a:effectRef>
+            <a:fontRef idx="minor">
+              <a:schemeClr val="lt1"/>
+            </a:fontRef>
+          </p:style>
+          <p:txBody>
+            <a:bodyPr rtlCol="0" anchor="ctr"/>
+            <a:lstStyle/>
+            <a:p>
+              <a:pPr algn="ctr"/>
+              <a:endParaRPr lang="en-US"/>
+            </a:p>
+          </p:txBody>
+        </p:sp>
+      </p:grpSp>
       <p:pic>
         <p:nvPicPr>
-          <p:cNvPr id="5" name="Picture 4" descr="Chart, line chart&#10;&#10;Description automatically generated">
-            <a:extLst>
-              <a:ext uri="{FF2B5EF4-FFF2-40B4-BE49-F238E27FC236}">
-                <a16:creationId xmlns:a16="http://schemas.microsoft.com/office/drawing/2014/main" id="{A684C093-469C-4E65-879C-86A78E422EC4}"/>
+          <p:cNvPr id="22" name="Content Placeholder 21" descr="A picture containing text&#10;&#10;Description automatically generated">
+            <a:extLst>
+              <a:ext uri="{FF2B5EF4-FFF2-40B4-BE49-F238E27FC236}">
+                <a16:creationId xmlns:a16="http://schemas.microsoft.com/office/drawing/2014/main" id="{55AF8C6B-0C2F-4026-9EEF-FA2E5DFAE417}"/>
               </a:ext>
             </a:extLst>
           </p:cNvPr>
@@ -5181,7 +10340,7 @@
           </p:cNvPicPr>
           <p:nvPr/>
         </p:nvPicPr>
-        <p:blipFill>
+        <p:blipFill rotWithShape="1">
           <a:blip r:embed="rId2">
             <a:extLst>
               <a:ext uri="{28A0092B-C50C-407E-A947-70E740481C1C}">
@@ -5189,14 +10348,13 @@
               </a:ext>
             </a:extLst>
           </a:blip>
-          <a:stretch>
-            <a:fillRect/>
-          </a:stretch>
+          <a:srcRect l="16280" r="16687" b="-1"/>
+          <a:stretch/>
         </p:blipFill>
         <p:spPr>
           <a:xfrm>
-            <a:off x="5811520" y="904242"/>
-            <a:ext cx="5923280" cy="4481221"/>
+            <a:off x="6093926" y="1116345"/>
+            <a:ext cx="4821551" cy="3866172"/>
           </a:xfrm>
           <a:prstGeom prst="rect">
             <a:avLst/>
@@ -5205,10 +10363,10 @@
       </p:pic>
       <p:pic>
         <p:nvPicPr>
-          <p:cNvPr id="16" name="Picture 15">
-            <a:extLst>
-              <a:ext uri="{FF2B5EF4-FFF2-40B4-BE49-F238E27FC236}">
-                <a16:creationId xmlns:a16="http://schemas.microsoft.com/office/drawing/2014/main" id="{39D1DDD4-5BB3-45BA-B9B3-06B62299AD79}"/>
+          <p:cNvPr id="54" name="Picture 38">
+            <a:extLst>
+              <a:ext uri="{FF2B5EF4-FFF2-40B4-BE49-F238E27FC236}">
+                <a16:creationId xmlns:a16="http://schemas.microsoft.com/office/drawing/2014/main" id="{D42F4933-2ECF-4EE5-BCE4-F19E3CA609FE}"/>
               </a:ext>
               <a:ext uri="{C183D7F6-B498-43B3-948B-1728B52AA6E4}">
                 <adec:decorative xmlns:adec="http://schemas.microsoft.com/office/drawing/2017/decorative" val="1"/>
@@ -5249,10 +10407,10 @@
       </p:pic>
       <p:cxnSp>
         <p:nvCxnSpPr>
-          <p:cNvPr id="18" name="Straight Connector 17">
-            <a:extLst>
-              <a:ext uri="{FF2B5EF4-FFF2-40B4-BE49-F238E27FC236}">
-                <a16:creationId xmlns:a16="http://schemas.microsoft.com/office/drawing/2014/main" id="{A24DAE64-2302-42EA-8239-F2F0775CA5AD}"/>
+          <p:cNvPr id="55" name="Straight Connector 40">
+            <a:extLst>
+              <a:ext uri="{FF2B5EF4-FFF2-40B4-BE49-F238E27FC236}">
+                <a16:creationId xmlns:a16="http://schemas.microsoft.com/office/drawing/2014/main" id="{C6FAC23C-014D-4AC5-AD1B-36F7D0E7EF32}"/>
               </a:ext>
               <a:ext uri="{C183D7F6-B498-43B3-948B-1728B52AA6E4}">
                 <adec:decorative xmlns:adec="http://schemas.microsoft.com/office/drawing/2017/decorative" val="1"/>
@@ -5314,7 +10472,428 @@
 </p:sld>
 </file>
 
-<file path=ppt/slides/slide3.xml><?xml version="1.0" encoding="utf-8"?>
+<file path=ppt/slides/slide5.xml><?xml version="1.0" encoding="utf-8"?>
+<p:sld xmlns:a="http://schemas.openxmlformats.org/drawingml/2006/main" xmlns:r="http://schemas.openxmlformats.org/officeDocument/2006/relationships" xmlns:p="http://schemas.openxmlformats.org/presentationml/2006/main">
+  <p:cSld>
+    <p:bg>
+      <p:bgPr>
+        <a:gradFill rotWithShape="1">
+          <a:gsLst>
+            <a:gs pos="0">
+              <a:schemeClr val="bg1">
+                <a:tint val="94000"/>
+                <a:satMod val="80000"/>
+                <a:lumMod val="106000"/>
+              </a:schemeClr>
+            </a:gs>
+            <a:gs pos="100000">
+              <a:schemeClr val="bg1">
+                <a:shade val="80000"/>
+              </a:schemeClr>
+            </a:gs>
+          </a:gsLst>
+          <a:path path="circle">
+            <a:fillToRect l="50000" t="50000" r="50000" b="50000"/>
+          </a:path>
+        </a:gradFill>
+        <a:effectLst/>
+      </p:bgPr>
+    </p:bg>
+    <p:spTree>
+      <p:nvGrpSpPr>
+        <p:cNvPr id="1" name=""/>
+        <p:cNvGrpSpPr/>
+        <p:nvPr/>
+      </p:nvGrpSpPr>
+      <p:grpSpPr>
+        <a:xfrm>
+          <a:off x="0" y="0"/>
+          <a:ext cx="0" cy="0"/>
+          <a:chOff x="0" y="0"/>
+          <a:chExt cx="0" cy="0"/>
+        </a:xfrm>
+      </p:grpSpPr>
+      <p:sp>
+        <p:nvSpPr>
+          <p:cNvPr id="7" name="Rectangle 6">
+            <a:extLst>
+              <a:ext uri="{FF2B5EF4-FFF2-40B4-BE49-F238E27FC236}">
+                <a16:creationId xmlns:a16="http://schemas.microsoft.com/office/drawing/2014/main" id="{23522FE7-5A29-4EF6-B1EF-2CA55748A772}"/>
+              </a:ext>
+              <a:ext uri="{C183D7F6-B498-43B3-948B-1728B52AA6E4}">
+                <adec:decorative xmlns:adec="http://schemas.microsoft.com/office/drawing/2017/decorative" val="1"/>
+              </a:ext>
+            </a:extLst>
+          </p:cNvPr>
+          <p:cNvSpPr>
+            <a:spLocks noGrp="1" noRot="1" noChangeAspect="1" noMove="1" noResize="1" noEditPoints="1" noAdjustHandles="1" noChangeArrowheads="1" noChangeShapeType="1" noTextEdit="1"/>
+          </p:cNvSpPr>
+          <p:nvPr>
+            <p:extLst>
+              <p:ext uri="{386F3935-93C4-4BCD-93E2-E3B085C9AB24}">
+                <p16:designElem xmlns:p16="http://schemas.microsoft.com/office/powerpoint/2015/main" val="1"/>
+              </p:ext>
+            </p:extLst>
+          </p:nvPr>
+        </p:nvSpPr>
+        <p:spPr>
+          <a:xfrm>
+            <a:off x="0" y="2019476"/>
+            <a:ext cx="12192000" cy="4105941"/>
+          </a:xfrm>
+          <a:prstGeom prst="rect">
+            <a:avLst/>
+          </a:prstGeom>
+          <a:gradFill flip="none" rotWithShape="1">
+            <a:gsLst>
+              <a:gs pos="0">
+                <a:schemeClr val="bg2">
+                  <a:alpha val="0"/>
+                </a:schemeClr>
+              </a:gs>
+              <a:gs pos="100000">
+                <a:schemeClr val="bg2"/>
+              </a:gs>
+            </a:gsLst>
+            <a:lin ang="5400000" scaled="0"/>
+            <a:tileRect/>
+          </a:gradFill>
+          <a:ln>
+            <a:noFill/>
+          </a:ln>
+        </p:spPr>
+        <p:style>
+          <a:lnRef idx="2">
+            <a:schemeClr val="accent1">
+              <a:shade val="50000"/>
+            </a:schemeClr>
+          </a:lnRef>
+          <a:fillRef idx="1">
+            <a:schemeClr val="accent1"/>
+          </a:fillRef>
+          <a:effectRef idx="0">
+            <a:schemeClr val="accent1"/>
+          </a:effectRef>
+          <a:fontRef idx="minor">
+            <a:schemeClr val="lt1"/>
+          </a:fontRef>
+        </p:style>
+      </p:sp>
+      <p:pic>
+        <p:nvPicPr>
+          <p:cNvPr id="9" name="Picture 8">
+            <a:extLst>
+              <a:ext uri="{FF2B5EF4-FFF2-40B4-BE49-F238E27FC236}">
+                <a16:creationId xmlns:a16="http://schemas.microsoft.com/office/drawing/2014/main" id="{C2192E09-EBC7-416C-B887-DFF915D7F43D}"/>
+              </a:ext>
+              <a:ext uri="{C183D7F6-B498-43B3-948B-1728B52AA6E4}">
+                <adec:decorative xmlns:adec="http://schemas.microsoft.com/office/drawing/2017/decorative" val="1"/>
+              </a:ext>
+            </a:extLst>
+          </p:cNvPr>
+          <p:cNvPicPr>
+            <a:picLocks noGrp="1" noRot="1" noChangeAspect="1" noMove="1" noResize="1" noEditPoints="1" noAdjustHandles="1" noChangeArrowheads="1" noChangeShapeType="1" noCrop="1"/>
+          </p:cNvPicPr>
+          <p:nvPr>
+            <p:extLst>
+              <p:ext uri="{386F3935-93C4-4BCD-93E2-E3B085C9AB24}">
+                <p16:designElem xmlns:p16="http://schemas.microsoft.com/office/powerpoint/2015/main" val="1"/>
+              </p:ext>
+            </p:extLst>
+          </p:nvPr>
+        </p:nvPicPr>
+        <p:blipFill rotWithShape="1">
+          <a:blip r:embed="rId2">
+            <a:extLst>
+              <a:ext uri="{28A0092B-C50C-407E-A947-70E740481C1C}">
+                <a14:useLocalDpi xmlns:a14="http://schemas.microsoft.com/office/drawing/2010/main" val="0"/>
+              </a:ext>
+            </a:extLst>
+          </a:blip>
+          <a:srcRect t="1538" b="-1538"/>
+          <a:stretch/>
+        </p:blipFill>
+        <p:spPr bwMode="black">
+          <a:xfrm>
+            <a:off x="0" y="6126480"/>
+            <a:ext cx="12192000" cy="742950"/>
+          </a:xfrm>
+          <a:prstGeom prst="rect">
+            <a:avLst/>
+          </a:prstGeom>
+        </p:spPr>
+      </p:pic>
+      <p:cxnSp>
+        <p:nvCxnSpPr>
+          <p:cNvPr id="11" name="Straight Connector 10">
+            <a:extLst>
+              <a:ext uri="{FF2B5EF4-FFF2-40B4-BE49-F238E27FC236}">
+                <a16:creationId xmlns:a16="http://schemas.microsoft.com/office/drawing/2014/main" id="{2924498D-E084-44BE-A196-CFCE35564350}"/>
+              </a:ext>
+              <a:ext uri="{C183D7F6-B498-43B3-948B-1728B52AA6E4}">
+                <adec:decorative xmlns:adec="http://schemas.microsoft.com/office/drawing/2017/decorative" val="1"/>
+              </a:ext>
+            </a:extLst>
+          </p:cNvPr>
+          <p:cNvCxnSpPr>
+            <a:cxnSpLocks noGrp="1" noRot="1" noChangeAspect="1" noMove="1" noResize="1" noEditPoints="1" noAdjustHandles="1" noChangeArrowheads="1" noChangeShapeType="1"/>
+          </p:cNvCxnSpPr>
+          <p:nvPr>
+            <p:extLst>
+              <p:ext uri="{386F3935-93C4-4BCD-93E2-E3B085C9AB24}">
+                <p16:designElem xmlns:p16="http://schemas.microsoft.com/office/powerpoint/2015/main" val="1"/>
+              </p:ext>
+            </p:extLst>
+          </p:nvPr>
+        </p:nvCxnSpPr>
+        <p:spPr>
+          <a:xfrm>
+            <a:off x="0" y="6128413"/>
+            <a:ext cx="12192000" cy="0"/>
+          </a:xfrm>
+          <a:prstGeom prst="line">
+            <a:avLst/>
+          </a:prstGeom>
+          <a:ln w="12700">
+            <a:solidFill>
+              <a:srgbClr val="000001">
+                <a:alpha val="20000"/>
+              </a:srgbClr>
+            </a:solidFill>
+          </a:ln>
+        </p:spPr>
+        <p:style>
+          <a:lnRef idx="1">
+            <a:schemeClr val="accent1"/>
+          </a:lnRef>
+          <a:fillRef idx="0">
+            <a:schemeClr val="accent1"/>
+          </a:fillRef>
+          <a:effectRef idx="0">
+            <a:schemeClr val="accent1"/>
+          </a:effectRef>
+          <a:fontRef idx="minor">
+            <a:schemeClr val="tx1"/>
+          </a:fontRef>
+        </p:style>
+      </p:cxnSp>
+      <p:cxnSp>
+        <p:nvCxnSpPr>
+          <p:cNvPr id="13" name="Straight Connector 12">
+            <a:extLst>
+              <a:ext uri="{FF2B5EF4-FFF2-40B4-BE49-F238E27FC236}">
+                <a16:creationId xmlns:a16="http://schemas.microsoft.com/office/drawing/2014/main" id="{3BBC7667-C352-4842-9AFD-E5C16AD002F4}"/>
+              </a:ext>
+              <a:ext uri="{C183D7F6-B498-43B3-948B-1728B52AA6E4}">
+                <adec:decorative xmlns:adec="http://schemas.microsoft.com/office/drawing/2017/decorative" val="1"/>
+              </a:ext>
+            </a:extLst>
+          </p:cNvPr>
+          <p:cNvCxnSpPr>
+            <a:cxnSpLocks noGrp="1" noRot="1" noChangeAspect="1" noMove="1" noResize="1" noEditPoints="1" noAdjustHandles="1" noChangeArrowheads="1" noChangeShapeType="1"/>
+          </p:cNvCxnSpPr>
+          <p:nvPr>
+            <p:extLst>
+              <p:ext uri="{386F3935-93C4-4BCD-93E2-E3B085C9AB24}">
+                <p16:designElem xmlns:p16="http://schemas.microsoft.com/office/powerpoint/2015/main" val="1"/>
+              </p:ext>
+            </p:extLst>
+          </p:nvPr>
+        </p:nvCxnSpPr>
+        <p:spPr>
+          <a:xfrm>
+            <a:off x="2417780" y="3528542"/>
+            <a:ext cx="8637072" cy="0"/>
+          </a:xfrm>
+          <a:prstGeom prst="line">
+            <a:avLst/>
+          </a:prstGeom>
+          <a:ln w="31750"/>
+        </p:spPr>
+        <p:style>
+          <a:lnRef idx="3">
+            <a:schemeClr val="accent1"/>
+          </a:lnRef>
+          <a:fillRef idx="0">
+            <a:schemeClr val="accent1"/>
+          </a:fillRef>
+          <a:effectRef idx="2">
+            <a:schemeClr val="accent1"/>
+          </a:effectRef>
+          <a:fontRef idx="minor">
+            <a:schemeClr val="tx1"/>
+          </a:fontRef>
+        </p:style>
+      </p:cxnSp>
+      <p:sp useBgFill="1">
+        <p:nvSpPr>
+          <p:cNvPr id="15" name="Rectangle 14">
+            <a:extLst>
+              <a:ext uri="{FF2B5EF4-FFF2-40B4-BE49-F238E27FC236}">
+                <a16:creationId xmlns:a16="http://schemas.microsoft.com/office/drawing/2014/main" id="{F0AB17F6-592B-45CB-96F6-705C9825AFBC}"/>
+              </a:ext>
+              <a:ext uri="{C183D7F6-B498-43B3-948B-1728B52AA6E4}">
+                <adec:decorative xmlns:adec="http://schemas.microsoft.com/office/drawing/2017/decorative" val="1"/>
+              </a:ext>
+            </a:extLst>
+          </p:cNvPr>
+          <p:cNvSpPr>
+            <a:spLocks noGrp="1" noRot="1" noChangeAspect="1" noMove="1" noResize="1" noEditPoints="1" noAdjustHandles="1" noChangeArrowheads="1" noChangeShapeType="1" noTextEdit="1"/>
+          </p:cNvSpPr>
+          <p:nvPr>
+            <p:extLst>
+              <p:ext uri="{386F3935-93C4-4BCD-93E2-E3B085C9AB24}">
+                <p16:designElem xmlns:p16="http://schemas.microsoft.com/office/powerpoint/2015/main" val="1"/>
+              </p:ext>
+            </p:extLst>
+          </p:nvPr>
+        </p:nvSpPr>
+        <p:spPr>
+          <a:xfrm>
+            <a:off x="2" y="0"/>
+            <a:ext cx="12191695" cy="6858000"/>
+          </a:xfrm>
+          <a:prstGeom prst="rect">
+            <a:avLst/>
+          </a:prstGeom>
+          <a:ln>
+            <a:noFill/>
+          </a:ln>
+        </p:spPr>
+        <p:style>
+          <a:lnRef idx="2">
+            <a:schemeClr val="accent1">
+              <a:shade val="50000"/>
+            </a:schemeClr>
+          </a:lnRef>
+          <a:fillRef idx="1">
+            <a:schemeClr val="accent1"/>
+          </a:fillRef>
+          <a:effectRef idx="0">
+            <a:schemeClr val="accent1"/>
+          </a:effectRef>
+          <a:fontRef idx="minor">
+            <a:schemeClr val="lt1"/>
+          </a:fontRef>
+        </p:style>
+        <p:txBody>
+          <a:bodyPr rtlCol="0" anchor="ctr"/>
+          <a:lstStyle/>
+          <a:p>
+            <a:pPr algn="ctr"/>
+            <a:endParaRPr lang="en-US"/>
+          </a:p>
+        </p:txBody>
+      </p:sp>
+      <p:sp>
+        <p:nvSpPr>
+          <p:cNvPr id="2" name="Title 1">
+            <a:extLst>
+              <a:ext uri="{FF2B5EF4-FFF2-40B4-BE49-F238E27FC236}">
+                <a16:creationId xmlns:a16="http://schemas.microsoft.com/office/drawing/2014/main" id="{6FC29038-DDBC-4BFF-89F4-CE1EC9E6EEB3}"/>
+              </a:ext>
+            </a:extLst>
+          </p:cNvPr>
+          <p:cNvSpPr>
+            <a:spLocks noGrp="1"/>
+          </p:cNvSpPr>
+          <p:nvPr>
+            <p:ph type="title"/>
+          </p:nvPr>
+        </p:nvSpPr>
+        <p:spPr>
+          <a:xfrm>
+            <a:off x="5039066" y="802298"/>
+            <a:ext cx="6015784" cy="5116985"/>
+          </a:xfrm>
+        </p:spPr>
+        <p:txBody>
+          <a:bodyPr vert="horz" lIns="91440" tIns="45720" rIns="91440" bIns="0" rtlCol="0" anchor="ctr">
+            <a:normAutofit/>
+          </a:bodyPr>
+          <a:lstStyle/>
+          <a:p>
+            <a:pPr marL="1143000" indent="-1143000"/>
+            <a:r>
+              <a:rPr lang="en-US" sz="6600" dirty="0"/>
+              <a:t>3. </a:t>
+            </a:r>
+            <a:r>
+              <a:rPr lang="en-US" sz="5800" dirty="0"/>
+              <a:t>Data source</a:t>
+            </a:r>
+            <a:br>
+              <a:rPr lang="en-US" sz="5800" dirty="0"/>
+            </a:br>
+            <a:r>
+              <a:rPr lang="en-US" sz="5800" dirty="0"/>
+              <a:t>description</a:t>
+            </a:r>
+          </a:p>
+        </p:txBody>
+      </p:sp>
+      <p:cxnSp>
+        <p:nvCxnSpPr>
+          <p:cNvPr id="17" name="Straight Connector 16">
+            <a:extLst>
+              <a:ext uri="{FF2B5EF4-FFF2-40B4-BE49-F238E27FC236}">
+                <a16:creationId xmlns:a16="http://schemas.microsoft.com/office/drawing/2014/main" id="{5A9284E7-0823-472D-9963-18D89DFEB8B4}"/>
+              </a:ext>
+              <a:ext uri="{C183D7F6-B498-43B3-948B-1728B52AA6E4}">
+                <adec:decorative xmlns:adec="http://schemas.microsoft.com/office/drawing/2017/decorative" val="1"/>
+              </a:ext>
+            </a:extLst>
+          </p:cNvPr>
+          <p:cNvCxnSpPr>
+            <a:cxnSpLocks noGrp="1" noRot="1" noChangeAspect="1" noMove="1" noResize="1" noEditPoints="1" noAdjustHandles="1" noChangeArrowheads="1" noChangeShapeType="1"/>
+          </p:cNvCxnSpPr>
+          <p:nvPr>
+            <p:extLst>
+              <p:ext uri="{386F3935-93C4-4BCD-93E2-E3B085C9AB24}">
+                <p16:designElem xmlns:p16="http://schemas.microsoft.com/office/powerpoint/2015/main" val="1"/>
+              </p:ext>
+            </p:extLst>
+          </p:nvPr>
+        </p:nvCxnSpPr>
+        <p:spPr>
+          <a:xfrm>
+            <a:off x="4654296" y="1760590"/>
+            <a:ext cx="0" cy="3200400"/>
+          </a:xfrm>
+          <a:prstGeom prst="line">
+            <a:avLst/>
+          </a:prstGeom>
+          <a:ln w="34925"/>
+        </p:spPr>
+        <p:style>
+          <a:lnRef idx="1">
+            <a:schemeClr val="accent1"/>
+          </a:lnRef>
+          <a:fillRef idx="0">
+            <a:schemeClr val="accent1"/>
+          </a:fillRef>
+          <a:effectRef idx="0">
+            <a:schemeClr val="accent1"/>
+          </a:effectRef>
+          <a:fontRef idx="minor">
+            <a:schemeClr val="tx1"/>
+          </a:fontRef>
+        </p:style>
+      </p:cxnSp>
+    </p:spTree>
+    <p:extLst>
+      <p:ext uri="{BB962C8B-B14F-4D97-AF65-F5344CB8AC3E}">
+        <p14:creationId xmlns:p14="http://schemas.microsoft.com/office/powerpoint/2010/main" val="1774729628"/>
+      </p:ext>
+    </p:extLst>
+  </p:cSld>
+  <p:clrMapOvr>
+    <a:overrideClrMapping bg1="dk1" tx1="lt1" bg2="dk2" tx2="lt2" accent1="accent1" accent2="accent2" accent3="accent3" accent4="accent4" accent5="accent5" accent6="accent6" hlink="hlink" folHlink="folHlink"/>
+  </p:clrMapOvr>
+</p:sld>
+</file>
+
+<file path=ppt/slides/slide6.xml><?xml version="1.0" encoding="utf-8"?>
 <p:sld xmlns:a="http://schemas.openxmlformats.org/drawingml/2006/main" xmlns:r="http://schemas.openxmlformats.org/officeDocument/2006/relationships" xmlns:p="http://schemas.openxmlformats.org/presentationml/2006/main">
   <p:cSld>
     <p:bg>
@@ -6040,7 +11619,7 @@
 </p:sld>
 </file>
 
-<file path=ppt/slides/slide4.xml><?xml version="1.0" encoding="utf-8"?>
+<file path=ppt/slides/slide7.xml><?xml version="1.0" encoding="utf-8"?>
 <p:sld xmlns:a="http://schemas.openxmlformats.org/drawingml/2006/main" xmlns:r="http://schemas.openxmlformats.org/officeDocument/2006/relationships" xmlns:p="http://schemas.openxmlformats.org/presentationml/2006/main">
   <p:cSld>
     <p:bg>
@@ -6083,10 +11662,10 @@
       </p:grpSpPr>
       <p:sp useBgFill="1">
         <p:nvSpPr>
-          <p:cNvPr id="93" name="Rectangle 78">
-            <a:extLst>
-              <a:ext uri="{FF2B5EF4-FFF2-40B4-BE49-F238E27FC236}">
-                <a16:creationId xmlns:a16="http://schemas.microsoft.com/office/drawing/2014/main" id="{AF38CBB2-04B5-4ED2-92CA-ABA779049DEA}"/>
+          <p:cNvPr id="23" name="Rectangle 12">
+            <a:extLst>
+              <a:ext uri="{FF2B5EF4-FFF2-40B4-BE49-F238E27FC236}">
+                <a16:creationId xmlns:a16="http://schemas.microsoft.com/office/drawing/2014/main" id="{EED2B910-B28F-4A54-B17C-8B7E5893AABB}"/>
               </a:ext>
               <a:ext uri="{C183D7F6-B498-43B3-948B-1728B52AA6E4}">
                 <adec:decorative xmlns:adec="http://schemas.microsoft.com/office/drawing/2017/decorative" val="1"/>
@@ -6143,10 +11722,10 @@
       </p:sp>
       <p:cxnSp>
         <p:nvCxnSpPr>
-          <p:cNvPr id="94" name="Straight Connector 80">
-            <a:extLst>
-              <a:ext uri="{FF2B5EF4-FFF2-40B4-BE49-F238E27FC236}">
-                <a16:creationId xmlns:a16="http://schemas.microsoft.com/office/drawing/2014/main" id="{99ECE436-E5C5-4600-9DAE-6A66A788E0DF}"/>
+          <p:cNvPr id="24" name="Straight Connector 14">
+            <a:extLst>
+              <a:ext uri="{FF2B5EF4-FFF2-40B4-BE49-F238E27FC236}">
+                <a16:creationId xmlns:a16="http://schemas.microsoft.com/office/drawing/2014/main" id="{C545F118-1DF8-46A9-8A77-B3D9422CEA4A}"/>
               </a:ext>
               <a:ext uri="{C183D7F6-B498-43B3-948B-1728B52AA6E4}">
                 <adec:decorative xmlns:adec="http://schemas.microsoft.com/office/drawing/2017/decorative" val="1"/>
@@ -6166,7 +11745,7 @@
         </p:nvCxnSpPr>
         <p:spPr>
           <a:xfrm>
-            <a:off x="1453897" y="1847088"/>
+            <a:off x="5198775" y="1847088"/>
             <a:ext cx="5548039" cy="0"/>
           </a:xfrm>
           <a:prstGeom prst="line">
@@ -6207,18 +11786,18 @@
         </p:nvSpPr>
         <p:spPr>
           <a:xfrm>
-            <a:off x="1451579" y="804519"/>
+            <a:off x="5196457" y="804519"/>
             <a:ext cx="5550357" cy="1049235"/>
           </a:xfrm>
         </p:spPr>
         <p:txBody>
           <a:bodyPr>
-            <a:normAutofit fontScale="90000"/>
+            <a:normAutofit/>
           </a:bodyPr>
           <a:lstStyle/>
           <a:p>
             <a:r>
-              <a:rPr lang="en-US" sz="2400" b="1" i="0" dirty="0">
+              <a:rPr lang="en-US" sz="1500" b="1" i="0">
                 <a:effectLst/>
                 <a:latin typeface="abril-text"/>
               </a:rPr>
@@ -6242,10 +11821,10 @@
       </p:sp>
       <p:sp>
         <p:nvSpPr>
-          <p:cNvPr id="95" name="Rectangle 82">
-            <a:extLst>
-              <a:ext uri="{FF2B5EF4-FFF2-40B4-BE49-F238E27FC236}">
-                <a16:creationId xmlns:a16="http://schemas.microsoft.com/office/drawing/2014/main" id="{A81BF76C-52E4-494B-86F2-4CBAC20E3856}"/>
+          <p:cNvPr id="25" name="Rectangle 16">
+            <a:extLst>
+              <a:ext uri="{FF2B5EF4-FFF2-40B4-BE49-F238E27FC236}">
+                <a16:creationId xmlns:a16="http://schemas.microsoft.com/office/drawing/2014/main" id="{7CAB7D27-148D-4082-B160-72FAD580D663}"/>
               </a:ext>
               <a:ext uri="{C183D7F6-B498-43B3-948B-1728B52AA6E4}">
                 <adec:decorative xmlns:adec="http://schemas.microsoft.com/office/drawing/2017/decorative" val="1"/>
@@ -6314,6 +11893,76 @@
           </a:p>
         </p:txBody>
       </p:sp>
+      <p:pic>
+        <p:nvPicPr>
+          <p:cNvPr id="6" name="Picture 5" descr="Chart, line chart&#10;&#10;Description automatically generated">
+            <a:extLst>
+              <a:ext uri="{FF2B5EF4-FFF2-40B4-BE49-F238E27FC236}">
+                <a16:creationId xmlns:a16="http://schemas.microsoft.com/office/drawing/2014/main" id="{BB35D74C-E7AE-4A1E-9B7D-C4DAA04B970D}"/>
+              </a:ext>
+            </a:extLst>
+          </p:cNvPr>
+          <p:cNvPicPr>
+            <a:picLocks noChangeAspect="1"/>
+          </p:cNvPicPr>
+          <p:nvPr/>
+        </p:nvPicPr>
+        <p:blipFill rotWithShape="1">
+          <a:blip r:embed="rId2">
+            <a:extLst>
+              <a:ext uri="{28A0092B-C50C-407E-A947-70E740481C1C}">
+                <a14:useLocalDpi xmlns:a14="http://schemas.microsoft.com/office/drawing/2010/main" val="0"/>
+              </a:ext>
+            </a:extLst>
+          </a:blip>
+          <a:srcRect l="846" r="21262" b="-5"/>
+          <a:stretch/>
+        </p:blipFill>
+        <p:spPr>
+          <a:xfrm>
+            <a:off x="785357" y="481108"/>
+            <a:ext cx="4238464" cy="2491815"/>
+          </a:xfrm>
+          <a:prstGeom prst="rect">
+            <a:avLst/>
+          </a:prstGeom>
+        </p:spPr>
+      </p:pic>
+      <p:pic>
+        <p:nvPicPr>
+          <p:cNvPr id="8" name="Picture 7" descr="Chart, line chart&#10;&#10;Description automatically generated">
+            <a:extLst>
+              <a:ext uri="{FF2B5EF4-FFF2-40B4-BE49-F238E27FC236}">
+                <a16:creationId xmlns:a16="http://schemas.microsoft.com/office/drawing/2014/main" id="{968B214E-5401-4E7B-B9A8-C9F24A157A5C}"/>
+              </a:ext>
+            </a:extLst>
+          </p:cNvPr>
+          <p:cNvPicPr>
+            <a:picLocks noChangeAspect="1"/>
+          </p:cNvPicPr>
+          <p:nvPr/>
+        </p:nvPicPr>
+        <p:blipFill rotWithShape="1">
+          <a:blip r:embed="rId3">
+            <a:extLst>
+              <a:ext uri="{28A0092B-C50C-407E-A947-70E740481C1C}">
+                <a14:useLocalDpi xmlns:a14="http://schemas.microsoft.com/office/drawing/2010/main" val="0"/>
+              </a:ext>
+            </a:extLst>
+          </a:blip>
+          <a:srcRect l="2087" r="15867"/>
+          <a:stretch/>
+        </p:blipFill>
+        <p:spPr>
+          <a:xfrm>
+            <a:off x="784582" y="3137516"/>
+            <a:ext cx="4238464" cy="2492878"/>
+          </a:xfrm>
+          <a:prstGeom prst="rect">
+            <a:avLst/>
+          </a:prstGeom>
+        </p:spPr>
+      </p:pic>
       <p:sp>
         <p:nvSpPr>
           <p:cNvPr id="3" name="Content Placeholder 2">
@@ -6332,7 +11981,7 @@
         </p:nvSpPr>
         <p:spPr>
           <a:xfrm>
-            <a:off x="1451579" y="2015732"/>
+            <a:off x="5196457" y="2015732"/>
             <a:ext cx="5550357" cy="3450613"/>
           </a:xfrm>
         </p:spPr>
@@ -6361,21 +12010,21 @@
           </a:p>
         </p:txBody>
       </p:sp>
-      <p:grpSp>
-        <p:nvGrpSpPr>
-          <p:cNvPr id="96" name="Group 84">
-            <a:extLst>
-              <a:ext uri="{FF2B5EF4-FFF2-40B4-BE49-F238E27FC236}">
-                <a16:creationId xmlns:a16="http://schemas.microsoft.com/office/drawing/2014/main" id="{CD0703AE-95DE-4C43-8272-BB33A5AD46D3}"/>
+      <p:pic>
+        <p:nvPicPr>
+          <p:cNvPr id="26" name="Picture 18">
+            <a:extLst>
+              <a:ext uri="{FF2B5EF4-FFF2-40B4-BE49-F238E27FC236}">
+                <a16:creationId xmlns:a16="http://schemas.microsoft.com/office/drawing/2014/main" id="{CD88FC76-F691-462A-BCF9-0BA4F5DE6D71}"/>
               </a:ext>
               <a:ext uri="{C183D7F6-B498-43B3-948B-1728B52AA6E4}">
                 <adec:decorative xmlns:adec="http://schemas.microsoft.com/office/drawing/2017/decorative" val="1"/>
               </a:ext>
             </a:extLst>
           </p:cNvPr>
-          <p:cNvGrpSpPr>
-            <a:grpSpLocks noGrp="1" noUngrp="1" noRot="1" noChangeAspect="1" noMove="1" noResize="1"/>
-          </p:cNvGrpSpPr>
+          <p:cNvPicPr>
+            <a:picLocks noGrp="1" noRot="1" noChangeAspect="1" noMove="1" noResize="1" noEditPoints="1" noAdjustHandles="1" noChangeArrowheads="1" noChangeShapeType="1" noCrop="1"/>
+          </p:cNvPicPr>
           <p:nvPr>
             <p:extLst>
               <p:ext uri="{386F3935-93C4-4BCD-93E2-E3B085C9AB24}">
@@ -6383,273 +12032,6 @@
               </p:ext>
             </p:extLst>
           </p:nvPr>
-        </p:nvGrpSpPr>
-        <p:grpSpPr>
-          <a:xfrm>
-            <a:off x="7477388" y="482171"/>
-            <a:ext cx="4074533" cy="5149101"/>
-            <a:chOff x="7463259" y="583365"/>
-            <a:chExt cx="4074533" cy="5181928"/>
-          </a:xfrm>
-        </p:grpSpPr>
-        <p:sp>
-          <p:nvSpPr>
-            <p:cNvPr id="97" name="Rectangle 85">
-              <a:extLst>
-                <a:ext uri="{FF2B5EF4-FFF2-40B4-BE49-F238E27FC236}">
-                  <a16:creationId xmlns:a16="http://schemas.microsoft.com/office/drawing/2014/main" id="{2FF4B413-F360-4A9A-8F55-79C3961709A4}"/>
-                </a:ext>
-                <a:ext uri="{C183D7F6-B498-43B3-948B-1728B52AA6E4}">
-                  <adec:decorative xmlns:adec="http://schemas.microsoft.com/office/drawing/2017/decorative" val="1"/>
-                </a:ext>
-              </a:extLst>
-            </p:cNvPr>
-            <p:cNvSpPr/>
-            <p:nvPr>
-              <p:extLst>
-                <p:ext uri="{386F3935-93C4-4BCD-93E2-E3B085C9AB24}">
-                  <p16:designElem xmlns:p16="http://schemas.microsoft.com/office/powerpoint/2015/main" val="1"/>
-                </p:ext>
-              </p:extLst>
-            </p:nvPr>
-          </p:nvSpPr>
-          <p:spPr>
-            <a:xfrm>
-              <a:off x="7463259" y="583365"/>
-              <a:ext cx="4074533" cy="5181928"/>
-            </a:xfrm>
-            <a:prstGeom prst="rect">
-              <a:avLst/>
-            </a:prstGeom>
-            <a:gradFill>
-              <a:gsLst>
-                <a:gs pos="0">
-                  <a:srgbClr val="000001"/>
-                </a:gs>
-                <a:gs pos="100000">
-                  <a:srgbClr val="191919"/>
-                </a:gs>
-              </a:gsLst>
-            </a:gradFill>
-            <a:ln w="76200" cmpd="sng">
-              <a:noFill/>
-              <a:miter lim="800000"/>
-            </a:ln>
-            <a:effectLst>
-              <a:outerShdw blurRad="127000" dist="228600" dir="4740000" sx="98000" sy="98000" algn="tl" rotWithShape="0">
-                <a:srgbClr val="000000">
-                  <a:alpha val="34000"/>
-                </a:srgbClr>
-              </a:outerShdw>
-            </a:effectLst>
-            <a:scene3d>
-              <a:camera prst="orthographicFront"/>
-              <a:lightRig rig="threePt" dir="t"/>
-            </a:scene3d>
-            <a:sp3d>
-              <a:bevelT w="152400" h="50800" prst="softRound"/>
-            </a:sp3d>
-          </p:spPr>
-          <p:style>
-            <a:lnRef idx="1">
-              <a:schemeClr val="accent1"/>
-            </a:lnRef>
-            <a:fillRef idx="3">
-              <a:schemeClr val="accent1"/>
-            </a:fillRef>
-            <a:effectRef idx="2">
-              <a:schemeClr val="accent1"/>
-            </a:effectRef>
-            <a:fontRef idx="minor">
-              <a:schemeClr val="lt1"/>
-            </a:fontRef>
-          </p:style>
-          <p:txBody>
-            <a:bodyPr rtlCol="0" anchor="ctr"/>
-            <a:lstStyle/>
-            <a:p>
-              <a:pPr algn="ctr"/>
-              <a:endParaRPr lang="en-US"/>
-            </a:p>
-          </p:txBody>
-        </p:sp>
-        <p:sp>
-          <p:nvSpPr>
-            <p:cNvPr id="98" name="Rectangle 86">
-              <a:extLst>
-                <a:ext uri="{FF2B5EF4-FFF2-40B4-BE49-F238E27FC236}">
-                  <a16:creationId xmlns:a16="http://schemas.microsoft.com/office/drawing/2014/main" id="{D129C2B7-6BA1-4DC0-8ED1-044AFBE47E4C}"/>
-                </a:ext>
-                <a:ext uri="{C183D7F6-B498-43B3-948B-1728B52AA6E4}">
-                  <adec:decorative xmlns:adec="http://schemas.microsoft.com/office/drawing/2017/decorative" val="1"/>
-                </a:ext>
-              </a:extLst>
-            </p:cNvPr>
-            <p:cNvSpPr/>
-            <p:nvPr>
-              <p:extLst>
-                <p:ext uri="{386F3935-93C4-4BCD-93E2-E3B085C9AB24}">
-                  <p16:designElem xmlns:p16="http://schemas.microsoft.com/office/powerpoint/2015/main" val="1"/>
-                </p:ext>
-              </p:extLst>
-            </p:nvPr>
-          </p:nvSpPr>
-          <p:spPr>
-            <a:xfrm>
-              <a:off x="7776318" y="915807"/>
-              <a:ext cx="3450289" cy="4494927"/>
-            </a:xfrm>
-            <a:prstGeom prst="rect">
-              <a:avLst/>
-            </a:prstGeom>
-            <a:gradFill>
-              <a:gsLst>
-                <a:gs pos="0">
-                  <a:srgbClr val="DADADA"/>
-                </a:gs>
-                <a:gs pos="100000">
-                  <a:srgbClr val="FFFFFE"/>
-                </a:gs>
-              </a:gsLst>
-              <a:lin ang="16200000" scaled="0"/>
-            </a:gradFill>
-            <a:ln w="50800" cmpd="sng">
-              <a:solidFill>
-                <a:srgbClr val="191919"/>
-              </a:solidFill>
-              <a:miter lim="800000"/>
-            </a:ln>
-            <a:effectLst>
-              <a:innerShdw blurRad="63500" dist="88900" dir="14100000">
-                <a:srgbClr val="000000">
-                  <a:alpha val="30000"/>
-                </a:srgbClr>
-              </a:innerShdw>
-            </a:effectLst>
-            <a:scene3d>
-              <a:camera prst="orthographicFront"/>
-              <a:lightRig rig="threePt" dir="t"/>
-            </a:scene3d>
-            <a:sp3d>
-              <a:bevelT prst="relaxedInset"/>
-            </a:sp3d>
-          </p:spPr>
-          <p:style>
-            <a:lnRef idx="1">
-              <a:schemeClr val="accent1"/>
-            </a:lnRef>
-            <a:fillRef idx="3">
-              <a:schemeClr val="accent1"/>
-            </a:fillRef>
-            <a:effectRef idx="2">
-              <a:schemeClr val="accent1"/>
-            </a:effectRef>
-            <a:fontRef idx="minor">
-              <a:schemeClr val="lt1"/>
-            </a:fontRef>
-          </p:style>
-          <p:txBody>
-            <a:bodyPr rtlCol="0" anchor="ctr"/>
-            <a:lstStyle/>
-            <a:p>
-              <a:pPr algn="ctr"/>
-              <a:endParaRPr lang="en-US"/>
-            </a:p>
-          </p:txBody>
-        </p:sp>
-      </p:grpSp>
-      <p:pic>
-        <p:nvPicPr>
-          <p:cNvPr id="8" name="Picture 7" descr="Chart, line chart&#10;&#10;Description automatically generated">
-            <a:extLst>
-              <a:ext uri="{FF2B5EF4-FFF2-40B4-BE49-F238E27FC236}">
-                <a16:creationId xmlns:a16="http://schemas.microsoft.com/office/drawing/2014/main" id="{968B214E-5401-4E7B-B9A8-C9F24A157A5C}"/>
-              </a:ext>
-            </a:extLst>
-          </p:cNvPr>
-          <p:cNvPicPr>
-            <a:picLocks noChangeAspect="1"/>
-          </p:cNvPicPr>
-          <p:nvPr/>
-        </p:nvPicPr>
-        <p:blipFill rotWithShape="1">
-          <a:blip r:embed="rId2">
-            <a:extLst>
-              <a:ext uri="{28A0092B-C50C-407E-A947-70E740481C1C}">
-                <a14:useLocalDpi xmlns:a14="http://schemas.microsoft.com/office/drawing/2010/main" val="0"/>
-              </a:ext>
-            </a:extLst>
-          </a:blip>
-          <a:srcRect l="2087" r="15867"/>
-          <a:stretch/>
-        </p:blipFill>
-        <p:spPr>
-          <a:xfrm>
-            <a:off x="7945120" y="1116344"/>
-            <a:ext cx="3129279" cy="1850789"/>
-          </a:xfrm>
-          <a:prstGeom prst="rect">
-            <a:avLst/>
-          </a:prstGeom>
-        </p:spPr>
-      </p:pic>
-      <p:pic>
-        <p:nvPicPr>
-          <p:cNvPr id="6" name="Picture 5" descr="Chart, line chart&#10;&#10;Description automatically generated">
-            <a:extLst>
-              <a:ext uri="{FF2B5EF4-FFF2-40B4-BE49-F238E27FC236}">
-                <a16:creationId xmlns:a16="http://schemas.microsoft.com/office/drawing/2014/main" id="{BB35D74C-E7AE-4A1E-9B7D-C4DAA04B970D}"/>
-              </a:ext>
-            </a:extLst>
-          </p:cNvPr>
-          <p:cNvPicPr>
-            <a:picLocks noChangeAspect="1"/>
-          </p:cNvPicPr>
-          <p:nvPr/>
-        </p:nvPicPr>
-        <p:blipFill rotWithShape="1">
-          <a:blip r:embed="rId3">
-            <a:extLst>
-              <a:ext uri="{28A0092B-C50C-407E-A947-70E740481C1C}">
-                <a14:useLocalDpi xmlns:a14="http://schemas.microsoft.com/office/drawing/2010/main" val="0"/>
-              </a:ext>
-            </a:extLst>
-          </a:blip>
-          <a:srcRect l="846" r="21262" b="-5"/>
-          <a:stretch/>
-        </p:blipFill>
-        <p:spPr>
-          <a:xfrm>
-            <a:off x="7945120" y="3131726"/>
-            <a:ext cx="3210559" cy="1850790"/>
-          </a:xfrm>
-          <a:prstGeom prst="rect">
-            <a:avLst/>
-          </a:prstGeom>
-        </p:spPr>
-      </p:pic>
-      <p:pic>
-        <p:nvPicPr>
-          <p:cNvPr id="99" name="Picture 88">
-            <a:extLst>
-              <a:ext uri="{FF2B5EF4-FFF2-40B4-BE49-F238E27FC236}">
-                <a16:creationId xmlns:a16="http://schemas.microsoft.com/office/drawing/2014/main" id="{0C24E7C2-F39B-4280-9B81-F15BBD93C3A9}"/>
-              </a:ext>
-              <a:ext uri="{C183D7F6-B498-43B3-948B-1728B52AA6E4}">
-                <adec:decorative xmlns:adec="http://schemas.microsoft.com/office/drawing/2017/decorative" val="1"/>
-              </a:ext>
-            </a:extLst>
-          </p:cNvPr>
-          <p:cNvPicPr>
-            <a:picLocks noGrp="1" noRot="1" noChangeAspect="1" noMove="1" noResize="1" noEditPoints="1" noAdjustHandles="1" noChangeArrowheads="1" noChangeShapeType="1" noCrop="1"/>
-          </p:cNvPicPr>
-          <p:nvPr>
-            <p:extLst>
-              <p:ext uri="{386F3935-93C4-4BCD-93E2-E3B085C9AB24}">
-                <p16:designElem xmlns:p16="http://schemas.microsoft.com/office/powerpoint/2015/main" val="1"/>
-              </p:ext>
-            </p:extLst>
-          </p:nvPr>
         </p:nvPicPr>
         <p:blipFill rotWithShape="1">
           <a:blip r:embed="rId4">
@@ -6674,10 +12056,10 @@
       </p:pic>
       <p:cxnSp>
         <p:nvCxnSpPr>
-          <p:cNvPr id="100" name="Straight Connector 90">
-            <a:extLst>
-              <a:ext uri="{FF2B5EF4-FFF2-40B4-BE49-F238E27FC236}">
-                <a16:creationId xmlns:a16="http://schemas.microsoft.com/office/drawing/2014/main" id="{F381DAA9-C4BA-4BB3-8F4B-3BC4B43EB336}"/>
+          <p:cNvPr id="27" name="Straight Connector 20">
+            <a:extLst>
+              <a:ext uri="{FF2B5EF4-FFF2-40B4-BE49-F238E27FC236}">
+                <a16:creationId xmlns:a16="http://schemas.microsoft.com/office/drawing/2014/main" id="{33204A7E-B7E9-42D0-9DC4-B82FDC8C4BCC}"/>
               </a:ext>
               <a:ext uri="{C183D7F6-B498-43B3-948B-1728B52AA6E4}">
                 <adec:decorative xmlns:adec="http://schemas.microsoft.com/office/drawing/2017/decorative" val="1"/>
@@ -6739,7 +12121,7 @@
 </p:sld>
 </file>
 
-<file path=ppt/slides/slide5.xml><?xml version="1.0" encoding="utf-8"?>
+<file path=ppt/slides/slide8.xml><?xml version="1.0" encoding="utf-8"?>
 <p:sld xmlns:a="http://schemas.openxmlformats.org/drawingml/2006/main" xmlns:r="http://schemas.openxmlformats.org/officeDocument/2006/relationships" xmlns:p="http://schemas.openxmlformats.org/presentationml/2006/main">
   <p:cSld>
     <p:bg>
@@ -6747,20 +12129,20 @@
         <a:gradFill rotWithShape="1">
           <a:gsLst>
             <a:gs pos="0">
-              <a:schemeClr val="bg2">
+              <a:schemeClr val="bg1">
                 <a:tint val="94000"/>
                 <a:satMod val="80000"/>
                 <a:lumMod val="106000"/>
               </a:schemeClr>
             </a:gs>
             <a:gs pos="100000">
-              <a:schemeClr val="bg2">
+              <a:schemeClr val="bg1">
                 <a:shade val="80000"/>
               </a:schemeClr>
             </a:gs>
           </a:gsLst>
           <a:path path="circle">
-            <a:fillToRect l="43000" r="43000" b="100000"/>
+            <a:fillToRect l="50000" t="50000" r="50000" b="50000"/>
           </a:path>
         </a:gradFill>
         <a:effectLst/>
@@ -6782,10 +12164,10 @@
       </p:grpSpPr>
       <p:sp>
         <p:nvSpPr>
-          <p:cNvPr id="10" name="Rectangle 9">
-            <a:extLst>
-              <a:ext uri="{FF2B5EF4-FFF2-40B4-BE49-F238E27FC236}">
-                <a16:creationId xmlns:a16="http://schemas.microsoft.com/office/drawing/2014/main" id="{0CABCAE3-64FC-4149-819F-2C1812824154}"/>
+          <p:cNvPr id="7" name="Rectangle 6">
+            <a:extLst>
+              <a:ext uri="{FF2B5EF4-FFF2-40B4-BE49-F238E27FC236}">
+                <a16:creationId xmlns:a16="http://schemas.microsoft.com/office/drawing/2014/main" id="{23522FE7-5A29-4EF6-B1EF-2CA55748A772}"/>
               </a:ext>
               <a:ext uri="{C183D7F6-B498-43B3-948B-1728B52AA6E4}">
                 <adec:decorative xmlns:adec="http://schemas.microsoft.com/office/drawing/2017/decorative" val="1"/>
@@ -6848,10 +12230,10 @@
       </p:sp>
       <p:pic>
         <p:nvPicPr>
-          <p:cNvPr id="12" name="Picture 11">
-            <a:extLst>
-              <a:ext uri="{FF2B5EF4-FFF2-40B4-BE49-F238E27FC236}">
-                <a16:creationId xmlns:a16="http://schemas.microsoft.com/office/drawing/2014/main" id="{012FDCFE-9AD2-4D8A-8CBF-B3AA37EBF6DD}"/>
+          <p:cNvPr id="9" name="Picture 8">
+            <a:extLst>
+              <a:ext uri="{FF2B5EF4-FFF2-40B4-BE49-F238E27FC236}">
+                <a16:creationId xmlns:a16="http://schemas.microsoft.com/office/drawing/2014/main" id="{C2192E09-EBC7-416C-B887-DFF915D7F43D}"/>
               </a:ext>
               <a:ext uri="{C183D7F6-B498-43B3-948B-1728B52AA6E4}">
                 <adec:decorative xmlns:adec="http://schemas.microsoft.com/office/drawing/2017/decorative" val="1"/>
@@ -6892,10 +12274,10 @@
       </p:pic>
       <p:cxnSp>
         <p:nvCxnSpPr>
-          <p:cNvPr id="14" name="Straight Connector 13">
-            <a:extLst>
-              <a:ext uri="{FF2B5EF4-FFF2-40B4-BE49-F238E27FC236}">
-                <a16:creationId xmlns:a16="http://schemas.microsoft.com/office/drawing/2014/main" id="{FBD463FC-4CA8-4FF4-85A3-AF9F4B98D210}"/>
+          <p:cNvPr id="11" name="Straight Connector 10">
+            <a:extLst>
+              <a:ext uri="{FF2B5EF4-FFF2-40B4-BE49-F238E27FC236}">
+                <a16:creationId xmlns:a16="http://schemas.microsoft.com/office/drawing/2014/main" id="{2924498D-E084-44BE-A196-CFCE35564350}"/>
               </a:ext>
               <a:ext uri="{C183D7F6-B498-43B3-948B-1728B52AA6E4}">
                 <adec:decorative xmlns:adec="http://schemas.microsoft.com/office/drawing/2017/decorative" val="1"/>
@@ -6946,10 +12328,10 @@
       </p:cxnSp>
       <p:cxnSp>
         <p:nvCxnSpPr>
-          <p:cNvPr id="16" name="Straight Connector 15">
-            <a:extLst>
-              <a:ext uri="{FF2B5EF4-FFF2-40B4-BE49-F238E27FC236}">
-                <a16:creationId xmlns:a16="http://schemas.microsoft.com/office/drawing/2014/main" id="{BECF35C3-8B44-4F4B-BD25-4C01823DB22A}"/>
+          <p:cNvPr id="13" name="Straight Connector 12">
+            <a:extLst>
+              <a:ext uri="{FF2B5EF4-FFF2-40B4-BE49-F238E27FC236}">
+                <a16:creationId xmlns:a16="http://schemas.microsoft.com/office/drawing/2014/main" id="{3BBC7667-C352-4842-9AFD-E5C16AD002F4}"/>
               </a:ext>
               <a:ext uri="{C183D7F6-B498-43B3-948B-1728B52AA6E4}">
                 <adec:decorative xmlns:adec="http://schemas.microsoft.com/office/drawing/2017/decorative" val="1"/>
@@ -6994,10 +12376,10 @@
       </p:cxnSp>
       <p:sp useBgFill="1">
         <p:nvSpPr>
-          <p:cNvPr id="18" name="Rectangle 17">
-            <a:extLst>
-              <a:ext uri="{FF2B5EF4-FFF2-40B4-BE49-F238E27FC236}">
-                <a16:creationId xmlns:a16="http://schemas.microsoft.com/office/drawing/2014/main" id="{2FA7AD0A-1871-4DF8-9235-F49D0513B9C1}"/>
+          <p:cNvPr id="15" name="Rectangle 14">
+            <a:extLst>
+              <a:ext uri="{FF2B5EF4-FFF2-40B4-BE49-F238E27FC236}">
+                <a16:creationId xmlns:a16="http://schemas.microsoft.com/office/drawing/2014/main" id="{F0AB17F6-592B-45CB-96F6-705C9825AFBC}"/>
               </a:ext>
               <a:ext uri="{C183D7F6-B498-43B3-948B-1728B52AA6E4}">
                 <adec:decorative xmlns:adec="http://schemas.microsoft.com/office/drawing/2017/decorative" val="1"/>
@@ -7054,19 +12436,59 @@
       </p:sp>
       <p:sp>
         <p:nvSpPr>
-          <p:cNvPr id="20" name="Rectangle 19">
-            <a:extLst>
-              <a:ext uri="{FF2B5EF4-FFF2-40B4-BE49-F238E27FC236}">
-                <a16:creationId xmlns:a16="http://schemas.microsoft.com/office/drawing/2014/main" id="{36B04CFB-FAE5-47DD-9B3E-4E9BA7A89CC1}"/>
+          <p:cNvPr id="2" name="Title 1">
+            <a:extLst>
+              <a:ext uri="{FF2B5EF4-FFF2-40B4-BE49-F238E27FC236}">
+                <a16:creationId xmlns:a16="http://schemas.microsoft.com/office/drawing/2014/main" id="{6FC29038-DDBC-4BFF-89F4-CE1EC9E6EEB3}"/>
+              </a:ext>
+            </a:extLst>
+          </p:cNvPr>
+          <p:cNvSpPr>
+            <a:spLocks noGrp="1"/>
+          </p:cNvSpPr>
+          <p:nvPr>
+            <p:ph type="title"/>
+          </p:nvPr>
+        </p:nvSpPr>
+        <p:spPr>
+          <a:xfrm>
+            <a:off x="5039066" y="802298"/>
+            <a:ext cx="6015784" cy="5116985"/>
+          </a:xfrm>
+        </p:spPr>
+        <p:txBody>
+          <a:bodyPr vert="horz" lIns="91440" tIns="45720" rIns="91440" bIns="0" rtlCol="0" anchor="ctr">
+            <a:normAutofit/>
+          </a:bodyPr>
+          <a:lstStyle/>
+          <a:p>
+            <a:pPr marL="1143000" indent="-1143000"/>
+            <a:r>
+              <a:rPr lang="en-US" sz="6600" dirty="0"/>
+              <a:t>4. </a:t>
+            </a:r>
+            <a:r>
+              <a:rPr lang="en-US" sz="5800" dirty="0"/>
+              <a:t>Analytical objectives</a:t>
+            </a:r>
+          </a:p>
+        </p:txBody>
+      </p:sp>
+      <p:cxnSp>
+        <p:nvCxnSpPr>
+          <p:cNvPr id="17" name="Straight Connector 16">
+            <a:extLst>
+              <a:ext uri="{FF2B5EF4-FFF2-40B4-BE49-F238E27FC236}">
+                <a16:creationId xmlns:a16="http://schemas.microsoft.com/office/drawing/2014/main" id="{5A9284E7-0823-472D-9963-18D89DFEB8B4}"/>
               </a:ext>
               <a:ext uri="{C183D7F6-B498-43B3-948B-1728B52AA6E4}">
                 <adec:decorative xmlns:adec="http://schemas.microsoft.com/office/drawing/2017/decorative" val="1"/>
               </a:ext>
             </a:extLst>
           </p:cNvPr>
-          <p:cNvSpPr>
-            <a:spLocks noGrp="1" noRot="1" noChangeAspect="1" noMove="1" noResize="1" noEditPoints="1" noAdjustHandles="1" noChangeArrowheads="1" noChangeShapeType="1" noTextEdit="1"/>
-          </p:cNvSpPr>
+          <p:cNvCxnSpPr>
+            <a:cxnSpLocks noGrp="1" noRot="1" noChangeAspect="1" noMove="1" noResize="1" noEditPoints="1" noAdjustHandles="1" noChangeArrowheads="1" noChangeShapeType="1"/>
+          </p:cNvCxnSpPr>
           <p:nvPr>
             <p:extLst>
               <p:ext uri="{386F3935-93C4-4BCD-93E2-E3B085C9AB24}">
@@ -7074,527 +12496,16 @@
               </p:ext>
             </p:extLst>
           </p:nvPr>
-        </p:nvSpPr>
-        <p:spPr>
-          <a:xfrm>
-            <a:off x="0" y="2019476"/>
-            <a:ext cx="12192000" cy="4105941"/>
-          </a:xfrm>
-          <a:prstGeom prst="rect">
-            <a:avLst/>
-          </a:prstGeom>
-          <a:gradFill flip="none" rotWithShape="1">
-            <a:gsLst>
-              <a:gs pos="0">
-                <a:schemeClr val="bg2">
-                  <a:alpha val="0"/>
-                </a:schemeClr>
-              </a:gs>
-              <a:gs pos="100000">
-                <a:schemeClr val="bg2"/>
-              </a:gs>
-            </a:gsLst>
-            <a:lin ang="5400000" scaled="0"/>
-            <a:tileRect/>
-          </a:gradFill>
-          <a:ln>
-            <a:noFill/>
-          </a:ln>
-        </p:spPr>
-        <p:style>
-          <a:lnRef idx="2">
-            <a:schemeClr val="accent1">
-              <a:shade val="50000"/>
-            </a:schemeClr>
-          </a:lnRef>
-          <a:fillRef idx="1">
-            <a:schemeClr val="accent1"/>
-          </a:fillRef>
-          <a:effectRef idx="0">
-            <a:schemeClr val="accent1"/>
-          </a:effectRef>
-          <a:fontRef idx="minor">
-            <a:schemeClr val="lt1"/>
-          </a:fontRef>
-        </p:style>
-        <p:txBody>
-          <a:bodyPr rtlCol="0" anchor="ctr"/>
-          <a:lstStyle/>
-          <a:p>
-            <a:pPr lvl="0" algn="ctr"/>
-            <a:endParaRPr lang="en-US"/>
-          </a:p>
-        </p:txBody>
-      </p:sp>
-      <p:sp>
-        <p:nvSpPr>
-          <p:cNvPr id="2" name="Title 1">
-            <a:extLst>
-              <a:ext uri="{FF2B5EF4-FFF2-40B4-BE49-F238E27FC236}">
-                <a16:creationId xmlns:a16="http://schemas.microsoft.com/office/drawing/2014/main" id="{9C888BC2-5FB8-4A00-9D2C-ABE5250D796C}"/>
-              </a:ext>
-            </a:extLst>
-          </p:cNvPr>
-          <p:cNvSpPr>
-            <a:spLocks noGrp="1"/>
-          </p:cNvSpPr>
-          <p:nvPr>
-            <p:ph type="title"/>
-          </p:nvPr>
-        </p:nvSpPr>
-        <p:spPr>
-          <a:xfrm>
-            <a:off x="659301" y="1474969"/>
-            <a:ext cx="2823919" cy="1868760"/>
-          </a:xfrm>
-        </p:spPr>
-        <p:txBody>
-          <a:bodyPr vert="horz" lIns="91440" tIns="45720" rIns="91440" bIns="0" rtlCol="0" anchor="b">
-            <a:normAutofit/>
-          </a:bodyPr>
-          <a:lstStyle/>
-          <a:p>
-            <a:r>
-              <a:rPr lang="en-US" sz="2800"/>
-              <a:t>Applied Technologies</a:t>
-            </a:r>
-            <a:br>
-              <a:rPr lang="en-US" sz="2800"/>
-            </a:br>
-            <a:endParaRPr lang="en-US" sz="2800"/>
-          </a:p>
-        </p:txBody>
-      </p:sp>
-      <p:cxnSp>
-        <p:nvCxnSpPr>
-          <p:cNvPr id="22" name="Straight Connector 21">
-            <a:extLst>
-              <a:ext uri="{FF2B5EF4-FFF2-40B4-BE49-F238E27FC236}">
-                <a16:creationId xmlns:a16="http://schemas.microsoft.com/office/drawing/2014/main" id="{EE68D41B-9286-479F-9AB7-678C8E348D71}"/>
-              </a:ext>
-              <a:ext uri="{C183D7F6-B498-43B3-948B-1728B52AA6E4}">
-                <adec:decorative xmlns:adec="http://schemas.microsoft.com/office/drawing/2017/decorative" val="1"/>
-              </a:ext>
-            </a:extLst>
-          </p:cNvPr>
-          <p:cNvCxnSpPr>
-            <a:cxnSpLocks noGrp="1" noRot="1" noChangeAspect="1" noMove="1" noResize="1" noEditPoints="1" noAdjustHandles="1" noChangeArrowheads="1" noChangeShapeType="1"/>
-          </p:cNvCxnSpPr>
-          <p:nvPr>
-            <p:extLst>
-              <p:ext uri="{386F3935-93C4-4BCD-93E2-E3B085C9AB24}">
-                <p16:designElem xmlns:p16="http://schemas.microsoft.com/office/powerpoint/2015/main" val="1"/>
-              </p:ext>
-            </p:extLst>
-          </p:nvPr>
         </p:nvCxnSpPr>
         <p:spPr>
           <a:xfrm>
-            <a:off x="659301" y="3528543"/>
-            <a:ext cx="2823919" cy="0"/>
+            <a:off x="4654296" y="1760590"/>
+            <a:ext cx="0" cy="3200400"/>
           </a:xfrm>
           <a:prstGeom prst="line">
             <a:avLst/>
           </a:prstGeom>
-          <a:ln w="31750"/>
-        </p:spPr>
-        <p:style>
-          <a:lnRef idx="3">
-            <a:schemeClr val="accent1"/>
-          </a:lnRef>
-          <a:fillRef idx="0">
-            <a:schemeClr val="accent1"/>
-          </a:fillRef>
-          <a:effectRef idx="2">
-            <a:schemeClr val="accent1"/>
-          </a:effectRef>
-          <a:fontRef idx="minor">
-            <a:schemeClr val="tx1"/>
-          </a:fontRef>
-        </p:style>
-      </p:cxnSp>
-      <p:grpSp>
-        <p:nvGrpSpPr>
-          <p:cNvPr id="24" name="Group 23">
-            <a:extLst>
-              <a:ext uri="{FF2B5EF4-FFF2-40B4-BE49-F238E27FC236}">
-                <a16:creationId xmlns:a16="http://schemas.microsoft.com/office/drawing/2014/main" id="{E8ACF89C-CFC3-4D68-B3C4-2BEFB7BBE5F7}"/>
-              </a:ext>
-              <a:ext uri="{C183D7F6-B498-43B3-948B-1728B52AA6E4}">
-                <adec:decorative xmlns:adec="http://schemas.microsoft.com/office/drawing/2017/decorative" val="1"/>
-              </a:ext>
-            </a:extLst>
-          </p:cNvPr>
-          <p:cNvGrpSpPr>
-            <a:grpSpLocks noGrp="1" noUngrp="1" noRot="1" noChangeAspect="1" noMove="1" noResize="1"/>
-          </p:cNvGrpSpPr>
-          <p:nvPr>
-            <p:extLst>
-              <p:ext uri="{386F3935-93C4-4BCD-93E2-E3B085C9AB24}">
-                <p16:designElem xmlns:p16="http://schemas.microsoft.com/office/powerpoint/2015/main" val="1"/>
-              </p:ext>
-            </p:extLst>
-          </p:nvPr>
-        </p:nvGrpSpPr>
-        <p:grpSpPr>
-          <a:xfrm>
-            <a:off x="3979389" y="482171"/>
-            <a:ext cx="7560115" cy="5149101"/>
-            <a:chOff x="3979389" y="482171"/>
-            <a:chExt cx="7560115" cy="5149101"/>
-          </a:xfrm>
-        </p:grpSpPr>
-        <p:sp>
-          <p:nvSpPr>
-            <p:cNvPr id="25" name="Rectangle 24">
-              <a:extLst>
-                <a:ext uri="{FF2B5EF4-FFF2-40B4-BE49-F238E27FC236}">
-                  <a16:creationId xmlns:a16="http://schemas.microsoft.com/office/drawing/2014/main" id="{3B770B7D-3C5C-4682-8DF0-20783592F3B6}"/>
-                </a:ext>
-                <a:ext uri="{C183D7F6-B498-43B3-948B-1728B52AA6E4}">
-                  <adec:decorative xmlns:adec="http://schemas.microsoft.com/office/drawing/2017/decorative" val="1"/>
-                </a:ext>
-              </a:extLst>
-            </p:cNvPr>
-            <p:cNvSpPr/>
-            <p:nvPr>
-              <p:extLst>
-                <p:ext uri="{386F3935-93C4-4BCD-93E2-E3B085C9AB24}">
-                  <p16:designElem xmlns:p16="http://schemas.microsoft.com/office/powerpoint/2015/main" val="1"/>
-                </p:ext>
-              </p:extLst>
-            </p:nvPr>
-          </p:nvSpPr>
-          <p:spPr>
-            <a:xfrm>
-              <a:off x="3979389" y="482171"/>
-              <a:ext cx="7560115" cy="5149101"/>
-            </a:xfrm>
-            <a:prstGeom prst="rect">
-              <a:avLst/>
-            </a:prstGeom>
-            <a:gradFill>
-              <a:gsLst>
-                <a:gs pos="0">
-                  <a:srgbClr val="000001"/>
-                </a:gs>
-                <a:gs pos="100000">
-                  <a:srgbClr val="191919"/>
-                </a:gs>
-              </a:gsLst>
-            </a:gradFill>
-            <a:ln w="76200" cmpd="sng">
-              <a:noFill/>
-              <a:miter lim="800000"/>
-            </a:ln>
-            <a:effectLst>
-              <a:outerShdw blurRad="127000" dist="228600" dir="4740000" sx="98000" sy="98000" algn="tl" rotWithShape="0">
-                <a:srgbClr val="000000">
-                  <a:alpha val="34000"/>
-                </a:srgbClr>
-              </a:outerShdw>
-            </a:effectLst>
-            <a:scene3d>
-              <a:camera prst="orthographicFront"/>
-              <a:lightRig rig="threePt" dir="t"/>
-            </a:scene3d>
-            <a:sp3d>
-              <a:bevelT w="152400" h="50800" prst="softRound"/>
-            </a:sp3d>
-          </p:spPr>
-          <p:style>
-            <a:lnRef idx="1">
-              <a:schemeClr val="accent1"/>
-            </a:lnRef>
-            <a:fillRef idx="3">
-              <a:schemeClr val="accent1"/>
-            </a:fillRef>
-            <a:effectRef idx="2">
-              <a:schemeClr val="accent1"/>
-            </a:effectRef>
-            <a:fontRef idx="minor">
-              <a:schemeClr val="lt1"/>
-            </a:fontRef>
-          </p:style>
-          <p:txBody>
-            <a:bodyPr rtlCol="0" anchor="ctr"/>
-            <a:lstStyle/>
-            <a:p>
-              <a:pPr algn="ctr"/>
-              <a:endParaRPr lang="en-US"/>
-            </a:p>
-          </p:txBody>
-        </p:sp>
-        <p:sp>
-          <p:nvSpPr>
-            <p:cNvPr id="26" name="Rectangle 25">
-              <a:extLst>
-                <a:ext uri="{FF2B5EF4-FFF2-40B4-BE49-F238E27FC236}">
-                  <a16:creationId xmlns:a16="http://schemas.microsoft.com/office/drawing/2014/main" id="{A6893E11-7EC1-4EB6-A2A8-0B693F8FE576}"/>
-                </a:ext>
-                <a:ext uri="{C183D7F6-B498-43B3-948B-1728B52AA6E4}">
-                  <adec:decorative xmlns:adec="http://schemas.microsoft.com/office/drawing/2017/decorative" val="1"/>
-                </a:ext>
-              </a:extLst>
-            </p:cNvPr>
-            <p:cNvSpPr/>
-            <p:nvPr>
-              <p:extLst>
-                <p:ext uri="{386F3935-93C4-4BCD-93E2-E3B085C9AB24}">
-                  <p16:designElem xmlns:p16="http://schemas.microsoft.com/office/powerpoint/2015/main" val="1"/>
-                </p:ext>
-              </p:extLst>
-            </p:nvPr>
-          </p:nvSpPr>
-          <p:spPr>
-            <a:xfrm>
-              <a:off x="4292448" y="812507"/>
-              <a:ext cx="6928279" cy="4466452"/>
-            </a:xfrm>
-            <a:prstGeom prst="rect">
-              <a:avLst/>
-            </a:prstGeom>
-            <a:gradFill>
-              <a:gsLst>
-                <a:gs pos="0">
-                  <a:srgbClr val="DADADA"/>
-                </a:gs>
-                <a:gs pos="100000">
-                  <a:srgbClr val="FFFFFE"/>
-                </a:gs>
-              </a:gsLst>
-              <a:lin ang="16200000" scaled="0"/>
-            </a:gradFill>
-            <a:ln w="50800" cmpd="sng">
-              <a:solidFill>
-                <a:srgbClr val="191919"/>
-              </a:solidFill>
-              <a:miter lim="800000"/>
-            </a:ln>
-            <a:effectLst>
-              <a:innerShdw blurRad="63500" dist="88900" dir="14100000">
-                <a:srgbClr val="000000">
-                  <a:alpha val="30000"/>
-                </a:srgbClr>
-              </a:innerShdw>
-            </a:effectLst>
-            <a:scene3d>
-              <a:camera prst="orthographicFront"/>
-              <a:lightRig rig="threePt" dir="t"/>
-            </a:scene3d>
-            <a:sp3d>
-              <a:bevelT prst="relaxedInset"/>
-            </a:sp3d>
-          </p:spPr>
-          <p:style>
-            <a:lnRef idx="1">
-              <a:schemeClr val="accent1"/>
-            </a:lnRef>
-            <a:fillRef idx="3">
-              <a:schemeClr val="accent1"/>
-            </a:fillRef>
-            <a:effectRef idx="2">
-              <a:schemeClr val="accent1"/>
-            </a:effectRef>
-            <a:fontRef idx="minor">
-              <a:schemeClr val="lt1"/>
-            </a:fontRef>
-          </p:style>
-          <p:txBody>
-            <a:bodyPr rtlCol="0" anchor="ctr"/>
-            <a:lstStyle/>
-            <a:p>
-              <a:pPr algn="ctr"/>
-              <a:endParaRPr lang="en-US"/>
-            </a:p>
-          </p:txBody>
-        </p:sp>
-      </p:grpSp>
-      <p:sp>
-        <p:nvSpPr>
-          <p:cNvPr id="28" name="Rectangle 27">
-            <a:extLst>
-              <a:ext uri="{FF2B5EF4-FFF2-40B4-BE49-F238E27FC236}">
-                <a16:creationId xmlns:a16="http://schemas.microsoft.com/office/drawing/2014/main" id="{622F7FD7-8884-4FD5-95AB-0B5C6033ADF7}"/>
-              </a:ext>
-              <a:ext uri="{C183D7F6-B498-43B3-948B-1728B52AA6E4}">
-                <adec:decorative xmlns:adec="http://schemas.microsoft.com/office/drawing/2017/decorative" val="1"/>
-              </a:ext>
-            </a:extLst>
-          </p:cNvPr>
-          <p:cNvSpPr>
-            <a:spLocks noGrp="1" noRot="1" noChangeAspect="1" noMove="1" noResize="1" noEditPoints="1" noAdjustHandles="1" noChangeArrowheads="1" noChangeShapeType="1" noTextEdit="1"/>
-          </p:cNvSpPr>
-          <p:nvPr>
-            <p:extLst>
-              <p:ext uri="{386F3935-93C4-4BCD-93E2-E3B085C9AB24}">
-                <p16:designElem xmlns:p16="http://schemas.microsoft.com/office/powerpoint/2015/main" val="1"/>
-              </p:ext>
-            </p:extLst>
-          </p:nvPr>
-        </p:nvSpPr>
-        <p:spPr>
-          <a:xfrm>
-            <a:off x="4455487" y="977965"/>
-            <a:ext cx="6615582" cy="4135339"/>
-          </a:xfrm>
-          <a:prstGeom prst="rect">
-            <a:avLst/>
-          </a:prstGeom>
-          <a:solidFill>
-            <a:schemeClr val="bg1"/>
-          </a:solidFill>
-          <a:ln w="6350">
-            <a:solidFill>
-              <a:schemeClr val="bg2"/>
-            </a:solidFill>
-          </a:ln>
-        </p:spPr>
-        <p:style>
-          <a:lnRef idx="2">
-            <a:schemeClr val="accent1">
-              <a:shade val="50000"/>
-            </a:schemeClr>
-          </a:lnRef>
-          <a:fillRef idx="1">
-            <a:schemeClr val="accent1"/>
-          </a:fillRef>
-          <a:effectRef idx="0">
-            <a:schemeClr val="accent1"/>
-          </a:effectRef>
-          <a:fontRef idx="minor">
-            <a:schemeClr val="lt1"/>
-          </a:fontRef>
-        </p:style>
-        <p:txBody>
-          <a:bodyPr rtlCol="0" anchor="ctr"/>
-          <a:lstStyle/>
-          <a:p>
-            <a:pPr algn="ctr"/>
-            <a:endParaRPr lang="en-US"/>
-          </a:p>
-        </p:txBody>
-      </p:sp>
-      <p:pic>
-        <p:nvPicPr>
-          <p:cNvPr id="5" name="Content Placeholder 4" descr="Graphical user interface, website&#10;&#10;Description automatically generated">
-            <a:extLst>
-              <a:ext uri="{FF2B5EF4-FFF2-40B4-BE49-F238E27FC236}">
-                <a16:creationId xmlns:a16="http://schemas.microsoft.com/office/drawing/2014/main" id="{7384D192-A3C5-452B-AF13-8700E7B80ADF}"/>
-              </a:ext>
-            </a:extLst>
-          </p:cNvPr>
-          <p:cNvPicPr>
-            <a:picLocks noGrp="1" noChangeAspect="1"/>
-          </p:cNvPicPr>
-          <p:nvPr>
-            <p:ph idx="1"/>
-          </p:nvPr>
-        </p:nvPicPr>
-        <p:blipFill>
-          <a:blip r:embed="rId3">
-            <a:extLst>
-              <a:ext uri="{28A0092B-C50C-407E-A947-70E740481C1C}">
-                <a14:useLocalDpi xmlns:a14="http://schemas.microsoft.com/office/drawing/2010/main" val="0"/>
-              </a:ext>
-            </a:extLst>
-          </a:blip>
-          <a:stretch>
-            <a:fillRect/>
-          </a:stretch>
-        </p:blipFill>
-        <p:spPr>
-          <a:xfrm>
-            <a:off x="4455184" y="976902"/>
-            <a:ext cx="6615582" cy="4135335"/>
-          </a:xfrm>
-          <a:prstGeom prst="rect">
-            <a:avLst/>
-          </a:prstGeom>
-        </p:spPr>
-      </p:pic>
-      <p:pic>
-        <p:nvPicPr>
-          <p:cNvPr id="30" name="Picture 29">
-            <a:extLst>
-              <a:ext uri="{FF2B5EF4-FFF2-40B4-BE49-F238E27FC236}">
-                <a16:creationId xmlns:a16="http://schemas.microsoft.com/office/drawing/2014/main" id="{16EFE474-4FE0-4E8F-8F09-5ED2C9E76A84}"/>
-              </a:ext>
-              <a:ext uri="{C183D7F6-B498-43B3-948B-1728B52AA6E4}">
-                <adec:decorative xmlns:adec="http://schemas.microsoft.com/office/drawing/2017/decorative" val="1"/>
-              </a:ext>
-            </a:extLst>
-          </p:cNvPr>
-          <p:cNvPicPr>
-            <a:picLocks noGrp="1" noRot="1" noChangeAspect="1" noMove="1" noResize="1" noEditPoints="1" noAdjustHandles="1" noChangeArrowheads="1" noChangeShapeType="1" noCrop="1"/>
-          </p:cNvPicPr>
-          <p:nvPr>
-            <p:extLst>
-              <p:ext uri="{386F3935-93C4-4BCD-93E2-E3B085C9AB24}">
-                <p16:designElem xmlns:p16="http://schemas.microsoft.com/office/powerpoint/2015/main" val="1"/>
-              </p:ext>
-            </p:extLst>
-          </p:nvPr>
-        </p:nvPicPr>
-        <p:blipFill rotWithShape="1">
-          <a:blip r:embed="rId2">
-            <a:extLst>
-              <a:ext uri="{28A0092B-C50C-407E-A947-70E740481C1C}">
-                <a14:useLocalDpi xmlns:a14="http://schemas.microsoft.com/office/drawing/2010/main" val="0"/>
-              </a:ext>
-            </a:extLst>
-          </a:blip>
-          <a:srcRect t="1538" b="-1538"/>
-          <a:stretch/>
-        </p:blipFill>
-        <p:spPr bwMode="black">
-          <a:xfrm>
-            <a:off x="0" y="6126480"/>
-            <a:ext cx="12192000" cy="742950"/>
-          </a:xfrm>
-          <a:prstGeom prst="rect">
-            <a:avLst/>
-          </a:prstGeom>
-        </p:spPr>
-      </p:pic>
-      <p:cxnSp>
-        <p:nvCxnSpPr>
-          <p:cNvPr id="32" name="Straight Connector 31">
-            <a:extLst>
-              <a:ext uri="{FF2B5EF4-FFF2-40B4-BE49-F238E27FC236}">
-                <a16:creationId xmlns:a16="http://schemas.microsoft.com/office/drawing/2014/main" id="{CF8B8C81-54DC-4AF5-B682-3A2C70A6B55C}"/>
-              </a:ext>
-              <a:ext uri="{C183D7F6-B498-43B3-948B-1728B52AA6E4}">
-                <adec:decorative xmlns:adec="http://schemas.microsoft.com/office/drawing/2017/decorative" val="1"/>
-              </a:ext>
-            </a:extLst>
-          </p:cNvPr>
-          <p:cNvCxnSpPr>
-            <a:cxnSpLocks noGrp="1" noRot="1" noChangeAspect="1" noMove="1" noResize="1" noEditPoints="1" noAdjustHandles="1" noChangeArrowheads="1" noChangeShapeType="1"/>
-          </p:cNvCxnSpPr>
-          <p:nvPr>
-            <p:extLst>
-              <p:ext uri="{386F3935-93C4-4BCD-93E2-E3B085C9AB24}">
-                <p16:designElem xmlns:p16="http://schemas.microsoft.com/office/powerpoint/2015/main" val="1"/>
-              </p:ext>
-            </p:extLst>
-          </p:nvPr>
-        </p:nvCxnSpPr>
-        <p:spPr>
-          <a:xfrm>
-            <a:off x="0" y="6128413"/>
-            <a:ext cx="12192000" cy="0"/>
-          </a:xfrm>
-          <a:prstGeom prst="line">
-            <a:avLst/>
-          </a:prstGeom>
-          <a:ln w="12700">
-            <a:solidFill>
-              <a:srgbClr val="000001">
-                <a:alpha val="20000"/>
-              </a:srgbClr>
-            </a:solidFill>
-          </a:ln>
+          <a:ln w="34925"/>
         </p:spPr>
         <p:style>
           <a:lnRef idx="1">
@@ -7614,17 +12525,17 @@
     </p:spTree>
     <p:extLst>
       <p:ext uri="{BB962C8B-B14F-4D97-AF65-F5344CB8AC3E}">
-        <p14:creationId xmlns:p14="http://schemas.microsoft.com/office/powerpoint/2010/main" val="288336247"/>
+        <p14:creationId xmlns:p14="http://schemas.microsoft.com/office/powerpoint/2010/main" val="3351353499"/>
       </p:ext>
     </p:extLst>
   </p:cSld>
   <p:clrMapOvr>
-    <a:masterClrMapping/>
+    <a:overrideClrMapping bg1="dk1" tx1="lt1" bg2="dk2" tx2="lt2" accent1="accent1" accent2="accent2" accent3="accent3" accent4="accent4" accent5="accent5" accent6="accent6" hlink="hlink" folHlink="folHlink"/>
   </p:clrMapOvr>
 </p:sld>
 </file>
 
-<file path=ppt/slides/slide6.xml><?xml version="1.0" encoding="utf-8"?>
+<file path=ppt/slides/slide9.xml><?xml version="1.0" encoding="utf-8"?>
 <p:sld xmlns:a="http://schemas.openxmlformats.org/drawingml/2006/main" xmlns:r="http://schemas.openxmlformats.org/officeDocument/2006/relationships" xmlns:p="http://schemas.openxmlformats.org/presentationml/2006/main">
   <p:cSld>
     <p:bg>
@@ -7670,7 +12581,7 @@
           <p:cNvPr id="2" name="Title 1">
             <a:extLst>
               <a:ext uri="{FF2B5EF4-FFF2-40B4-BE49-F238E27FC236}">
-                <a16:creationId xmlns:a16="http://schemas.microsoft.com/office/drawing/2014/main" id="{F01D79B6-8945-4B13-8E99-94D3944484CC}"/>
+                <a16:creationId xmlns:a16="http://schemas.microsoft.com/office/drawing/2014/main" id="{8889499D-19E6-427B-B727-0C2FA93DD911}"/>
               </a:ext>
             </a:extLst>
           </p:cNvPr>
@@ -7694,8 +12605,8 @@
           <a:lstStyle/>
           <a:p>
             <a:r>
-              <a:rPr lang="en-US"/>
-              <a:t>Machine learning – linear regression model</a:t>
+              <a:rPr lang="en-US" dirty="0"/>
+              <a:t>Questions we hope to answer with data</a:t>
             </a:r>
           </a:p>
         </p:txBody>
@@ -7705,7 +12616,7 @@
           <p:cNvPr id="3" name="Content Placeholder 2">
             <a:extLst>
               <a:ext uri="{FF2B5EF4-FFF2-40B4-BE49-F238E27FC236}">
-                <a16:creationId xmlns:a16="http://schemas.microsoft.com/office/drawing/2014/main" id="{5AE32BCC-7EAC-4790-831B-CB3952FD53D7}"/>
+                <a16:creationId xmlns:a16="http://schemas.microsoft.com/office/drawing/2014/main" id="{D5267366-8BC9-4150-9547-80CF723798F3}"/>
               </a:ext>
             </a:extLst>
           </p:cNvPr>
@@ -7719,7 +12630,7 @@
         <p:spPr>
           <a:xfrm>
             <a:off x="1451579" y="2015734"/>
-            <a:ext cx="4162555" cy="3450613"/>
+            <a:ext cx="4034821" cy="3450613"/>
           </a:xfrm>
         </p:spPr>
         <p:txBody>
@@ -7732,17 +12643,11 @@
               <a:buNone/>
             </a:pPr>
             <a:r>
-              <a:rPr lang="en-US" dirty="0">
-                <a:latin typeface="-apple-system"/>
-              </a:rPr>
-              <a:t>W</a:t>
-            </a:r>
-            <a:r>
               <a:rPr lang="en-US" b="0" i="0" dirty="0">
                 <a:effectLst/>
                 <a:latin typeface="-apple-system"/>
               </a:rPr>
-              <a:t>e plotted “year” versus “suicides_100k_pop” on a scatter plot to determine any trend. Based on the scatter plot, we saw a linear trend, which is best suited for machine learning regression models.</a:t>
+              <a:t>We wanted to determine whether an uptick in social media use in recent years overlaps with an increase in suicide rates, particularly among younger cohorts who use social media in the greatest numbers. To determine correlation, we plan to visualize U.S. suicide rates and social media use over time.</a:t>
             </a:r>
           </a:p>
           <a:p>
@@ -7755,10 +12660,10 @@
       </p:sp>
       <p:pic>
         <p:nvPicPr>
-          <p:cNvPr id="6" name="Picture 5" descr="Calendar&#10;&#10;Description automatically generated">
-            <a:extLst>
-              <a:ext uri="{FF2B5EF4-FFF2-40B4-BE49-F238E27FC236}">
-                <a16:creationId xmlns:a16="http://schemas.microsoft.com/office/drawing/2014/main" id="{BC09FC19-CB4A-491B-BDF0-9A120B22F07F}"/>
+          <p:cNvPr id="5" name="Picture 4" descr="Chart, line chart&#10;&#10;Description automatically generated">
+            <a:extLst>
+              <a:ext uri="{FF2B5EF4-FFF2-40B4-BE49-F238E27FC236}">
+                <a16:creationId xmlns:a16="http://schemas.microsoft.com/office/drawing/2014/main" id="{6AFBE7AF-C1DD-4418-96F5-8CDF47DBE8B4}"/>
               </a:ext>
             </a:extLst>
           </p:cNvPr>
@@ -7781,8 +12686,8 @@
         </p:blipFill>
         <p:spPr>
           <a:xfrm>
-            <a:off x="5614134" y="2054490"/>
-            <a:ext cx="6027211" cy="3736710"/>
+            <a:off x="5486400" y="2015733"/>
+            <a:ext cx="5587999" cy="3450613"/>
           </a:xfrm>
           <a:prstGeom prst="rect">
             <a:avLst/>
@@ -7792,491 +12697,7 @@
     </p:spTree>
     <p:extLst>
       <p:ext uri="{BB962C8B-B14F-4D97-AF65-F5344CB8AC3E}">
-        <p14:creationId xmlns:p14="http://schemas.microsoft.com/office/powerpoint/2010/main" val="4080826630"/>
-      </p:ext>
-    </p:extLst>
-  </p:cSld>
-  <p:clrMapOvr>
-    <a:masterClrMapping/>
-  </p:clrMapOvr>
-</p:sld>
-</file>
-
-<file path=ppt/slides/slide7.xml><?xml version="1.0" encoding="utf-8"?>
-<p:sld xmlns:a="http://schemas.openxmlformats.org/drawingml/2006/main" xmlns:r="http://schemas.openxmlformats.org/officeDocument/2006/relationships" xmlns:p="http://schemas.openxmlformats.org/presentationml/2006/main">
-  <p:cSld>
-    <p:bg>
-      <p:bgPr>
-        <a:gradFill rotWithShape="1">
-          <a:gsLst>
-            <a:gs pos="0">
-              <a:schemeClr val="bg2">
-                <a:tint val="94000"/>
-                <a:satMod val="80000"/>
-                <a:lumMod val="106000"/>
-              </a:schemeClr>
-            </a:gs>
-            <a:gs pos="100000">
-              <a:schemeClr val="bg2">
-                <a:shade val="80000"/>
-              </a:schemeClr>
-            </a:gs>
-          </a:gsLst>
-          <a:path path="circle">
-            <a:fillToRect l="43000" r="43000" b="100000"/>
-          </a:path>
-        </a:gradFill>
-        <a:effectLst/>
-      </p:bgPr>
-    </p:bg>
-    <p:spTree>
-      <p:nvGrpSpPr>
-        <p:cNvPr id="1" name=""/>
-        <p:cNvGrpSpPr/>
-        <p:nvPr/>
-      </p:nvGrpSpPr>
-      <p:grpSpPr>
-        <a:xfrm>
-          <a:off x="0" y="0"/>
-          <a:ext cx="0" cy="0"/>
-          <a:chOff x="0" y="0"/>
-          <a:chExt cx="0" cy="0"/>
-        </a:xfrm>
-      </p:grpSpPr>
-      <p:sp useBgFill="1">
-        <p:nvSpPr>
-          <p:cNvPr id="21" name="Rectangle 20">
-            <a:extLst>
-              <a:ext uri="{FF2B5EF4-FFF2-40B4-BE49-F238E27FC236}">
-                <a16:creationId xmlns:a16="http://schemas.microsoft.com/office/drawing/2014/main" id="{742C14A9-3617-46DD-9FC4-ED828A7D3E6F}"/>
-              </a:ext>
-              <a:ext uri="{C183D7F6-B498-43B3-948B-1728B52AA6E4}">
-                <adec:decorative xmlns:adec="http://schemas.microsoft.com/office/drawing/2017/decorative" val="1"/>
-              </a:ext>
-            </a:extLst>
-          </p:cNvPr>
-          <p:cNvSpPr>
-            <a:spLocks noGrp="1" noRot="1" noChangeAspect="1" noMove="1" noResize="1" noEditPoints="1" noAdjustHandles="1" noChangeArrowheads="1" noChangeShapeType="1" noTextEdit="1"/>
-          </p:cNvSpPr>
-          <p:nvPr>
-            <p:extLst>
-              <p:ext uri="{386F3935-93C4-4BCD-93E2-E3B085C9AB24}">
-                <p16:designElem xmlns:p16="http://schemas.microsoft.com/office/powerpoint/2015/main" val="1"/>
-              </p:ext>
-            </p:extLst>
-          </p:nvPr>
-        </p:nvSpPr>
-        <p:spPr>
-          <a:xfrm>
-            <a:off x="2" y="0"/>
-            <a:ext cx="12191695" cy="6858000"/>
-          </a:xfrm>
-          <a:prstGeom prst="rect">
-            <a:avLst/>
-          </a:prstGeom>
-          <a:ln>
-            <a:noFill/>
-          </a:ln>
-        </p:spPr>
-        <p:style>
-          <a:lnRef idx="2">
-            <a:schemeClr val="accent1">
-              <a:shade val="50000"/>
-            </a:schemeClr>
-          </a:lnRef>
-          <a:fillRef idx="1">
-            <a:schemeClr val="accent1"/>
-          </a:fillRef>
-          <a:effectRef idx="0">
-            <a:schemeClr val="accent1"/>
-          </a:effectRef>
-          <a:fontRef idx="minor">
-            <a:schemeClr val="lt1"/>
-          </a:fontRef>
-        </p:style>
-        <p:txBody>
-          <a:bodyPr rtlCol="0" anchor="ctr"/>
-          <a:lstStyle/>
-          <a:p>
-            <a:pPr algn="ctr"/>
-            <a:endParaRPr lang="en-US"/>
-          </a:p>
-        </p:txBody>
-      </p:sp>
-      <p:cxnSp>
-        <p:nvCxnSpPr>
-          <p:cNvPr id="23" name="Straight Connector 22">
-            <a:extLst>
-              <a:ext uri="{FF2B5EF4-FFF2-40B4-BE49-F238E27FC236}">
-                <a16:creationId xmlns:a16="http://schemas.microsoft.com/office/drawing/2014/main" id="{19AB0109-1C89-41F0-9EDF-3DE017BE3F27}"/>
-              </a:ext>
-              <a:ext uri="{C183D7F6-B498-43B3-948B-1728B52AA6E4}">
-                <adec:decorative xmlns:adec="http://schemas.microsoft.com/office/drawing/2017/decorative" val="1"/>
-              </a:ext>
-            </a:extLst>
-          </p:cNvPr>
-          <p:cNvCxnSpPr>
-            <a:cxnSpLocks noGrp="1" noRot="1" noChangeAspect="1" noMove="1" noResize="1" noEditPoints="1" noAdjustHandles="1" noChangeArrowheads="1" noChangeShapeType="1"/>
-          </p:cNvCxnSpPr>
-          <p:nvPr>
-            <p:extLst>
-              <p:ext uri="{386F3935-93C4-4BCD-93E2-E3B085C9AB24}">
-                <p16:designElem xmlns:p16="http://schemas.microsoft.com/office/powerpoint/2015/main" val="1"/>
-              </p:ext>
-            </p:extLst>
-          </p:nvPr>
-        </p:nvCxnSpPr>
-        <p:spPr>
-          <a:xfrm>
-            <a:off x="1453897" y="1847088"/>
-            <a:ext cx="5548039" cy="0"/>
-          </a:xfrm>
-          <a:prstGeom prst="line">
-            <a:avLst/>
-          </a:prstGeom>
-          <a:ln w="31750"/>
-        </p:spPr>
-        <p:style>
-          <a:lnRef idx="3">
-            <a:schemeClr val="accent1"/>
-          </a:lnRef>
-          <a:fillRef idx="0">
-            <a:schemeClr val="accent1"/>
-          </a:fillRef>
-          <a:effectRef idx="2">
-            <a:schemeClr val="accent1"/>
-          </a:effectRef>
-          <a:fontRef idx="minor">
-            <a:schemeClr val="tx1"/>
-          </a:fontRef>
-        </p:style>
-      </p:cxnSp>
-      <p:sp>
-        <p:nvSpPr>
-          <p:cNvPr id="2" name="Title 1">
-            <a:extLst>
-              <a:ext uri="{FF2B5EF4-FFF2-40B4-BE49-F238E27FC236}">
-                <a16:creationId xmlns:a16="http://schemas.microsoft.com/office/drawing/2014/main" id="{F01D79B6-8945-4B13-8E99-94D3944484CC}"/>
-              </a:ext>
-            </a:extLst>
-          </p:cNvPr>
-          <p:cNvSpPr>
-            <a:spLocks noGrp="1"/>
-          </p:cNvSpPr>
-          <p:nvPr>
-            <p:ph type="title"/>
-          </p:nvPr>
-        </p:nvSpPr>
-        <p:spPr>
-          <a:xfrm>
-            <a:off x="1451579" y="804519"/>
-            <a:ext cx="5355621" cy="1120712"/>
-          </a:xfrm>
-        </p:spPr>
-        <p:txBody>
-          <a:bodyPr>
-            <a:normAutofit/>
-          </a:bodyPr>
-          <a:lstStyle/>
-          <a:p>
-            <a:r>
-              <a:rPr lang="en-US" sz="2700" dirty="0"/>
-              <a:t>Machine learning – random forest regressor model</a:t>
-            </a:r>
-          </a:p>
-        </p:txBody>
-      </p:sp>
-      <p:sp>
-        <p:nvSpPr>
-          <p:cNvPr id="25" name="Rectangle 24">
-            <a:extLst>
-              <a:ext uri="{FF2B5EF4-FFF2-40B4-BE49-F238E27FC236}">
-                <a16:creationId xmlns:a16="http://schemas.microsoft.com/office/drawing/2014/main" id="{19E5CB6C-D5A1-44AB-BAD0-E76C67ED2802}"/>
-              </a:ext>
-              <a:ext uri="{C183D7F6-B498-43B3-948B-1728B52AA6E4}">
-                <adec:decorative xmlns:adec="http://schemas.microsoft.com/office/drawing/2017/decorative" val="1"/>
-              </a:ext>
-            </a:extLst>
-          </p:cNvPr>
-          <p:cNvSpPr>
-            <a:spLocks noGrp="1" noRot="1" noChangeAspect="1" noMove="1" noResize="1" noEditPoints="1" noAdjustHandles="1" noChangeArrowheads="1" noChangeShapeType="1" noTextEdit="1"/>
-          </p:cNvSpPr>
-          <p:nvPr>
-            <p:extLst>
-              <p:ext uri="{386F3935-93C4-4BCD-93E2-E3B085C9AB24}">
-                <p16:designElem xmlns:p16="http://schemas.microsoft.com/office/powerpoint/2015/main" val="1"/>
-              </p:ext>
-            </p:extLst>
-          </p:nvPr>
-        </p:nvSpPr>
-        <p:spPr>
-          <a:xfrm>
-            <a:off x="0" y="2019476"/>
-            <a:ext cx="12192000" cy="4105941"/>
-          </a:xfrm>
-          <a:prstGeom prst="rect">
-            <a:avLst/>
-          </a:prstGeom>
-          <a:gradFill flip="none" rotWithShape="1">
-            <a:gsLst>
-              <a:gs pos="0">
-                <a:schemeClr val="bg2">
-                  <a:alpha val="0"/>
-                </a:schemeClr>
-              </a:gs>
-              <a:gs pos="100000">
-                <a:schemeClr val="bg2"/>
-              </a:gs>
-            </a:gsLst>
-            <a:lin ang="5400000" scaled="0"/>
-            <a:tileRect/>
-          </a:gradFill>
-          <a:ln>
-            <a:noFill/>
-          </a:ln>
-        </p:spPr>
-        <p:style>
-          <a:lnRef idx="2">
-            <a:schemeClr val="accent1">
-              <a:shade val="50000"/>
-            </a:schemeClr>
-          </a:lnRef>
-          <a:fillRef idx="1">
-            <a:schemeClr val="accent1"/>
-          </a:fillRef>
-          <a:effectRef idx="0">
-            <a:schemeClr val="accent1"/>
-          </a:effectRef>
-          <a:fontRef idx="minor">
-            <a:schemeClr val="lt1"/>
-          </a:fontRef>
-        </p:style>
-        <p:txBody>
-          <a:bodyPr rtlCol="0" anchor="ctr"/>
-          <a:lstStyle/>
-          <a:p>
-            <a:pPr lvl="0" algn="ctr"/>
-            <a:endParaRPr lang="en-US"/>
-          </a:p>
-        </p:txBody>
-      </p:sp>
-      <p:sp>
-        <p:nvSpPr>
-          <p:cNvPr id="3" name="Content Placeholder 2">
-            <a:extLst>
-              <a:ext uri="{FF2B5EF4-FFF2-40B4-BE49-F238E27FC236}">
-                <a16:creationId xmlns:a16="http://schemas.microsoft.com/office/drawing/2014/main" id="{5AE32BCC-7EAC-4790-831B-CB3952FD53D7}"/>
-              </a:ext>
-            </a:extLst>
-          </p:cNvPr>
-          <p:cNvSpPr>
-            <a:spLocks noGrp="1"/>
-          </p:cNvSpPr>
-          <p:nvPr>
-            <p:ph idx="1"/>
-          </p:nvPr>
-        </p:nvSpPr>
-        <p:spPr>
-          <a:xfrm>
-            <a:off x="1451579" y="2117332"/>
-            <a:ext cx="5355621" cy="3460508"/>
-          </a:xfrm>
-        </p:spPr>
-        <p:txBody>
-          <a:bodyPr>
-            <a:normAutofit/>
-          </a:bodyPr>
-          <a:lstStyle/>
-          <a:p>
-            <a:pPr marL="0" indent="0">
-              <a:lnSpc>
-                <a:spcPct val="110000"/>
-              </a:lnSpc>
-              <a:buNone/>
-            </a:pPr>
-            <a:r>
-              <a:rPr lang="en-US" b="0" i="0" dirty="0">
-                <a:effectLst/>
-                <a:latin typeface="-apple-system"/>
-              </a:rPr>
-              <a:t>The random forest regressor model also showed improvement in the residual plot. A residual plot shows the difference between the true value of y and the predicted values of y, ideally, we want our predictions to be close to zero on the y-axis. We can see in the linear regression residual plot; the difference is between the ranges of negative 15 to 10. In the random forest regressor residual plot, the ranges improve by decreasing to a range of negative 2 to 1.5.</a:t>
-            </a:r>
-            <a:endParaRPr lang="en-US" dirty="0"/>
-          </a:p>
-        </p:txBody>
-      </p:sp>
-      <p:pic>
-        <p:nvPicPr>
-          <p:cNvPr id="14" name="Picture 13" descr="Chart, scatter chart&#10;&#10;Description automatically generated">
-            <a:extLst>
-              <a:ext uri="{FF2B5EF4-FFF2-40B4-BE49-F238E27FC236}">
-                <a16:creationId xmlns:a16="http://schemas.microsoft.com/office/drawing/2014/main" id="{CE2BF7B1-B89F-4C9E-A69C-7B38A073F9BA}"/>
-              </a:ext>
-            </a:extLst>
-          </p:cNvPr>
-          <p:cNvPicPr>
-            <a:picLocks noChangeAspect="1"/>
-          </p:cNvPicPr>
-          <p:nvPr/>
-        </p:nvPicPr>
-        <p:blipFill rotWithShape="1">
-          <a:blip r:embed="rId2">
-            <a:extLst>
-              <a:ext uri="{28A0092B-C50C-407E-A947-70E740481C1C}">
-                <a14:useLocalDpi xmlns:a14="http://schemas.microsoft.com/office/drawing/2010/main" val="0"/>
-              </a:ext>
-            </a:extLst>
-          </a:blip>
-          <a:srcRect l="561" r="-3" b="-3"/>
-          <a:stretch/>
-        </p:blipFill>
-        <p:spPr>
-          <a:xfrm>
-            <a:off x="7001936" y="399828"/>
-            <a:ext cx="4875103" cy="2729451"/>
-          </a:xfrm>
-          <a:prstGeom prst="rect">
-            <a:avLst/>
-          </a:prstGeom>
-        </p:spPr>
-      </p:pic>
-      <p:pic>
-        <p:nvPicPr>
-          <p:cNvPr id="16" name="Picture 15" descr="Chart, scatter chart&#10;&#10;Description automatically generated">
-            <a:extLst>
-              <a:ext uri="{FF2B5EF4-FFF2-40B4-BE49-F238E27FC236}">
-                <a16:creationId xmlns:a16="http://schemas.microsoft.com/office/drawing/2014/main" id="{9FA781DF-9250-46CB-A6DF-A3271E9B751E}"/>
-              </a:ext>
-            </a:extLst>
-          </p:cNvPr>
-          <p:cNvPicPr>
-            <a:picLocks noChangeAspect="1"/>
-          </p:cNvPicPr>
-          <p:nvPr/>
-        </p:nvPicPr>
-        <p:blipFill rotWithShape="1">
-          <a:blip r:embed="rId3">
-            <a:extLst>
-              <a:ext uri="{28A0092B-C50C-407E-A947-70E740481C1C}">
-                <a14:useLocalDpi xmlns:a14="http://schemas.microsoft.com/office/drawing/2010/main" val="0"/>
-              </a:ext>
-            </a:extLst>
-          </a:blip>
-          <a:srcRect l="1713" r="4142" b="2"/>
-          <a:stretch/>
-        </p:blipFill>
-        <p:spPr>
-          <a:xfrm>
-            <a:off x="7001936" y="3321366"/>
-            <a:ext cx="4875103" cy="2729451"/>
-          </a:xfrm>
-          <a:prstGeom prst="rect">
-            <a:avLst/>
-          </a:prstGeom>
-        </p:spPr>
-      </p:pic>
-      <p:pic>
-        <p:nvPicPr>
-          <p:cNvPr id="27" name="Picture 26">
-            <a:extLst>
-              <a:ext uri="{FF2B5EF4-FFF2-40B4-BE49-F238E27FC236}">
-                <a16:creationId xmlns:a16="http://schemas.microsoft.com/office/drawing/2014/main" id="{D5A16967-5C32-4A48-9F02-4F0228AC8DBA}"/>
-              </a:ext>
-              <a:ext uri="{C183D7F6-B498-43B3-948B-1728B52AA6E4}">
-                <adec:decorative xmlns:adec="http://schemas.microsoft.com/office/drawing/2017/decorative" val="1"/>
-              </a:ext>
-            </a:extLst>
-          </p:cNvPr>
-          <p:cNvPicPr>
-            <a:picLocks noGrp="1" noRot="1" noChangeAspect="1" noMove="1" noResize="1" noEditPoints="1" noAdjustHandles="1" noChangeArrowheads="1" noChangeShapeType="1" noCrop="1"/>
-          </p:cNvPicPr>
-          <p:nvPr>
-            <p:extLst>
-              <p:ext uri="{386F3935-93C4-4BCD-93E2-E3B085C9AB24}">
-                <p16:designElem xmlns:p16="http://schemas.microsoft.com/office/powerpoint/2015/main" val="1"/>
-              </p:ext>
-            </p:extLst>
-          </p:nvPr>
-        </p:nvPicPr>
-        <p:blipFill rotWithShape="1">
-          <a:blip r:embed="rId4">
-            <a:extLst>
-              <a:ext uri="{28A0092B-C50C-407E-A947-70E740481C1C}">
-                <a14:useLocalDpi xmlns:a14="http://schemas.microsoft.com/office/drawing/2010/main" val="0"/>
-              </a:ext>
-            </a:extLst>
-          </a:blip>
-          <a:srcRect t="1538" b="-1538"/>
-          <a:stretch/>
-        </p:blipFill>
-        <p:spPr bwMode="black">
-          <a:xfrm>
-            <a:off x="0" y="6126480"/>
-            <a:ext cx="12192000" cy="742950"/>
-          </a:xfrm>
-          <a:prstGeom prst="rect">
-            <a:avLst/>
-          </a:prstGeom>
-        </p:spPr>
-      </p:pic>
-      <p:cxnSp>
-        <p:nvCxnSpPr>
-          <p:cNvPr id="29" name="Straight Connector 28">
-            <a:extLst>
-              <a:ext uri="{FF2B5EF4-FFF2-40B4-BE49-F238E27FC236}">
-                <a16:creationId xmlns:a16="http://schemas.microsoft.com/office/drawing/2014/main" id="{942D078B-EF20-4DB1-AA1B-87F212C56A9A}"/>
-              </a:ext>
-              <a:ext uri="{C183D7F6-B498-43B3-948B-1728B52AA6E4}">
-                <adec:decorative xmlns:adec="http://schemas.microsoft.com/office/drawing/2017/decorative" val="1"/>
-              </a:ext>
-            </a:extLst>
-          </p:cNvPr>
-          <p:cNvCxnSpPr>
-            <a:cxnSpLocks noGrp="1" noRot="1" noChangeAspect="1" noMove="1" noResize="1" noEditPoints="1" noAdjustHandles="1" noChangeArrowheads="1" noChangeShapeType="1"/>
-          </p:cNvCxnSpPr>
-          <p:nvPr>
-            <p:extLst>
-              <p:ext uri="{386F3935-93C4-4BCD-93E2-E3B085C9AB24}">
-                <p16:designElem xmlns:p16="http://schemas.microsoft.com/office/powerpoint/2015/main" val="1"/>
-              </p:ext>
-            </p:extLst>
-          </p:nvPr>
-        </p:nvCxnSpPr>
-        <p:spPr>
-          <a:xfrm>
-            <a:off x="0" y="6128413"/>
-            <a:ext cx="12192000" cy="0"/>
-          </a:xfrm>
-          <a:prstGeom prst="line">
-            <a:avLst/>
-          </a:prstGeom>
-          <a:ln w="12700">
-            <a:solidFill>
-              <a:srgbClr val="000001">
-                <a:alpha val="20000"/>
-              </a:srgbClr>
-            </a:solidFill>
-          </a:ln>
-        </p:spPr>
-        <p:style>
-          <a:lnRef idx="1">
-            <a:schemeClr val="accent1"/>
-          </a:lnRef>
-          <a:fillRef idx="0">
-            <a:schemeClr val="accent1"/>
-          </a:fillRef>
-          <a:effectRef idx="0">
-            <a:schemeClr val="accent1"/>
-          </a:effectRef>
-          <a:fontRef idx="minor">
-            <a:schemeClr val="tx1"/>
-          </a:fontRef>
-        </p:style>
-      </p:cxnSp>
-    </p:spTree>
-    <p:extLst>
-      <p:ext uri="{BB962C8B-B14F-4D97-AF65-F5344CB8AC3E}">
-        <p14:creationId xmlns:p14="http://schemas.microsoft.com/office/powerpoint/2010/main" val="2724589346"/>
+        <p14:creationId xmlns:p14="http://schemas.microsoft.com/office/powerpoint/2010/main" val="3557065428"/>
       </p:ext>
     </p:extLst>
   </p:cSld>

--- a/Presentation/Social Media Impact_final_ppt.pptx
+++ b/Presentation/Social Media Impact_final_ppt.pptx
@@ -24,7 +24,9 @@
     <p:sldId id="275" r:id="rId18"/>
     <p:sldId id="276" r:id="rId19"/>
     <p:sldId id="277" r:id="rId20"/>
-    <p:sldId id="278" r:id="rId21"/>
+    <p:sldId id="279" r:id="rId21"/>
+    <p:sldId id="278" r:id="rId22"/>
+    <p:sldId id="280" r:id="rId23"/>
   </p:sldIdLst>
   <p:sldSz cx="12192000" cy="6858000"/>
   <p:notesSz cx="6858000" cy="9144000"/>
@@ -272,7 +274,7 @@
             <a:fld id="{3F9AFA87-1417-4992-ABD9-27C3BC8CC883}" type="datetimeFigureOut">
               <a:rPr lang="en-US" smtClean="0"/>
               <a:pPr algn="r"/>
-              <a:t>2022-03-30</a:t>
+              <a:t>2022-04-01</a:t>
             </a:fld>
             <a:endParaRPr lang="en-US" dirty="0"/>
           </a:p>
@@ -484,7 +486,7 @@
           <a:p>
             <a:fld id="{3F9AFA87-1417-4992-ABD9-27C3BC8CC883}" type="datetimeFigureOut">
               <a:rPr lang="en-US" smtClean="0"/>
-              <a:t>2022-03-30</a:t>
+              <a:t>2022-04-01</a:t>
             </a:fld>
             <a:endParaRPr lang="en-US"/>
           </a:p>
@@ -699,7 +701,7 @@
           <a:p>
             <a:fld id="{3F9AFA87-1417-4992-ABD9-27C3BC8CC883}" type="datetimeFigureOut">
               <a:rPr lang="en-US" smtClean="0"/>
-              <a:t>2022-03-30</a:t>
+              <a:t>2022-04-01</a:t>
             </a:fld>
             <a:endParaRPr lang="en-US"/>
           </a:p>
@@ -900,7 +902,7 @@
           <a:p>
             <a:fld id="{3F9AFA87-1417-4992-ABD9-27C3BC8CC883}" type="datetimeFigureOut">
               <a:rPr lang="en-US" smtClean="0"/>
-              <a:t>2022-03-30</a:t>
+              <a:t>2022-04-01</a:t>
             </a:fld>
             <a:endParaRPr lang="en-US"/>
           </a:p>
@@ -1179,7 +1181,7 @@
           <a:p>
             <a:fld id="{3F9AFA87-1417-4992-ABD9-27C3BC8CC883}" type="datetimeFigureOut">
               <a:rPr lang="en-US" smtClean="0"/>
-              <a:t>2022-03-30</a:t>
+              <a:t>2022-04-01</a:t>
             </a:fld>
             <a:endParaRPr lang="en-US"/>
           </a:p>
@@ -1447,7 +1449,7 @@
           <a:p>
             <a:fld id="{3F9AFA87-1417-4992-ABD9-27C3BC8CC883}" type="datetimeFigureOut">
               <a:rPr lang="en-US" smtClean="0"/>
-              <a:t>2022-03-30</a:t>
+              <a:t>2022-04-01</a:t>
             </a:fld>
             <a:endParaRPr lang="en-US" dirty="0"/>
           </a:p>
@@ -1863,7 +1865,7 @@
           <a:p>
             <a:fld id="{3F9AFA87-1417-4992-ABD9-27C3BC8CC883}" type="datetimeFigureOut">
               <a:rPr lang="en-US" smtClean="0"/>
-              <a:t>2022-03-30</a:t>
+              <a:t>2022-04-01</a:t>
             </a:fld>
             <a:endParaRPr lang="en-US"/>
           </a:p>
@@ -2012,7 +2014,7 @@
           <a:p>
             <a:fld id="{3F9AFA87-1417-4992-ABD9-27C3BC8CC883}" type="datetimeFigureOut">
               <a:rPr lang="en-US" smtClean="0"/>
-              <a:t>2022-03-30</a:t>
+              <a:t>2022-04-01</a:t>
             </a:fld>
             <a:endParaRPr lang="en-US"/>
           </a:p>
@@ -2138,7 +2140,7 @@
           <a:p>
             <a:fld id="{3F9AFA87-1417-4992-ABD9-27C3BC8CC883}" type="datetimeFigureOut">
               <a:rPr lang="en-US" smtClean="0"/>
-              <a:t>2022-03-30</a:t>
+              <a:t>2022-04-01</a:t>
             </a:fld>
             <a:endParaRPr lang="en-US"/>
           </a:p>
@@ -2389,7 +2391,7 @@
           <a:p>
             <a:fld id="{3F9AFA87-1417-4992-ABD9-27C3BC8CC883}" type="datetimeFigureOut">
               <a:rPr lang="en-US" smtClean="0"/>
-              <a:t>2022-03-30</a:t>
+              <a:t>2022-04-01</a:t>
             </a:fld>
             <a:endParaRPr lang="en-US"/>
           </a:p>
@@ -2834,7 +2836,7 @@
           <a:p>
             <a:fld id="{3F9AFA87-1417-4992-ABD9-27C3BC8CC883}" type="datetimeFigureOut">
               <a:rPr lang="en-US" smtClean="0"/>
-              <a:t>2022-03-30</a:t>
+              <a:t>2022-04-01</a:t>
             </a:fld>
             <a:endParaRPr lang="en-US"/>
           </a:p>
@@ -3163,7 +3165,7 @@
             <a:fld id="{3F9AFA87-1417-4992-ABD9-27C3BC8CC883}" type="datetimeFigureOut">
               <a:rPr lang="en-US" smtClean="0"/>
               <a:pPr algn="r"/>
-              <a:t>2022-03-30</a:t>
+              <a:t>2022-04-01</a:t>
             </a:fld>
             <a:endParaRPr lang="en-US" dirty="0"/>
           </a:p>
@@ -7326,6 +7328,114 @@
           <a:chExt cx="0" cy="0"/>
         </a:xfrm>
       </p:grpSpPr>
+      <p:sp>
+        <p:nvSpPr>
+          <p:cNvPr id="2" name="Title 1">
+            <a:extLst>
+              <a:ext uri="{FF2B5EF4-FFF2-40B4-BE49-F238E27FC236}">
+                <a16:creationId xmlns:a16="http://schemas.microsoft.com/office/drawing/2014/main" id="{427A07C9-2785-487F-8E6F-0A9136FD3D69}"/>
+              </a:ext>
+            </a:extLst>
+          </p:cNvPr>
+          <p:cNvSpPr>
+            <a:spLocks noGrp="1"/>
+          </p:cNvSpPr>
+          <p:nvPr>
+            <p:ph type="title"/>
+          </p:nvPr>
+        </p:nvSpPr>
+        <p:spPr>
+          <a:xfrm>
+            <a:off x="1441419" y="652119"/>
+            <a:ext cx="9603275" cy="1049235"/>
+          </a:xfrm>
+        </p:spPr>
+        <p:txBody>
+          <a:bodyPr/>
+          <a:lstStyle/>
+          <a:p>
+            <a:pPr algn="ctr"/>
+            <a:r>
+              <a:rPr lang="en-US" dirty="0">
+                <a:hlinkClick r:id="rId2"/>
+              </a:rPr>
+              <a:t>Tableau Dashboard</a:t>
+            </a:r>
+            <a:endParaRPr lang="en-US" dirty="0"/>
+          </a:p>
+        </p:txBody>
+      </p:sp>
+      <p:pic>
+        <p:nvPicPr>
+          <p:cNvPr id="5" name="Content Placeholder 4" descr="Chart, line chart&#10;&#10;Description automatically generated">
+            <a:extLst>
+              <a:ext uri="{FF2B5EF4-FFF2-40B4-BE49-F238E27FC236}">
+                <a16:creationId xmlns:a16="http://schemas.microsoft.com/office/drawing/2014/main" id="{34E48286-229E-4067-B2AB-1D5904998C9A}"/>
+              </a:ext>
+            </a:extLst>
+          </p:cNvPr>
+          <p:cNvPicPr>
+            <a:picLocks noGrp="1" noChangeAspect="1"/>
+          </p:cNvPicPr>
+          <p:nvPr>
+            <p:ph idx="1"/>
+          </p:nvPr>
+        </p:nvPicPr>
+        <p:blipFill>
+          <a:blip r:embed="rId3">
+            <a:extLst>
+              <a:ext uri="{28A0092B-C50C-407E-A947-70E740481C1C}">
+                <a14:useLocalDpi xmlns:a14="http://schemas.microsoft.com/office/drawing/2010/main" val="0"/>
+              </a:ext>
+            </a:extLst>
+          </a:blip>
+          <a:stretch>
+            <a:fillRect/>
+          </a:stretch>
+        </p:blipFill>
+        <p:spPr>
+          <a:xfrm>
+            <a:off x="1441418" y="1853564"/>
+            <a:ext cx="4856639" cy="3521558"/>
+          </a:xfrm>
+        </p:spPr>
+      </p:pic>
+      <p:pic>
+        <p:nvPicPr>
+          <p:cNvPr id="9" name="Picture 8" descr="Chart, bar chart&#10;&#10;Description automatically generated">
+            <a:extLst>
+              <a:ext uri="{FF2B5EF4-FFF2-40B4-BE49-F238E27FC236}">
+                <a16:creationId xmlns:a16="http://schemas.microsoft.com/office/drawing/2014/main" id="{8CAC0F8C-D838-45EB-A2C8-129EFE843693}"/>
+              </a:ext>
+            </a:extLst>
+          </p:cNvPr>
+          <p:cNvPicPr>
+            <a:picLocks noChangeAspect="1"/>
+          </p:cNvPicPr>
+          <p:nvPr/>
+        </p:nvPicPr>
+        <p:blipFill>
+          <a:blip r:embed="rId4">
+            <a:extLst>
+              <a:ext uri="{28A0092B-C50C-407E-A947-70E740481C1C}">
+                <a14:useLocalDpi xmlns:a14="http://schemas.microsoft.com/office/drawing/2010/main" val="0"/>
+              </a:ext>
+            </a:extLst>
+          </a:blip>
+          <a:stretch>
+            <a:fillRect/>
+          </a:stretch>
+        </p:blipFill>
+        <p:spPr>
+          <a:xfrm>
+            <a:off x="6298057" y="1869897"/>
+            <a:ext cx="4746637" cy="3505225"/>
+          </a:xfrm>
+          <a:prstGeom prst="rect">
+            <a:avLst/>
+          </a:prstGeom>
+        </p:spPr>
+      </p:pic>
     </p:spTree>
     <p:extLst>
       <p:ext uri="{BB962C8B-B14F-4D97-AF65-F5344CB8AC3E}">
@@ -9006,6 +9116,312 @@
         <a:gradFill rotWithShape="1">
           <a:gsLst>
             <a:gs pos="0">
+              <a:schemeClr val="bg2">
+                <a:tint val="94000"/>
+                <a:satMod val="80000"/>
+                <a:lumMod val="106000"/>
+              </a:schemeClr>
+            </a:gs>
+            <a:gs pos="100000">
+              <a:schemeClr val="bg2">
+                <a:shade val="80000"/>
+              </a:schemeClr>
+            </a:gs>
+          </a:gsLst>
+          <a:path path="circle">
+            <a:fillToRect l="43000" r="43000" b="100000"/>
+          </a:path>
+        </a:gradFill>
+        <a:effectLst/>
+      </p:bgPr>
+    </p:bg>
+    <p:spTree>
+      <p:nvGrpSpPr>
+        <p:cNvPr id="1" name=""/>
+        <p:cNvGrpSpPr/>
+        <p:nvPr/>
+      </p:nvGrpSpPr>
+      <p:grpSpPr>
+        <a:xfrm>
+          <a:off x="0" y="0"/>
+          <a:ext cx="0" cy="0"/>
+          <a:chOff x="0" y="0"/>
+          <a:chExt cx="0" cy="0"/>
+        </a:xfrm>
+      </p:grpSpPr>
+      <p:sp>
+        <p:nvSpPr>
+          <p:cNvPr id="54" name="Rectangle 53">
+            <a:extLst>
+              <a:ext uri="{FF2B5EF4-FFF2-40B4-BE49-F238E27FC236}">
+                <a16:creationId xmlns:a16="http://schemas.microsoft.com/office/drawing/2014/main" id="{2FAC8C30-93FA-4F99-80C4-C952D83A4950}"/>
+              </a:ext>
+              <a:ext uri="{C183D7F6-B498-43B3-948B-1728B52AA6E4}">
+                <adec:decorative xmlns:adec="http://schemas.microsoft.com/office/drawing/2017/decorative" val="1"/>
+              </a:ext>
+            </a:extLst>
+          </p:cNvPr>
+          <p:cNvSpPr>
+            <a:spLocks noGrp="1" noRot="1" noChangeAspect="1" noMove="1" noResize="1" noEditPoints="1" noAdjustHandles="1" noChangeArrowheads="1" noChangeShapeType="1" noTextEdit="1"/>
+          </p:cNvSpPr>
+          <p:nvPr>
+            <p:extLst>
+              <p:ext uri="{386F3935-93C4-4BCD-93E2-E3B085C9AB24}">
+                <p16:designElem xmlns:p16="http://schemas.microsoft.com/office/powerpoint/2015/main" val="1"/>
+              </p:ext>
+            </p:extLst>
+          </p:nvPr>
+        </p:nvSpPr>
+        <p:spPr>
+          <a:xfrm>
+            <a:off x="0" y="2019476"/>
+            <a:ext cx="12192000" cy="4105941"/>
+          </a:xfrm>
+          <a:prstGeom prst="rect">
+            <a:avLst/>
+          </a:prstGeom>
+          <a:gradFill flip="none" rotWithShape="1">
+            <a:gsLst>
+              <a:gs pos="0">
+                <a:schemeClr val="bg2">
+                  <a:alpha val="0"/>
+                </a:schemeClr>
+              </a:gs>
+              <a:gs pos="100000">
+                <a:schemeClr val="bg2"/>
+              </a:gs>
+            </a:gsLst>
+            <a:lin ang="5400000" scaled="0"/>
+            <a:tileRect/>
+          </a:gradFill>
+          <a:ln>
+            <a:noFill/>
+          </a:ln>
+        </p:spPr>
+        <p:style>
+          <a:lnRef idx="2">
+            <a:schemeClr val="accent1">
+              <a:shade val="50000"/>
+            </a:schemeClr>
+          </a:lnRef>
+          <a:fillRef idx="1">
+            <a:schemeClr val="accent1"/>
+          </a:fillRef>
+          <a:effectRef idx="0">
+            <a:schemeClr val="accent1"/>
+          </a:effectRef>
+          <a:fontRef idx="minor">
+            <a:schemeClr val="lt1"/>
+          </a:fontRef>
+        </p:style>
+      </p:sp>
+      <p:pic>
+        <p:nvPicPr>
+          <p:cNvPr id="56" name="Picture 55">
+            <a:extLst>
+              <a:ext uri="{FF2B5EF4-FFF2-40B4-BE49-F238E27FC236}">
+                <a16:creationId xmlns:a16="http://schemas.microsoft.com/office/drawing/2014/main" id="{F3ACDE2A-6BC1-4786-87B1-F7DA35351E7A}"/>
+              </a:ext>
+              <a:ext uri="{C183D7F6-B498-43B3-948B-1728B52AA6E4}">
+                <adec:decorative xmlns:adec="http://schemas.microsoft.com/office/drawing/2017/decorative" val="1"/>
+              </a:ext>
+            </a:extLst>
+          </p:cNvPr>
+          <p:cNvPicPr>
+            <a:picLocks noGrp="1" noRot="1" noChangeAspect="1" noMove="1" noResize="1" noEditPoints="1" noAdjustHandles="1" noChangeArrowheads="1" noChangeShapeType="1" noCrop="1"/>
+          </p:cNvPicPr>
+          <p:nvPr>
+            <p:extLst>
+              <p:ext uri="{386F3935-93C4-4BCD-93E2-E3B085C9AB24}">
+                <p16:designElem xmlns:p16="http://schemas.microsoft.com/office/powerpoint/2015/main" val="1"/>
+              </p:ext>
+            </p:extLst>
+          </p:nvPr>
+        </p:nvPicPr>
+        <p:blipFill rotWithShape="1">
+          <a:blip r:embed="rId2">
+            <a:extLst>
+              <a:ext uri="{28A0092B-C50C-407E-A947-70E740481C1C}">
+                <a14:useLocalDpi xmlns:a14="http://schemas.microsoft.com/office/drawing/2010/main" val="0"/>
+              </a:ext>
+            </a:extLst>
+          </a:blip>
+          <a:srcRect t="1538" b="-1538"/>
+          <a:stretch/>
+        </p:blipFill>
+        <p:spPr bwMode="black">
+          <a:xfrm>
+            <a:off x="0" y="6126480"/>
+            <a:ext cx="12192000" cy="742950"/>
+          </a:xfrm>
+          <a:prstGeom prst="rect">
+            <a:avLst/>
+          </a:prstGeom>
+        </p:spPr>
+      </p:pic>
+      <p:cxnSp>
+        <p:nvCxnSpPr>
+          <p:cNvPr id="58" name="Straight Connector 57">
+            <a:extLst>
+              <a:ext uri="{FF2B5EF4-FFF2-40B4-BE49-F238E27FC236}">
+                <a16:creationId xmlns:a16="http://schemas.microsoft.com/office/drawing/2014/main" id="{0A2CC8B5-9886-4AFA-BE09-6178A4ED301A}"/>
+              </a:ext>
+              <a:ext uri="{C183D7F6-B498-43B3-948B-1728B52AA6E4}">
+                <adec:decorative xmlns:adec="http://schemas.microsoft.com/office/drawing/2017/decorative" val="1"/>
+              </a:ext>
+            </a:extLst>
+          </p:cNvPr>
+          <p:cNvCxnSpPr>
+            <a:cxnSpLocks noGrp="1" noRot="1" noChangeAspect="1" noMove="1" noResize="1" noEditPoints="1" noAdjustHandles="1" noChangeArrowheads="1" noChangeShapeType="1"/>
+          </p:cNvCxnSpPr>
+          <p:nvPr>
+            <p:extLst>
+              <p:ext uri="{386F3935-93C4-4BCD-93E2-E3B085C9AB24}">
+                <p16:designElem xmlns:p16="http://schemas.microsoft.com/office/powerpoint/2015/main" val="1"/>
+              </p:ext>
+            </p:extLst>
+          </p:nvPr>
+        </p:nvCxnSpPr>
+        <p:spPr>
+          <a:xfrm>
+            <a:off x="0" y="6128413"/>
+            <a:ext cx="12192000" cy="0"/>
+          </a:xfrm>
+          <a:prstGeom prst="line">
+            <a:avLst/>
+          </a:prstGeom>
+          <a:ln w="12700">
+            <a:solidFill>
+              <a:srgbClr val="000001">
+                <a:alpha val="20000"/>
+              </a:srgbClr>
+            </a:solidFill>
+          </a:ln>
+        </p:spPr>
+        <p:style>
+          <a:lnRef idx="1">
+            <a:schemeClr val="accent1"/>
+          </a:lnRef>
+          <a:fillRef idx="0">
+            <a:schemeClr val="accent1"/>
+          </a:fillRef>
+          <a:effectRef idx="0">
+            <a:schemeClr val="accent1"/>
+          </a:effectRef>
+          <a:fontRef idx="minor">
+            <a:schemeClr val="tx1"/>
+          </a:fontRef>
+        </p:style>
+      </p:cxnSp>
+      <p:pic>
+        <p:nvPicPr>
+          <p:cNvPr id="5" name="Content Placeholder 4" descr="Chart, bar chart&#10;&#10;Description automatically generated">
+            <a:extLst>
+              <a:ext uri="{FF2B5EF4-FFF2-40B4-BE49-F238E27FC236}">
+                <a16:creationId xmlns:a16="http://schemas.microsoft.com/office/drawing/2014/main" id="{547E7EDD-C720-46E5-AC32-ED481B39FEE0}"/>
+              </a:ext>
+            </a:extLst>
+          </p:cNvPr>
+          <p:cNvPicPr>
+            <a:picLocks noGrp="1" noChangeAspect="1"/>
+          </p:cNvPicPr>
+          <p:nvPr>
+            <p:ph idx="1"/>
+          </p:nvPr>
+        </p:nvPicPr>
+        <p:blipFill>
+          <a:blip r:embed="rId3">
+            <a:extLst>
+              <a:ext uri="{28A0092B-C50C-407E-A947-70E740481C1C}">
+                <a14:useLocalDpi xmlns:a14="http://schemas.microsoft.com/office/drawing/2010/main" val="0"/>
+              </a:ext>
+            </a:extLst>
+          </a:blip>
+          <a:stretch>
+            <a:fillRect/>
+          </a:stretch>
+        </p:blipFill>
+        <p:spPr>
+          <a:xfrm>
+            <a:off x="585716" y="1054849"/>
+            <a:ext cx="5159675" cy="4011645"/>
+          </a:xfrm>
+          <a:prstGeom prst="rect">
+            <a:avLst/>
+          </a:prstGeom>
+          <a:effectLst>
+            <a:outerShdw blurRad="50800" dist="38100" dir="2700000" algn="tl" rotWithShape="0">
+              <a:prstClr val="black">
+                <a:alpha val="40000"/>
+              </a:prstClr>
+            </a:outerShdw>
+          </a:effectLst>
+        </p:spPr>
+      </p:pic>
+      <p:pic>
+        <p:nvPicPr>
+          <p:cNvPr id="7" name="Picture 6" descr="Text&#10;&#10;Description automatically generated">
+            <a:extLst>
+              <a:ext uri="{FF2B5EF4-FFF2-40B4-BE49-F238E27FC236}">
+                <a16:creationId xmlns:a16="http://schemas.microsoft.com/office/drawing/2014/main" id="{332F66FF-0952-48DF-9EB1-159C6F78CC00}"/>
+              </a:ext>
+            </a:extLst>
+          </p:cNvPr>
+          <p:cNvPicPr>
+            <a:picLocks noChangeAspect="1"/>
+          </p:cNvPicPr>
+          <p:nvPr/>
+        </p:nvPicPr>
+        <p:blipFill>
+          <a:blip r:embed="rId4">
+            <a:extLst>
+              <a:ext uri="{28A0092B-C50C-407E-A947-70E740481C1C}">
+                <a14:useLocalDpi xmlns:a14="http://schemas.microsoft.com/office/drawing/2010/main" val="0"/>
+              </a:ext>
+            </a:extLst>
+          </a:blip>
+          <a:stretch>
+            <a:fillRect/>
+          </a:stretch>
+        </p:blipFill>
+        <p:spPr>
+          <a:xfrm>
+            <a:off x="6388857" y="1177391"/>
+            <a:ext cx="5159676" cy="3766562"/>
+          </a:xfrm>
+          <a:prstGeom prst="rect">
+            <a:avLst/>
+          </a:prstGeom>
+          <a:effectLst>
+            <a:outerShdw blurRad="50800" dist="38100" dir="2700000" algn="tl" rotWithShape="0">
+              <a:prstClr val="black">
+                <a:alpha val="40000"/>
+              </a:prstClr>
+            </a:outerShdw>
+          </a:effectLst>
+        </p:spPr>
+      </p:pic>
+    </p:spTree>
+    <p:extLst>
+      <p:ext uri="{BB962C8B-B14F-4D97-AF65-F5344CB8AC3E}">
+        <p14:creationId xmlns:p14="http://schemas.microsoft.com/office/powerpoint/2010/main" val="590277654"/>
+      </p:ext>
+    </p:extLst>
+  </p:cSld>
+  <p:clrMapOvr>
+    <a:masterClrMapping/>
+  </p:clrMapOvr>
+</p:sld>
+</file>
+
+<file path=ppt/slides/slide21.xml><?xml version="1.0" encoding="utf-8"?>
+<p:sld xmlns:a="http://schemas.openxmlformats.org/drawingml/2006/main" xmlns:r="http://schemas.openxmlformats.org/officeDocument/2006/relationships" xmlns:p="http://schemas.openxmlformats.org/presentationml/2006/main">
+  <p:cSld>
+    <p:bg>
+      <p:bgPr>
+        <a:gradFill rotWithShape="1">
+          <a:gsLst>
+            <a:gs pos="0">
               <a:schemeClr val="bg1">
                 <a:tint val="94000"/>
                 <a:satMod val="80000"/>
@@ -9346,7 +9762,7 @@
             </a:r>
             <a:r>
               <a:rPr lang="en-US" sz="6000" dirty="0"/>
-              <a:t>Other Aspects</a:t>
+              <a:t>On contrary</a:t>
             </a:r>
           </a:p>
         </p:txBody>
@@ -9408,6 +9824,261 @@
   </p:cSld>
   <p:clrMapOvr>
     <a:overrideClrMapping bg1="dk1" tx1="lt1" bg2="dk2" tx2="lt2" accent1="accent1" accent2="accent2" accent3="accent3" accent4="accent4" accent5="accent5" accent6="accent6" hlink="hlink" folHlink="folHlink"/>
+  </p:clrMapOvr>
+</p:sld>
+</file>
+
+<file path=ppt/slides/slide22.xml><?xml version="1.0" encoding="utf-8"?>
+<p:sld xmlns:a="http://schemas.openxmlformats.org/drawingml/2006/main" xmlns:r="http://schemas.openxmlformats.org/officeDocument/2006/relationships" xmlns:p="http://schemas.openxmlformats.org/presentationml/2006/main">
+  <p:cSld>
+    <p:bg>
+      <p:bgPr>
+        <a:gradFill rotWithShape="1">
+          <a:gsLst>
+            <a:gs pos="0">
+              <a:schemeClr val="bg2">
+                <a:tint val="94000"/>
+                <a:satMod val="80000"/>
+                <a:lumMod val="106000"/>
+              </a:schemeClr>
+            </a:gs>
+            <a:gs pos="100000">
+              <a:schemeClr val="bg2">
+                <a:shade val="80000"/>
+              </a:schemeClr>
+            </a:gs>
+          </a:gsLst>
+          <a:path path="circle">
+            <a:fillToRect l="43000" r="43000" b="100000"/>
+          </a:path>
+        </a:gradFill>
+        <a:effectLst/>
+      </p:bgPr>
+    </p:bg>
+    <p:spTree>
+      <p:nvGrpSpPr>
+        <p:cNvPr id="1" name=""/>
+        <p:cNvGrpSpPr/>
+        <p:nvPr/>
+      </p:nvGrpSpPr>
+      <p:grpSpPr>
+        <a:xfrm>
+          <a:off x="0" y="0"/>
+          <a:ext cx="0" cy="0"/>
+          <a:chOff x="0" y="0"/>
+          <a:chExt cx="0" cy="0"/>
+        </a:xfrm>
+      </p:grpSpPr>
+      <p:sp>
+        <p:nvSpPr>
+          <p:cNvPr id="11" name="Rectangle 10">
+            <a:extLst>
+              <a:ext uri="{FF2B5EF4-FFF2-40B4-BE49-F238E27FC236}">
+                <a16:creationId xmlns:a16="http://schemas.microsoft.com/office/drawing/2014/main" id="{6738F172-08B9-4BA5-B753-7D93472C0B11}"/>
+              </a:ext>
+              <a:ext uri="{C183D7F6-B498-43B3-948B-1728B52AA6E4}">
+                <adec:decorative xmlns:adec="http://schemas.microsoft.com/office/drawing/2017/decorative" val="1"/>
+              </a:ext>
+            </a:extLst>
+          </p:cNvPr>
+          <p:cNvSpPr>
+            <a:spLocks noGrp="1" noRot="1" noChangeAspect="1" noMove="1" noResize="1" noEditPoints="1" noAdjustHandles="1" noChangeArrowheads="1" noChangeShapeType="1" noTextEdit="1"/>
+          </p:cNvSpPr>
+          <p:nvPr>
+            <p:extLst>
+              <p:ext uri="{386F3935-93C4-4BCD-93E2-E3B085C9AB24}">
+                <p16:designElem xmlns:p16="http://schemas.microsoft.com/office/powerpoint/2015/main" val="1"/>
+              </p:ext>
+            </p:extLst>
+          </p:nvPr>
+        </p:nvSpPr>
+        <p:spPr>
+          <a:xfrm>
+            <a:off x="0" y="2019476"/>
+            <a:ext cx="12192000" cy="4105941"/>
+          </a:xfrm>
+          <a:prstGeom prst="rect">
+            <a:avLst/>
+          </a:prstGeom>
+          <a:gradFill flip="none" rotWithShape="1">
+            <a:gsLst>
+              <a:gs pos="0">
+                <a:schemeClr val="bg2">
+                  <a:alpha val="0"/>
+                </a:schemeClr>
+              </a:gs>
+              <a:gs pos="100000">
+                <a:schemeClr val="bg2"/>
+              </a:gs>
+            </a:gsLst>
+            <a:lin ang="5400000" scaled="0"/>
+            <a:tileRect/>
+          </a:gradFill>
+          <a:ln>
+            <a:noFill/>
+          </a:ln>
+        </p:spPr>
+        <p:style>
+          <a:lnRef idx="2">
+            <a:schemeClr val="accent1">
+              <a:shade val="50000"/>
+            </a:schemeClr>
+          </a:lnRef>
+          <a:fillRef idx="1">
+            <a:schemeClr val="accent1"/>
+          </a:fillRef>
+          <a:effectRef idx="0">
+            <a:schemeClr val="accent1"/>
+          </a:effectRef>
+          <a:fontRef idx="minor">
+            <a:schemeClr val="lt1"/>
+          </a:fontRef>
+        </p:style>
+      </p:sp>
+      <p:pic>
+        <p:nvPicPr>
+          <p:cNvPr id="13" name="Picture 12">
+            <a:extLst>
+              <a:ext uri="{FF2B5EF4-FFF2-40B4-BE49-F238E27FC236}">
+                <a16:creationId xmlns:a16="http://schemas.microsoft.com/office/drawing/2014/main" id="{C900681B-C4FD-40B3-B5BC-C33231614C91}"/>
+              </a:ext>
+              <a:ext uri="{C183D7F6-B498-43B3-948B-1728B52AA6E4}">
+                <adec:decorative xmlns:adec="http://schemas.microsoft.com/office/drawing/2017/decorative" val="1"/>
+              </a:ext>
+            </a:extLst>
+          </p:cNvPr>
+          <p:cNvPicPr>
+            <a:picLocks noGrp="1" noRot="1" noChangeAspect="1" noMove="1" noResize="1" noEditPoints="1" noAdjustHandles="1" noChangeArrowheads="1" noChangeShapeType="1" noCrop="1"/>
+          </p:cNvPicPr>
+          <p:nvPr>
+            <p:extLst>
+              <p:ext uri="{386F3935-93C4-4BCD-93E2-E3B085C9AB24}">
+                <p16:designElem xmlns:p16="http://schemas.microsoft.com/office/powerpoint/2015/main" val="1"/>
+              </p:ext>
+            </p:extLst>
+          </p:nvPr>
+        </p:nvPicPr>
+        <p:blipFill rotWithShape="1">
+          <a:blip r:embed="rId2">
+            <a:extLst>
+              <a:ext uri="{28A0092B-C50C-407E-A947-70E740481C1C}">
+                <a14:useLocalDpi xmlns:a14="http://schemas.microsoft.com/office/drawing/2010/main" val="0"/>
+              </a:ext>
+            </a:extLst>
+          </a:blip>
+          <a:srcRect t="1538" b="-1538"/>
+          <a:stretch/>
+        </p:blipFill>
+        <p:spPr bwMode="black">
+          <a:xfrm>
+            <a:off x="0" y="6126480"/>
+            <a:ext cx="12192000" cy="742950"/>
+          </a:xfrm>
+          <a:prstGeom prst="rect">
+            <a:avLst/>
+          </a:prstGeom>
+        </p:spPr>
+      </p:pic>
+      <p:cxnSp>
+        <p:nvCxnSpPr>
+          <p:cNvPr id="15" name="Straight Connector 14">
+            <a:extLst>
+              <a:ext uri="{FF2B5EF4-FFF2-40B4-BE49-F238E27FC236}">
+                <a16:creationId xmlns:a16="http://schemas.microsoft.com/office/drawing/2014/main" id="{FEAACD67-2FB5-4530-9B74-8D946F1CE9E3}"/>
+              </a:ext>
+              <a:ext uri="{C183D7F6-B498-43B3-948B-1728B52AA6E4}">
+                <adec:decorative xmlns:adec="http://schemas.microsoft.com/office/drawing/2017/decorative" val="1"/>
+              </a:ext>
+            </a:extLst>
+          </p:cNvPr>
+          <p:cNvCxnSpPr>
+            <a:cxnSpLocks noGrp="1" noRot="1" noChangeAspect="1" noMove="1" noResize="1" noEditPoints="1" noAdjustHandles="1" noChangeArrowheads="1" noChangeShapeType="1"/>
+          </p:cNvCxnSpPr>
+          <p:nvPr>
+            <p:extLst>
+              <p:ext uri="{386F3935-93C4-4BCD-93E2-E3B085C9AB24}">
+                <p16:designElem xmlns:p16="http://schemas.microsoft.com/office/powerpoint/2015/main" val="1"/>
+              </p:ext>
+            </p:extLst>
+          </p:nvPr>
+        </p:nvCxnSpPr>
+        <p:spPr>
+          <a:xfrm>
+            <a:off x="0" y="6128413"/>
+            <a:ext cx="12192000" cy="0"/>
+          </a:xfrm>
+          <a:prstGeom prst="line">
+            <a:avLst/>
+          </a:prstGeom>
+          <a:ln w="12700">
+            <a:solidFill>
+              <a:srgbClr val="000001">
+                <a:alpha val="20000"/>
+              </a:srgbClr>
+            </a:solidFill>
+          </a:ln>
+        </p:spPr>
+        <p:style>
+          <a:lnRef idx="1">
+            <a:schemeClr val="accent1"/>
+          </a:lnRef>
+          <a:fillRef idx="0">
+            <a:schemeClr val="accent1"/>
+          </a:fillRef>
+          <a:effectRef idx="0">
+            <a:schemeClr val="accent1"/>
+          </a:effectRef>
+          <a:fontRef idx="minor">
+            <a:schemeClr val="tx1"/>
+          </a:fontRef>
+        </p:style>
+      </p:cxnSp>
+      <p:pic>
+        <p:nvPicPr>
+          <p:cNvPr id="6" name="Content Placeholder 5" descr="Icon&#10;&#10;Description automatically generated">
+            <a:extLst>
+              <a:ext uri="{FF2B5EF4-FFF2-40B4-BE49-F238E27FC236}">
+                <a16:creationId xmlns:a16="http://schemas.microsoft.com/office/drawing/2014/main" id="{4B369CB3-9EB4-40BF-BFE9-4CD7D398D1E6}"/>
+              </a:ext>
+            </a:extLst>
+          </p:cNvPr>
+          <p:cNvPicPr>
+            <a:picLocks noGrp="1" noChangeAspect="1"/>
+          </p:cNvPicPr>
+          <p:nvPr>
+            <p:ph idx="1"/>
+          </p:nvPr>
+        </p:nvPicPr>
+        <p:blipFill rotWithShape="1">
+          <a:blip r:embed="rId3">
+            <a:extLst>
+              <a:ext uri="{28A0092B-C50C-407E-A947-70E740481C1C}">
+                <a14:useLocalDpi xmlns:a14="http://schemas.microsoft.com/office/drawing/2010/main" val="0"/>
+              </a:ext>
+            </a:extLst>
+          </a:blip>
+          <a:srcRect/>
+          <a:stretch/>
+        </p:blipFill>
+        <p:spPr>
+          <a:xfrm>
+            <a:off x="20" y="10"/>
+            <a:ext cx="12191980" cy="6857990"/>
+          </a:xfrm>
+          <a:prstGeom prst="rect">
+            <a:avLst/>
+          </a:prstGeom>
+        </p:spPr>
+      </p:pic>
+    </p:spTree>
+    <p:extLst>
+      <p:ext uri="{BB962C8B-B14F-4D97-AF65-F5344CB8AC3E}">
+        <p14:creationId xmlns:p14="http://schemas.microsoft.com/office/powerpoint/2010/main" val="1100777491"/>
+      </p:ext>
+    </p:extLst>
+  </p:cSld>
+  <p:clrMapOvr>
+    <a:masterClrMapping/>
   </p:clrMapOvr>
 </p:sld>
 </file>
